--- a/Box Score to Bracket- Evaluating the Predictive Power of NBA Regular Season Performance on Playoff Outcomes.pptx
+++ b/Box Score to Bracket- Evaluating the Predictive Power of NBA Regular Season Performance on Playoff Outcomes.pptx
@@ -5,10 +5,11 @@
     <p:sldMasterId id="2147483648" r:id="rId1"/>
   </p:sldMasterIdLst>
   <p:notesMasterIdLst>
-    <p:notesMasterId r:id="rId3"/>
+    <p:notesMasterId r:id="rId4"/>
   </p:notesMasterIdLst>
   <p:sldIdLst>
-    <p:sldId id="256" r:id="rId2"/>
+    <p:sldId id="258" r:id="rId2"/>
+    <p:sldId id="259" r:id="rId3"/>
   </p:sldIdLst>
   <p:sldSz cx="51206400" cy="32004000"/>
   <p:notesSz cx="32918400" cy="51206400"/>
@@ -382,7 +383,7 @@
             <a:fld id="{F1893152-81D1-4001-991C-EF26B050CB87}" type="datetime1">
               <a:rPr lang="en-US" altLang="en-US"/>
               <a:pPr/>
-              <a:t>4/8/2025</a:t>
+              <a:t>4/11/2025</a:t>
             </a:fld>
             <a:endParaRPr lang="en-US" altLang="en-US"/>
           </a:p>
@@ -731,7 +732,13 @@
   <p:cSld>
     <p:spTree>
       <p:nvGrpSpPr>
-        <p:cNvPr id="1" name=""/>
+        <p:cNvPr id="1" name="">
+          <a:extLst>
+            <a:ext uri="{FF2B5EF4-FFF2-40B4-BE49-F238E27FC236}">
+              <a16:creationId xmlns:a16="http://schemas.microsoft.com/office/drawing/2014/main" id="{45F55B20-645A-504B-C814-E9D3D6F255FD}"/>
+            </a:ext>
+          </a:extLst>
+        </p:cNvPr>
         <p:cNvGrpSpPr/>
         <p:nvPr/>
       </p:nvGrpSpPr>
@@ -748,7 +755,7 @@
           <p:cNvPr id="15361" name="Slide Image Placeholder 1">
             <a:extLst>
               <a:ext uri="{FF2B5EF4-FFF2-40B4-BE49-F238E27FC236}">
-                <a16:creationId xmlns:a16="http://schemas.microsoft.com/office/drawing/2014/main" id="{C1E7BA64-1526-875E-A67A-7B904DE21060}"/>
+                <a16:creationId xmlns:a16="http://schemas.microsoft.com/office/drawing/2014/main" id="{54790E58-C6A0-D518-0567-DFEDFA6F0401}"/>
               </a:ext>
             </a:extLst>
           </p:cNvPr>
@@ -785,7 +792,7 @@
           <p:cNvPr id="15362" name="Notes Placeholder 2">
             <a:extLst>
               <a:ext uri="{FF2B5EF4-FFF2-40B4-BE49-F238E27FC236}">
-                <a16:creationId xmlns:a16="http://schemas.microsoft.com/office/drawing/2014/main" id="{2578443F-5C10-E58E-F838-CC86AD63EC45}"/>
+                <a16:creationId xmlns:a16="http://schemas.microsoft.com/office/drawing/2014/main" id="{E4D1C33E-2430-1699-BA3E-2A2CA75D5306}"/>
               </a:ext>
             </a:extLst>
           </p:cNvPr>
@@ -840,7 +847,7 @@
           <p:cNvPr id="15363" name="Slide Number Placeholder 3">
             <a:extLst>
               <a:ext uri="{FF2B5EF4-FFF2-40B4-BE49-F238E27FC236}">
-                <a16:creationId xmlns:a16="http://schemas.microsoft.com/office/drawing/2014/main" id="{3D3AFAC3-3DA4-2075-5699-92C25D5A2CE6}"/>
+                <a16:creationId xmlns:a16="http://schemas.microsoft.com/office/drawing/2014/main" id="{55D84EBE-7204-2B8C-F16D-4C92961131DB}"/>
               </a:ext>
             </a:extLst>
           </p:cNvPr>
@@ -998,6 +1005,301 @@
         </p:txBody>
       </p:sp>
     </p:spTree>
+    <p:extLst>
+      <p:ext uri="{BB962C8B-B14F-4D97-AF65-F5344CB8AC3E}">
+        <p14:creationId xmlns:p14="http://schemas.microsoft.com/office/powerpoint/2010/main" val="1230698047"/>
+      </p:ext>
+    </p:extLst>
+  </p:cSld>
+  <p:clrMapOvr>
+    <a:masterClrMapping/>
+  </p:clrMapOvr>
+</p:notes>
+</file>
+
+<file path=ppt/notesSlides/notesSlide2.xml><?xml version="1.0" encoding="utf-8"?>
+<p:notes xmlns:a="http://schemas.openxmlformats.org/drawingml/2006/main" xmlns:r="http://schemas.openxmlformats.org/officeDocument/2006/relationships" xmlns:p="http://schemas.openxmlformats.org/presentationml/2006/main">
+  <p:cSld>
+    <p:spTree>
+      <p:nvGrpSpPr>
+        <p:cNvPr id="1" name="">
+          <a:extLst>
+            <a:ext uri="{FF2B5EF4-FFF2-40B4-BE49-F238E27FC236}">
+              <a16:creationId xmlns:a16="http://schemas.microsoft.com/office/drawing/2014/main" id="{AC92AEC7-EBC3-78EF-76BD-F3E3353ADC0A}"/>
+            </a:ext>
+          </a:extLst>
+        </p:cNvPr>
+        <p:cNvGrpSpPr/>
+        <p:nvPr/>
+      </p:nvGrpSpPr>
+      <p:grpSpPr>
+        <a:xfrm>
+          <a:off x="0" y="0"/>
+          <a:ext cx="0" cy="0"/>
+          <a:chOff x="0" y="0"/>
+          <a:chExt cx="0" cy="0"/>
+        </a:xfrm>
+      </p:grpSpPr>
+      <p:sp>
+        <p:nvSpPr>
+          <p:cNvPr id="15361" name="Slide Image Placeholder 1">
+            <a:extLst>
+              <a:ext uri="{FF2B5EF4-FFF2-40B4-BE49-F238E27FC236}">
+                <a16:creationId xmlns:a16="http://schemas.microsoft.com/office/drawing/2014/main" id="{5161707D-B20F-B951-E638-347EFDF93FDE}"/>
+              </a:ext>
+            </a:extLst>
+          </p:cNvPr>
+          <p:cNvSpPr>
+            <a:spLocks noGrp="1" noRot="1" noChangeAspect="1"/>
+          </p:cNvSpPr>
+          <p:nvPr>
+            <p:ph type="sldImg"/>
+          </p:nvPr>
+        </p:nvSpPr>
+        <p:spPr bwMode="auto">
+          <a:noFill/>
+          <a:ln>
+            <a:solidFill>
+              <a:srgbClr val="000000"/>
+            </a:solidFill>
+            <a:miter lim="800000"/>
+            <a:headEnd/>
+            <a:tailEnd/>
+          </a:ln>
+          <a:extLst>
+            <a:ext uri="{909E8E84-426E-40DD-AFC4-6F175D3DCCD1}">
+              <a14:hiddenFill xmlns:a14="http://schemas.microsoft.com/office/drawing/2010/main">
+                <a:solidFill>
+                  <a:srgbClr val="FFFFFF"/>
+                </a:solidFill>
+              </a14:hiddenFill>
+            </a:ext>
+          </a:extLst>
+        </p:spPr>
+      </p:sp>
+      <p:sp>
+        <p:nvSpPr>
+          <p:cNvPr id="15362" name="Notes Placeholder 2">
+            <a:extLst>
+              <a:ext uri="{FF2B5EF4-FFF2-40B4-BE49-F238E27FC236}">
+                <a16:creationId xmlns:a16="http://schemas.microsoft.com/office/drawing/2014/main" id="{3CB8FDB3-7641-7F2D-2CDE-D1DA4146644B}"/>
+              </a:ext>
+            </a:extLst>
+          </p:cNvPr>
+          <p:cNvSpPr>
+            <a:spLocks noGrp="1"/>
+          </p:cNvSpPr>
+          <p:nvPr>
+            <p:ph type="body" idx="1"/>
+          </p:nvPr>
+        </p:nvSpPr>
+        <p:spPr bwMode="auto">
+          <a:noFill/>
+          <a:extLst>
+            <a:ext uri="{909E8E84-426E-40DD-AFC4-6F175D3DCCD1}">
+              <a14:hiddenFill xmlns:a14="http://schemas.microsoft.com/office/drawing/2010/main">
+                <a:solidFill>
+                  <a:srgbClr val="FFFFFF"/>
+                </a:solidFill>
+              </a14:hiddenFill>
+            </a:ext>
+            <a:ext uri="{91240B29-F687-4F45-9708-019B960494DF}">
+              <a14:hiddenLine xmlns:a14="http://schemas.microsoft.com/office/drawing/2010/main" w="9525">
+                <a:solidFill>
+                  <a:srgbClr val="000000"/>
+                </a:solidFill>
+                <a:miter lim="800000"/>
+                <a:headEnd/>
+                <a:tailEnd/>
+              </a14:hiddenLine>
+            </a:ext>
+          </a:extLst>
+        </p:spPr>
+        <p:txBody>
+          <a:bodyPr/>
+          <a:lstStyle/>
+          <a:p>
+            <a:pPr eaLnBrk="1" hangingPunct="1">
+              <a:spcBef>
+                <a:spcPct val="0"/>
+              </a:spcBef>
+            </a:pPr>
+            <a:endParaRPr lang="en-US" altLang="en-US" sz="9600">
+              <a:solidFill>
+                <a:srgbClr val="000000"/>
+              </a:solidFill>
+            </a:endParaRPr>
+          </a:p>
+        </p:txBody>
+      </p:sp>
+      <p:sp>
+        <p:nvSpPr>
+          <p:cNvPr id="15363" name="Slide Number Placeholder 3">
+            <a:extLst>
+              <a:ext uri="{FF2B5EF4-FFF2-40B4-BE49-F238E27FC236}">
+                <a16:creationId xmlns:a16="http://schemas.microsoft.com/office/drawing/2014/main" id="{BE2589E8-C708-5664-62F2-8FD198694D10}"/>
+              </a:ext>
+            </a:extLst>
+          </p:cNvPr>
+          <p:cNvSpPr>
+            <a:spLocks noGrp="1"/>
+          </p:cNvSpPr>
+          <p:nvPr>
+            <p:ph type="sldNum" sz="quarter" idx="5"/>
+          </p:nvPr>
+        </p:nvSpPr>
+        <p:spPr bwMode="auto">
+          <a:noFill/>
+          <a:extLst>
+            <a:ext uri="{909E8E84-426E-40DD-AFC4-6F175D3DCCD1}">
+              <a14:hiddenFill xmlns:a14="http://schemas.microsoft.com/office/drawing/2010/main">
+                <a:solidFill>
+                  <a:srgbClr val="FFFFFF"/>
+                </a:solidFill>
+              </a14:hiddenFill>
+            </a:ext>
+            <a:ext uri="{91240B29-F687-4F45-9708-019B960494DF}">
+              <a14:hiddenLine xmlns:a14="http://schemas.microsoft.com/office/drawing/2010/main" w="9525">
+                <a:solidFill>
+                  <a:srgbClr val="000000"/>
+                </a:solidFill>
+                <a:miter lim="800000"/>
+                <a:headEnd/>
+                <a:tailEnd/>
+              </a14:hiddenLine>
+            </a:ext>
+          </a:extLst>
+        </p:spPr>
+        <p:txBody>
+          <a:bodyPr/>
+          <a:lstStyle>
+            <a:lvl1pPr eaLnBrk="0" hangingPunct="0">
+              <a:defRPr sz="3200">
+                <a:solidFill>
+                  <a:schemeClr val="tx1"/>
+                </a:solidFill>
+                <a:latin typeface="Helvetica" panose="020B0604020202020204" pitchFamily="34" charset="0"/>
+                <a:ea typeface="MS PGothic" panose="020B0600070205080204" pitchFamily="34" charset="-128"/>
+              </a:defRPr>
+            </a:lvl1pPr>
+            <a:lvl2pPr marL="742950" indent="-285750" eaLnBrk="0" hangingPunct="0">
+              <a:defRPr sz="3200">
+                <a:solidFill>
+                  <a:schemeClr val="tx1"/>
+                </a:solidFill>
+                <a:latin typeface="Helvetica" panose="020B0604020202020204" pitchFamily="34" charset="0"/>
+                <a:ea typeface="MS PGothic" panose="020B0600070205080204" pitchFamily="34" charset="-128"/>
+              </a:defRPr>
+            </a:lvl2pPr>
+            <a:lvl3pPr marL="1143000" indent="-228600" eaLnBrk="0" hangingPunct="0">
+              <a:defRPr sz="3200">
+                <a:solidFill>
+                  <a:schemeClr val="tx1"/>
+                </a:solidFill>
+                <a:latin typeface="Helvetica" panose="020B0604020202020204" pitchFamily="34" charset="0"/>
+                <a:ea typeface="MS PGothic" panose="020B0600070205080204" pitchFamily="34" charset="-128"/>
+              </a:defRPr>
+            </a:lvl3pPr>
+            <a:lvl4pPr marL="1600200" indent="-228600" eaLnBrk="0" hangingPunct="0">
+              <a:defRPr sz="3200">
+                <a:solidFill>
+                  <a:schemeClr val="tx1"/>
+                </a:solidFill>
+                <a:latin typeface="Helvetica" panose="020B0604020202020204" pitchFamily="34" charset="0"/>
+                <a:ea typeface="MS PGothic" panose="020B0600070205080204" pitchFamily="34" charset="-128"/>
+              </a:defRPr>
+            </a:lvl4pPr>
+            <a:lvl5pPr marL="2057400" indent="-228600" eaLnBrk="0" hangingPunct="0">
+              <a:defRPr sz="3200">
+                <a:solidFill>
+                  <a:schemeClr val="tx1"/>
+                </a:solidFill>
+                <a:latin typeface="Helvetica" panose="020B0604020202020204" pitchFamily="34" charset="0"/>
+                <a:ea typeface="MS PGothic" panose="020B0600070205080204" pitchFamily="34" charset="-128"/>
+              </a:defRPr>
+            </a:lvl5pPr>
+            <a:lvl6pPr marL="2514600" indent="-228600" eaLnBrk="0" fontAlgn="base" hangingPunct="0">
+              <a:spcBef>
+                <a:spcPct val="0"/>
+              </a:spcBef>
+              <a:spcAft>
+                <a:spcPct val="0"/>
+              </a:spcAft>
+              <a:defRPr sz="3200">
+                <a:solidFill>
+                  <a:schemeClr val="tx1"/>
+                </a:solidFill>
+                <a:latin typeface="Helvetica" panose="020B0604020202020204" pitchFamily="34" charset="0"/>
+                <a:ea typeface="MS PGothic" panose="020B0600070205080204" pitchFamily="34" charset="-128"/>
+              </a:defRPr>
+            </a:lvl6pPr>
+            <a:lvl7pPr marL="2971800" indent="-228600" eaLnBrk="0" fontAlgn="base" hangingPunct="0">
+              <a:spcBef>
+                <a:spcPct val="0"/>
+              </a:spcBef>
+              <a:spcAft>
+                <a:spcPct val="0"/>
+              </a:spcAft>
+              <a:defRPr sz="3200">
+                <a:solidFill>
+                  <a:schemeClr val="tx1"/>
+                </a:solidFill>
+                <a:latin typeface="Helvetica" panose="020B0604020202020204" pitchFamily="34" charset="0"/>
+                <a:ea typeface="MS PGothic" panose="020B0600070205080204" pitchFamily="34" charset="-128"/>
+              </a:defRPr>
+            </a:lvl7pPr>
+            <a:lvl8pPr marL="3429000" indent="-228600" eaLnBrk="0" fontAlgn="base" hangingPunct="0">
+              <a:spcBef>
+                <a:spcPct val="0"/>
+              </a:spcBef>
+              <a:spcAft>
+                <a:spcPct val="0"/>
+              </a:spcAft>
+              <a:defRPr sz="3200">
+                <a:solidFill>
+                  <a:schemeClr val="tx1"/>
+                </a:solidFill>
+                <a:latin typeface="Helvetica" panose="020B0604020202020204" pitchFamily="34" charset="0"/>
+                <a:ea typeface="MS PGothic" panose="020B0600070205080204" pitchFamily="34" charset="-128"/>
+              </a:defRPr>
+            </a:lvl8pPr>
+            <a:lvl9pPr marL="3886200" indent="-228600" eaLnBrk="0" fontAlgn="base" hangingPunct="0">
+              <a:spcBef>
+                <a:spcPct val="0"/>
+              </a:spcBef>
+              <a:spcAft>
+                <a:spcPct val="0"/>
+              </a:spcAft>
+              <a:defRPr sz="3200">
+                <a:solidFill>
+                  <a:schemeClr val="tx1"/>
+                </a:solidFill>
+                <a:latin typeface="Helvetica" panose="020B0604020202020204" pitchFamily="34" charset="0"/>
+                <a:ea typeface="MS PGothic" panose="020B0600070205080204" pitchFamily="34" charset="-128"/>
+              </a:defRPr>
+            </a:lvl9pPr>
+          </a:lstStyle>
+          <a:p>
+            <a:pPr eaLnBrk="1" hangingPunct="1"/>
+            <a:fld id="{D2F192C3-E46A-4C3F-82E4-B38CCED5FFF1}" type="slidenum">
+              <a:rPr lang="en-US" altLang="en-US" sz="1200">
+                <a:latin typeface="Calibri" panose="020F0502020204030204" pitchFamily="34" charset="0"/>
+              </a:rPr>
+              <a:pPr eaLnBrk="1" hangingPunct="1"/>
+              <a:t>2</a:t>
+            </a:fld>
+            <a:endParaRPr lang="en-US" altLang="en-US" sz="1200">
+              <a:latin typeface="Calibri" panose="020F0502020204030204" pitchFamily="34" charset="0"/>
+            </a:endParaRPr>
+          </a:p>
+        </p:txBody>
+      </p:sp>
+    </p:spTree>
+    <p:extLst>
+      <p:ext uri="{BB962C8B-B14F-4D97-AF65-F5344CB8AC3E}">
+        <p14:creationId xmlns:p14="http://schemas.microsoft.com/office/powerpoint/2010/main" val="1172449251"/>
+      </p:ext>
+    </p:extLst>
   </p:cSld>
   <p:clrMapOvr>
     <a:masterClrMapping/>
@@ -4541,7 +4843,13 @@
     </p:bg>
     <p:spTree>
       <p:nvGrpSpPr>
-        <p:cNvPr id="1" name=""/>
+        <p:cNvPr id="1" name="">
+          <a:extLst>
+            <a:ext uri="{FF2B5EF4-FFF2-40B4-BE49-F238E27FC236}">
+              <a16:creationId xmlns:a16="http://schemas.microsoft.com/office/drawing/2014/main" id="{8C88995E-558A-8074-CE8A-4FBAFCCB95F3}"/>
+            </a:ext>
+          </a:extLst>
+        </p:cNvPr>
         <p:cNvGrpSpPr/>
         <p:nvPr/>
       </p:nvGrpSpPr>
@@ -4553,73 +4861,59 @@
           <a:chExt cx="0" cy="0"/>
         </a:xfrm>
       </p:grpSpPr>
-      <p:sp>
-        <p:nvSpPr>
-          <p:cNvPr id="61" name="Rectangle 60">
+      <p:pic>
+        <p:nvPicPr>
+          <p:cNvPr id="3076" name="Picture 4">
             <a:extLst>
               <a:ext uri="{FF2B5EF4-FFF2-40B4-BE49-F238E27FC236}">
-                <a16:creationId xmlns:a16="http://schemas.microsoft.com/office/drawing/2014/main" id="{4773212A-CD15-DA23-5689-E14A93D8F669}"/>
+                <a16:creationId xmlns:a16="http://schemas.microsoft.com/office/drawing/2014/main" id="{1ADC2776-E32A-5723-D8FA-78200EAA0FFF}"/>
               </a:ext>
             </a:extLst>
           </p:cNvPr>
-          <p:cNvSpPr>
-            <a:spLocks noChangeArrowheads="1"/>
-          </p:cNvSpPr>
+          <p:cNvPicPr>
+            <a:picLocks noChangeAspect="1" noChangeArrowheads="1"/>
+          </p:cNvPicPr>
           <p:nvPr/>
-        </p:nvSpPr>
+        </p:nvPicPr>
+        <p:blipFill>
+          <a:blip r:embed="rId4">
+            <a:extLst>
+              <a:ext uri="{28A0092B-C50C-407E-A947-70E740481C1C}">
+                <a14:useLocalDpi xmlns:a14="http://schemas.microsoft.com/office/drawing/2010/main" val="0"/>
+              </a:ext>
+            </a:extLst>
+          </a:blip>
+          <a:srcRect/>
+          <a:stretch>
+            <a:fillRect/>
+          </a:stretch>
+        </p:blipFill>
         <p:spPr bwMode="auto">
           <a:xfrm>
-            <a:off x="0" y="0"/>
-            <a:ext cx="51206400" cy="32004000"/>
+            <a:off x="-1" y="-15766"/>
+            <a:ext cx="51206401" cy="32028013"/>
           </a:xfrm>
           <a:prstGeom prst="rect">
             <a:avLst/>
           </a:prstGeom>
-          <a:solidFill>
-            <a:srgbClr val="191919">
-              <a:alpha val="7843"/>
-            </a:srgbClr>
-          </a:solidFill>
-          <a:ln w="9525">
-            <a:solidFill>
-              <a:srgbClr val="D8D8D8"/>
-            </a:solidFill>
-            <a:miter lim="800000"/>
-            <a:headEnd/>
-            <a:tailEnd/>
-          </a:ln>
-          <a:effectLst>
-            <a:outerShdw blurRad="40000" dist="23000" dir="5400000" rotWithShape="0">
-              <a:srgbClr val="808080">
-                <a:alpha val="34999"/>
-              </a:srgbClr>
-            </a:outerShdw>
-          </a:effectLst>
+          <a:noFill/>
+          <a:extLst>
+            <a:ext uri="{909E8E84-426E-40DD-AFC4-6F175D3DCCD1}">
+              <a14:hiddenFill xmlns:a14="http://schemas.microsoft.com/office/drawing/2010/main">
+                <a:solidFill>
+                  <a:srgbClr val="FFFFFF"/>
+                </a:solidFill>
+              </a14:hiddenFill>
+            </a:ext>
+          </a:extLst>
         </p:spPr>
-        <p:txBody>
-          <a:bodyPr anchor="ctr"/>
-          <a:lstStyle/>
-          <a:p>
-            <a:pPr algn="ctr">
-              <a:defRPr/>
-            </a:pPr>
-            <a:endParaRPr lang="en-US">
-              <a:solidFill>
-                <a:srgbClr val="FFFFFF"/>
-              </a:solidFill>
-              <a:latin typeface="Avenir Book"/>
-              <a:ea typeface="ＭＳ Ｐゴシック" charset="0"/>
-              <a:cs typeface="Avenir Book"/>
-            </a:endParaRPr>
-          </a:p>
-        </p:txBody>
-      </p:sp>
+      </p:pic>
       <p:sp>
         <p:nvSpPr>
           <p:cNvPr id="14339" name="Text Box 7">
             <a:extLst>
               <a:ext uri="{FF2B5EF4-FFF2-40B4-BE49-F238E27FC236}">
-                <a16:creationId xmlns:a16="http://schemas.microsoft.com/office/drawing/2014/main" id="{3A620835-84DF-5D36-1AE6-BDDCDA3A1513}"/>
+                <a16:creationId xmlns:a16="http://schemas.microsoft.com/office/drawing/2014/main" id="{0A748180-70C4-65AA-E340-600EBBB40B09}"/>
               </a:ext>
             </a:extLst>
           </p:cNvPr>
@@ -4630,8 +4924,8 @@
         </p:nvSpPr>
         <p:spPr bwMode="auto">
           <a:xfrm>
-            <a:off x="1995488" y="6929438"/>
-            <a:ext cx="10512425" cy="8456612"/>
+            <a:off x="1763486" y="6929437"/>
+            <a:ext cx="10744427" cy="11300277"/>
           </a:xfrm>
           <a:prstGeom prst="rect">
             <a:avLst/>
@@ -4791,7 +5085,7 @@
               </a:spcBef>
             </a:pPr>
             <a:r>
-              <a:rPr lang="en-US" altLang="en-US" sz="4800" b="1">
+              <a:rPr lang="en-US" altLang="en-US" sz="4800" b="1" dirty="0">
                 <a:latin typeface="Avenir Heavy" pitchFamily="124" charset="0"/>
               </a:rPr>
               <a:t>Introduction</a:t>
@@ -4803,7 +5097,7 @@
                 <a:spcPct val="10000"/>
               </a:spcBef>
             </a:pPr>
-            <a:endParaRPr lang="en-US" altLang="ja-JP" sz="4800">
+            <a:endParaRPr lang="en-US" altLang="ja-JP" sz="4800" dirty="0">
               <a:latin typeface="Avenir Book" pitchFamily="124" charset="0"/>
             </a:endParaRPr>
           </a:p>
@@ -4814,42 +5108,13 @@
               </a:spcBef>
             </a:pPr>
             <a:r>
-              <a:rPr lang="en-US" altLang="ja-JP" sz="4800">
-                <a:latin typeface="Avenir Book" pitchFamily="124" charset="0"/>
+              <a:rPr lang="en-US" sz="4000" dirty="0">
+                <a:latin typeface="Avenir Book"/>
               </a:rPr>
-              <a:t>Three sentences max. </a:t>
-            </a:r>
-          </a:p>
-          <a:p>
-            <a:pPr eaLnBrk="1" hangingPunct="1">
-              <a:spcBef>
-                <a:spcPct val="10000"/>
-              </a:spcBef>
-            </a:pPr>
-            <a:endParaRPr lang="en-US" altLang="ja-JP" sz="4800">
-              <a:latin typeface="Avenir Book" pitchFamily="124" charset="0"/>
-            </a:endParaRPr>
-          </a:p>
-          <a:p>
-            <a:pPr eaLnBrk="1" hangingPunct="1">
-              <a:spcBef>
-                <a:spcPct val="10000"/>
-              </a:spcBef>
-            </a:pPr>
-            <a:r>
-              <a:rPr lang="en-US" altLang="ja-JP" sz="4800">
-                <a:latin typeface="Avenir Medium" pitchFamily="124" charset="0"/>
-              </a:rPr>
-              <a:t>Persuade</a:t>
-            </a:r>
-            <a:r>
-              <a:rPr lang="en-US" altLang="ja-JP" sz="4800">
-                <a:latin typeface="Avenir Book" pitchFamily="124" charset="0"/>
-              </a:rPr>
-              <a:t> reader you have novel, interesting question(s) and hypothesis. Resist urge to use all the white space. </a:t>
-            </a:r>
-            <a:endParaRPr lang="en-US" altLang="en-US" sz="4800">
-              <a:latin typeface="Avenir Book" pitchFamily="124" charset="0"/>
+              <a:t>This project explores how accurately NBA regular season data can predict playoff outcomes using neural networks trained on game-by-game statistics. The goal is to identify patterns in predictive accuracy as the season progresses, uncovering whether certain segments of games better indicate postseason success. By addressing doubts about the regular season’s value, this study offers potential insights to enhance sports analytics, inform league policies, and showcase the dynamic applications of machine learning in real-world scenarios.</a:t>
+            </a:r>
+            <a:endParaRPr lang="en-US" altLang="en-US" sz="4000" dirty="0">
+              <a:latin typeface="Avenir Book"/>
             </a:endParaRPr>
           </a:p>
         </p:txBody>
@@ -4859,7 +5124,7 @@
           <p:cNvPr id="14340" name="Text Box 11">
             <a:extLst>
               <a:ext uri="{FF2B5EF4-FFF2-40B4-BE49-F238E27FC236}">
-                <a16:creationId xmlns:a16="http://schemas.microsoft.com/office/drawing/2014/main" id="{DFE8BE8B-4585-6AF4-4397-329410F45957}"/>
+                <a16:creationId xmlns:a16="http://schemas.microsoft.com/office/drawing/2014/main" id="{15C1BDC7-7587-FB19-C59C-76EA155BF4C7}"/>
               </a:ext>
             </a:extLst>
           </p:cNvPr>
@@ -4870,8 +5135,8 @@
         </p:nvSpPr>
         <p:spPr bwMode="auto">
           <a:xfrm>
-            <a:off x="1995488" y="16351250"/>
-            <a:ext cx="10512425" cy="14549438"/>
+            <a:off x="1763486" y="19333028"/>
+            <a:ext cx="10744427" cy="10254343"/>
           </a:xfrm>
           <a:prstGeom prst="rect">
             <a:avLst/>
@@ -5031,24 +5296,15 @@
               </a:spcBef>
             </a:pPr>
             <a:r>
-              <a:rPr lang="en-US" altLang="en-US" sz="4800" b="1">
+              <a:rPr lang="en-US" altLang="en-US" sz="4800" b="1" dirty="0">
                 <a:solidFill>
                   <a:srgbClr val="000000"/>
                 </a:solidFill>
                 <a:latin typeface="Avenir Heavy" pitchFamily="124" charset="0"/>
               </a:rPr>
-              <a:t>Materials and methods</a:t>
-            </a:r>
-            <a:r>
-              <a:rPr lang="en-US" altLang="en-US" sz="4800">
-                <a:solidFill>
-                  <a:srgbClr val="FF8000"/>
-                </a:solidFill>
-                <a:latin typeface="Avenir Book" pitchFamily="124" charset="0"/>
-              </a:rPr>
-              <a:t>	</a:t>
-            </a:r>
-            <a:endParaRPr lang="en-US" altLang="en-US" sz="4800">
+              <a:t>Data Processing</a:t>
+            </a:r>
+            <a:endParaRPr lang="en-US" altLang="en-US" sz="4800" dirty="0">
               <a:latin typeface="Avenir Book" pitchFamily="124" charset="0"/>
             </a:endParaRPr>
           </a:p>
@@ -5058,7 +5314,7 @@
                 <a:spcPct val="10000"/>
               </a:spcBef>
             </a:pPr>
-            <a:endParaRPr lang="en-US" altLang="en-US" sz="4800">
+            <a:endParaRPr lang="en-US" altLang="en-US" sz="4800" dirty="0">
               <a:latin typeface="Avenir Book" pitchFamily="124" charset="0"/>
             </a:endParaRPr>
           </a:p>
@@ -5069,7 +5325,7 @@
               </a:spcBef>
             </a:pPr>
             <a:r>
-              <a:rPr lang="en-US" altLang="en-US" sz="4800">
+              <a:rPr lang="en-US" altLang="en-US" sz="4800" dirty="0">
                 <a:latin typeface="Avenir Book" pitchFamily="124" charset="0"/>
               </a:rPr>
               <a:t>Four sentences max. </a:t>
@@ -5081,7 +5337,7 @@
                 <a:spcPct val="10000"/>
               </a:spcBef>
             </a:pPr>
-            <a:endParaRPr lang="en-US" altLang="en-US" sz="4800">
+            <a:endParaRPr lang="en-US" altLang="en-US" sz="4800" dirty="0">
               <a:latin typeface="Avenir Book" pitchFamily="124" charset="0"/>
             </a:endParaRPr>
           </a:p>
@@ -5092,7 +5348,7 @@
               </a:spcBef>
             </a:pPr>
             <a:r>
-              <a:rPr lang="en-US" altLang="en-US" sz="4800">
+              <a:rPr lang="en-US" altLang="en-US" sz="4800" dirty="0">
                 <a:latin typeface="Avenir Book" pitchFamily="124" charset="0"/>
               </a:rPr>
               <a:t>If viewer truly wants to know gruesome details, they’ll ask or email you. </a:t>
@@ -5104,7 +5360,7 @@
                 <a:spcPct val="10000"/>
               </a:spcBef>
             </a:pPr>
-            <a:endParaRPr lang="en-US" altLang="en-US" sz="4800">
+            <a:endParaRPr lang="en-US" altLang="en-US" sz="4800" dirty="0">
               <a:latin typeface="Avenir Book" pitchFamily="124" charset="0"/>
             </a:endParaRPr>
           </a:p>
@@ -5115,7 +5371,7 @@
               </a:spcBef>
             </a:pPr>
             <a:r>
-              <a:rPr lang="en-US" altLang="en-US" sz="4800">
+              <a:rPr lang="en-US" altLang="en-US" sz="4800" dirty="0">
                 <a:latin typeface="Avenir Book" pitchFamily="124" charset="0"/>
               </a:rPr>
               <a:t>Sometimes adding a pic is good. </a:t>
@@ -5127,7 +5383,7 @@
                 <a:spcPct val="10000"/>
               </a:spcBef>
             </a:pPr>
-            <a:endParaRPr lang="en-US" altLang="en-US" sz="4800">
+            <a:endParaRPr lang="en-US" altLang="en-US" sz="4800" dirty="0">
               <a:latin typeface="Avenir Book" pitchFamily="124" charset="0"/>
             </a:endParaRPr>
           </a:p>
@@ -5138,7 +5394,7 @@
           <p:cNvPr id="14341" name="Text Box 12">
             <a:extLst>
               <a:ext uri="{FF2B5EF4-FFF2-40B4-BE49-F238E27FC236}">
-                <a16:creationId xmlns:a16="http://schemas.microsoft.com/office/drawing/2014/main" id="{ECB84BA5-6803-CE69-7D89-BDDF140E2BA2}"/>
+                <a16:creationId xmlns:a16="http://schemas.microsoft.com/office/drawing/2014/main" id="{1C4C186A-44F2-BD7C-0303-A600CC4471D7}"/>
               </a:ext>
             </a:extLst>
           </p:cNvPr>
@@ -5150,7 +5406,7 @@
         <p:spPr bwMode="auto">
           <a:xfrm>
             <a:off x="13822363" y="6908800"/>
-            <a:ext cx="23347362" cy="23991888"/>
+            <a:ext cx="23347362" cy="22678571"/>
           </a:xfrm>
           <a:prstGeom prst="rect">
             <a:avLst/>
@@ -5306,7 +5562,7 @@
           <a:p>
             <a:pPr algn="just" eaLnBrk="1" hangingPunct="1"/>
             <a:r>
-              <a:rPr lang="en-US" altLang="en-US" sz="4800" b="1">
+              <a:rPr lang="en-US" altLang="en-US" sz="4800" b="1" dirty="0">
                 <a:solidFill>
                   <a:srgbClr val="000000"/>
                 </a:solidFill>
@@ -5321,7 +5577,7 @@
                 <a:spcPts val="500"/>
               </a:spcBef>
             </a:pPr>
-            <a:endParaRPr lang="en-US" altLang="ja-JP" sz="4800">
+            <a:endParaRPr lang="en-US" altLang="ja-JP" sz="4800" dirty="0">
               <a:latin typeface="Avenir Book" pitchFamily="124" charset="0"/>
             </a:endParaRPr>
           </a:p>
@@ -5332,7 +5588,7 @@
               </a:spcBef>
             </a:pPr>
             <a:r>
-              <a:rPr lang="en-US" altLang="ja-JP" sz="4800">
+              <a:rPr lang="en-US" altLang="ja-JP" sz="4800" dirty="0">
                 <a:latin typeface="Avenir Book" pitchFamily="124" charset="0"/>
               </a:rPr>
               <a:t>Highlight your LARGE photographs, charts, maps, or in this central arena.</a:t>
@@ -5344,7 +5600,7 @@
                 <a:spcPts val="500"/>
               </a:spcBef>
             </a:pPr>
-            <a:endParaRPr lang="en-US" altLang="ja-JP" sz="4800">
+            <a:endParaRPr lang="en-US" altLang="ja-JP" sz="4800" dirty="0">
               <a:latin typeface="Avenir Book" pitchFamily="124" charset="0"/>
             </a:endParaRPr>
           </a:p>
@@ -5355,7 +5611,7 @@
               </a:spcBef>
             </a:pPr>
             <a:r>
-              <a:rPr lang="en-US" altLang="ja-JP" sz="4800">
+              <a:rPr lang="en-US" altLang="ja-JP" sz="4800" dirty="0">
                 <a:latin typeface="Avenir Book" pitchFamily="124" charset="0"/>
               </a:rPr>
               <a:t>Don’t include every graphic you’ve made that relates to project. Choose one. Or two. And separate graphics with plenty of white space. </a:t>
@@ -5367,7 +5623,7 @@
                 <a:spcPts val="500"/>
               </a:spcBef>
             </a:pPr>
-            <a:endParaRPr lang="en-US" altLang="ja-JP" sz="4800">
+            <a:endParaRPr lang="en-US" altLang="ja-JP" sz="4800" dirty="0">
               <a:latin typeface="Avenir Book" pitchFamily="124" charset="0"/>
             </a:endParaRPr>
           </a:p>
@@ -5377,7 +5633,7 @@
                 <a:spcPts val="500"/>
               </a:spcBef>
             </a:pPr>
-            <a:endParaRPr lang="en-US" altLang="ja-JP" sz="4800">
+            <a:endParaRPr lang="en-US" altLang="ja-JP" sz="4800" dirty="0">
               <a:latin typeface="Avenir Book" pitchFamily="124" charset="0"/>
             </a:endParaRPr>
           </a:p>
@@ -5387,7 +5643,7 @@
                 <a:spcPts val="500"/>
               </a:spcBef>
             </a:pPr>
-            <a:endParaRPr lang="en-US" altLang="ja-JP" sz="4800">
+            <a:endParaRPr lang="en-US" altLang="ja-JP" sz="4800" dirty="0">
               <a:latin typeface="Avenir Book" pitchFamily="124" charset="0"/>
             </a:endParaRPr>
           </a:p>
@@ -5397,7 +5653,7 @@
                 <a:spcPts val="500"/>
               </a:spcBef>
             </a:pPr>
-            <a:endParaRPr lang="en-US" altLang="ja-JP" sz="4800">
+            <a:endParaRPr lang="en-US" altLang="ja-JP" sz="4800" dirty="0">
               <a:latin typeface="Avenir Book" pitchFamily="124" charset="0"/>
             </a:endParaRPr>
           </a:p>
@@ -5407,7 +5663,7 @@
                 <a:spcPts val="500"/>
               </a:spcBef>
             </a:pPr>
-            <a:endParaRPr lang="en-US" altLang="ja-JP" sz="4800">
+            <a:endParaRPr lang="en-US" altLang="ja-JP" sz="4800" dirty="0">
               <a:latin typeface="Avenir Book" pitchFamily="124" charset="0"/>
             </a:endParaRPr>
           </a:p>
@@ -5417,7 +5673,7 @@
                 <a:spcPts val="500"/>
               </a:spcBef>
             </a:pPr>
-            <a:endParaRPr lang="en-US" altLang="ja-JP" sz="4800">
+            <a:endParaRPr lang="en-US" altLang="ja-JP" sz="4800" dirty="0">
               <a:latin typeface="Avenir Book" pitchFamily="124" charset="0"/>
             </a:endParaRPr>
           </a:p>
@@ -5427,7 +5683,7 @@
                 <a:spcPts val="500"/>
               </a:spcBef>
             </a:pPr>
-            <a:endParaRPr lang="en-US" altLang="ja-JP" sz="4800">
+            <a:endParaRPr lang="en-US" altLang="ja-JP" sz="4800" dirty="0">
               <a:latin typeface="Avenir Book" pitchFamily="124" charset="0"/>
             </a:endParaRPr>
           </a:p>
@@ -5437,7 +5693,7 @@
                 <a:spcPts val="500"/>
               </a:spcBef>
             </a:pPr>
-            <a:endParaRPr lang="en-US" altLang="ja-JP" sz="4800">
+            <a:endParaRPr lang="en-US" altLang="ja-JP" sz="4800" dirty="0">
               <a:latin typeface="Avenir Book" pitchFamily="124" charset="0"/>
             </a:endParaRPr>
           </a:p>
@@ -5447,7 +5703,7 @@
                 <a:spcPts val="500"/>
               </a:spcBef>
             </a:pPr>
-            <a:endParaRPr lang="en-US" altLang="ja-JP" sz="4800">
+            <a:endParaRPr lang="en-US" altLang="ja-JP" sz="4800" dirty="0">
               <a:latin typeface="Avenir Book" pitchFamily="124" charset="0"/>
             </a:endParaRPr>
           </a:p>
@@ -5457,7 +5713,7 @@
                 <a:spcPts val="500"/>
               </a:spcBef>
             </a:pPr>
-            <a:endParaRPr lang="en-US" altLang="ja-JP" sz="4800">
+            <a:endParaRPr lang="en-US" altLang="ja-JP" sz="4800" dirty="0">
               <a:latin typeface="Avenir Book" pitchFamily="124" charset="0"/>
             </a:endParaRPr>
           </a:p>
@@ -5468,37 +5724,37 @@
               </a:spcBef>
             </a:pPr>
             <a:r>
-              <a:rPr lang="en-US" altLang="ja-JP" sz="4800">
+              <a:rPr lang="en-US" altLang="ja-JP" sz="4800" dirty="0">
                 <a:latin typeface="Avenir Book" pitchFamily="124" charset="0"/>
               </a:rPr>
               <a:t>Annotate graphics with arrows and callout boxes so that viewer is </a:t>
             </a:r>
             <a:r>
-              <a:rPr lang="en-US" altLang="ja-JP" sz="4800" b="1">
+              <a:rPr lang="en-US" altLang="ja-JP" sz="4800" b="1" dirty="0">
                 <a:latin typeface="Avenir Heavy" pitchFamily="124" charset="0"/>
               </a:rPr>
               <a:t>visually</a:t>
             </a:r>
             <a:r>
-              <a:rPr lang="en-US" altLang="ja-JP" sz="4800" b="1">
+              <a:rPr lang="en-US" altLang="ja-JP" sz="4800" b="1" dirty="0">
                 <a:latin typeface="Avenir Book" pitchFamily="124" charset="0"/>
               </a:rPr>
               <a:t> led</a:t>
             </a:r>
             <a:r>
-              <a:rPr lang="en-US" altLang="ja-JP" sz="4800">
+              <a:rPr lang="en-US" altLang="ja-JP" sz="4800" dirty="0">
                 <a:latin typeface="Avenir Book" pitchFamily="124" charset="0"/>
               </a:rPr>
               <a:t> through how hypothesis is addressed. The goal is to enable viewers to understand the logic behind your conclusions </a:t>
             </a:r>
             <a:r>
-              <a:rPr lang="en-US" altLang="ja-JP" sz="4800" i="1">
+              <a:rPr lang="en-US" altLang="ja-JP" sz="4800" i="1" dirty="0">
                 <a:latin typeface="Avenir Book" pitchFamily="124" charset="0"/>
               </a:rPr>
               <a:t>without you needing to be there</a:t>
             </a:r>
             <a:r>
-              <a:rPr lang="en-US" altLang="ja-JP" sz="4800">
+              <a:rPr lang="en-US" altLang="ja-JP" sz="4800" dirty="0">
                 <a:latin typeface="Avenir Book" pitchFamily="124" charset="0"/>
               </a:rPr>
               <a:t>.</a:t>
@@ -5510,7 +5766,7 @@
                 <a:spcPts val="500"/>
               </a:spcBef>
             </a:pPr>
-            <a:endParaRPr lang="en-US" altLang="ja-JP" sz="4800">
+            <a:endParaRPr lang="en-US" altLang="ja-JP" sz="4800" dirty="0">
               <a:latin typeface="Avenir Book" pitchFamily="124" charset="0"/>
             </a:endParaRPr>
           </a:p>
@@ -5521,7 +5777,7 @@
               </a:spcBef>
             </a:pPr>
             <a:r>
-              <a:rPr lang="en-US" altLang="ja-JP" sz="4800">
+              <a:rPr lang="en-US" altLang="ja-JP" sz="4800" dirty="0">
                 <a:latin typeface="Avenir Book" pitchFamily="124" charset="0"/>
               </a:rPr>
               <a:t>Keep font size of all text (even graph labels) as big or bigger than in rest of poster. </a:t>
@@ -5533,7 +5789,7 @@
                 <a:spcPct val="50000"/>
               </a:spcBef>
             </a:pPr>
-            <a:endParaRPr lang="en-US" altLang="en-US" sz="4800">
+            <a:endParaRPr lang="en-US" altLang="en-US" sz="4800" dirty="0">
               <a:solidFill>
                 <a:schemeClr val="accent2"/>
               </a:solidFill>
@@ -5546,7 +5802,7 @@
                 <a:spcPct val="50000"/>
               </a:spcBef>
             </a:pPr>
-            <a:endParaRPr lang="en-US" altLang="en-US" sz="2800" i="1">
+            <a:endParaRPr lang="en-US" altLang="en-US" sz="2800" i="1" dirty="0">
               <a:solidFill>
                 <a:schemeClr val="accent2"/>
               </a:solidFill>
@@ -5560,7 +5816,7 @@
           <p:cNvPr id="14342" name="Text Box 13">
             <a:extLst>
               <a:ext uri="{FF2B5EF4-FFF2-40B4-BE49-F238E27FC236}">
-                <a16:creationId xmlns:a16="http://schemas.microsoft.com/office/drawing/2014/main" id="{9FAF8AAC-1DD6-4F3A-0BD5-66883F0BB84A}"/>
+                <a16:creationId xmlns:a16="http://schemas.microsoft.com/office/drawing/2014/main" id="{C5BAEFC1-27C5-0A7A-0E2A-EA3B2784CD09}"/>
               </a:ext>
             </a:extLst>
           </p:cNvPr>
@@ -5572,7 +5828,7 @@
         <p:spPr bwMode="auto">
           <a:xfrm>
             <a:off x="38598475" y="6902450"/>
-            <a:ext cx="10512425" cy="9242425"/>
+            <a:ext cx="10811782" cy="9242425"/>
           </a:xfrm>
           <a:prstGeom prst="rect">
             <a:avLst/>
@@ -5732,13 +5988,13 @@
               </a:spcBef>
             </a:pPr>
             <a:r>
-              <a:rPr lang="en-US" altLang="en-US" sz="4800" b="1">
+              <a:rPr lang="en-US" altLang="en-US" sz="4800" b="1" dirty="0">
                 <a:solidFill>
                   <a:srgbClr val="000000"/>
                 </a:solidFill>
                 <a:latin typeface="Avenir Heavy" pitchFamily="124" charset="0"/>
               </a:rPr>
-              <a:t>Conclusions</a:t>
+              <a:t>Findings</a:t>
             </a:r>
           </a:p>
           <a:p>
@@ -5748,7 +6004,7 @@
               </a:spcBef>
             </a:pPr>
             <a:r>
-              <a:rPr lang="en-US" altLang="ja-JP" sz="4800">
+              <a:rPr lang="en-US" altLang="ja-JP" sz="4800" dirty="0">
                 <a:latin typeface="Avenir Book" pitchFamily="124" charset="0"/>
               </a:rPr>
               <a:t>Explain why outcome is interesting. Don’t assume it’s obvious. Three sentences max</a:t>
@@ -5758,10 +6014,10 @@
       </p:sp>
       <p:sp>
         <p:nvSpPr>
-          <p:cNvPr id="14343" name="Text Box 14">
+          <p:cNvPr id="14345" name="Text Box 16">
             <a:extLst>
               <a:ext uri="{FF2B5EF4-FFF2-40B4-BE49-F238E27FC236}">
-                <a16:creationId xmlns:a16="http://schemas.microsoft.com/office/drawing/2014/main" id="{6B98F298-C3D1-0C3F-C2DD-42EADEBFC67D}"/>
+                <a16:creationId xmlns:a16="http://schemas.microsoft.com/office/drawing/2014/main" id="{5CB4B1E0-5DC9-C6C0-A4BC-6E6D4442DF4F}"/>
               </a:ext>
             </a:extLst>
           </p:cNvPr>
@@ -5772,276 +6028,8 @@
         </p:nvSpPr>
         <p:spPr bwMode="auto">
           <a:xfrm>
-            <a:off x="1744663" y="4460875"/>
-            <a:ext cx="47701200" cy="1476375"/>
-          </a:xfrm>
-          <a:prstGeom prst="rect">
-            <a:avLst/>
-          </a:prstGeom>
-          <a:noFill/>
-          <a:ln>
-            <a:noFill/>
-          </a:ln>
-          <a:extLst>
-            <a:ext uri="{909E8E84-426E-40DD-AFC4-6F175D3DCCD1}">
-              <a14:hiddenFill xmlns:a14="http://schemas.microsoft.com/office/drawing/2010/main">
-                <a:solidFill>
-                  <a:srgbClr val="FFFFFF"/>
-                </a:solidFill>
-              </a14:hiddenFill>
-            </a:ext>
-            <a:ext uri="{91240B29-F687-4F45-9708-019B960494DF}">
-              <a14:hiddenLine xmlns:a14="http://schemas.microsoft.com/office/drawing/2010/main" w="12700">
-                <a:solidFill>
-                  <a:srgbClr val="000000"/>
-                </a:solidFill>
-                <a:miter lim="800000"/>
-                <a:headEnd/>
-                <a:tailEnd/>
-              </a14:hiddenLine>
-            </a:ext>
-          </a:extLst>
-        </p:spPr>
-        <p:txBody>
-          <a:bodyPr lIns="274320" tIns="274320" rIns="274320" bIns="274320" anchor="ctr">
-            <a:spAutoFit/>
-          </a:bodyPr>
-          <a:lstStyle>
-            <a:lvl1pPr eaLnBrk="0" hangingPunct="0">
-              <a:defRPr sz="3200">
-                <a:solidFill>
-                  <a:schemeClr val="tx1"/>
-                </a:solidFill>
-                <a:latin typeface="Helvetica" panose="020B0604020202020204" pitchFamily="34" charset="0"/>
-                <a:ea typeface="MS PGothic" panose="020B0600070205080204" pitchFamily="34" charset="-128"/>
-              </a:defRPr>
-            </a:lvl1pPr>
-            <a:lvl2pPr marL="742950" indent="-285750" eaLnBrk="0" hangingPunct="0">
-              <a:defRPr sz="3200">
-                <a:solidFill>
-                  <a:schemeClr val="tx1"/>
-                </a:solidFill>
-                <a:latin typeface="Helvetica" panose="020B0604020202020204" pitchFamily="34" charset="0"/>
-                <a:ea typeface="MS PGothic" panose="020B0600070205080204" pitchFamily="34" charset="-128"/>
-              </a:defRPr>
-            </a:lvl2pPr>
-            <a:lvl3pPr marL="1143000" indent="-228600" eaLnBrk="0" hangingPunct="0">
-              <a:defRPr sz="3200">
-                <a:solidFill>
-                  <a:schemeClr val="tx1"/>
-                </a:solidFill>
-                <a:latin typeface="Helvetica" panose="020B0604020202020204" pitchFamily="34" charset="0"/>
-                <a:ea typeface="MS PGothic" panose="020B0600070205080204" pitchFamily="34" charset="-128"/>
-              </a:defRPr>
-            </a:lvl3pPr>
-            <a:lvl4pPr marL="1600200" indent="-228600" eaLnBrk="0" hangingPunct="0">
-              <a:defRPr sz="3200">
-                <a:solidFill>
-                  <a:schemeClr val="tx1"/>
-                </a:solidFill>
-                <a:latin typeface="Helvetica" panose="020B0604020202020204" pitchFamily="34" charset="0"/>
-                <a:ea typeface="MS PGothic" panose="020B0600070205080204" pitchFamily="34" charset="-128"/>
-              </a:defRPr>
-            </a:lvl4pPr>
-            <a:lvl5pPr marL="2057400" indent="-228600" eaLnBrk="0" hangingPunct="0">
-              <a:defRPr sz="3200">
-                <a:solidFill>
-                  <a:schemeClr val="tx1"/>
-                </a:solidFill>
-                <a:latin typeface="Helvetica" panose="020B0604020202020204" pitchFamily="34" charset="0"/>
-                <a:ea typeface="MS PGothic" panose="020B0600070205080204" pitchFamily="34" charset="-128"/>
-              </a:defRPr>
-            </a:lvl5pPr>
-            <a:lvl6pPr marL="2514600" indent="-228600" eaLnBrk="0" fontAlgn="base" hangingPunct="0">
-              <a:spcBef>
-                <a:spcPct val="0"/>
-              </a:spcBef>
-              <a:spcAft>
-                <a:spcPct val="0"/>
-              </a:spcAft>
-              <a:defRPr sz="3200">
-                <a:solidFill>
-                  <a:schemeClr val="tx1"/>
-                </a:solidFill>
-                <a:latin typeface="Helvetica" panose="020B0604020202020204" pitchFamily="34" charset="0"/>
-                <a:ea typeface="MS PGothic" panose="020B0600070205080204" pitchFamily="34" charset="-128"/>
-              </a:defRPr>
-            </a:lvl6pPr>
-            <a:lvl7pPr marL="2971800" indent="-228600" eaLnBrk="0" fontAlgn="base" hangingPunct="0">
-              <a:spcBef>
-                <a:spcPct val="0"/>
-              </a:spcBef>
-              <a:spcAft>
-                <a:spcPct val="0"/>
-              </a:spcAft>
-              <a:defRPr sz="3200">
-                <a:solidFill>
-                  <a:schemeClr val="tx1"/>
-                </a:solidFill>
-                <a:latin typeface="Helvetica" panose="020B0604020202020204" pitchFamily="34" charset="0"/>
-                <a:ea typeface="MS PGothic" panose="020B0600070205080204" pitchFamily="34" charset="-128"/>
-              </a:defRPr>
-            </a:lvl7pPr>
-            <a:lvl8pPr marL="3429000" indent="-228600" eaLnBrk="0" fontAlgn="base" hangingPunct="0">
-              <a:spcBef>
-                <a:spcPct val="0"/>
-              </a:spcBef>
-              <a:spcAft>
-                <a:spcPct val="0"/>
-              </a:spcAft>
-              <a:defRPr sz="3200">
-                <a:solidFill>
-                  <a:schemeClr val="tx1"/>
-                </a:solidFill>
-                <a:latin typeface="Helvetica" panose="020B0604020202020204" pitchFamily="34" charset="0"/>
-                <a:ea typeface="MS PGothic" panose="020B0600070205080204" pitchFamily="34" charset="-128"/>
-              </a:defRPr>
-            </a:lvl8pPr>
-            <a:lvl9pPr marL="3886200" indent="-228600" eaLnBrk="0" fontAlgn="base" hangingPunct="0">
-              <a:spcBef>
-                <a:spcPct val="0"/>
-              </a:spcBef>
-              <a:spcAft>
-                <a:spcPct val="0"/>
-              </a:spcAft>
-              <a:defRPr sz="3200">
-                <a:solidFill>
-                  <a:schemeClr val="tx1"/>
-                </a:solidFill>
-                <a:latin typeface="Helvetica" panose="020B0604020202020204" pitchFamily="34" charset="0"/>
-                <a:ea typeface="MS PGothic" panose="020B0600070205080204" pitchFamily="34" charset="-128"/>
-              </a:defRPr>
-            </a:lvl9pPr>
-          </a:lstStyle>
-          <a:p>
-            <a:pPr algn="ctr" eaLnBrk="1" hangingPunct="1">
-              <a:spcBef>
-                <a:spcPct val="50000"/>
-              </a:spcBef>
-              <a:spcAft>
-                <a:spcPts val="600"/>
-              </a:spcAft>
-            </a:pPr>
-            <a:r>
-              <a:rPr lang="en-US" altLang="en-US" sz="6000" b="1" dirty="0">
-                <a:latin typeface="Avenir Medium" pitchFamily="124" charset="0"/>
-              </a:rPr>
-              <a:t>Andrew Scheiner ’25, Sid Lamsal ’25,</a:t>
-            </a:r>
-            <a:r>
-              <a:rPr lang="en-US" altLang="en-US" sz="6000" b="1" dirty="0">
-                <a:latin typeface="Avenir Book" pitchFamily="124" charset="0"/>
-              </a:rPr>
-              <a:t> Department of Data Analytics, </a:t>
-            </a:r>
-            <a:r>
-              <a:rPr lang="en-US" altLang="en-US" sz="6000" dirty="0">
-                <a:latin typeface="Avenir Book" pitchFamily="124" charset="0"/>
-              </a:rPr>
-              <a:t>Dickinson College</a:t>
-            </a:r>
-          </a:p>
-        </p:txBody>
-      </p:sp>
-      <p:sp>
-        <p:nvSpPr>
-          <p:cNvPr id="3" name="Rectangle 180">
-            <a:extLst>
-              <a:ext uri="{FF2B5EF4-FFF2-40B4-BE49-F238E27FC236}">
-                <a16:creationId xmlns:a16="http://schemas.microsoft.com/office/drawing/2014/main" id="{A5762679-1A01-FE5B-7ED9-A1FBCAACBFF9}"/>
-              </a:ext>
-            </a:extLst>
-          </p:cNvPr>
-          <p:cNvSpPr>
-            <a:spLocks noChangeArrowheads="1"/>
-          </p:cNvSpPr>
-          <p:nvPr/>
-        </p:nvSpPr>
-        <p:spPr bwMode="auto">
-          <a:xfrm>
-            <a:off x="896938" y="976422"/>
-            <a:ext cx="49450625" cy="3139321"/>
-          </a:xfrm>
-          <a:prstGeom prst="rect">
-            <a:avLst/>
-          </a:prstGeom>
-          <a:noFill/>
-          <a:ln>
-            <a:noFill/>
-          </a:ln>
-          <a:extLst>
-            <a:ext uri="{909E8E84-426E-40dd-AFC4-6F175D3DCCD1}">
-              <a14:hiddenFill xmlns:a14="http://schemas.microsoft.com/office/drawing/2010/main" xmlns="">
-                <a:solidFill>
-                  <a:srgbClr val="FFFFFF"/>
-                </a:solidFill>
-              </a14:hiddenFill>
-            </a:ext>
-            <a:ext uri="{91240B29-F687-4f45-9708-019B960494DF}">
-              <a14:hiddenLine xmlns:a14="http://schemas.microsoft.com/office/drawing/2010/main" xmlns="" w="9525">
-                <a:solidFill>
-                  <a:srgbClr val="000000"/>
-                </a:solidFill>
-                <a:miter lim="800000"/>
-                <a:headEnd/>
-                <a:tailEnd/>
-              </a14:hiddenLine>
-            </a:ext>
-          </a:extLst>
-        </p:spPr>
-        <p:txBody>
-          <a:bodyPr anchor="ctr">
-            <a:spAutoFit/>
-          </a:bodyPr>
-          <a:lstStyle/>
-          <a:p>
-            <a:pPr algn="ctr">
-              <a:lnSpc>
-                <a:spcPct val="90000"/>
-              </a:lnSpc>
-              <a:defRPr/>
-            </a:pPr>
-            <a:r>
-              <a:rPr lang="en-US" sz="11000" b="0" i="0" u="none" strike="noStrike" dirty="0">
-                <a:solidFill>
-                  <a:srgbClr val="000000"/>
-                </a:solidFill>
-                <a:effectLst/>
-                <a:latin typeface="Avenir Heavy"/>
-              </a:rPr>
-              <a:t>Box Score to Bracket: Evaluating the Predictive Power of NBA Regular Season Performance on Playoff Outcomes</a:t>
-            </a:r>
-            <a:endParaRPr lang="en-US" sz="11000" b="1" dirty="0">
-              <a:ln>
-                <a:solidFill>
-                  <a:schemeClr val="bg1"/>
-                </a:solidFill>
-              </a:ln>
-              <a:latin typeface="Avenir Heavy"/>
-              <a:ea typeface="ＭＳ Ｐゴシック" charset="0"/>
-              <a:cs typeface="Avenir Heavy"/>
-            </a:endParaRPr>
-          </a:p>
-        </p:txBody>
-      </p:sp>
-      <p:sp>
-        <p:nvSpPr>
-          <p:cNvPr id="14345" name="Text Box 16">
-            <a:extLst>
-              <a:ext uri="{FF2B5EF4-FFF2-40B4-BE49-F238E27FC236}">
-                <a16:creationId xmlns:a16="http://schemas.microsoft.com/office/drawing/2014/main" id="{67FB6E23-2A99-7115-C60E-65FB19AF495E}"/>
-              </a:ext>
-            </a:extLst>
-          </p:cNvPr>
-          <p:cNvSpPr txBox="1">
-            <a:spLocks noChangeArrowheads="1"/>
-          </p:cNvSpPr>
-          <p:nvPr/>
-        </p:nvSpPr>
-        <p:spPr bwMode="auto">
-          <a:xfrm>
-            <a:off x="38595300" y="21710650"/>
-            <a:ext cx="10515600" cy="4572000"/>
+            <a:off x="38595300" y="21355278"/>
+            <a:ext cx="10811782" cy="4182608"/>
           </a:xfrm>
           <a:prstGeom prst="rect">
             <a:avLst/>
@@ -6174,26 +6162,28 @@
               </a:spcBef>
             </a:pPr>
             <a:r>
-              <a:rPr lang="en-US" altLang="en-US" sz="4400" b="1">
+              <a:rPr lang="en-US" altLang="en-US" sz="4400" b="1" dirty="0">
                 <a:solidFill>
                   <a:srgbClr val="000000"/>
                 </a:solidFill>
                 <a:latin typeface="Avenir Heavy" pitchFamily="124" charset="0"/>
               </a:rPr>
-              <a:t>Acknowledgments</a:t>
-            </a:r>
-          </a:p>
-          <a:p>
-            <a:pPr eaLnBrk="1" hangingPunct="1">
-              <a:spcBef>
-                <a:spcPct val="10000"/>
-              </a:spcBef>
-            </a:pPr>
-            <a:r>
-              <a:rPr lang="en-US" altLang="en-US" sz="3600">
+              <a:t>Next Steps</a:t>
+            </a:r>
+          </a:p>
+          <a:p>
+            <a:pPr marL="571500" indent="-571500" eaLnBrk="1" hangingPunct="1">
+              <a:spcBef>
+                <a:spcPts val="1200"/>
+              </a:spcBef>
+              <a:buFont typeface="Arial" panose="020B0604020202020204" pitchFamily="34" charset="0"/>
+              <a:buChar char="•"/>
+            </a:pPr>
+            <a:r>
+              <a:rPr lang="en-US" altLang="en-US" sz="3600" dirty="0">
                 <a:latin typeface="Avenir Book" pitchFamily="124" charset="0"/>
               </a:rPr>
-              <a:t>Be brief. </a:t>
+              <a:t>[]</a:t>
             </a:r>
           </a:p>
         </p:txBody>
@@ -6203,7 +6193,7 @@
           <p:cNvPr id="14346" name="Text Box 15">
             <a:extLst>
               <a:ext uri="{FF2B5EF4-FFF2-40B4-BE49-F238E27FC236}">
-                <a16:creationId xmlns:a16="http://schemas.microsoft.com/office/drawing/2014/main" id="{E083E82E-BD2F-BEF7-2A90-94B34E4FF07D}"/>
+                <a16:creationId xmlns:a16="http://schemas.microsoft.com/office/drawing/2014/main" id="{B69C3B60-0B0B-4842-F1AD-CEDAC86EEF16}"/>
               </a:ext>
             </a:extLst>
           </p:cNvPr>
@@ -6215,7 +6205,7 @@
         <p:spPr bwMode="auto">
           <a:xfrm>
             <a:off x="38595300" y="17175163"/>
-            <a:ext cx="10515600" cy="4572000"/>
+            <a:ext cx="10811782" cy="4182608"/>
           </a:xfrm>
           <a:prstGeom prst="rect">
             <a:avLst/>
@@ -6348,48 +6338,38 @@
               </a:spcBef>
             </a:pPr>
             <a:r>
-              <a:rPr lang="en-US" altLang="en-US" sz="4400" b="1">
+              <a:rPr lang="en-US" altLang="en-US" sz="4400" b="1" dirty="0">
                 <a:solidFill>
                   <a:srgbClr val="000000"/>
                 </a:solidFill>
                 <a:latin typeface="Avenir Heavy" pitchFamily="124" charset="0"/>
               </a:rPr>
-              <a:t>Literature cited</a:t>
-            </a:r>
-          </a:p>
-          <a:p>
-            <a:pPr eaLnBrk="1" hangingPunct="1">
+              <a:t>Implications</a:t>
+            </a:r>
+          </a:p>
+          <a:p>
+            <a:pPr marL="571500" indent="-571500" eaLnBrk="1" hangingPunct="1">
               <a:spcBef>
                 <a:spcPts val="1200"/>
               </a:spcBef>
-            </a:pPr>
-            <a:r>
-              <a:rPr lang="en-US" altLang="en-US" sz="3600">
+              <a:buFont typeface="Arial" panose="020B0604020202020204" pitchFamily="34" charset="0"/>
+              <a:buChar char="•"/>
+            </a:pPr>
+            <a:r>
+              <a:rPr lang="en-US" altLang="en-US" sz="3600" dirty="0">
                 <a:latin typeface="Avenir Book" pitchFamily="124" charset="0"/>
               </a:rPr>
-              <a:t>Author, J. 2012. Article title. </a:t>
-            </a:r>
-            <a:r>
-              <a:rPr lang="en-US" altLang="en-US" sz="3600" i="1">
-                <a:latin typeface="Avenir Book" pitchFamily="124" charset="0"/>
-              </a:rPr>
-              <a:t>Journal of Something</a:t>
-            </a:r>
-            <a:r>
-              <a:rPr lang="en-US" altLang="en-US" sz="3600">
-                <a:latin typeface="Avenir Book" pitchFamily="124" charset="0"/>
-              </a:rPr>
-              <a:t> 1:1-2.</a:t>
+              <a:t>[]</a:t>
             </a:r>
           </a:p>
           <a:p>
             <a:pPr eaLnBrk="1" hangingPunct="1"/>
             <a:br>
-              <a:rPr lang="en-US" altLang="en-US" sz="2800">
+              <a:rPr lang="en-US" altLang="en-US" sz="2800" dirty="0">
                 <a:latin typeface="Avenir Book" pitchFamily="124" charset="0"/>
               </a:rPr>
             </a:br>
-            <a:endParaRPr lang="en-US" altLang="en-US" sz="2800">
+            <a:endParaRPr lang="en-US" altLang="en-US" sz="2800" dirty="0">
               <a:latin typeface="Avenir Book" pitchFamily="124" charset="0"/>
             </a:endParaRPr>
           </a:p>
@@ -6399,7 +6379,7 @@
                 <a:spcPct val="10000"/>
               </a:spcBef>
             </a:pPr>
-            <a:endParaRPr lang="en-US" altLang="en-US" sz="2800">
+            <a:endParaRPr lang="en-US" altLang="en-US" sz="2800" dirty="0">
               <a:latin typeface="Avenir Book" pitchFamily="124" charset="0"/>
             </a:endParaRPr>
           </a:p>
@@ -6410,7 +6390,7 @@
           <p:cNvPr id="14347" name="Text Box 70">
             <a:extLst>
               <a:ext uri="{FF2B5EF4-FFF2-40B4-BE49-F238E27FC236}">
-                <a16:creationId xmlns:a16="http://schemas.microsoft.com/office/drawing/2014/main" id="{35B4EEB4-51EF-1231-AC94-5EFE49DF6E6C}"/>
+                <a16:creationId xmlns:a16="http://schemas.microsoft.com/office/drawing/2014/main" id="{BCE6D896-7C32-3496-1DCE-1B1F297F93C3}"/>
               </a:ext>
             </a:extLst>
           </p:cNvPr>
@@ -6421,8 +6401,8 @@
         </p:nvSpPr>
         <p:spPr bwMode="auto">
           <a:xfrm>
-            <a:off x="38595300" y="26306463"/>
-            <a:ext cx="10515600" cy="4572000"/>
+            <a:off x="38595300" y="25537886"/>
+            <a:ext cx="10811782" cy="4049485"/>
           </a:xfrm>
           <a:prstGeom prst="rect">
             <a:avLst/>
@@ -6551,64 +6531,60 @@
           <a:p>
             <a:pPr algn="just" eaLnBrk="1" hangingPunct="1"/>
             <a:r>
-              <a:rPr lang="en-US" altLang="en-US" sz="4400" b="1">
+              <a:rPr lang="en-US" altLang="en-US" sz="4400" b="1" dirty="0">
                 <a:solidFill>
                   <a:srgbClr val="000000"/>
                 </a:solidFill>
                 <a:latin typeface="Avenir Heavy" pitchFamily="124" charset="0"/>
               </a:rPr>
-              <a:t>Further information</a:t>
-            </a:r>
-          </a:p>
-          <a:p>
-            <a:pPr eaLnBrk="1" hangingPunct="1">
+              <a:t>Data Sources</a:t>
+            </a:r>
+          </a:p>
+          <a:p>
+            <a:pPr marL="571500" indent="-571500" eaLnBrk="1" hangingPunct="1">
               <a:spcBef>
                 <a:spcPct val="10000"/>
               </a:spcBef>
-            </a:pPr>
-            <a:r>
-              <a:rPr lang="en-US" altLang="en-US" sz="3600">
+              <a:buFont typeface="Arial" panose="020B0604020202020204" pitchFamily="34" charset="0"/>
+              <a:buChar char="•"/>
+            </a:pPr>
+            <a:r>
+              <a:rPr lang="en-US" altLang="en-US" sz="3600" dirty="0" err="1">
                 <a:solidFill>
                   <a:srgbClr val="000000"/>
                 </a:solidFill>
                 <a:latin typeface="Avenir Book" pitchFamily="124" charset="0"/>
               </a:rPr>
-              <a:t>Please </a:t>
-            </a:r>
-            <a:r>
-              <a:rPr lang="en-US" altLang="en-US" sz="3600" b="1">
+              <a:t>NBA.com’s</a:t>
+            </a:r>
+            <a:r>
+              <a:rPr lang="en-US" altLang="en-US" sz="3600" dirty="0">
+                <a:solidFill>
+                  <a:srgbClr val="000000"/>
+                </a:solidFill>
                 <a:latin typeface="Avenir Book" pitchFamily="124" charset="0"/>
               </a:rPr>
-              <a:t>see </a:t>
-            </a:r>
-            <a:r>
-              <a:rPr lang="en-US" altLang="en-US" sz="3600">
+              <a:t> official stats website</a:t>
+            </a:r>
+          </a:p>
+          <a:p>
+            <a:pPr marL="571500" indent="-571500" eaLnBrk="1" hangingPunct="1">
+              <a:spcBef>
+                <a:spcPct val="10000"/>
+              </a:spcBef>
+              <a:buFont typeface="Arial" panose="020B0604020202020204" pitchFamily="34" charset="0"/>
+              <a:buChar char="•"/>
+            </a:pPr>
+            <a:r>
+              <a:rPr lang="en-US" altLang="en-US" sz="3600" dirty="0">
+                <a:solidFill>
+                  <a:srgbClr val="000000"/>
+                </a:solidFill>
                 <a:latin typeface="Avenir Book" pitchFamily="124" charset="0"/>
               </a:rPr>
-              <a:t>https://colinpurrington.com/tips/poster-design</a:t>
-            </a:r>
-            <a:r>
-              <a:rPr lang="en-US" altLang="en-US" sz="3600" i="1">
-                <a:latin typeface="Avenir Book" pitchFamily="124" charset="0"/>
-              </a:rPr>
-              <a:t> </a:t>
-            </a:r>
-            <a:r>
-              <a:rPr lang="en-US" altLang="en-US" sz="3600">
-                <a:latin typeface="Avenir Book" pitchFamily="124" charset="0"/>
-              </a:rPr>
-              <a:t>for more templates and tips</a:t>
-            </a:r>
-            <a:r>
-              <a:rPr lang="en-US" altLang="en-US" sz="3600">
-                <a:solidFill>
-                  <a:srgbClr val="000000"/>
-                </a:solidFill>
-                <a:latin typeface="Avenir Book" pitchFamily="124" charset="0"/>
-              </a:rPr>
-              <a:t>. I’m at colinpurrington@gmail.com if you have a question or comment.</a:t>
-            </a:r>
-            <a:endParaRPr lang="en-US" altLang="en-US" sz="3600">
+              <a:t>Used the stats.nba.com API to scrape traditional and advanced box score data</a:t>
+            </a:r>
+            <a:endParaRPr lang="en-US" altLang="en-US" sz="3600" dirty="0">
               <a:latin typeface="Avenir Book" pitchFamily="124" charset="0"/>
             </a:endParaRPr>
           </a:p>
@@ -6618,7 +6594,7 @@
                 <a:spcPct val="10000"/>
               </a:spcBef>
             </a:pPr>
-            <a:endParaRPr lang="en-US" altLang="en-US" sz="2800">
+            <a:endParaRPr lang="en-US" altLang="en-US" sz="2800" dirty="0">
               <a:latin typeface="Avenir Book" pitchFamily="124" charset="0"/>
             </a:endParaRPr>
           </a:p>
@@ -6629,7 +6605,7 @@
           <p:cNvPr id="14348" name="Text Box 7">
             <a:extLst>
               <a:ext uri="{FF2B5EF4-FFF2-40B4-BE49-F238E27FC236}">
-                <a16:creationId xmlns:a16="http://schemas.microsoft.com/office/drawing/2014/main" id="{A58E76BB-04A7-77A8-1F72-ACCF4823A067}"/>
+                <a16:creationId xmlns:a16="http://schemas.microsoft.com/office/drawing/2014/main" id="{B0E97086-7DA8-5BE6-2BCF-05782062FB84}"/>
               </a:ext>
             </a:extLst>
           </p:cNvPr>
@@ -6801,7 +6777,7 @@
               </a:lnSpc>
             </a:pPr>
             <a:r>
-              <a:rPr lang="en-US" altLang="ja-JP" sz="4800">
+              <a:rPr lang="en-US" altLang="ja-JP" sz="4800" dirty="0">
                 <a:solidFill>
                   <a:srgbClr val="FF0000"/>
                 </a:solidFill>
@@ -6809,7 +6785,7 @@
               </a:rPr>
               <a:t>If you have just one or two simple graphics, viewers will be drawn to explore them. If you have too many or they are too complicated, visitors will be repelled. </a:t>
             </a:r>
-            <a:endParaRPr lang="en-US" altLang="en-US" sz="2800">
+            <a:endParaRPr lang="en-US" altLang="en-US" sz="2800" dirty="0">
               <a:latin typeface="Avenir Medium" pitchFamily="124" charset="0"/>
             </a:endParaRPr>
           </a:p>
@@ -6817,99 +6793,2153 @@
       </p:sp>
       <p:sp>
         <p:nvSpPr>
-          <p:cNvPr id="6" name="TextBox 5">
+          <p:cNvPr id="2" name="Rectangle: Rounded Corners 1">
             <a:extLst>
               <a:ext uri="{FF2B5EF4-FFF2-40B4-BE49-F238E27FC236}">
-                <a16:creationId xmlns:a16="http://schemas.microsoft.com/office/drawing/2014/main" id="{A59B5D64-DBCF-B336-09B6-2CBB19BBEC3B}"/>
+                <a16:creationId xmlns:a16="http://schemas.microsoft.com/office/drawing/2014/main" id="{5BC111B1-8A0E-6CFC-6D24-AB4513D46AEE}"/>
               </a:ext>
             </a:extLst>
           </p:cNvPr>
-          <p:cNvSpPr txBox="1"/>
+          <p:cNvSpPr/>
           <p:nvPr/>
         </p:nvSpPr>
         <p:spPr>
           <a:xfrm>
-            <a:off x="2398713" y="3857625"/>
-            <a:ext cx="8796337" cy="1754188"/>
+            <a:off x="1763486" y="1077686"/>
+            <a:ext cx="47646771" cy="4794476"/>
+          </a:xfrm>
+          <a:prstGeom prst="roundRect">
+            <a:avLst/>
+          </a:prstGeom>
+          <a:solidFill>
+            <a:schemeClr val="bg1"/>
+          </a:solidFill>
+        </p:spPr>
+        <p:style>
+          <a:lnRef idx="1">
+            <a:schemeClr val="accent1"/>
+          </a:lnRef>
+          <a:fillRef idx="3">
+            <a:schemeClr val="accent1"/>
+          </a:fillRef>
+          <a:effectRef idx="2">
+            <a:schemeClr val="accent1"/>
+          </a:effectRef>
+          <a:fontRef idx="minor">
+            <a:schemeClr val="lt1"/>
+          </a:fontRef>
+        </p:style>
+        <p:txBody>
+          <a:bodyPr rtlCol="0" anchor="ctr"/>
+          <a:lstStyle/>
+          <a:p>
+            <a:pPr algn="ctr">
+              <a:lnSpc>
+                <a:spcPct val="90000"/>
+              </a:lnSpc>
+              <a:defRPr/>
+            </a:pPr>
+            <a:r>
+              <a:rPr lang="en-US" sz="9600" b="0" i="0" u="none" strike="noStrike" dirty="0">
+                <a:solidFill>
+                  <a:srgbClr val="000000"/>
+                </a:solidFill>
+                <a:effectLst/>
+                <a:latin typeface="Avenir Heavy"/>
+              </a:rPr>
+              <a:t>Box Score to Bracket: Evaluating the Predictive Power of NBA Regular Season </a:t>
+            </a:r>
+          </a:p>
+          <a:p>
+            <a:pPr algn="ctr">
+              <a:lnSpc>
+                <a:spcPct val="90000"/>
+              </a:lnSpc>
+              <a:defRPr/>
+            </a:pPr>
+            <a:r>
+              <a:rPr lang="en-US" sz="9600" b="0" i="0" u="none" strike="noStrike" dirty="0">
+                <a:solidFill>
+                  <a:srgbClr val="000000"/>
+                </a:solidFill>
+                <a:effectLst/>
+                <a:latin typeface="Avenir Heavy"/>
+              </a:rPr>
+              <a:t>Performance on Playoff Outcomes</a:t>
+            </a:r>
+          </a:p>
+          <a:p>
+            <a:pPr algn="ctr">
+              <a:lnSpc>
+                <a:spcPct val="90000"/>
+              </a:lnSpc>
+              <a:defRPr/>
+            </a:pPr>
+            <a:endParaRPr lang="en-US" sz="4000" b="0" i="0" u="none" strike="noStrike" dirty="0">
+              <a:solidFill>
+                <a:srgbClr val="000000"/>
+              </a:solidFill>
+              <a:effectLst/>
+              <a:latin typeface="Avenir Heavy"/>
+            </a:endParaRPr>
+          </a:p>
+          <a:p>
+            <a:pPr algn="ctr">
+              <a:lnSpc>
+                <a:spcPct val="90000"/>
+              </a:lnSpc>
+              <a:defRPr/>
+            </a:pPr>
+            <a:r>
+              <a:rPr lang="en-US" altLang="en-US" sz="6000" b="1" dirty="0">
+                <a:solidFill>
+                  <a:schemeClr val="tx1"/>
+                </a:solidFill>
+                <a:latin typeface="Avenir Medium" pitchFamily="124" charset="0"/>
+              </a:rPr>
+              <a:t>Andrew Scheiner ’25, Sid Lamsal ’25,</a:t>
+            </a:r>
+            <a:r>
+              <a:rPr lang="en-US" altLang="en-US" sz="6000" b="1" dirty="0">
+                <a:solidFill>
+                  <a:schemeClr val="tx1"/>
+                </a:solidFill>
+                <a:latin typeface="Avenir Book" pitchFamily="124" charset="0"/>
+              </a:rPr>
+              <a:t> Department of Data Analytics, </a:t>
+            </a:r>
+            <a:r>
+              <a:rPr lang="en-US" altLang="en-US" sz="6000" dirty="0">
+                <a:solidFill>
+                  <a:schemeClr val="tx1"/>
+                </a:solidFill>
+                <a:latin typeface="Avenir Book" pitchFamily="124" charset="0"/>
+              </a:rPr>
+              <a:t>Dickinson College</a:t>
+            </a:r>
+          </a:p>
+        </p:txBody>
+      </p:sp>
+    </p:spTree>
+    <p:extLst>
+      <p:ext uri="{BB962C8B-B14F-4D97-AF65-F5344CB8AC3E}">
+        <p14:creationId xmlns:p14="http://schemas.microsoft.com/office/powerpoint/2010/main" val="2002499930"/>
+      </p:ext>
+    </p:extLst>
+  </p:cSld>
+  <p:clrMapOvr>
+    <a:overrideClrMapping bg1="lt1" tx1="dk1" bg2="lt2" tx2="dk2" accent1="accent1" accent2="accent2" accent3="accent3" accent4="accent4" accent5="accent5" accent6="accent6" hlink="hlink" folHlink="folHlink"/>
+  </p:clrMapOvr>
+</p:sld>
+</file>
+
+<file path=ppt/slides/slide2.xml><?xml version="1.0" encoding="utf-8"?>
+<p:sld xmlns:a="http://schemas.openxmlformats.org/drawingml/2006/main" xmlns:r="http://schemas.openxmlformats.org/officeDocument/2006/relationships" xmlns:p="http://schemas.openxmlformats.org/presentationml/2006/main">
+  <p:cSld>
+    <p:bg>
+      <p:bgPr>
+        <a:solidFill>
+          <a:schemeClr val="bg1"/>
+        </a:solidFill>
+        <a:effectLst/>
+      </p:bgPr>
+    </p:bg>
+    <p:spTree>
+      <p:nvGrpSpPr>
+        <p:cNvPr id="1" name="">
+          <a:extLst>
+            <a:ext uri="{FF2B5EF4-FFF2-40B4-BE49-F238E27FC236}">
+              <a16:creationId xmlns:a16="http://schemas.microsoft.com/office/drawing/2014/main" id="{EDCE82C2-DBE0-5FA9-7820-3428C527F362}"/>
+            </a:ext>
+          </a:extLst>
+        </p:cNvPr>
+        <p:cNvGrpSpPr/>
+        <p:nvPr/>
+      </p:nvGrpSpPr>
+      <p:grpSpPr>
+        <a:xfrm>
+          <a:off x="0" y="0"/>
+          <a:ext cx="0" cy="0"/>
+          <a:chOff x="0" y="0"/>
+          <a:chExt cx="0" cy="0"/>
+        </a:xfrm>
+      </p:grpSpPr>
+      <p:pic>
+        <p:nvPicPr>
+          <p:cNvPr id="3076" name="Picture 4">
+            <a:extLst>
+              <a:ext uri="{FF2B5EF4-FFF2-40B4-BE49-F238E27FC236}">
+                <a16:creationId xmlns:a16="http://schemas.microsoft.com/office/drawing/2014/main" id="{29EF5C91-D397-DC08-FAAC-0308A2F817B5}"/>
+              </a:ext>
+            </a:extLst>
+          </p:cNvPr>
+          <p:cNvPicPr>
+            <a:picLocks noChangeAspect="1" noChangeArrowheads="1"/>
+          </p:cNvPicPr>
+          <p:nvPr/>
+        </p:nvPicPr>
+        <p:blipFill>
+          <a:blip r:embed="rId4">
+            <a:extLst>
+              <a:ext uri="{28A0092B-C50C-407E-A947-70E740481C1C}">
+                <a14:useLocalDpi xmlns:a14="http://schemas.microsoft.com/office/drawing/2010/main" val="0"/>
+              </a:ext>
+            </a:extLst>
+          </a:blip>
+          <a:srcRect/>
+          <a:stretch>
+            <a:fillRect/>
+          </a:stretch>
+        </p:blipFill>
+        <p:spPr bwMode="auto">
+          <a:xfrm>
+            <a:off x="-1" y="-15766"/>
+            <a:ext cx="51206401" cy="32028013"/>
           </a:xfrm>
           <a:prstGeom prst="rect">
             <a:avLst/>
           </a:prstGeom>
           <a:noFill/>
+          <a:extLst>
+            <a:ext uri="{909E8E84-426E-40DD-AFC4-6F175D3DCCD1}">
+              <a14:hiddenFill xmlns:a14="http://schemas.microsoft.com/office/drawing/2010/main">
+                <a:solidFill>
+                  <a:srgbClr val="FFFFFF"/>
+                </a:solidFill>
+              </a14:hiddenFill>
+            </a:ext>
+          </a:extLst>
+        </p:spPr>
+      </p:pic>
+      <p:sp>
+        <p:nvSpPr>
+          <p:cNvPr id="14339" name="Text Box 7">
+            <a:extLst>
+              <a:ext uri="{FF2B5EF4-FFF2-40B4-BE49-F238E27FC236}">
+                <a16:creationId xmlns:a16="http://schemas.microsoft.com/office/drawing/2014/main" id="{A817019B-2C78-FAF6-F919-6C121DD1EE35}"/>
+              </a:ext>
+            </a:extLst>
+          </p:cNvPr>
+          <p:cNvSpPr txBox="1">
+            <a:spLocks noChangeArrowheads="1"/>
+          </p:cNvSpPr>
+          <p:nvPr/>
+        </p:nvSpPr>
+        <p:spPr bwMode="auto">
+          <a:xfrm>
+            <a:off x="1763486" y="6929437"/>
+            <a:ext cx="10744427" cy="11300277"/>
+          </a:xfrm>
+          <a:prstGeom prst="rect">
+            <a:avLst/>
+          </a:prstGeom>
+          <a:solidFill>
+            <a:schemeClr val="bg1"/>
+          </a:solidFill>
+          <a:ln w="38100">
+            <a:solidFill>
+              <a:srgbClr val="000000"/>
+            </a:solidFill>
+            <a:round/>
+            <a:headEnd/>
+            <a:tailEnd/>
+          </a:ln>
         </p:spPr>
         <p:txBody>
-          <a:bodyPr>
-            <a:spAutoFit/>
-          </a:bodyPr>
-          <a:lstStyle/>
-          <a:p>
-            <a:pPr>
-              <a:defRPr/>
-            </a:pPr>
-            <a:r>
-              <a:rPr lang="en-US" sz="3600" dirty="0">
-                <a:solidFill>
-                  <a:schemeClr val="accent1">
-                    <a:lumMod val="90000"/>
-                  </a:schemeClr>
-                </a:solidFill>
+          <a:bodyPr lIns="914400" tIns="457200" rIns="914400" bIns="914400"/>
+          <a:lstStyle>
+            <a:lvl1pPr eaLnBrk="0" hangingPunct="0">
+              <a:tabLst>
+                <a:tab pos="500063" algn="l"/>
+              </a:tabLst>
+              <a:defRPr sz="3200">
+                <a:solidFill>
+                  <a:schemeClr val="tx1"/>
+                </a:solidFill>
+                <a:latin typeface="Helvetica" panose="020B0604020202020204" pitchFamily="34" charset="0"/>
+                <a:ea typeface="MS PGothic" panose="020B0600070205080204" pitchFamily="34" charset="-128"/>
+              </a:defRPr>
+            </a:lvl1pPr>
+            <a:lvl2pPr marL="742950" indent="-285750" eaLnBrk="0" hangingPunct="0">
+              <a:tabLst>
+                <a:tab pos="500063" algn="l"/>
+              </a:tabLst>
+              <a:defRPr sz="3200">
+                <a:solidFill>
+                  <a:schemeClr val="tx1"/>
+                </a:solidFill>
+                <a:latin typeface="Helvetica" panose="020B0604020202020204" pitchFamily="34" charset="0"/>
+                <a:ea typeface="MS PGothic" panose="020B0600070205080204" pitchFamily="34" charset="-128"/>
+              </a:defRPr>
+            </a:lvl2pPr>
+            <a:lvl3pPr marL="1143000" indent="-228600" eaLnBrk="0" hangingPunct="0">
+              <a:tabLst>
+                <a:tab pos="500063" algn="l"/>
+              </a:tabLst>
+              <a:defRPr sz="3200">
+                <a:solidFill>
+                  <a:schemeClr val="tx1"/>
+                </a:solidFill>
+                <a:latin typeface="Helvetica" panose="020B0604020202020204" pitchFamily="34" charset="0"/>
+                <a:ea typeface="MS PGothic" panose="020B0600070205080204" pitchFamily="34" charset="-128"/>
+              </a:defRPr>
+            </a:lvl3pPr>
+            <a:lvl4pPr marL="1600200" indent="-228600" eaLnBrk="0" hangingPunct="0">
+              <a:tabLst>
+                <a:tab pos="500063" algn="l"/>
+              </a:tabLst>
+              <a:defRPr sz="3200">
+                <a:solidFill>
+                  <a:schemeClr val="tx1"/>
+                </a:solidFill>
+                <a:latin typeface="Helvetica" panose="020B0604020202020204" pitchFamily="34" charset="0"/>
+                <a:ea typeface="MS PGothic" panose="020B0600070205080204" pitchFamily="34" charset="-128"/>
+              </a:defRPr>
+            </a:lvl4pPr>
+            <a:lvl5pPr marL="2057400" indent="-228600" eaLnBrk="0" hangingPunct="0">
+              <a:tabLst>
+                <a:tab pos="500063" algn="l"/>
+              </a:tabLst>
+              <a:defRPr sz="3200">
+                <a:solidFill>
+                  <a:schemeClr val="tx1"/>
+                </a:solidFill>
+                <a:latin typeface="Helvetica" panose="020B0604020202020204" pitchFamily="34" charset="0"/>
+                <a:ea typeface="MS PGothic" panose="020B0600070205080204" pitchFamily="34" charset="-128"/>
+              </a:defRPr>
+            </a:lvl5pPr>
+            <a:lvl6pPr marL="2514600" indent="-228600" eaLnBrk="0" fontAlgn="base" hangingPunct="0">
+              <a:spcBef>
+                <a:spcPct val="0"/>
+              </a:spcBef>
+              <a:spcAft>
+                <a:spcPct val="0"/>
+              </a:spcAft>
+              <a:tabLst>
+                <a:tab pos="500063" algn="l"/>
+              </a:tabLst>
+              <a:defRPr sz="3200">
+                <a:solidFill>
+                  <a:schemeClr val="tx1"/>
+                </a:solidFill>
+                <a:latin typeface="Helvetica" panose="020B0604020202020204" pitchFamily="34" charset="0"/>
+                <a:ea typeface="MS PGothic" panose="020B0600070205080204" pitchFamily="34" charset="-128"/>
+              </a:defRPr>
+            </a:lvl6pPr>
+            <a:lvl7pPr marL="2971800" indent="-228600" eaLnBrk="0" fontAlgn="base" hangingPunct="0">
+              <a:spcBef>
+                <a:spcPct val="0"/>
+              </a:spcBef>
+              <a:spcAft>
+                <a:spcPct val="0"/>
+              </a:spcAft>
+              <a:tabLst>
+                <a:tab pos="500063" algn="l"/>
+              </a:tabLst>
+              <a:defRPr sz="3200">
+                <a:solidFill>
+                  <a:schemeClr val="tx1"/>
+                </a:solidFill>
+                <a:latin typeface="Helvetica" panose="020B0604020202020204" pitchFamily="34" charset="0"/>
+                <a:ea typeface="MS PGothic" panose="020B0600070205080204" pitchFamily="34" charset="-128"/>
+              </a:defRPr>
+            </a:lvl7pPr>
+            <a:lvl8pPr marL="3429000" indent="-228600" eaLnBrk="0" fontAlgn="base" hangingPunct="0">
+              <a:spcBef>
+                <a:spcPct val="0"/>
+              </a:spcBef>
+              <a:spcAft>
+                <a:spcPct val="0"/>
+              </a:spcAft>
+              <a:tabLst>
+                <a:tab pos="500063" algn="l"/>
+              </a:tabLst>
+              <a:defRPr sz="3200">
+                <a:solidFill>
+                  <a:schemeClr val="tx1"/>
+                </a:solidFill>
+                <a:latin typeface="Helvetica" panose="020B0604020202020204" pitchFamily="34" charset="0"/>
+                <a:ea typeface="MS PGothic" panose="020B0600070205080204" pitchFamily="34" charset="-128"/>
+              </a:defRPr>
+            </a:lvl8pPr>
+            <a:lvl9pPr marL="3886200" indent="-228600" eaLnBrk="0" fontAlgn="base" hangingPunct="0">
+              <a:spcBef>
+                <a:spcPct val="0"/>
+              </a:spcBef>
+              <a:spcAft>
+                <a:spcPct val="0"/>
+              </a:spcAft>
+              <a:tabLst>
+                <a:tab pos="500063" algn="l"/>
+              </a:tabLst>
+              <a:defRPr sz="3200">
+                <a:solidFill>
+                  <a:schemeClr val="tx1"/>
+                </a:solidFill>
+                <a:latin typeface="Helvetica" panose="020B0604020202020204" pitchFamily="34" charset="0"/>
+                <a:ea typeface="MS PGothic" panose="020B0600070205080204" pitchFamily="34" charset="-128"/>
+              </a:defRPr>
+            </a:lvl9pPr>
+          </a:lstStyle>
+          <a:p>
+            <a:pPr algn="just" eaLnBrk="1" hangingPunct="1">
+              <a:spcBef>
+                <a:spcPct val="50000"/>
+              </a:spcBef>
+            </a:pPr>
+            <a:r>
+              <a:rPr lang="en-US" altLang="en-US" sz="4800" b="1" dirty="0">
+                <a:latin typeface="Avenir Heavy" pitchFamily="124" charset="0"/>
+              </a:rPr>
+              <a:t>Introduction</a:t>
+            </a:r>
+          </a:p>
+          <a:p>
+            <a:pPr eaLnBrk="1" hangingPunct="1">
+              <a:spcBef>
+                <a:spcPct val="10000"/>
+              </a:spcBef>
+            </a:pPr>
+            <a:endParaRPr lang="en-US" altLang="ja-JP" sz="4800" dirty="0">
+              <a:latin typeface="Avenir Book" pitchFamily="124" charset="0"/>
+            </a:endParaRPr>
+          </a:p>
+          <a:p>
+            <a:pPr eaLnBrk="1" hangingPunct="1">
+              <a:spcBef>
+                <a:spcPct val="10000"/>
+              </a:spcBef>
+            </a:pPr>
+            <a:r>
+              <a:rPr lang="en-US" sz="4000" dirty="0">
                 <a:latin typeface="Avenir Book"/>
-                <a:ea typeface="ＭＳ Ｐゴシック" charset="0"/>
-                <a:cs typeface="Avenir Book"/>
               </a:rPr>
-              <a:t>Doing so crowds the title and visually distracts from important graphics. Put logo on your business card, not poster.</a:t>
-            </a:r>
+              <a:t>This project explores how accurately NBA regular season data can predict playoff outcomes using neural networks trained on game-by-game statistics. The goal is to identify patterns in predictive accuracy as the season progresses, uncovering whether certain segments of games better indicate postseason success. By addressing doubts about the regular season’s value, this study offers potential insights to enhance sports analytics, inform league policies, and showcase the dynamic applications of machine learning in real-world scenarios.</a:t>
+            </a:r>
+            <a:endParaRPr lang="en-US" altLang="en-US" sz="4000" dirty="0">
+              <a:latin typeface="Avenir Book"/>
+            </a:endParaRPr>
           </a:p>
         </p:txBody>
       </p:sp>
       <p:sp>
         <p:nvSpPr>
-          <p:cNvPr id="23" name="TextBox 22">
+          <p:cNvPr id="14340" name="Text Box 11">
             <a:extLst>
               <a:ext uri="{FF2B5EF4-FFF2-40B4-BE49-F238E27FC236}">
-                <a16:creationId xmlns:a16="http://schemas.microsoft.com/office/drawing/2014/main" id="{15C42509-F9CB-2CA5-20BE-827691CA29D3}"/>
+                <a16:creationId xmlns:a16="http://schemas.microsoft.com/office/drawing/2014/main" id="{944CAD36-E156-CCD1-8A8F-C4F8011690FD}"/>
               </a:ext>
             </a:extLst>
           </p:cNvPr>
-          <p:cNvSpPr txBox="1"/>
+          <p:cNvSpPr txBox="1">
+            <a:spLocks noChangeArrowheads="1"/>
+          </p:cNvSpPr>
+          <p:nvPr/>
+        </p:nvSpPr>
+        <p:spPr bwMode="auto">
+          <a:xfrm>
+            <a:off x="1763486" y="19333028"/>
+            <a:ext cx="10744427" cy="10254343"/>
+          </a:xfrm>
+          <a:prstGeom prst="rect">
+            <a:avLst/>
+          </a:prstGeom>
+          <a:solidFill>
+            <a:schemeClr val="bg1"/>
+          </a:solidFill>
+          <a:ln w="38100">
+            <a:solidFill>
+              <a:srgbClr val="000000"/>
+            </a:solidFill>
+            <a:round/>
+            <a:headEnd/>
+            <a:tailEnd/>
+          </a:ln>
+        </p:spPr>
+        <p:txBody>
+          <a:bodyPr lIns="914400" tIns="457200" rIns="914400" bIns="914400"/>
+          <a:lstStyle>
+            <a:lvl1pPr eaLnBrk="0" hangingPunct="0">
+              <a:tabLst>
+                <a:tab pos="508000" algn="l"/>
+              </a:tabLst>
+              <a:defRPr sz="3200">
+                <a:solidFill>
+                  <a:schemeClr val="tx1"/>
+                </a:solidFill>
+                <a:latin typeface="Helvetica" panose="020B0604020202020204" pitchFamily="34" charset="0"/>
+                <a:ea typeface="MS PGothic" panose="020B0600070205080204" pitchFamily="34" charset="-128"/>
+              </a:defRPr>
+            </a:lvl1pPr>
+            <a:lvl2pPr marL="742950" indent="-285750" eaLnBrk="0" hangingPunct="0">
+              <a:tabLst>
+                <a:tab pos="508000" algn="l"/>
+              </a:tabLst>
+              <a:defRPr sz="3200">
+                <a:solidFill>
+                  <a:schemeClr val="tx1"/>
+                </a:solidFill>
+                <a:latin typeface="Helvetica" panose="020B0604020202020204" pitchFamily="34" charset="0"/>
+                <a:ea typeface="MS PGothic" panose="020B0600070205080204" pitchFamily="34" charset="-128"/>
+              </a:defRPr>
+            </a:lvl2pPr>
+            <a:lvl3pPr marL="1143000" indent="-228600" eaLnBrk="0" hangingPunct="0">
+              <a:tabLst>
+                <a:tab pos="508000" algn="l"/>
+              </a:tabLst>
+              <a:defRPr sz="3200">
+                <a:solidFill>
+                  <a:schemeClr val="tx1"/>
+                </a:solidFill>
+                <a:latin typeface="Helvetica" panose="020B0604020202020204" pitchFamily="34" charset="0"/>
+                <a:ea typeface="MS PGothic" panose="020B0600070205080204" pitchFamily="34" charset="-128"/>
+              </a:defRPr>
+            </a:lvl3pPr>
+            <a:lvl4pPr marL="1600200" indent="-228600" eaLnBrk="0" hangingPunct="0">
+              <a:tabLst>
+                <a:tab pos="508000" algn="l"/>
+              </a:tabLst>
+              <a:defRPr sz="3200">
+                <a:solidFill>
+                  <a:schemeClr val="tx1"/>
+                </a:solidFill>
+                <a:latin typeface="Helvetica" panose="020B0604020202020204" pitchFamily="34" charset="0"/>
+                <a:ea typeface="MS PGothic" panose="020B0600070205080204" pitchFamily="34" charset="-128"/>
+              </a:defRPr>
+            </a:lvl4pPr>
+            <a:lvl5pPr marL="2057400" indent="-228600" eaLnBrk="0" hangingPunct="0">
+              <a:tabLst>
+                <a:tab pos="508000" algn="l"/>
+              </a:tabLst>
+              <a:defRPr sz="3200">
+                <a:solidFill>
+                  <a:schemeClr val="tx1"/>
+                </a:solidFill>
+                <a:latin typeface="Helvetica" panose="020B0604020202020204" pitchFamily="34" charset="0"/>
+                <a:ea typeface="MS PGothic" panose="020B0600070205080204" pitchFamily="34" charset="-128"/>
+              </a:defRPr>
+            </a:lvl5pPr>
+            <a:lvl6pPr marL="2514600" indent="-228600" eaLnBrk="0" fontAlgn="base" hangingPunct="0">
+              <a:spcBef>
+                <a:spcPct val="0"/>
+              </a:spcBef>
+              <a:spcAft>
+                <a:spcPct val="0"/>
+              </a:spcAft>
+              <a:tabLst>
+                <a:tab pos="508000" algn="l"/>
+              </a:tabLst>
+              <a:defRPr sz="3200">
+                <a:solidFill>
+                  <a:schemeClr val="tx1"/>
+                </a:solidFill>
+                <a:latin typeface="Helvetica" panose="020B0604020202020204" pitchFamily="34" charset="0"/>
+                <a:ea typeface="MS PGothic" panose="020B0600070205080204" pitchFamily="34" charset="-128"/>
+              </a:defRPr>
+            </a:lvl6pPr>
+            <a:lvl7pPr marL="2971800" indent="-228600" eaLnBrk="0" fontAlgn="base" hangingPunct="0">
+              <a:spcBef>
+                <a:spcPct val="0"/>
+              </a:spcBef>
+              <a:spcAft>
+                <a:spcPct val="0"/>
+              </a:spcAft>
+              <a:tabLst>
+                <a:tab pos="508000" algn="l"/>
+              </a:tabLst>
+              <a:defRPr sz="3200">
+                <a:solidFill>
+                  <a:schemeClr val="tx1"/>
+                </a:solidFill>
+                <a:latin typeface="Helvetica" panose="020B0604020202020204" pitchFamily="34" charset="0"/>
+                <a:ea typeface="MS PGothic" panose="020B0600070205080204" pitchFamily="34" charset="-128"/>
+              </a:defRPr>
+            </a:lvl7pPr>
+            <a:lvl8pPr marL="3429000" indent="-228600" eaLnBrk="0" fontAlgn="base" hangingPunct="0">
+              <a:spcBef>
+                <a:spcPct val="0"/>
+              </a:spcBef>
+              <a:spcAft>
+                <a:spcPct val="0"/>
+              </a:spcAft>
+              <a:tabLst>
+                <a:tab pos="508000" algn="l"/>
+              </a:tabLst>
+              <a:defRPr sz="3200">
+                <a:solidFill>
+                  <a:schemeClr val="tx1"/>
+                </a:solidFill>
+                <a:latin typeface="Helvetica" panose="020B0604020202020204" pitchFamily="34" charset="0"/>
+                <a:ea typeface="MS PGothic" panose="020B0600070205080204" pitchFamily="34" charset="-128"/>
+              </a:defRPr>
+            </a:lvl8pPr>
+            <a:lvl9pPr marL="3886200" indent="-228600" eaLnBrk="0" fontAlgn="base" hangingPunct="0">
+              <a:spcBef>
+                <a:spcPct val="0"/>
+              </a:spcBef>
+              <a:spcAft>
+                <a:spcPct val="0"/>
+              </a:spcAft>
+              <a:tabLst>
+                <a:tab pos="508000" algn="l"/>
+              </a:tabLst>
+              <a:defRPr sz="3200">
+                <a:solidFill>
+                  <a:schemeClr val="tx1"/>
+                </a:solidFill>
+                <a:latin typeface="Helvetica" panose="020B0604020202020204" pitchFamily="34" charset="0"/>
+                <a:ea typeface="MS PGothic" panose="020B0600070205080204" pitchFamily="34" charset="-128"/>
+              </a:defRPr>
+            </a:lvl9pPr>
+          </a:lstStyle>
+          <a:p>
+            <a:pPr algn="just" eaLnBrk="1" hangingPunct="1">
+              <a:spcBef>
+                <a:spcPct val="50000"/>
+              </a:spcBef>
+            </a:pPr>
+            <a:r>
+              <a:rPr lang="en-US" altLang="en-US" sz="4800" b="1" dirty="0">
+                <a:solidFill>
+                  <a:srgbClr val="000000"/>
+                </a:solidFill>
+                <a:latin typeface="Avenir Heavy" pitchFamily="124" charset="0"/>
+              </a:rPr>
+              <a:t>Data Processing</a:t>
+            </a:r>
+            <a:endParaRPr lang="en-US" altLang="en-US" sz="4800" dirty="0">
+              <a:latin typeface="Avenir Book" pitchFamily="124" charset="0"/>
+            </a:endParaRPr>
+          </a:p>
+          <a:p>
+            <a:pPr eaLnBrk="1" hangingPunct="1">
+              <a:spcBef>
+                <a:spcPct val="10000"/>
+              </a:spcBef>
+            </a:pPr>
+            <a:endParaRPr lang="en-US" altLang="en-US" sz="1000" dirty="0">
+              <a:latin typeface="Avenir Book" pitchFamily="124" charset="0"/>
+            </a:endParaRPr>
+          </a:p>
+          <a:p>
+            <a:pPr marL="685800" indent="-685800" eaLnBrk="1" hangingPunct="1">
+              <a:spcBef>
+                <a:spcPct val="10000"/>
+              </a:spcBef>
+              <a:buFont typeface="Arial" panose="020B0604020202020204" pitchFamily="34" charset="0"/>
+              <a:buChar char="•"/>
+            </a:pPr>
+            <a:r>
+              <a:rPr lang="en-US" altLang="en-US" sz="4400" dirty="0">
+                <a:latin typeface="Avenir Book" pitchFamily="124" charset="0"/>
+              </a:rPr>
+              <a:t>We first scraped and collected our data using the requests library in Python (see data sources section).</a:t>
+            </a:r>
+          </a:p>
+          <a:p>
+            <a:pPr marL="685800" indent="-685800" eaLnBrk="1" hangingPunct="1">
+              <a:spcBef>
+                <a:spcPct val="10000"/>
+              </a:spcBef>
+              <a:buFont typeface="Arial" panose="020B0604020202020204" pitchFamily="34" charset="0"/>
+              <a:buChar char="•"/>
+            </a:pPr>
+            <a:r>
+              <a:rPr lang="en-US" altLang="en-US" sz="4400" dirty="0">
+                <a:latin typeface="Avenir Book" pitchFamily="124" charset="0"/>
+              </a:rPr>
+              <a:t>Using the </a:t>
+            </a:r>
+            <a:r>
+              <a:rPr lang="en-US" altLang="en-US" sz="4400" i="1" dirty="0">
+                <a:latin typeface="Avenir Book" pitchFamily="124" charset="0"/>
+              </a:rPr>
+              <a:t>pandas</a:t>
+            </a:r>
+            <a:r>
+              <a:rPr lang="en-US" altLang="en-US" sz="4400" dirty="0">
+                <a:latin typeface="Avenir Book" pitchFamily="124" charset="0"/>
+              </a:rPr>
+              <a:t> library in Python, we were able to process scraped box score data for each NBA team (using global and team identifiers) and merge it together by season.</a:t>
+            </a:r>
+          </a:p>
+          <a:p>
+            <a:pPr marL="685800" indent="-685800" eaLnBrk="1" hangingPunct="1">
+              <a:spcBef>
+                <a:spcPct val="10000"/>
+              </a:spcBef>
+              <a:buFont typeface="Arial" panose="020B0604020202020204" pitchFamily="34" charset="0"/>
+              <a:buChar char="•"/>
+            </a:pPr>
+            <a:r>
+              <a:rPr lang="en-US" altLang="en-US" sz="4400" dirty="0">
+                <a:latin typeface="Avenir Book" pitchFamily="124" charset="0"/>
+                <a:ea typeface="Cambria" panose="02040503050406030204" pitchFamily="18" charset="0"/>
+              </a:rPr>
+              <a:t>Visuals were created using </a:t>
+            </a:r>
+            <a:r>
+              <a:rPr lang="en-US" altLang="en-US" sz="4400" i="1" dirty="0">
+                <a:latin typeface="Avenir Book" pitchFamily="124" charset="0"/>
+                <a:ea typeface="Cambria" panose="02040503050406030204" pitchFamily="18" charset="0"/>
+              </a:rPr>
+              <a:t>seaborn</a:t>
+            </a:r>
+            <a:r>
+              <a:rPr lang="en-US" altLang="en-US" sz="4400" dirty="0">
+                <a:latin typeface="Avenir Book" pitchFamily="124" charset="0"/>
+                <a:ea typeface="Cambria" panose="02040503050406030204" pitchFamily="18" charset="0"/>
+              </a:rPr>
+              <a:t> and </a:t>
+            </a:r>
+            <a:r>
+              <a:rPr lang="en-US" altLang="en-US" sz="4400" i="1" dirty="0">
+                <a:latin typeface="Avenir Book" pitchFamily="124" charset="0"/>
+                <a:ea typeface="Cambria" panose="02040503050406030204" pitchFamily="18" charset="0"/>
+              </a:rPr>
+              <a:t>matplotlib</a:t>
+            </a:r>
+            <a:r>
+              <a:rPr lang="en-US" altLang="en-US" sz="4400" dirty="0">
+                <a:latin typeface="Avenir Book" pitchFamily="124" charset="0"/>
+                <a:ea typeface="Cambria" panose="02040503050406030204" pitchFamily="18" charset="0"/>
+              </a:rPr>
+              <a:t>.</a:t>
+            </a:r>
+            <a:endParaRPr lang="en-US" altLang="en-US" sz="4400" i="1" dirty="0">
+              <a:latin typeface="Avenir Book" pitchFamily="124" charset="0"/>
+              <a:ea typeface="Cambria" panose="02040503050406030204" pitchFamily="18" charset="0"/>
+            </a:endParaRPr>
+          </a:p>
+          <a:p>
+            <a:pPr marL="685800" indent="-685800" eaLnBrk="1" hangingPunct="1">
+              <a:spcBef>
+                <a:spcPct val="10000"/>
+              </a:spcBef>
+              <a:buFont typeface="Arial" panose="020B0604020202020204" pitchFamily="34" charset="0"/>
+              <a:buChar char="•"/>
+            </a:pPr>
+            <a:r>
+              <a:rPr lang="en-US" altLang="en-US" sz="4400" dirty="0">
+                <a:latin typeface="Avenir Book" pitchFamily="124" charset="0"/>
+                <a:ea typeface="Cambria" panose="02040503050406030204" pitchFamily="18" charset="0"/>
+              </a:rPr>
+              <a:t>Neural network was created using the </a:t>
+            </a:r>
+            <a:r>
+              <a:rPr lang="en-US" altLang="en-US" sz="4400" i="1" dirty="0" err="1">
+                <a:latin typeface="Avenir Book" pitchFamily="124" charset="0"/>
+                <a:ea typeface="Cambria" panose="02040503050406030204" pitchFamily="18" charset="0"/>
+              </a:rPr>
+              <a:t>keras</a:t>
+            </a:r>
+            <a:r>
+              <a:rPr lang="en-US" altLang="en-US" sz="4400" dirty="0">
+                <a:latin typeface="Avenir Book" pitchFamily="124" charset="0"/>
+                <a:ea typeface="Cambria" panose="02040503050406030204" pitchFamily="18" charset="0"/>
+              </a:rPr>
+              <a:t> library in Python.</a:t>
+            </a:r>
+            <a:endParaRPr lang="en-US" altLang="en-US" sz="4400" dirty="0">
+              <a:latin typeface="Avenir Book" pitchFamily="124" charset="0"/>
+            </a:endParaRPr>
+          </a:p>
+        </p:txBody>
+      </p:sp>
+      <p:sp>
+        <p:nvSpPr>
+          <p:cNvPr id="14341" name="Text Box 12">
+            <a:extLst>
+              <a:ext uri="{FF2B5EF4-FFF2-40B4-BE49-F238E27FC236}">
+                <a16:creationId xmlns:a16="http://schemas.microsoft.com/office/drawing/2014/main" id="{E6E35E14-F05B-C28E-2F69-74F3B7D21B6D}"/>
+              </a:ext>
+            </a:extLst>
+          </p:cNvPr>
+          <p:cNvSpPr txBox="1">
+            <a:spLocks noChangeArrowheads="1"/>
+          </p:cNvSpPr>
+          <p:nvPr/>
+        </p:nvSpPr>
+        <p:spPr bwMode="auto">
+          <a:xfrm>
+            <a:off x="13822363" y="6908800"/>
+            <a:ext cx="23347362" cy="22678571"/>
+          </a:xfrm>
+          <a:prstGeom prst="rect">
+            <a:avLst/>
+          </a:prstGeom>
+          <a:solidFill>
+            <a:schemeClr val="bg1"/>
+          </a:solidFill>
+          <a:ln w="38100">
+            <a:solidFill>
+              <a:srgbClr val="000000"/>
+            </a:solidFill>
+            <a:round/>
+            <a:headEnd/>
+            <a:tailEnd/>
+          </a:ln>
+        </p:spPr>
+        <p:txBody>
+          <a:bodyPr lIns="914400" tIns="457200" rIns="914400" bIns="914400"/>
+          <a:lstStyle>
+            <a:lvl1pPr eaLnBrk="0" hangingPunct="0">
+              <a:tabLst>
+                <a:tab pos="500063" algn="l"/>
+              </a:tabLst>
+              <a:defRPr sz="3200">
+                <a:solidFill>
+                  <a:schemeClr val="tx1"/>
+                </a:solidFill>
+                <a:latin typeface="Helvetica" panose="020B0604020202020204" pitchFamily="34" charset="0"/>
+                <a:ea typeface="MS PGothic" panose="020B0600070205080204" pitchFamily="34" charset="-128"/>
+              </a:defRPr>
+            </a:lvl1pPr>
+            <a:lvl2pPr marL="742950" indent="-285750" eaLnBrk="0" hangingPunct="0">
+              <a:tabLst>
+                <a:tab pos="500063" algn="l"/>
+              </a:tabLst>
+              <a:defRPr sz="3200">
+                <a:solidFill>
+                  <a:schemeClr val="tx1"/>
+                </a:solidFill>
+                <a:latin typeface="Helvetica" panose="020B0604020202020204" pitchFamily="34" charset="0"/>
+                <a:ea typeface="MS PGothic" panose="020B0600070205080204" pitchFamily="34" charset="-128"/>
+              </a:defRPr>
+            </a:lvl2pPr>
+            <a:lvl3pPr marL="1143000" indent="-228600" eaLnBrk="0" hangingPunct="0">
+              <a:tabLst>
+                <a:tab pos="500063" algn="l"/>
+              </a:tabLst>
+              <a:defRPr sz="3200">
+                <a:solidFill>
+                  <a:schemeClr val="tx1"/>
+                </a:solidFill>
+                <a:latin typeface="Helvetica" panose="020B0604020202020204" pitchFamily="34" charset="0"/>
+                <a:ea typeface="MS PGothic" panose="020B0600070205080204" pitchFamily="34" charset="-128"/>
+              </a:defRPr>
+            </a:lvl3pPr>
+            <a:lvl4pPr marL="1600200" indent="-228600" eaLnBrk="0" hangingPunct="0">
+              <a:tabLst>
+                <a:tab pos="500063" algn="l"/>
+              </a:tabLst>
+              <a:defRPr sz="3200">
+                <a:solidFill>
+                  <a:schemeClr val="tx1"/>
+                </a:solidFill>
+                <a:latin typeface="Helvetica" panose="020B0604020202020204" pitchFamily="34" charset="0"/>
+                <a:ea typeface="MS PGothic" panose="020B0600070205080204" pitchFamily="34" charset="-128"/>
+              </a:defRPr>
+            </a:lvl4pPr>
+            <a:lvl5pPr marL="2057400" indent="-228600" eaLnBrk="0" hangingPunct="0">
+              <a:tabLst>
+                <a:tab pos="500063" algn="l"/>
+              </a:tabLst>
+              <a:defRPr sz="3200">
+                <a:solidFill>
+                  <a:schemeClr val="tx1"/>
+                </a:solidFill>
+                <a:latin typeface="Helvetica" panose="020B0604020202020204" pitchFamily="34" charset="0"/>
+                <a:ea typeface="MS PGothic" panose="020B0600070205080204" pitchFamily="34" charset="-128"/>
+              </a:defRPr>
+            </a:lvl5pPr>
+            <a:lvl6pPr marL="2514600" indent="-228600" eaLnBrk="0" fontAlgn="base" hangingPunct="0">
+              <a:spcBef>
+                <a:spcPct val="0"/>
+              </a:spcBef>
+              <a:spcAft>
+                <a:spcPct val="0"/>
+              </a:spcAft>
+              <a:tabLst>
+                <a:tab pos="500063" algn="l"/>
+              </a:tabLst>
+              <a:defRPr sz="3200">
+                <a:solidFill>
+                  <a:schemeClr val="tx1"/>
+                </a:solidFill>
+                <a:latin typeface="Helvetica" panose="020B0604020202020204" pitchFamily="34" charset="0"/>
+                <a:ea typeface="MS PGothic" panose="020B0600070205080204" pitchFamily="34" charset="-128"/>
+              </a:defRPr>
+            </a:lvl6pPr>
+            <a:lvl7pPr marL="2971800" indent="-228600" eaLnBrk="0" fontAlgn="base" hangingPunct="0">
+              <a:spcBef>
+                <a:spcPct val="0"/>
+              </a:spcBef>
+              <a:spcAft>
+                <a:spcPct val="0"/>
+              </a:spcAft>
+              <a:tabLst>
+                <a:tab pos="500063" algn="l"/>
+              </a:tabLst>
+              <a:defRPr sz="3200">
+                <a:solidFill>
+                  <a:schemeClr val="tx1"/>
+                </a:solidFill>
+                <a:latin typeface="Helvetica" panose="020B0604020202020204" pitchFamily="34" charset="0"/>
+                <a:ea typeface="MS PGothic" panose="020B0600070205080204" pitchFamily="34" charset="-128"/>
+              </a:defRPr>
+            </a:lvl7pPr>
+            <a:lvl8pPr marL="3429000" indent="-228600" eaLnBrk="0" fontAlgn="base" hangingPunct="0">
+              <a:spcBef>
+                <a:spcPct val="0"/>
+              </a:spcBef>
+              <a:spcAft>
+                <a:spcPct val="0"/>
+              </a:spcAft>
+              <a:tabLst>
+                <a:tab pos="500063" algn="l"/>
+              </a:tabLst>
+              <a:defRPr sz="3200">
+                <a:solidFill>
+                  <a:schemeClr val="tx1"/>
+                </a:solidFill>
+                <a:latin typeface="Helvetica" panose="020B0604020202020204" pitchFamily="34" charset="0"/>
+                <a:ea typeface="MS PGothic" panose="020B0600070205080204" pitchFamily="34" charset="-128"/>
+              </a:defRPr>
+            </a:lvl8pPr>
+            <a:lvl9pPr marL="3886200" indent="-228600" eaLnBrk="0" fontAlgn="base" hangingPunct="0">
+              <a:spcBef>
+                <a:spcPct val="0"/>
+              </a:spcBef>
+              <a:spcAft>
+                <a:spcPct val="0"/>
+              </a:spcAft>
+              <a:tabLst>
+                <a:tab pos="500063" algn="l"/>
+              </a:tabLst>
+              <a:defRPr sz="3200">
+                <a:solidFill>
+                  <a:schemeClr val="tx1"/>
+                </a:solidFill>
+                <a:latin typeface="Helvetica" panose="020B0604020202020204" pitchFamily="34" charset="0"/>
+                <a:ea typeface="MS PGothic" panose="020B0600070205080204" pitchFamily="34" charset="-128"/>
+              </a:defRPr>
+            </a:lvl9pPr>
+          </a:lstStyle>
+          <a:p>
+            <a:pPr algn="just" eaLnBrk="1" hangingPunct="1"/>
+            <a:r>
+              <a:rPr lang="en-US" altLang="en-US" sz="4800" b="1" dirty="0">
+                <a:solidFill>
+                  <a:srgbClr val="000000"/>
+                </a:solidFill>
+                <a:latin typeface="Avenir Heavy" pitchFamily="124" charset="0"/>
+              </a:rPr>
+              <a:t>Results</a:t>
+            </a:r>
+          </a:p>
+          <a:p>
+            <a:pPr eaLnBrk="1" hangingPunct="1">
+              <a:spcBef>
+                <a:spcPts val="500"/>
+              </a:spcBef>
+            </a:pPr>
+            <a:endParaRPr lang="en-US" altLang="ja-JP" sz="4800" dirty="0">
+              <a:latin typeface="Avenir Book" pitchFamily="124" charset="0"/>
+            </a:endParaRPr>
+          </a:p>
+          <a:p>
+            <a:pPr eaLnBrk="1" hangingPunct="1">
+              <a:spcBef>
+                <a:spcPts val="500"/>
+              </a:spcBef>
+            </a:pPr>
+            <a:endParaRPr lang="en-US" altLang="ja-JP" sz="4800" dirty="0">
+              <a:latin typeface="Avenir Book" pitchFamily="124" charset="0"/>
+            </a:endParaRPr>
+          </a:p>
+          <a:p>
+            <a:pPr eaLnBrk="1" hangingPunct="1">
+              <a:spcBef>
+                <a:spcPts val="500"/>
+              </a:spcBef>
+            </a:pPr>
+            <a:endParaRPr lang="en-US" altLang="ja-JP" sz="4800" dirty="0">
+              <a:latin typeface="Avenir Book" pitchFamily="124" charset="0"/>
+            </a:endParaRPr>
+          </a:p>
+          <a:p>
+            <a:pPr eaLnBrk="1" hangingPunct="1">
+              <a:spcBef>
+                <a:spcPts val="500"/>
+              </a:spcBef>
+            </a:pPr>
+            <a:endParaRPr lang="en-US" altLang="ja-JP" sz="4800" dirty="0">
+              <a:latin typeface="Avenir Book" pitchFamily="124" charset="0"/>
+            </a:endParaRPr>
+          </a:p>
+          <a:p>
+            <a:pPr eaLnBrk="1" hangingPunct="1">
+              <a:spcBef>
+                <a:spcPts val="500"/>
+              </a:spcBef>
+            </a:pPr>
+            <a:endParaRPr lang="en-US" altLang="ja-JP" sz="4800" dirty="0">
+              <a:latin typeface="Avenir Book" pitchFamily="124" charset="0"/>
+            </a:endParaRPr>
+          </a:p>
+          <a:p>
+            <a:pPr eaLnBrk="1" hangingPunct="1">
+              <a:spcBef>
+                <a:spcPts val="500"/>
+              </a:spcBef>
+            </a:pPr>
+            <a:endParaRPr lang="en-US" altLang="ja-JP" sz="4800" dirty="0">
+              <a:latin typeface="Avenir Book" pitchFamily="124" charset="0"/>
+            </a:endParaRPr>
+          </a:p>
+          <a:p>
+            <a:pPr eaLnBrk="1" hangingPunct="1">
+              <a:spcBef>
+                <a:spcPts val="500"/>
+              </a:spcBef>
+            </a:pPr>
+            <a:endParaRPr lang="en-US" altLang="ja-JP" sz="4800" dirty="0">
+              <a:latin typeface="Avenir Book" pitchFamily="124" charset="0"/>
+            </a:endParaRPr>
+          </a:p>
+          <a:p>
+            <a:pPr eaLnBrk="1" hangingPunct="1">
+              <a:spcBef>
+                <a:spcPct val="50000"/>
+              </a:spcBef>
+            </a:pPr>
+            <a:endParaRPr lang="en-US" altLang="en-US" sz="4800" dirty="0">
+              <a:solidFill>
+                <a:schemeClr val="accent2"/>
+              </a:solidFill>
+              <a:latin typeface="Avenir Book" pitchFamily="124" charset="0"/>
+            </a:endParaRPr>
+          </a:p>
+          <a:p>
+            <a:pPr eaLnBrk="1" hangingPunct="1">
+              <a:spcBef>
+                <a:spcPct val="50000"/>
+              </a:spcBef>
+            </a:pPr>
+            <a:endParaRPr lang="en-US" altLang="en-US" sz="2800" i="1" dirty="0">
+              <a:solidFill>
+                <a:schemeClr val="accent2"/>
+              </a:solidFill>
+              <a:latin typeface="Avenir Book" pitchFamily="124" charset="0"/>
+            </a:endParaRPr>
+          </a:p>
+        </p:txBody>
+      </p:sp>
+      <p:sp>
+        <p:nvSpPr>
+          <p:cNvPr id="14342" name="Text Box 13">
+            <a:extLst>
+              <a:ext uri="{FF2B5EF4-FFF2-40B4-BE49-F238E27FC236}">
+                <a16:creationId xmlns:a16="http://schemas.microsoft.com/office/drawing/2014/main" id="{01D8A2AC-A127-078B-ADC0-11106AA2B7A6}"/>
+              </a:ext>
+            </a:extLst>
+          </p:cNvPr>
+          <p:cNvSpPr txBox="1">
+            <a:spLocks noChangeArrowheads="1"/>
+          </p:cNvSpPr>
+          <p:nvPr/>
+        </p:nvSpPr>
+        <p:spPr bwMode="auto">
+          <a:xfrm>
+            <a:off x="38598475" y="6902451"/>
+            <a:ext cx="10811782" cy="7564664"/>
+          </a:xfrm>
+          <a:prstGeom prst="rect">
+            <a:avLst/>
+          </a:prstGeom>
+          <a:solidFill>
+            <a:schemeClr val="bg1"/>
+          </a:solidFill>
+          <a:ln w="38100">
+            <a:solidFill>
+              <a:srgbClr val="000000"/>
+            </a:solidFill>
+            <a:round/>
+            <a:headEnd/>
+            <a:tailEnd/>
+          </a:ln>
+        </p:spPr>
+        <p:txBody>
+          <a:bodyPr lIns="914400" tIns="457200" rIns="914400" bIns="914400"/>
+          <a:lstStyle>
+            <a:lvl1pPr eaLnBrk="0" hangingPunct="0">
+              <a:tabLst>
+                <a:tab pos="635000" algn="l"/>
+              </a:tabLst>
+              <a:defRPr sz="3200">
+                <a:solidFill>
+                  <a:schemeClr val="tx1"/>
+                </a:solidFill>
+                <a:latin typeface="Helvetica" panose="020B0604020202020204" pitchFamily="34" charset="0"/>
+                <a:ea typeface="MS PGothic" panose="020B0600070205080204" pitchFamily="34" charset="-128"/>
+              </a:defRPr>
+            </a:lvl1pPr>
+            <a:lvl2pPr marL="742950" indent="-285750" eaLnBrk="0" hangingPunct="0">
+              <a:tabLst>
+                <a:tab pos="635000" algn="l"/>
+              </a:tabLst>
+              <a:defRPr sz="3200">
+                <a:solidFill>
+                  <a:schemeClr val="tx1"/>
+                </a:solidFill>
+                <a:latin typeface="Helvetica" panose="020B0604020202020204" pitchFamily="34" charset="0"/>
+                <a:ea typeface="MS PGothic" panose="020B0600070205080204" pitchFamily="34" charset="-128"/>
+              </a:defRPr>
+            </a:lvl2pPr>
+            <a:lvl3pPr marL="1143000" indent="-228600" eaLnBrk="0" hangingPunct="0">
+              <a:tabLst>
+                <a:tab pos="635000" algn="l"/>
+              </a:tabLst>
+              <a:defRPr sz="3200">
+                <a:solidFill>
+                  <a:schemeClr val="tx1"/>
+                </a:solidFill>
+                <a:latin typeface="Helvetica" panose="020B0604020202020204" pitchFamily="34" charset="0"/>
+                <a:ea typeface="MS PGothic" panose="020B0600070205080204" pitchFamily="34" charset="-128"/>
+              </a:defRPr>
+            </a:lvl3pPr>
+            <a:lvl4pPr marL="1600200" indent="-228600" eaLnBrk="0" hangingPunct="0">
+              <a:tabLst>
+                <a:tab pos="635000" algn="l"/>
+              </a:tabLst>
+              <a:defRPr sz="3200">
+                <a:solidFill>
+                  <a:schemeClr val="tx1"/>
+                </a:solidFill>
+                <a:latin typeface="Helvetica" panose="020B0604020202020204" pitchFamily="34" charset="0"/>
+                <a:ea typeface="MS PGothic" panose="020B0600070205080204" pitchFamily="34" charset="-128"/>
+              </a:defRPr>
+            </a:lvl4pPr>
+            <a:lvl5pPr marL="2057400" indent="-228600" eaLnBrk="0" hangingPunct="0">
+              <a:tabLst>
+                <a:tab pos="635000" algn="l"/>
+              </a:tabLst>
+              <a:defRPr sz="3200">
+                <a:solidFill>
+                  <a:schemeClr val="tx1"/>
+                </a:solidFill>
+                <a:latin typeface="Helvetica" panose="020B0604020202020204" pitchFamily="34" charset="0"/>
+                <a:ea typeface="MS PGothic" panose="020B0600070205080204" pitchFamily="34" charset="-128"/>
+              </a:defRPr>
+            </a:lvl5pPr>
+            <a:lvl6pPr marL="2514600" indent="-228600" eaLnBrk="0" fontAlgn="base" hangingPunct="0">
+              <a:spcBef>
+                <a:spcPct val="0"/>
+              </a:spcBef>
+              <a:spcAft>
+                <a:spcPct val="0"/>
+              </a:spcAft>
+              <a:tabLst>
+                <a:tab pos="635000" algn="l"/>
+              </a:tabLst>
+              <a:defRPr sz="3200">
+                <a:solidFill>
+                  <a:schemeClr val="tx1"/>
+                </a:solidFill>
+                <a:latin typeface="Helvetica" panose="020B0604020202020204" pitchFamily="34" charset="0"/>
+                <a:ea typeface="MS PGothic" panose="020B0600070205080204" pitchFamily="34" charset="-128"/>
+              </a:defRPr>
+            </a:lvl6pPr>
+            <a:lvl7pPr marL="2971800" indent="-228600" eaLnBrk="0" fontAlgn="base" hangingPunct="0">
+              <a:spcBef>
+                <a:spcPct val="0"/>
+              </a:spcBef>
+              <a:spcAft>
+                <a:spcPct val="0"/>
+              </a:spcAft>
+              <a:tabLst>
+                <a:tab pos="635000" algn="l"/>
+              </a:tabLst>
+              <a:defRPr sz="3200">
+                <a:solidFill>
+                  <a:schemeClr val="tx1"/>
+                </a:solidFill>
+                <a:latin typeface="Helvetica" panose="020B0604020202020204" pitchFamily="34" charset="0"/>
+                <a:ea typeface="MS PGothic" panose="020B0600070205080204" pitchFamily="34" charset="-128"/>
+              </a:defRPr>
+            </a:lvl7pPr>
+            <a:lvl8pPr marL="3429000" indent="-228600" eaLnBrk="0" fontAlgn="base" hangingPunct="0">
+              <a:spcBef>
+                <a:spcPct val="0"/>
+              </a:spcBef>
+              <a:spcAft>
+                <a:spcPct val="0"/>
+              </a:spcAft>
+              <a:tabLst>
+                <a:tab pos="635000" algn="l"/>
+              </a:tabLst>
+              <a:defRPr sz="3200">
+                <a:solidFill>
+                  <a:schemeClr val="tx1"/>
+                </a:solidFill>
+                <a:latin typeface="Helvetica" panose="020B0604020202020204" pitchFamily="34" charset="0"/>
+                <a:ea typeface="MS PGothic" panose="020B0600070205080204" pitchFamily="34" charset="-128"/>
+              </a:defRPr>
+            </a:lvl8pPr>
+            <a:lvl9pPr marL="3886200" indent="-228600" eaLnBrk="0" fontAlgn="base" hangingPunct="0">
+              <a:spcBef>
+                <a:spcPct val="0"/>
+              </a:spcBef>
+              <a:spcAft>
+                <a:spcPct val="0"/>
+              </a:spcAft>
+              <a:tabLst>
+                <a:tab pos="635000" algn="l"/>
+              </a:tabLst>
+              <a:defRPr sz="3200">
+                <a:solidFill>
+                  <a:schemeClr val="tx1"/>
+                </a:solidFill>
+                <a:latin typeface="Helvetica" panose="020B0604020202020204" pitchFamily="34" charset="0"/>
+                <a:ea typeface="MS PGothic" panose="020B0600070205080204" pitchFamily="34" charset="-128"/>
+              </a:defRPr>
+            </a:lvl9pPr>
+          </a:lstStyle>
+          <a:p>
+            <a:pPr eaLnBrk="1" hangingPunct="1">
+              <a:spcBef>
+                <a:spcPct val="50000"/>
+              </a:spcBef>
+            </a:pPr>
+            <a:r>
+              <a:rPr lang="en-US" altLang="en-US" sz="4800" b="1" dirty="0">
+                <a:solidFill>
+                  <a:srgbClr val="000000"/>
+                </a:solidFill>
+                <a:latin typeface="Avenir Heavy" pitchFamily="124" charset="0"/>
+              </a:rPr>
+              <a:t>Findings</a:t>
+            </a:r>
+          </a:p>
+          <a:p>
+            <a:pPr eaLnBrk="1" hangingPunct="1">
+              <a:spcBef>
+                <a:spcPct val="50000"/>
+              </a:spcBef>
+            </a:pPr>
+            <a:endParaRPr lang="en-US" altLang="en-US" sz="1000" b="1" dirty="0">
+              <a:solidFill>
+                <a:srgbClr val="000000"/>
+              </a:solidFill>
+              <a:latin typeface="Avenir Book"/>
+            </a:endParaRPr>
+          </a:p>
+          <a:p>
+            <a:pPr marL="457200" indent="-457200">
+              <a:buFont typeface="Arial" panose="020B0604020202020204" pitchFamily="34" charset="0"/>
+              <a:buChar char="•"/>
+            </a:pPr>
+            <a:r>
+              <a:rPr lang="en-US" sz="4000" dirty="0">
+                <a:latin typeface="Avenir Book"/>
+              </a:rPr>
+              <a:t>Our neural network predicted NBA playoff outcomes with an average accuracy of 50%, peaking at 55%.</a:t>
+            </a:r>
+          </a:p>
+          <a:p>
+            <a:pPr marL="457200" indent="-457200">
+              <a:buFont typeface="Arial" panose="020B0604020202020204" pitchFamily="34" charset="0"/>
+              <a:buChar char="•"/>
+            </a:pPr>
+            <a:r>
+              <a:rPr lang="en-US" sz="4000" dirty="0">
+                <a:latin typeface="Avenir Book"/>
+              </a:rPr>
+              <a:t>Game-by-game training enhances predictive accuracy, following a semi-logarithmic trend.</a:t>
+            </a:r>
+          </a:p>
+          <a:p>
+            <a:pPr marL="457200" indent="-457200">
+              <a:buFont typeface="Arial" panose="020B0604020202020204" pitchFamily="34" charset="0"/>
+              <a:buChar char="•"/>
+            </a:pPr>
+            <a:r>
+              <a:rPr lang="en-US" sz="4000" dirty="0">
+                <a:latin typeface="Avenir Book"/>
+              </a:rPr>
+              <a:t>Predictive performance improves sharply at first, then plateaus, with accuracy declining slowly after the initial surge.</a:t>
+            </a:r>
+          </a:p>
+          <a:p>
+            <a:endParaRPr lang="en-US" sz="1400" dirty="0"/>
+          </a:p>
+        </p:txBody>
+      </p:sp>
+      <p:sp>
+        <p:nvSpPr>
+          <p:cNvPr id="14345" name="Text Box 16">
+            <a:extLst>
+              <a:ext uri="{FF2B5EF4-FFF2-40B4-BE49-F238E27FC236}">
+                <a16:creationId xmlns:a16="http://schemas.microsoft.com/office/drawing/2014/main" id="{BB36A4CC-CE7A-59AA-6200-05ED7D10A390}"/>
+              </a:ext>
+            </a:extLst>
+          </p:cNvPr>
+          <p:cNvSpPr txBox="1">
+            <a:spLocks noChangeArrowheads="1"/>
+          </p:cNvSpPr>
+          <p:nvPr/>
+        </p:nvSpPr>
+        <p:spPr bwMode="auto">
+          <a:xfrm>
+            <a:off x="38595300" y="22388059"/>
+            <a:ext cx="10811782" cy="3998911"/>
+          </a:xfrm>
+          <a:prstGeom prst="rect">
+            <a:avLst/>
+          </a:prstGeom>
+          <a:solidFill>
+            <a:schemeClr val="bg1"/>
+          </a:solidFill>
+          <a:ln w="38100">
+            <a:solidFill>
+              <a:srgbClr val="000000"/>
+            </a:solidFill>
+            <a:round/>
+            <a:headEnd/>
+            <a:tailEnd/>
+          </a:ln>
+        </p:spPr>
+        <p:txBody>
+          <a:bodyPr lIns="914400" tIns="457200" rIns="914400" bIns="914400"/>
+          <a:lstStyle>
+            <a:lvl1pPr eaLnBrk="0" hangingPunct="0">
+              <a:defRPr sz="3200">
+                <a:solidFill>
+                  <a:schemeClr val="tx1"/>
+                </a:solidFill>
+                <a:latin typeface="Helvetica" panose="020B0604020202020204" pitchFamily="34" charset="0"/>
+                <a:ea typeface="MS PGothic" panose="020B0600070205080204" pitchFamily="34" charset="-128"/>
+              </a:defRPr>
+            </a:lvl1pPr>
+            <a:lvl2pPr marL="742950" indent="-285750" eaLnBrk="0" hangingPunct="0">
+              <a:defRPr sz="3200">
+                <a:solidFill>
+                  <a:schemeClr val="tx1"/>
+                </a:solidFill>
+                <a:latin typeface="Helvetica" panose="020B0604020202020204" pitchFamily="34" charset="0"/>
+                <a:ea typeface="MS PGothic" panose="020B0600070205080204" pitchFamily="34" charset="-128"/>
+              </a:defRPr>
+            </a:lvl2pPr>
+            <a:lvl3pPr marL="1143000" indent="-228600" eaLnBrk="0" hangingPunct="0">
+              <a:defRPr sz="3200">
+                <a:solidFill>
+                  <a:schemeClr val="tx1"/>
+                </a:solidFill>
+                <a:latin typeface="Helvetica" panose="020B0604020202020204" pitchFamily="34" charset="0"/>
+                <a:ea typeface="MS PGothic" panose="020B0600070205080204" pitchFamily="34" charset="-128"/>
+              </a:defRPr>
+            </a:lvl3pPr>
+            <a:lvl4pPr marL="1600200" indent="-228600" eaLnBrk="0" hangingPunct="0">
+              <a:defRPr sz="3200">
+                <a:solidFill>
+                  <a:schemeClr val="tx1"/>
+                </a:solidFill>
+                <a:latin typeface="Helvetica" panose="020B0604020202020204" pitchFamily="34" charset="0"/>
+                <a:ea typeface="MS PGothic" panose="020B0600070205080204" pitchFamily="34" charset="-128"/>
+              </a:defRPr>
+            </a:lvl4pPr>
+            <a:lvl5pPr marL="2057400" indent="-228600" eaLnBrk="0" hangingPunct="0">
+              <a:defRPr sz="3200">
+                <a:solidFill>
+                  <a:schemeClr val="tx1"/>
+                </a:solidFill>
+                <a:latin typeface="Helvetica" panose="020B0604020202020204" pitchFamily="34" charset="0"/>
+                <a:ea typeface="MS PGothic" panose="020B0600070205080204" pitchFamily="34" charset="-128"/>
+              </a:defRPr>
+            </a:lvl5pPr>
+            <a:lvl6pPr marL="2514600" indent="-228600" eaLnBrk="0" fontAlgn="base" hangingPunct="0">
+              <a:spcBef>
+                <a:spcPct val="0"/>
+              </a:spcBef>
+              <a:spcAft>
+                <a:spcPct val="0"/>
+              </a:spcAft>
+              <a:defRPr sz="3200">
+                <a:solidFill>
+                  <a:schemeClr val="tx1"/>
+                </a:solidFill>
+                <a:latin typeface="Helvetica" panose="020B0604020202020204" pitchFamily="34" charset="0"/>
+                <a:ea typeface="MS PGothic" panose="020B0600070205080204" pitchFamily="34" charset="-128"/>
+              </a:defRPr>
+            </a:lvl6pPr>
+            <a:lvl7pPr marL="2971800" indent="-228600" eaLnBrk="0" fontAlgn="base" hangingPunct="0">
+              <a:spcBef>
+                <a:spcPct val="0"/>
+              </a:spcBef>
+              <a:spcAft>
+                <a:spcPct val="0"/>
+              </a:spcAft>
+              <a:defRPr sz="3200">
+                <a:solidFill>
+                  <a:schemeClr val="tx1"/>
+                </a:solidFill>
+                <a:latin typeface="Helvetica" panose="020B0604020202020204" pitchFamily="34" charset="0"/>
+                <a:ea typeface="MS PGothic" panose="020B0600070205080204" pitchFamily="34" charset="-128"/>
+              </a:defRPr>
+            </a:lvl7pPr>
+            <a:lvl8pPr marL="3429000" indent="-228600" eaLnBrk="0" fontAlgn="base" hangingPunct="0">
+              <a:spcBef>
+                <a:spcPct val="0"/>
+              </a:spcBef>
+              <a:spcAft>
+                <a:spcPct val="0"/>
+              </a:spcAft>
+              <a:defRPr sz="3200">
+                <a:solidFill>
+                  <a:schemeClr val="tx1"/>
+                </a:solidFill>
+                <a:latin typeface="Helvetica" panose="020B0604020202020204" pitchFamily="34" charset="0"/>
+                <a:ea typeface="MS PGothic" panose="020B0600070205080204" pitchFamily="34" charset="-128"/>
+              </a:defRPr>
+            </a:lvl8pPr>
+            <a:lvl9pPr marL="3886200" indent="-228600" eaLnBrk="0" fontAlgn="base" hangingPunct="0">
+              <a:spcBef>
+                <a:spcPct val="0"/>
+              </a:spcBef>
+              <a:spcAft>
+                <a:spcPct val="0"/>
+              </a:spcAft>
+              <a:defRPr sz="3200">
+                <a:solidFill>
+                  <a:schemeClr val="tx1"/>
+                </a:solidFill>
+                <a:latin typeface="Helvetica" panose="020B0604020202020204" pitchFamily="34" charset="0"/>
+                <a:ea typeface="MS PGothic" panose="020B0600070205080204" pitchFamily="34" charset="-128"/>
+              </a:defRPr>
+            </a:lvl9pPr>
+          </a:lstStyle>
+          <a:p>
+            <a:pPr eaLnBrk="1" hangingPunct="1">
+              <a:spcBef>
+                <a:spcPct val="50000"/>
+              </a:spcBef>
+            </a:pPr>
+            <a:r>
+              <a:rPr lang="en-US" altLang="en-US" sz="4400" b="1" dirty="0">
+                <a:solidFill>
+                  <a:srgbClr val="000000"/>
+                </a:solidFill>
+                <a:latin typeface="Avenir Heavy" pitchFamily="124" charset="0"/>
+              </a:rPr>
+              <a:t>Next Steps</a:t>
+            </a:r>
+          </a:p>
+          <a:p>
+            <a:pPr marL="571500" indent="-571500" eaLnBrk="1" hangingPunct="1">
+              <a:spcBef>
+                <a:spcPts val="1200"/>
+              </a:spcBef>
+              <a:buFont typeface="Arial" panose="020B0604020202020204" pitchFamily="34" charset="0"/>
+              <a:buChar char="•"/>
+            </a:pPr>
+            <a:r>
+              <a:rPr lang="en-US" altLang="en-US" sz="3600" dirty="0">
+                <a:latin typeface="Avenir Book" pitchFamily="124" charset="0"/>
+              </a:rPr>
+              <a:t>Creating specialized models for each team.</a:t>
+            </a:r>
+          </a:p>
+          <a:p>
+            <a:pPr marL="571500" indent="-571500" eaLnBrk="1" hangingPunct="1">
+              <a:spcBef>
+                <a:spcPts val="1200"/>
+              </a:spcBef>
+              <a:buFont typeface="Arial" panose="020B0604020202020204" pitchFamily="34" charset="0"/>
+              <a:buChar char="•"/>
+            </a:pPr>
+            <a:r>
+              <a:rPr lang="en-US" altLang="en-US" sz="3600" dirty="0">
+                <a:latin typeface="Avenir Book" pitchFamily="124" charset="0"/>
+              </a:rPr>
+              <a:t>Experimenting with different model types other than neural networks, hoping to find more accurate models for predicting.</a:t>
+            </a:r>
+          </a:p>
+        </p:txBody>
+      </p:sp>
+      <p:sp>
+        <p:nvSpPr>
+          <p:cNvPr id="14346" name="Text Box 15">
+            <a:extLst>
+              <a:ext uri="{FF2B5EF4-FFF2-40B4-BE49-F238E27FC236}">
+                <a16:creationId xmlns:a16="http://schemas.microsoft.com/office/drawing/2014/main" id="{FC2885BC-4E9F-834A-DB68-05D36F4A8FEB}"/>
+              </a:ext>
+            </a:extLst>
+          </p:cNvPr>
+          <p:cNvSpPr txBox="1">
+            <a:spLocks noChangeArrowheads="1"/>
+          </p:cNvSpPr>
+          <p:nvPr/>
+        </p:nvSpPr>
+        <p:spPr bwMode="auto">
+          <a:xfrm>
+            <a:off x="38595300" y="15185572"/>
+            <a:ext cx="10811782" cy="7202486"/>
+          </a:xfrm>
+          <a:prstGeom prst="rect">
+            <a:avLst/>
+          </a:prstGeom>
+          <a:solidFill>
+            <a:schemeClr val="bg1"/>
+          </a:solidFill>
+          <a:ln w="38100">
+            <a:solidFill>
+              <a:srgbClr val="000000"/>
+            </a:solidFill>
+            <a:round/>
+            <a:headEnd/>
+            <a:tailEnd/>
+          </a:ln>
+        </p:spPr>
+        <p:txBody>
+          <a:bodyPr lIns="914400" tIns="457200" rIns="914400" bIns="914400"/>
+          <a:lstStyle>
+            <a:lvl1pPr marL="500063" indent="-500063" eaLnBrk="0" hangingPunct="0">
+              <a:defRPr sz="3200">
+                <a:solidFill>
+                  <a:schemeClr val="tx1"/>
+                </a:solidFill>
+                <a:latin typeface="Helvetica" panose="020B0604020202020204" pitchFamily="34" charset="0"/>
+                <a:ea typeface="MS PGothic" panose="020B0600070205080204" pitchFamily="34" charset="-128"/>
+              </a:defRPr>
+            </a:lvl1pPr>
+            <a:lvl2pPr marL="742950" indent="-285750" eaLnBrk="0" hangingPunct="0">
+              <a:defRPr sz="3200">
+                <a:solidFill>
+                  <a:schemeClr val="tx1"/>
+                </a:solidFill>
+                <a:latin typeface="Helvetica" panose="020B0604020202020204" pitchFamily="34" charset="0"/>
+                <a:ea typeface="MS PGothic" panose="020B0600070205080204" pitchFamily="34" charset="-128"/>
+              </a:defRPr>
+            </a:lvl2pPr>
+            <a:lvl3pPr marL="1143000" indent="-228600" eaLnBrk="0" hangingPunct="0">
+              <a:defRPr sz="3200">
+                <a:solidFill>
+                  <a:schemeClr val="tx1"/>
+                </a:solidFill>
+                <a:latin typeface="Helvetica" panose="020B0604020202020204" pitchFamily="34" charset="0"/>
+                <a:ea typeface="MS PGothic" panose="020B0600070205080204" pitchFamily="34" charset="-128"/>
+              </a:defRPr>
+            </a:lvl3pPr>
+            <a:lvl4pPr marL="1600200" indent="-228600" eaLnBrk="0" hangingPunct="0">
+              <a:defRPr sz="3200">
+                <a:solidFill>
+                  <a:schemeClr val="tx1"/>
+                </a:solidFill>
+                <a:latin typeface="Helvetica" panose="020B0604020202020204" pitchFamily="34" charset="0"/>
+                <a:ea typeface="MS PGothic" panose="020B0600070205080204" pitchFamily="34" charset="-128"/>
+              </a:defRPr>
+            </a:lvl4pPr>
+            <a:lvl5pPr marL="2057400" indent="-228600" eaLnBrk="0" hangingPunct="0">
+              <a:defRPr sz="3200">
+                <a:solidFill>
+                  <a:schemeClr val="tx1"/>
+                </a:solidFill>
+                <a:latin typeface="Helvetica" panose="020B0604020202020204" pitchFamily="34" charset="0"/>
+                <a:ea typeface="MS PGothic" panose="020B0600070205080204" pitchFamily="34" charset="-128"/>
+              </a:defRPr>
+            </a:lvl5pPr>
+            <a:lvl6pPr marL="2514600" indent="-228600" eaLnBrk="0" fontAlgn="base" hangingPunct="0">
+              <a:spcBef>
+                <a:spcPct val="0"/>
+              </a:spcBef>
+              <a:spcAft>
+                <a:spcPct val="0"/>
+              </a:spcAft>
+              <a:defRPr sz="3200">
+                <a:solidFill>
+                  <a:schemeClr val="tx1"/>
+                </a:solidFill>
+                <a:latin typeface="Helvetica" panose="020B0604020202020204" pitchFamily="34" charset="0"/>
+                <a:ea typeface="MS PGothic" panose="020B0600070205080204" pitchFamily="34" charset="-128"/>
+              </a:defRPr>
+            </a:lvl6pPr>
+            <a:lvl7pPr marL="2971800" indent="-228600" eaLnBrk="0" fontAlgn="base" hangingPunct="0">
+              <a:spcBef>
+                <a:spcPct val="0"/>
+              </a:spcBef>
+              <a:spcAft>
+                <a:spcPct val="0"/>
+              </a:spcAft>
+              <a:defRPr sz="3200">
+                <a:solidFill>
+                  <a:schemeClr val="tx1"/>
+                </a:solidFill>
+                <a:latin typeface="Helvetica" panose="020B0604020202020204" pitchFamily="34" charset="0"/>
+                <a:ea typeface="MS PGothic" panose="020B0600070205080204" pitchFamily="34" charset="-128"/>
+              </a:defRPr>
+            </a:lvl7pPr>
+            <a:lvl8pPr marL="3429000" indent="-228600" eaLnBrk="0" fontAlgn="base" hangingPunct="0">
+              <a:spcBef>
+                <a:spcPct val="0"/>
+              </a:spcBef>
+              <a:spcAft>
+                <a:spcPct val="0"/>
+              </a:spcAft>
+              <a:defRPr sz="3200">
+                <a:solidFill>
+                  <a:schemeClr val="tx1"/>
+                </a:solidFill>
+                <a:latin typeface="Helvetica" panose="020B0604020202020204" pitchFamily="34" charset="0"/>
+                <a:ea typeface="MS PGothic" panose="020B0600070205080204" pitchFamily="34" charset="-128"/>
+              </a:defRPr>
+            </a:lvl8pPr>
+            <a:lvl9pPr marL="3886200" indent="-228600" eaLnBrk="0" fontAlgn="base" hangingPunct="0">
+              <a:spcBef>
+                <a:spcPct val="0"/>
+              </a:spcBef>
+              <a:spcAft>
+                <a:spcPct val="0"/>
+              </a:spcAft>
+              <a:defRPr sz="3200">
+                <a:solidFill>
+                  <a:schemeClr val="tx1"/>
+                </a:solidFill>
+                <a:latin typeface="Helvetica" panose="020B0604020202020204" pitchFamily="34" charset="0"/>
+                <a:ea typeface="MS PGothic" panose="020B0600070205080204" pitchFamily="34" charset="-128"/>
+              </a:defRPr>
+            </a:lvl9pPr>
+          </a:lstStyle>
+          <a:p>
+            <a:pPr eaLnBrk="1" hangingPunct="1">
+              <a:spcBef>
+                <a:spcPct val="50000"/>
+              </a:spcBef>
+            </a:pPr>
+            <a:r>
+              <a:rPr lang="en-US" altLang="en-US" sz="4400" b="1" dirty="0">
+                <a:solidFill>
+                  <a:srgbClr val="000000"/>
+                </a:solidFill>
+                <a:latin typeface="Avenir Heavy" pitchFamily="124" charset="0"/>
+              </a:rPr>
+              <a:t>Implications</a:t>
+            </a:r>
+          </a:p>
+          <a:p>
+            <a:pPr marL="571500" indent="-571500" eaLnBrk="1" hangingPunct="1">
+              <a:spcBef>
+                <a:spcPts val="1200"/>
+              </a:spcBef>
+              <a:buFont typeface="Arial" panose="020B0604020202020204" pitchFamily="34" charset="0"/>
+              <a:buChar char="•"/>
+            </a:pPr>
+            <a:r>
+              <a:rPr lang="en-US" altLang="en-US" sz="3600" dirty="0">
+                <a:latin typeface="Avenir Book" pitchFamily="124" charset="0"/>
+              </a:rPr>
+              <a:t>Our model could tell early on what level of performance correlated to a particular playoff finish, but it was not entirely accurate.</a:t>
+            </a:r>
+          </a:p>
+          <a:p>
+            <a:pPr marL="571500" indent="-571500" eaLnBrk="1" hangingPunct="1">
+              <a:spcBef>
+                <a:spcPts val="1200"/>
+              </a:spcBef>
+              <a:buFont typeface="Arial" panose="020B0604020202020204" pitchFamily="34" charset="0"/>
+              <a:buChar char="•"/>
+            </a:pPr>
+            <a:r>
+              <a:rPr lang="en-US" altLang="en-US" sz="3600" dirty="0">
+                <a:latin typeface="Avenir Book" pitchFamily="124" charset="0"/>
+              </a:rPr>
+              <a:t>Our predictive margin of error was around +/- 3 games of playoff result – which is the difference between losing or advancing to the next round</a:t>
+            </a:r>
+          </a:p>
+          <a:p>
+            <a:pPr marL="571500" indent="-571500" eaLnBrk="1" hangingPunct="1">
+              <a:spcBef>
+                <a:spcPts val="1200"/>
+              </a:spcBef>
+              <a:buFont typeface="Arial" panose="020B0604020202020204" pitchFamily="34" charset="0"/>
+              <a:buChar char="•"/>
+            </a:pPr>
+            <a:r>
+              <a:rPr lang="en-US" altLang="en-US" sz="3600" dirty="0">
+                <a:latin typeface="Avenir Book" pitchFamily="124" charset="0"/>
+              </a:rPr>
+              <a:t>Rolling average performance over stretches of games will affect prediction ability</a:t>
+            </a:r>
+          </a:p>
+          <a:p>
+            <a:pPr marL="571500" indent="-571500" eaLnBrk="1" hangingPunct="1">
+              <a:spcBef>
+                <a:spcPts val="1200"/>
+              </a:spcBef>
+              <a:buFont typeface="Arial" panose="020B0604020202020204" pitchFamily="34" charset="0"/>
+              <a:buChar char="•"/>
+            </a:pPr>
+            <a:endParaRPr lang="en-US" altLang="en-US" sz="3600" dirty="0">
+              <a:latin typeface="Avenir Book" pitchFamily="124" charset="0"/>
+            </a:endParaRPr>
+          </a:p>
+          <a:p>
+            <a:pPr eaLnBrk="1" hangingPunct="1"/>
+            <a:br>
+              <a:rPr lang="en-US" altLang="en-US" sz="2800" dirty="0">
+                <a:latin typeface="Avenir Book" pitchFamily="124" charset="0"/>
+              </a:rPr>
+            </a:br>
+            <a:endParaRPr lang="en-US" altLang="en-US" sz="2800" dirty="0">
+              <a:latin typeface="Avenir Book" pitchFamily="124" charset="0"/>
+            </a:endParaRPr>
+          </a:p>
+          <a:p>
+            <a:pPr eaLnBrk="1" hangingPunct="1">
+              <a:spcBef>
+                <a:spcPct val="10000"/>
+              </a:spcBef>
+            </a:pPr>
+            <a:endParaRPr lang="en-US" altLang="en-US" sz="2800" dirty="0">
+              <a:latin typeface="Avenir Book" pitchFamily="124" charset="0"/>
+            </a:endParaRPr>
+          </a:p>
+        </p:txBody>
+      </p:sp>
+      <p:sp>
+        <p:nvSpPr>
+          <p:cNvPr id="14347" name="Text Box 70">
+            <a:extLst>
+              <a:ext uri="{FF2B5EF4-FFF2-40B4-BE49-F238E27FC236}">
+                <a16:creationId xmlns:a16="http://schemas.microsoft.com/office/drawing/2014/main" id="{2EF7BC7D-7B73-2835-E450-6A862F70C561}"/>
+              </a:ext>
+            </a:extLst>
+          </p:cNvPr>
+          <p:cNvSpPr txBox="1">
+            <a:spLocks noChangeArrowheads="1"/>
+          </p:cNvSpPr>
+          <p:nvPr/>
+        </p:nvSpPr>
+        <p:spPr bwMode="auto">
+          <a:xfrm>
+            <a:off x="38595300" y="26386971"/>
+            <a:ext cx="10811782" cy="3200400"/>
+          </a:xfrm>
+          <a:prstGeom prst="rect">
+            <a:avLst/>
+          </a:prstGeom>
+          <a:solidFill>
+            <a:schemeClr val="bg1"/>
+          </a:solidFill>
+          <a:ln w="38100">
+            <a:solidFill>
+              <a:srgbClr val="000000"/>
+            </a:solidFill>
+            <a:round/>
+            <a:headEnd/>
+            <a:tailEnd/>
+          </a:ln>
+        </p:spPr>
+        <p:txBody>
+          <a:bodyPr lIns="914400" tIns="457200" rIns="914400" bIns="914400"/>
+          <a:lstStyle>
+            <a:lvl1pPr eaLnBrk="0" hangingPunct="0">
+              <a:defRPr sz="3200">
+                <a:solidFill>
+                  <a:schemeClr val="tx1"/>
+                </a:solidFill>
+                <a:latin typeface="Helvetica" panose="020B0604020202020204" pitchFamily="34" charset="0"/>
+                <a:ea typeface="MS PGothic" panose="020B0600070205080204" pitchFamily="34" charset="-128"/>
+              </a:defRPr>
+            </a:lvl1pPr>
+            <a:lvl2pPr marL="742950" indent="-285750" eaLnBrk="0" hangingPunct="0">
+              <a:defRPr sz="3200">
+                <a:solidFill>
+                  <a:schemeClr val="tx1"/>
+                </a:solidFill>
+                <a:latin typeface="Helvetica" panose="020B0604020202020204" pitchFamily="34" charset="0"/>
+                <a:ea typeface="MS PGothic" panose="020B0600070205080204" pitchFamily="34" charset="-128"/>
+              </a:defRPr>
+            </a:lvl2pPr>
+            <a:lvl3pPr marL="1143000" indent="-228600" eaLnBrk="0" hangingPunct="0">
+              <a:defRPr sz="3200">
+                <a:solidFill>
+                  <a:schemeClr val="tx1"/>
+                </a:solidFill>
+                <a:latin typeface="Helvetica" panose="020B0604020202020204" pitchFamily="34" charset="0"/>
+                <a:ea typeface="MS PGothic" panose="020B0600070205080204" pitchFamily="34" charset="-128"/>
+              </a:defRPr>
+            </a:lvl3pPr>
+            <a:lvl4pPr marL="1600200" indent="-228600" eaLnBrk="0" hangingPunct="0">
+              <a:defRPr sz="3200">
+                <a:solidFill>
+                  <a:schemeClr val="tx1"/>
+                </a:solidFill>
+                <a:latin typeface="Helvetica" panose="020B0604020202020204" pitchFamily="34" charset="0"/>
+                <a:ea typeface="MS PGothic" panose="020B0600070205080204" pitchFamily="34" charset="-128"/>
+              </a:defRPr>
+            </a:lvl4pPr>
+            <a:lvl5pPr marL="2057400" indent="-228600" eaLnBrk="0" hangingPunct="0">
+              <a:defRPr sz="3200">
+                <a:solidFill>
+                  <a:schemeClr val="tx1"/>
+                </a:solidFill>
+                <a:latin typeface="Helvetica" panose="020B0604020202020204" pitchFamily="34" charset="0"/>
+                <a:ea typeface="MS PGothic" panose="020B0600070205080204" pitchFamily="34" charset="-128"/>
+              </a:defRPr>
+            </a:lvl5pPr>
+            <a:lvl6pPr marL="2514600" indent="-228600" eaLnBrk="0" fontAlgn="base" hangingPunct="0">
+              <a:spcBef>
+                <a:spcPct val="0"/>
+              </a:spcBef>
+              <a:spcAft>
+                <a:spcPct val="0"/>
+              </a:spcAft>
+              <a:defRPr sz="3200">
+                <a:solidFill>
+                  <a:schemeClr val="tx1"/>
+                </a:solidFill>
+                <a:latin typeface="Helvetica" panose="020B0604020202020204" pitchFamily="34" charset="0"/>
+                <a:ea typeface="MS PGothic" panose="020B0600070205080204" pitchFamily="34" charset="-128"/>
+              </a:defRPr>
+            </a:lvl6pPr>
+            <a:lvl7pPr marL="2971800" indent="-228600" eaLnBrk="0" fontAlgn="base" hangingPunct="0">
+              <a:spcBef>
+                <a:spcPct val="0"/>
+              </a:spcBef>
+              <a:spcAft>
+                <a:spcPct val="0"/>
+              </a:spcAft>
+              <a:defRPr sz="3200">
+                <a:solidFill>
+                  <a:schemeClr val="tx1"/>
+                </a:solidFill>
+                <a:latin typeface="Helvetica" panose="020B0604020202020204" pitchFamily="34" charset="0"/>
+                <a:ea typeface="MS PGothic" panose="020B0600070205080204" pitchFamily="34" charset="-128"/>
+              </a:defRPr>
+            </a:lvl7pPr>
+            <a:lvl8pPr marL="3429000" indent="-228600" eaLnBrk="0" fontAlgn="base" hangingPunct="0">
+              <a:spcBef>
+                <a:spcPct val="0"/>
+              </a:spcBef>
+              <a:spcAft>
+                <a:spcPct val="0"/>
+              </a:spcAft>
+              <a:defRPr sz="3200">
+                <a:solidFill>
+                  <a:schemeClr val="tx1"/>
+                </a:solidFill>
+                <a:latin typeface="Helvetica" panose="020B0604020202020204" pitchFamily="34" charset="0"/>
+                <a:ea typeface="MS PGothic" panose="020B0600070205080204" pitchFamily="34" charset="-128"/>
+              </a:defRPr>
+            </a:lvl8pPr>
+            <a:lvl9pPr marL="3886200" indent="-228600" eaLnBrk="0" fontAlgn="base" hangingPunct="0">
+              <a:spcBef>
+                <a:spcPct val="0"/>
+              </a:spcBef>
+              <a:spcAft>
+                <a:spcPct val="0"/>
+              </a:spcAft>
+              <a:defRPr sz="3200">
+                <a:solidFill>
+                  <a:schemeClr val="tx1"/>
+                </a:solidFill>
+                <a:latin typeface="Helvetica" panose="020B0604020202020204" pitchFamily="34" charset="0"/>
+                <a:ea typeface="MS PGothic" panose="020B0600070205080204" pitchFamily="34" charset="-128"/>
+              </a:defRPr>
+            </a:lvl9pPr>
+          </a:lstStyle>
+          <a:p>
+            <a:pPr algn="just" eaLnBrk="1" hangingPunct="1"/>
+            <a:r>
+              <a:rPr lang="en-US" altLang="en-US" sz="4400" b="1" dirty="0">
+                <a:solidFill>
+                  <a:srgbClr val="000000"/>
+                </a:solidFill>
+                <a:latin typeface="Avenir Heavy" pitchFamily="124" charset="0"/>
+              </a:rPr>
+              <a:t>Data Sources</a:t>
+            </a:r>
+          </a:p>
+          <a:p>
+            <a:pPr marL="571500" indent="-571500" eaLnBrk="1" hangingPunct="1">
+              <a:spcBef>
+                <a:spcPct val="10000"/>
+              </a:spcBef>
+              <a:buFont typeface="Arial" panose="020B0604020202020204" pitchFamily="34" charset="0"/>
+              <a:buChar char="•"/>
+            </a:pPr>
+            <a:r>
+              <a:rPr lang="en-US" altLang="en-US" sz="3600" dirty="0" err="1">
+                <a:solidFill>
+                  <a:srgbClr val="000000"/>
+                </a:solidFill>
+                <a:latin typeface="Avenir Book" pitchFamily="124" charset="0"/>
+              </a:rPr>
+              <a:t>NBA.com’s</a:t>
+            </a:r>
+            <a:r>
+              <a:rPr lang="en-US" altLang="en-US" sz="3600" dirty="0">
+                <a:solidFill>
+                  <a:srgbClr val="000000"/>
+                </a:solidFill>
+                <a:latin typeface="Avenir Book" pitchFamily="124" charset="0"/>
+              </a:rPr>
+              <a:t> official stats website</a:t>
+            </a:r>
+          </a:p>
+          <a:p>
+            <a:pPr marL="571500" indent="-571500" eaLnBrk="1" hangingPunct="1">
+              <a:spcBef>
+                <a:spcPct val="10000"/>
+              </a:spcBef>
+              <a:buFont typeface="Arial" panose="020B0604020202020204" pitchFamily="34" charset="0"/>
+              <a:buChar char="•"/>
+            </a:pPr>
+            <a:r>
+              <a:rPr lang="en-US" altLang="en-US" sz="3600" dirty="0">
+                <a:solidFill>
+                  <a:srgbClr val="000000"/>
+                </a:solidFill>
+                <a:latin typeface="Avenir Book" pitchFamily="124" charset="0"/>
+              </a:rPr>
+              <a:t>Used the stats.nba.com API to scrape traditional and advanced box score data</a:t>
+            </a:r>
+            <a:endParaRPr lang="en-US" altLang="en-US" sz="3600" dirty="0">
+              <a:latin typeface="Avenir Book" pitchFamily="124" charset="0"/>
+            </a:endParaRPr>
+          </a:p>
+          <a:p>
+            <a:pPr eaLnBrk="1" hangingPunct="1">
+              <a:spcBef>
+                <a:spcPct val="10000"/>
+              </a:spcBef>
+            </a:pPr>
+            <a:endParaRPr lang="en-US" altLang="en-US" sz="2800" dirty="0">
+              <a:latin typeface="Avenir Book" pitchFamily="124" charset="0"/>
+            </a:endParaRPr>
+          </a:p>
+        </p:txBody>
+      </p:sp>
+      <p:sp>
+        <p:nvSpPr>
+          <p:cNvPr id="2" name="Rectangle: Rounded Corners 1">
+            <a:extLst>
+              <a:ext uri="{FF2B5EF4-FFF2-40B4-BE49-F238E27FC236}">
+                <a16:creationId xmlns:a16="http://schemas.microsoft.com/office/drawing/2014/main" id="{B395254E-F338-9AEA-5944-30ACB5B1C57A}"/>
+              </a:ext>
+            </a:extLst>
+          </p:cNvPr>
+          <p:cNvSpPr/>
           <p:nvPr/>
         </p:nvSpPr>
         <p:spPr>
           <a:xfrm>
-            <a:off x="40922575" y="4186238"/>
-            <a:ext cx="7620000" cy="646112"/>
+            <a:off x="1763486" y="1077686"/>
+            <a:ext cx="47646771" cy="4794476"/>
+          </a:xfrm>
+          <a:prstGeom prst="roundRect">
+            <a:avLst/>
+          </a:prstGeom>
+          <a:solidFill>
+            <a:schemeClr val="bg1"/>
+          </a:solidFill>
+        </p:spPr>
+        <p:style>
+          <a:lnRef idx="1">
+            <a:schemeClr val="accent1"/>
+          </a:lnRef>
+          <a:fillRef idx="3">
+            <a:schemeClr val="accent1"/>
+          </a:fillRef>
+          <a:effectRef idx="2">
+            <a:schemeClr val="accent1"/>
+          </a:effectRef>
+          <a:fontRef idx="minor">
+            <a:schemeClr val="lt1"/>
+          </a:fontRef>
+        </p:style>
+        <p:txBody>
+          <a:bodyPr rtlCol="0" anchor="ctr"/>
+          <a:lstStyle/>
+          <a:p>
+            <a:pPr algn="ctr">
+              <a:lnSpc>
+                <a:spcPct val="90000"/>
+              </a:lnSpc>
+              <a:defRPr/>
+            </a:pPr>
+            <a:r>
+              <a:rPr lang="en-US" sz="9600" b="0" i="0" u="none" strike="noStrike" dirty="0">
+                <a:solidFill>
+                  <a:srgbClr val="000000"/>
+                </a:solidFill>
+                <a:effectLst/>
+                <a:latin typeface="Avenir Heavy"/>
+              </a:rPr>
+              <a:t>Box Score to Bracket: Evaluating the Predictive Power of NBA Regular Season </a:t>
+            </a:r>
+          </a:p>
+          <a:p>
+            <a:pPr algn="ctr">
+              <a:lnSpc>
+                <a:spcPct val="90000"/>
+              </a:lnSpc>
+              <a:defRPr/>
+            </a:pPr>
+            <a:r>
+              <a:rPr lang="en-US" sz="9600" b="0" i="0" u="none" strike="noStrike" dirty="0">
+                <a:solidFill>
+                  <a:srgbClr val="000000"/>
+                </a:solidFill>
+                <a:effectLst/>
+                <a:latin typeface="Avenir Heavy"/>
+              </a:rPr>
+              <a:t>Performance on Playoff Outcomes</a:t>
+            </a:r>
+          </a:p>
+          <a:p>
+            <a:pPr algn="ctr">
+              <a:lnSpc>
+                <a:spcPct val="90000"/>
+              </a:lnSpc>
+              <a:defRPr/>
+            </a:pPr>
+            <a:endParaRPr lang="en-US" sz="4000" b="0" i="0" u="none" strike="noStrike" dirty="0">
+              <a:solidFill>
+                <a:srgbClr val="000000"/>
+              </a:solidFill>
+              <a:effectLst/>
+              <a:latin typeface="Avenir Heavy"/>
+            </a:endParaRPr>
+          </a:p>
+          <a:p>
+            <a:pPr algn="ctr">
+              <a:lnSpc>
+                <a:spcPct val="90000"/>
+              </a:lnSpc>
+              <a:defRPr/>
+            </a:pPr>
+            <a:r>
+              <a:rPr lang="en-US" altLang="en-US" sz="6000" b="1" dirty="0">
+                <a:solidFill>
+                  <a:schemeClr val="tx1"/>
+                </a:solidFill>
+                <a:latin typeface="Avenir Medium" pitchFamily="124" charset="0"/>
+              </a:rPr>
+              <a:t>Andrew Scheiner ’25, Sid Lamsal ’25,</a:t>
+            </a:r>
+            <a:r>
+              <a:rPr lang="en-US" altLang="en-US" sz="6000" b="1" dirty="0">
+                <a:solidFill>
+                  <a:schemeClr val="tx1"/>
+                </a:solidFill>
+                <a:latin typeface="Avenir Book" pitchFamily="124" charset="0"/>
+              </a:rPr>
+              <a:t> Department of Data Analytics, </a:t>
+            </a:r>
+            <a:r>
+              <a:rPr lang="en-US" altLang="en-US" sz="6000" dirty="0">
+                <a:solidFill>
+                  <a:schemeClr val="tx1"/>
+                </a:solidFill>
+                <a:latin typeface="Avenir Book" pitchFamily="124" charset="0"/>
+              </a:rPr>
+              <a:t>Dickinson College</a:t>
+            </a:r>
+          </a:p>
+        </p:txBody>
+      </p:sp>
+      <p:pic>
+        <p:nvPicPr>
+          <p:cNvPr id="1026" name="Picture 2">
+            <a:extLst>
+              <a:ext uri="{FF2B5EF4-FFF2-40B4-BE49-F238E27FC236}">
+                <a16:creationId xmlns:a16="http://schemas.microsoft.com/office/drawing/2014/main" id="{A3E5E091-2879-06F1-A031-63BF06DB1FD4}"/>
+              </a:ext>
+            </a:extLst>
+          </p:cNvPr>
+          <p:cNvPicPr>
+            <a:picLocks noChangeAspect="1" noChangeArrowheads="1"/>
+          </p:cNvPicPr>
+          <p:nvPr/>
+        </p:nvPicPr>
+        <p:blipFill>
+          <a:blip r:embed="rId5">
+            <a:extLst>
+              <a:ext uri="{28A0092B-C50C-407E-A947-70E740481C1C}">
+                <a14:useLocalDpi xmlns:a14="http://schemas.microsoft.com/office/drawing/2010/main" val="0"/>
+              </a:ext>
+            </a:extLst>
+          </a:blip>
+          <a:srcRect/>
+          <a:stretch>
+            <a:fillRect/>
+          </a:stretch>
+        </p:blipFill>
+        <p:spPr bwMode="auto">
+          <a:xfrm>
+            <a:off x="17931381" y="8662383"/>
+            <a:ext cx="15129327" cy="9567331"/>
           </a:xfrm>
           <a:prstGeom prst="rect">
             <a:avLst/>
           </a:prstGeom>
           <a:noFill/>
+          <a:extLst>
+            <a:ext uri="{909E8E84-426E-40DD-AFC4-6F175D3DCCD1}">
+              <a14:hiddenFill xmlns:a14="http://schemas.microsoft.com/office/drawing/2010/main">
+                <a:solidFill>
+                  <a:srgbClr val="FFFFFF"/>
+                </a:solidFill>
+              </a14:hiddenFill>
+            </a:ext>
+          </a:extLst>
         </p:spPr>
-        <p:txBody>
-          <a:bodyPr>
-            <a:spAutoFit/>
-          </a:bodyPr>
-          <a:lstStyle/>
-          <a:p>
-            <a:pPr algn="ctr">
-              <a:defRPr/>
-            </a:pPr>
-            <a:r>
-              <a:rPr lang="en-US" sz="3600" dirty="0">
-                <a:solidFill>
-                  <a:schemeClr val="accent1">
-                    <a:lumMod val="90000"/>
-                  </a:schemeClr>
-                </a:solidFill>
-                <a:latin typeface="Avenir Book"/>
-                <a:ea typeface="ＭＳ Ｐゴシック" charset="0"/>
-                <a:cs typeface="Avenir Book"/>
-              </a:rPr>
-              <a:t>DO NOT PUT LOGOS here, either.</a:t>
-            </a:r>
-          </a:p>
-        </p:txBody>
-      </p:sp>
+      </p:pic>
+      <p:pic>
+        <p:nvPicPr>
+          <p:cNvPr id="1028" name="Picture 4">
+            <a:extLst>
+              <a:ext uri="{FF2B5EF4-FFF2-40B4-BE49-F238E27FC236}">
+                <a16:creationId xmlns:a16="http://schemas.microsoft.com/office/drawing/2014/main" id="{1A8B254E-9F2C-0AA2-4D4C-BCB73C033E8B}"/>
+              </a:ext>
+            </a:extLst>
+          </p:cNvPr>
+          <p:cNvPicPr>
+            <a:picLocks noChangeAspect="1" noChangeArrowheads="1"/>
+          </p:cNvPicPr>
+          <p:nvPr/>
+        </p:nvPicPr>
+        <p:blipFill>
+          <a:blip r:embed="rId6">
+            <a:extLst>
+              <a:ext uri="{28A0092B-C50C-407E-A947-70E740481C1C}">
+                <a14:useLocalDpi xmlns:a14="http://schemas.microsoft.com/office/drawing/2010/main" val="0"/>
+              </a:ext>
+            </a:extLst>
+          </a:blip>
+          <a:srcRect/>
+          <a:stretch>
+            <a:fillRect/>
+          </a:stretch>
+        </p:blipFill>
+        <p:spPr bwMode="auto">
+          <a:xfrm>
+            <a:off x="17931381" y="19333028"/>
+            <a:ext cx="15129327" cy="9589503"/>
+          </a:xfrm>
+          <a:prstGeom prst="rect">
+            <a:avLst/>
+          </a:prstGeom>
+          <a:noFill/>
+          <a:extLst>
+            <a:ext uri="{909E8E84-426E-40DD-AFC4-6F175D3DCCD1}">
+              <a14:hiddenFill xmlns:a14="http://schemas.microsoft.com/office/drawing/2010/main">
+                <a:solidFill>
+                  <a:srgbClr val="FFFFFF"/>
+                </a:solidFill>
+              </a14:hiddenFill>
+            </a:ext>
+          </a:extLst>
+        </p:spPr>
+      </p:pic>
     </p:spTree>
+    <p:extLst>
+      <p:ext uri="{BB962C8B-B14F-4D97-AF65-F5344CB8AC3E}">
+        <p14:creationId xmlns:p14="http://schemas.microsoft.com/office/powerpoint/2010/main" val="3382255649"/>
+      </p:ext>
+    </p:extLst>
   </p:cSld>
   <p:clrMapOvr>
     <a:overrideClrMapping bg1="lt1" tx1="dk1" bg2="lt2" tx2="dk2" accent1="accent1" accent2="accent2" accent3="accent3" accent4="accent4" accent5="accent5" accent6="accent6" hlink="hlink" folHlink="folHlink"/>
@@ -7824,4 +9854,47 @@
     </a:folHlink>
   </a:clrScheme>
 </a:themeOverride>
+</file>
+
+<file path=ppt/theme/themeOverride2.xml><?xml version="1.0" encoding="utf-8"?>
+<a:themeOverride xmlns:a="http://schemas.openxmlformats.org/drawingml/2006/main">
+  <a:clrScheme name="Default Design 3">
+    <a:dk1>
+      <a:srgbClr val="000000"/>
+    </a:dk1>
+    <a:lt1>
+      <a:srgbClr val="FFFFFF"/>
+    </a:lt1>
+    <a:dk2>
+      <a:srgbClr val="000000"/>
+    </a:dk2>
+    <a:lt2>
+      <a:srgbClr val="333333"/>
+    </a:lt2>
+    <a:accent1>
+      <a:srgbClr val="DDDDDD"/>
+    </a:accent1>
+    <a:accent2>
+      <a:srgbClr val="808080"/>
+    </a:accent2>
+    <a:accent3>
+      <a:srgbClr val="FFFFFF"/>
+    </a:accent3>
+    <a:accent4>
+      <a:srgbClr val="000000"/>
+    </a:accent4>
+    <a:accent5>
+      <a:srgbClr val="EBEBEB"/>
+    </a:accent5>
+    <a:accent6>
+      <a:srgbClr val="737373"/>
+    </a:accent6>
+    <a:hlink>
+      <a:srgbClr val="4D4D4D"/>
+    </a:hlink>
+    <a:folHlink>
+      <a:srgbClr val="EAEAEA"/>
+    </a:folHlink>
+  </a:clrScheme>
+</a:themeOverride>
 </file>
--- a/Box Score to Bracket- Evaluating the Predictive Power of NBA Regular Season Performance on Playoff Outcomes.pptx
+++ b/Box Score to Bracket- Evaluating the Predictive Power of NBA Regular Season Performance on Playoff Outcomes.pptx
@@ -5,11 +5,10 @@
     <p:sldMasterId id="2147483648" r:id="rId1"/>
   </p:sldMasterIdLst>
   <p:notesMasterIdLst>
-    <p:notesMasterId r:id="rId4"/>
+    <p:notesMasterId r:id="rId3"/>
   </p:notesMasterIdLst>
   <p:sldIdLst>
-    <p:sldId id="258" r:id="rId2"/>
-    <p:sldId id="259" r:id="rId3"/>
+    <p:sldId id="259" r:id="rId2"/>
   </p:sldIdLst>
   <p:sldSz cx="51206400" cy="32004000"/>
   <p:notesSz cx="32918400" cy="51206400"/>
@@ -735,296 +734,6 @@
         <p:cNvPr id="1" name="">
           <a:extLst>
             <a:ext uri="{FF2B5EF4-FFF2-40B4-BE49-F238E27FC236}">
-              <a16:creationId xmlns:a16="http://schemas.microsoft.com/office/drawing/2014/main" id="{45F55B20-645A-504B-C814-E9D3D6F255FD}"/>
-            </a:ext>
-          </a:extLst>
-        </p:cNvPr>
-        <p:cNvGrpSpPr/>
-        <p:nvPr/>
-      </p:nvGrpSpPr>
-      <p:grpSpPr>
-        <a:xfrm>
-          <a:off x="0" y="0"/>
-          <a:ext cx="0" cy="0"/>
-          <a:chOff x="0" y="0"/>
-          <a:chExt cx="0" cy="0"/>
-        </a:xfrm>
-      </p:grpSpPr>
-      <p:sp>
-        <p:nvSpPr>
-          <p:cNvPr id="15361" name="Slide Image Placeholder 1">
-            <a:extLst>
-              <a:ext uri="{FF2B5EF4-FFF2-40B4-BE49-F238E27FC236}">
-                <a16:creationId xmlns:a16="http://schemas.microsoft.com/office/drawing/2014/main" id="{54790E58-C6A0-D518-0567-DFEDFA6F0401}"/>
-              </a:ext>
-            </a:extLst>
-          </p:cNvPr>
-          <p:cNvSpPr>
-            <a:spLocks noGrp="1" noRot="1" noChangeAspect="1"/>
-          </p:cNvSpPr>
-          <p:nvPr>
-            <p:ph type="sldImg"/>
-          </p:nvPr>
-        </p:nvSpPr>
-        <p:spPr bwMode="auto">
-          <a:noFill/>
-          <a:ln>
-            <a:solidFill>
-              <a:srgbClr val="000000"/>
-            </a:solidFill>
-            <a:miter lim="800000"/>
-            <a:headEnd/>
-            <a:tailEnd/>
-          </a:ln>
-          <a:extLst>
-            <a:ext uri="{909E8E84-426E-40DD-AFC4-6F175D3DCCD1}">
-              <a14:hiddenFill xmlns:a14="http://schemas.microsoft.com/office/drawing/2010/main">
-                <a:solidFill>
-                  <a:srgbClr val="FFFFFF"/>
-                </a:solidFill>
-              </a14:hiddenFill>
-            </a:ext>
-          </a:extLst>
-        </p:spPr>
-      </p:sp>
-      <p:sp>
-        <p:nvSpPr>
-          <p:cNvPr id="15362" name="Notes Placeholder 2">
-            <a:extLst>
-              <a:ext uri="{FF2B5EF4-FFF2-40B4-BE49-F238E27FC236}">
-                <a16:creationId xmlns:a16="http://schemas.microsoft.com/office/drawing/2014/main" id="{E4D1C33E-2430-1699-BA3E-2A2CA75D5306}"/>
-              </a:ext>
-            </a:extLst>
-          </p:cNvPr>
-          <p:cNvSpPr>
-            <a:spLocks noGrp="1"/>
-          </p:cNvSpPr>
-          <p:nvPr>
-            <p:ph type="body" idx="1"/>
-          </p:nvPr>
-        </p:nvSpPr>
-        <p:spPr bwMode="auto">
-          <a:noFill/>
-          <a:extLst>
-            <a:ext uri="{909E8E84-426E-40DD-AFC4-6F175D3DCCD1}">
-              <a14:hiddenFill xmlns:a14="http://schemas.microsoft.com/office/drawing/2010/main">
-                <a:solidFill>
-                  <a:srgbClr val="FFFFFF"/>
-                </a:solidFill>
-              </a14:hiddenFill>
-            </a:ext>
-            <a:ext uri="{91240B29-F687-4F45-9708-019B960494DF}">
-              <a14:hiddenLine xmlns:a14="http://schemas.microsoft.com/office/drawing/2010/main" w="9525">
-                <a:solidFill>
-                  <a:srgbClr val="000000"/>
-                </a:solidFill>
-                <a:miter lim="800000"/>
-                <a:headEnd/>
-                <a:tailEnd/>
-              </a14:hiddenLine>
-            </a:ext>
-          </a:extLst>
-        </p:spPr>
-        <p:txBody>
-          <a:bodyPr/>
-          <a:lstStyle/>
-          <a:p>
-            <a:pPr eaLnBrk="1" hangingPunct="1">
-              <a:spcBef>
-                <a:spcPct val="0"/>
-              </a:spcBef>
-            </a:pPr>
-            <a:endParaRPr lang="en-US" altLang="en-US" sz="9600">
-              <a:solidFill>
-                <a:srgbClr val="000000"/>
-              </a:solidFill>
-            </a:endParaRPr>
-          </a:p>
-        </p:txBody>
-      </p:sp>
-      <p:sp>
-        <p:nvSpPr>
-          <p:cNvPr id="15363" name="Slide Number Placeholder 3">
-            <a:extLst>
-              <a:ext uri="{FF2B5EF4-FFF2-40B4-BE49-F238E27FC236}">
-                <a16:creationId xmlns:a16="http://schemas.microsoft.com/office/drawing/2014/main" id="{55D84EBE-7204-2B8C-F16D-4C92961131DB}"/>
-              </a:ext>
-            </a:extLst>
-          </p:cNvPr>
-          <p:cNvSpPr>
-            <a:spLocks noGrp="1"/>
-          </p:cNvSpPr>
-          <p:nvPr>
-            <p:ph type="sldNum" sz="quarter" idx="5"/>
-          </p:nvPr>
-        </p:nvSpPr>
-        <p:spPr bwMode="auto">
-          <a:noFill/>
-          <a:extLst>
-            <a:ext uri="{909E8E84-426E-40DD-AFC4-6F175D3DCCD1}">
-              <a14:hiddenFill xmlns:a14="http://schemas.microsoft.com/office/drawing/2010/main">
-                <a:solidFill>
-                  <a:srgbClr val="FFFFFF"/>
-                </a:solidFill>
-              </a14:hiddenFill>
-            </a:ext>
-            <a:ext uri="{91240B29-F687-4F45-9708-019B960494DF}">
-              <a14:hiddenLine xmlns:a14="http://schemas.microsoft.com/office/drawing/2010/main" w="9525">
-                <a:solidFill>
-                  <a:srgbClr val="000000"/>
-                </a:solidFill>
-                <a:miter lim="800000"/>
-                <a:headEnd/>
-                <a:tailEnd/>
-              </a14:hiddenLine>
-            </a:ext>
-          </a:extLst>
-        </p:spPr>
-        <p:txBody>
-          <a:bodyPr/>
-          <a:lstStyle>
-            <a:lvl1pPr eaLnBrk="0" hangingPunct="0">
-              <a:defRPr sz="3200">
-                <a:solidFill>
-                  <a:schemeClr val="tx1"/>
-                </a:solidFill>
-                <a:latin typeface="Helvetica" panose="020B0604020202020204" pitchFamily="34" charset="0"/>
-                <a:ea typeface="MS PGothic" panose="020B0600070205080204" pitchFamily="34" charset="-128"/>
-              </a:defRPr>
-            </a:lvl1pPr>
-            <a:lvl2pPr marL="742950" indent="-285750" eaLnBrk="0" hangingPunct="0">
-              <a:defRPr sz="3200">
-                <a:solidFill>
-                  <a:schemeClr val="tx1"/>
-                </a:solidFill>
-                <a:latin typeface="Helvetica" panose="020B0604020202020204" pitchFamily="34" charset="0"/>
-                <a:ea typeface="MS PGothic" panose="020B0600070205080204" pitchFamily="34" charset="-128"/>
-              </a:defRPr>
-            </a:lvl2pPr>
-            <a:lvl3pPr marL="1143000" indent="-228600" eaLnBrk="0" hangingPunct="0">
-              <a:defRPr sz="3200">
-                <a:solidFill>
-                  <a:schemeClr val="tx1"/>
-                </a:solidFill>
-                <a:latin typeface="Helvetica" panose="020B0604020202020204" pitchFamily="34" charset="0"/>
-                <a:ea typeface="MS PGothic" panose="020B0600070205080204" pitchFamily="34" charset="-128"/>
-              </a:defRPr>
-            </a:lvl3pPr>
-            <a:lvl4pPr marL="1600200" indent="-228600" eaLnBrk="0" hangingPunct="0">
-              <a:defRPr sz="3200">
-                <a:solidFill>
-                  <a:schemeClr val="tx1"/>
-                </a:solidFill>
-                <a:latin typeface="Helvetica" panose="020B0604020202020204" pitchFamily="34" charset="0"/>
-                <a:ea typeface="MS PGothic" panose="020B0600070205080204" pitchFamily="34" charset="-128"/>
-              </a:defRPr>
-            </a:lvl4pPr>
-            <a:lvl5pPr marL="2057400" indent="-228600" eaLnBrk="0" hangingPunct="0">
-              <a:defRPr sz="3200">
-                <a:solidFill>
-                  <a:schemeClr val="tx1"/>
-                </a:solidFill>
-                <a:latin typeface="Helvetica" panose="020B0604020202020204" pitchFamily="34" charset="0"/>
-                <a:ea typeface="MS PGothic" panose="020B0600070205080204" pitchFamily="34" charset="-128"/>
-              </a:defRPr>
-            </a:lvl5pPr>
-            <a:lvl6pPr marL="2514600" indent="-228600" eaLnBrk="0" fontAlgn="base" hangingPunct="0">
-              <a:spcBef>
-                <a:spcPct val="0"/>
-              </a:spcBef>
-              <a:spcAft>
-                <a:spcPct val="0"/>
-              </a:spcAft>
-              <a:defRPr sz="3200">
-                <a:solidFill>
-                  <a:schemeClr val="tx1"/>
-                </a:solidFill>
-                <a:latin typeface="Helvetica" panose="020B0604020202020204" pitchFamily="34" charset="0"/>
-                <a:ea typeface="MS PGothic" panose="020B0600070205080204" pitchFamily="34" charset="-128"/>
-              </a:defRPr>
-            </a:lvl6pPr>
-            <a:lvl7pPr marL="2971800" indent="-228600" eaLnBrk="0" fontAlgn="base" hangingPunct="0">
-              <a:spcBef>
-                <a:spcPct val="0"/>
-              </a:spcBef>
-              <a:spcAft>
-                <a:spcPct val="0"/>
-              </a:spcAft>
-              <a:defRPr sz="3200">
-                <a:solidFill>
-                  <a:schemeClr val="tx1"/>
-                </a:solidFill>
-                <a:latin typeface="Helvetica" panose="020B0604020202020204" pitchFamily="34" charset="0"/>
-                <a:ea typeface="MS PGothic" panose="020B0600070205080204" pitchFamily="34" charset="-128"/>
-              </a:defRPr>
-            </a:lvl7pPr>
-            <a:lvl8pPr marL="3429000" indent="-228600" eaLnBrk="0" fontAlgn="base" hangingPunct="0">
-              <a:spcBef>
-                <a:spcPct val="0"/>
-              </a:spcBef>
-              <a:spcAft>
-                <a:spcPct val="0"/>
-              </a:spcAft>
-              <a:defRPr sz="3200">
-                <a:solidFill>
-                  <a:schemeClr val="tx1"/>
-                </a:solidFill>
-                <a:latin typeface="Helvetica" panose="020B0604020202020204" pitchFamily="34" charset="0"/>
-                <a:ea typeface="MS PGothic" panose="020B0600070205080204" pitchFamily="34" charset="-128"/>
-              </a:defRPr>
-            </a:lvl8pPr>
-            <a:lvl9pPr marL="3886200" indent="-228600" eaLnBrk="0" fontAlgn="base" hangingPunct="0">
-              <a:spcBef>
-                <a:spcPct val="0"/>
-              </a:spcBef>
-              <a:spcAft>
-                <a:spcPct val="0"/>
-              </a:spcAft>
-              <a:defRPr sz="3200">
-                <a:solidFill>
-                  <a:schemeClr val="tx1"/>
-                </a:solidFill>
-                <a:latin typeface="Helvetica" panose="020B0604020202020204" pitchFamily="34" charset="0"/>
-                <a:ea typeface="MS PGothic" panose="020B0600070205080204" pitchFamily="34" charset="-128"/>
-              </a:defRPr>
-            </a:lvl9pPr>
-          </a:lstStyle>
-          <a:p>
-            <a:pPr eaLnBrk="1" hangingPunct="1"/>
-            <a:fld id="{D2F192C3-E46A-4C3F-82E4-B38CCED5FFF1}" type="slidenum">
-              <a:rPr lang="en-US" altLang="en-US" sz="1200">
-                <a:latin typeface="Calibri" panose="020F0502020204030204" pitchFamily="34" charset="0"/>
-              </a:rPr>
-              <a:pPr eaLnBrk="1" hangingPunct="1"/>
-              <a:t>1</a:t>
-            </a:fld>
-            <a:endParaRPr lang="en-US" altLang="en-US" sz="1200">
-              <a:latin typeface="Calibri" panose="020F0502020204030204" pitchFamily="34" charset="0"/>
-            </a:endParaRPr>
-          </a:p>
-        </p:txBody>
-      </p:sp>
-    </p:spTree>
-    <p:extLst>
-      <p:ext uri="{BB962C8B-B14F-4D97-AF65-F5344CB8AC3E}">
-        <p14:creationId xmlns:p14="http://schemas.microsoft.com/office/powerpoint/2010/main" val="1230698047"/>
-      </p:ext>
-    </p:extLst>
-  </p:cSld>
-  <p:clrMapOvr>
-    <a:masterClrMapping/>
-  </p:clrMapOvr>
-</p:notes>
-</file>
-
-<file path=ppt/notesSlides/notesSlide2.xml><?xml version="1.0" encoding="utf-8"?>
-<p:notes xmlns:a="http://schemas.openxmlformats.org/drawingml/2006/main" xmlns:r="http://schemas.openxmlformats.org/officeDocument/2006/relationships" xmlns:p="http://schemas.openxmlformats.org/presentationml/2006/main">
-  <p:cSld>
-    <p:spTree>
-      <p:nvGrpSpPr>
-        <p:cNvPr id="1" name="">
-          <a:extLst>
-            <a:ext uri="{FF2B5EF4-FFF2-40B4-BE49-F238E27FC236}">
               <a16:creationId xmlns:a16="http://schemas.microsoft.com/office/drawing/2014/main" id="{AC92AEC7-EBC3-78EF-76BD-F3E3353ADC0A}"/>
             </a:ext>
           </a:extLst>
@@ -1124,7 +833,7 @@
                 <a:spcPct val="0"/>
               </a:spcBef>
             </a:pPr>
-            <a:endParaRPr lang="en-US" altLang="en-US" sz="9600">
+            <a:endParaRPr lang="en-US" altLang="en-US" sz="9600" dirty="0">
               <a:solidFill>
                 <a:srgbClr val="000000"/>
               </a:solidFill>
@@ -1286,7 +995,7 @@
                 <a:latin typeface="Calibri" panose="020F0502020204030204" pitchFamily="34" charset="0"/>
               </a:rPr>
               <a:pPr eaLnBrk="1" hangingPunct="1"/>
-              <a:t>2</a:t>
+              <a:t>1</a:t>
             </a:fld>
             <a:endParaRPr lang="en-US" altLang="en-US" sz="1200">
               <a:latin typeface="Calibri" panose="020F0502020204030204" pitchFamily="34" charset="0"/>
@@ -4846,2109 +4555,6 @@
         <p:cNvPr id="1" name="">
           <a:extLst>
             <a:ext uri="{FF2B5EF4-FFF2-40B4-BE49-F238E27FC236}">
-              <a16:creationId xmlns:a16="http://schemas.microsoft.com/office/drawing/2014/main" id="{8C88995E-558A-8074-CE8A-4FBAFCCB95F3}"/>
-            </a:ext>
-          </a:extLst>
-        </p:cNvPr>
-        <p:cNvGrpSpPr/>
-        <p:nvPr/>
-      </p:nvGrpSpPr>
-      <p:grpSpPr>
-        <a:xfrm>
-          <a:off x="0" y="0"/>
-          <a:ext cx="0" cy="0"/>
-          <a:chOff x="0" y="0"/>
-          <a:chExt cx="0" cy="0"/>
-        </a:xfrm>
-      </p:grpSpPr>
-      <p:pic>
-        <p:nvPicPr>
-          <p:cNvPr id="3076" name="Picture 4">
-            <a:extLst>
-              <a:ext uri="{FF2B5EF4-FFF2-40B4-BE49-F238E27FC236}">
-                <a16:creationId xmlns:a16="http://schemas.microsoft.com/office/drawing/2014/main" id="{1ADC2776-E32A-5723-D8FA-78200EAA0FFF}"/>
-              </a:ext>
-            </a:extLst>
-          </p:cNvPr>
-          <p:cNvPicPr>
-            <a:picLocks noChangeAspect="1" noChangeArrowheads="1"/>
-          </p:cNvPicPr>
-          <p:nvPr/>
-        </p:nvPicPr>
-        <p:blipFill>
-          <a:blip r:embed="rId4">
-            <a:extLst>
-              <a:ext uri="{28A0092B-C50C-407E-A947-70E740481C1C}">
-                <a14:useLocalDpi xmlns:a14="http://schemas.microsoft.com/office/drawing/2010/main" val="0"/>
-              </a:ext>
-            </a:extLst>
-          </a:blip>
-          <a:srcRect/>
-          <a:stretch>
-            <a:fillRect/>
-          </a:stretch>
-        </p:blipFill>
-        <p:spPr bwMode="auto">
-          <a:xfrm>
-            <a:off x="-1" y="-15766"/>
-            <a:ext cx="51206401" cy="32028013"/>
-          </a:xfrm>
-          <a:prstGeom prst="rect">
-            <a:avLst/>
-          </a:prstGeom>
-          <a:noFill/>
-          <a:extLst>
-            <a:ext uri="{909E8E84-426E-40DD-AFC4-6F175D3DCCD1}">
-              <a14:hiddenFill xmlns:a14="http://schemas.microsoft.com/office/drawing/2010/main">
-                <a:solidFill>
-                  <a:srgbClr val="FFFFFF"/>
-                </a:solidFill>
-              </a14:hiddenFill>
-            </a:ext>
-          </a:extLst>
-        </p:spPr>
-      </p:pic>
-      <p:sp>
-        <p:nvSpPr>
-          <p:cNvPr id="14339" name="Text Box 7">
-            <a:extLst>
-              <a:ext uri="{FF2B5EF4-FFF2-40B4-BE49-F238E27FC236}">
-                <a16:creationId xmlns:a16="http://schemas.microsoft.com/office/drawing/2014/main" id="{0A748180-70C4-65AA-E340-600EBBB40B09}"/>
-              </a:ext>
-            </a:extLst>
-          </p:cNvPr>
-          <p:cNvSpPr txBox="1">
-            <a:spLocks noChangeArrowheads="1"/>
-          </p:cNvSpPr>
-          <p:nvPr/>
-        </p:nvSpPr>
-        <p:spPr bwMode="auto">
-          <a:xfrm>
-            <a:off x="1763486" y="6929437"/>
-            <a:ext cx="10744427" cy="11300277"/>
-          </a:xfrm>
-          <a:prstGeom prst="rect">
-            <a:avLst/>
-          </a:prstGeom>
-          <a:solidFill>
-            <a:schemeClr val="bg1"/>
-          </a:solidFill>
-          <a:ln w="38100">
-            <a:solidFill>
-              <a:srgbClr val="000000"/>
-            </a:solidFill>
-            <a:round/>
-            <a:headEnd/>
-            <a:tailEnd/>
-          </a:ln>
-        </p:spPr>
-        <p:txBody>
-          <a:bodyPr lIns="914400" tIns="457200" rIns="914400" bIns="914400"/>
-          <a:lstStyle>
-            <a:lvl1pPr eaLnBrk="0" hangingPunct="0">
-              <a:tabLst>
-                <a:tab pos="500063" algn="l"/>
-              </a:tabLst>
-              <a:defRPr sz="3200">
-                <a:solidFill>
-                  <a:schemeClr val="tx1"/>
-                </a:solidFill>
-                <a:latin typeface="Helvetica" panose="020B0604020202020204" pitchFamily="34" charset="0"/>
-                <a:ea typeface="MS PGothic" panose="020B0600070205080204" pitchFamily="34" charset="-128"/>
-              </a:defRPr>
-            </a:lvl1pPr>
-            <a:lvl2pPr marL="742950" indent="-285750" eaLnBrk="0" hangingPunct="0">
-              <a:tabLst>
-                <a:tab pos="500063" algn="l"/>
-              </a:tabLst>
-              <a:defRPr sz="3200">
-                <a:solidFill>
-                  <a:schemeClr val="tx1"/>
-                </a:solidFill>
-                <a:latin typeface="Helvetica" panose="020B0604020202020204" pitchFamily="34" charset="0"/>
-                <a:ea typeface="MS PGothic" panose="020B0600070205080204" pitchFamily="34" charset="-128"/>
-              </a:defRPr>
-            </a:lvl2pPr>
-            <a:lvl3pPr marL="1143000" indent="-228600" eaLnBrk="0" hangingPunct="0">
-              <a:tabLst>
-                <a:tab pos="500063" algn="l"/>
-              </a:tabLst>
-              <a:defRPr sz="3200">
-                <a:solidFill>
-                  <a:schemeClr val="tx1"/>
-                </a:solidFill>
-                <a:latin typeface="Helvetica" panose="020B0604020202020204" pitchFamily="34" charset="0"/>
-                <a:ea typeface="MS PGothic" panose="020B0600070205080204" pitchFamily="34" charset="-128"/>
-              </a:defRPr>
-            </a:lvl3pPr>
-            <a:lvl4pPr marL="1600200" indent="-228600" eaLnBrk="0" hangingPunct="0">
-              <a:tabLst>
-                <a:tab pos="500063" algn="l"/>
-              </a:tabLst>
-              <a:defRPr sz="3200">
-                <a:solidFill>
-                  <a:schemeClr val="tx1"/>
-                </a:solidFill>
-                <a:latin typeface="Helvetica" panose="020B0604020202020204" pitchFamily="34" charset="0"/>
-                <a:ea typeface="MS PGothic" panose="020B0600070205080204" pitchFamily="34" charset="-128"/>
-              </a:defRPr>
-            </a:lvl4pPr>
-            <a:lvl5pPr marL="2057400" indent="-228600" eaLnBrk="0" hangingPunct="0">
-              <a:tabLst>
-                <a:tab pos="500063" algn="l"/>
-              </a:tabLst>
-              <a:defRPr sz="3200">
-                <a:solidFill>
-                  <a:schemeClr val="tx1"/>
-                </a:solidFill>
-                <a:latin typeface="Helvetica" panose="020B0604020202020204" pitchFamily="34" charset="0"/>
-                <a:ea typeface="MS PGothic" panose="020B0600070205080204" pitchFamily="34" charset="-128"/>
-              </a:defRPr>
-            </a:lvl5pPr>
-            <a:lvl6pPr marL="2514600" indent="-228600" eaLnBrk="0" fontAlgn="base" hangingPunct="0">
-              <a:spcBef>
-                <a:spcPct val="0"/>
-              </a:spcBef>
-              <a:spcAft>
-                <a:spcPct val="0"/>
-              </a:spcAft>
-              <a:tabLst>
-                <a:tab pos="500063" algn="l"/>
-              </a:tabLst>
-              <a:defRPr sz="3200">
-                <a:solidFill>
-                  <a:schemeClr val="tx1"/>
-                </a:solidFill>
-                <a:latin typeface="Helvetica" panose="020B0604020202020204" pitchFamily="34" charset="0"/>
-                <a:ea typeface="MS PGothic" panose="020B0600070205080204" pitchFamily="34" charset="-128"/>
-              </a:defRPr>
-            </a:lvl6pPr>
-            <a:lvl7pPr marL="2971800" indent="-228600" eaLnBrk="0" fontAlgn="base" hangingPunct="0">
-              <a:spcBef>
-                <a:spcPct val="0"/>
-              </a:spcBef>
-              <a:spcAft>
-                <a:spcPct val="0"/>
-              </a:spcAft>
-              <a:tabLst>
-                <a:tab pos="500063" algn="l"/>
-              </a:tabLst>
-              <a:defRPr sz="3200">
-                <a:solidFill>
-                  <a:schemeClr val="tx1"/>
-                </a:solidFill>
-                <a:latin typeface="Helvetica" panose="020B0604020202020204" pitchFamily="34" charset="0"/>
-                <a:ea typeface="MS PGothic" panose="020B0600070205080204" pitchFamily="34" charset="-128"/>
-              </a:defRPr>
-            </a:lvl7pPr>
-            <a:lvl8pPr marL="3429000" indent="-228600" eaLnBrk="0" fontAlgn="base" hangingPunct="0">
-              <a:spcBef>
-                <a:spcPct val="0"/>
-              </a:spcBef>
-              <a:spcAft>
-                <a:spcPct val="0"/>
-              </a:spcAft>
-              <a:tabLst>
-                <a:tab pos="500063" algn="l"/>
-              </a:tabLst>
-              <a:defRPr sz="3200">
-                <a:solidFill>
-                  <a:schemeClr val="tx1"/>
-                </a:solidFill>
-                <a:latin typeface="Helvetica" panose="020B0604020202020204" pitchFamily="34" charset="0"/>
-                <a:ea typeface="MS PGothic" panose="020B0600070205080204" pitchFamily="34" charset="-128"/>
-              </a:defRPr>
-            </a:lvl8pPr>
-            <a:lvl9pPr marL="3886200" indent="-228600" eaLnBrk="0" fontAlgn="base" hangingPunct="0">
-              <a:spcBef>
-                <a:spcPct val="0"/>
-              </a:spcBef>
-              <a:spcAft>
-                <a:spcPct val="0"/>
-              </a:spcAft>
-              <a:tabLst>
-                <a:tab pos="500063" algn="l"/>
-              </a:tabLst>
-              <a:defRPr sz="3200">
-                <a:solidFill>
-                  <a:schemeClr val="tx1"/>
-                </a:solidFill>
-                <a:latin typeface="Helvetica" panose="020B0604020202020204" pitchFamily="34" charset="0"/>
-                <a:ea typeface="MS PGothic" panose="020B0600070205080204" pitchFamily="34" charset="-128"/>
-              </a:defRPr>
-            </a:lvl9pPr>
-          </a:lstStyle>
-          <a:p>
-            <a:pPr algn="just" eaLnBrk="1" hangingPunct="1">
-              <a:spcBef>
-                <a:spcPct val="50000"/>
-              </a:spcBef>
-            </a:pPr>
-            <a:r>
-              <a:rPr lang="en-US" altLang="en-US" sz="4800" b="1" dirty="0">
-                <a:latin typeface="Avenir Heavy" pitchFamily="124" charset="0"/>
-              </a:rPr>
-              <a:t>Introduction</a:t>
-            </a:r>
-          </a:p>
-          <a:p>
-            <a:pPr eaLnBrk="1" hangingPunct="1">
-              <a:spcBef>
-                <a:spcPct val="10000"/>
-              </a:spcBef>
-            </a:pPr>
-            <a:endParaRPr lang="en-US" altLang="ja-JP" sz="4800" dirty="0">
-              <a:latin typeface="Avenir Book" pitchFamily="124" charset="0"/>
-            </a:endParaRPr>
-          </a:p>
-          <a:p>
-            <a:pPr eaLnBrk="1" hangingPunct="1">
-              <a:spcBef>
-                <a:spcPct val="10000"/>
-              </a:spcBef>
-            </a:pPr>
-            <a:r>
-              <a:rPr lang="en-US" sz="4000" dirty="0">
-                <a:latin typeface="Avenir Book"/>
-              </a:rPr>
-              <a:t>This project explores how accurately NBA regular season data can predict playoff outcomes using neural networks trained on game-by-game statistics. The goal is to identify patterns in predictive accuracy as the season progresses, uncovering whether certain segments of games better indicate postseason success. By addressing doubts about the regular season’s value, this study offers potential insights to enhance sports analytics, inform league policies, and showcase the dynamic applications of machine learning in real-world scenarios.</a:t>
-            </a:r>
-            <a:endParaRPr lang="en-US" altLang="en-US" sz="4000" dirty="0">
-              <a:latin typeface="Avenir Book"/>
-            </a:endParaRPr>
-          </a:p>
-        </p:txBody>
-      </p:sp>
-      <p:sp>
-        <p:nvSpPr>
-          <p:cNvPr id="14340" name="Text Box 11">
-            <a:extLst>
-              <a:ext uri="{FF2B5EF4-FFF2-40B4-BE49-F238E27FC236}">
-                <a16:creationId xmlns:a16="http://schemas.microsoft.com/office/drawing/2014/main" id="{15C1BDC7-7587-FB19-C59C-76EA155BF4C7}"/>
-              </a:ext>
-            </a:extLst>
-          </p:cNvPr>
-          <p:cNvSpPr txBox="1">
-            <a:spLocks noChangeArrowheads="1"/>
-          </p:cNvSpPr>
-          <p:nvPr/>
-        </p:nvSpPr>
-        <p:spPr bwMode="auto">
-          <a:xfrm>
-            <a:off x="1763486" y="19333028"/>
-            <a:ext cx="10744427" cy="10254343"/>
-          </a:xfrm>
-          <a:prstGeom prst="rect">
-            <a:avLst/>
-          </a:prstGeom>
-          <a:solidFill>
-            <a:schemeClr val="bg1"/>
-          </a:solidFill>
-          <a:ln w="38100">
-            <a:solidFill>
-              <a:srgbClr val="000000"/>
-            </a:solidFill>
-            <a:round/>
-            <a:headEnd/>
-            <a:tailEnd/>
-          </a:ln>
-        </p:spPr>
-        <p:txBody>
-          <a:bodyPr lIns="914400" tIns="457200" rIns="914400" bIns="914400"/>
-          <a:lstStyle>
-            <a:lvl1pPr eaLnBrk="0" hangingPunct="0">
-              <a:tabLst>
-                <a:tab pos="508000" algn="l"/>
-              </a:tabLst>
-              <a:defRPr sz="3200">
-                <a:solidFill>
-                  <a:schemeClr val="tx1"/>
-                </a:solidFill>
-                <a:latin typeface="Helvetica" panose="020B0604020202020204" pitchFamily="34" charset="0"/>
-                <a:ea typeface="MS PGothic" panose="020B0600070205080204" pitchFamily="34" charset="-128"/>
-              </a:defRPr>
-            </a:lvl1pPr>
-            <a:lvl2pPr marL="742950" indent="-285750" eaLnBrk="0" hangingPunct="0">
-              <a:tabLst>
-                <a:tab pos="508000" algn="l"/>
-              </a:tabLst>
-              <a:defRPr sz="3200">
-                <a:solidFill>
-                  <a:schemeClr val="tx1"/>
-                </a:solidFill>
-                <a:latin typeface="Helvetica" panose="020B0604020202020204" pitchFamily="34" charset="0"/>
-                <a:ea typeface="MS PGothic" panose="020B0600070205080204" pitchFamily="34" charset="-128"/>
-              </a:defRPr>
-            </a:lvl2pPr>
-            <a:lvl3pPr marL="1143000" indent="-228600" eaLnBrk="0" hangingPunct="0">
-              <a:tabLst>
-                <a:tab pos="508000" algn="l"/>
-              </a:tabLst>
-              <a:defRPr sz="3200">
-                <a:solidFill>
-                  <a:schemeClr val="tx1"/>
-                </a:solidFill>
-                <a:latin typeface="Helvetica" panose="020B0604020202020204" pitchFamily="34" charset="0"/>
-                <a:ea typeface="MS PGothic" panose="020B0600070205080204" pitchFamily="34" charset="-128"/>
-              </a:defRPr>
-            </a:lvl3pPr>
-            <a:lvl4pPr marL="1600200" indent="-228600" eaLnBrk="0" hangingPunct="0">
-              <a:tabLst>
-                <a:tab pos="508000" algn="l"/>
-              </a:tabLst>
-              <a:defRPr sz="3200">
-                <a:solidFill>
-                  <a:schemeClr val="tx1"/>
-                </a:solidFill>
-                <a:latin typeface="Helvetica" panose="020B0604020202020204" pitchFamily="34" charset="0"/>
-                <a:ea typeface="MS PGothic" panose="020B0600070205080204" pitchFamily="34" charset="-128"/>
-              </a:defRPr>
-            </a:lvl4pPr>
-            <a:lvl5pPr marL="2057400" indent="-228600" eaLnBrk="0" hangingPunct="0">
-              <a:tabLst>
-                <a:tab pos="508000" algn="l"/>
-              </a:tabLst>
-              <a:defRPr sz="3200">
-                <a:solidFill>
-                  <a:schemeClr val="tx1"/>
-                </a:solidFill>
-                <a:latin typeface="Helvetica" panose="020B0604020202020204" pitchFamily="34" charset="0"/>
-                <a:ea typeface="MS PGothic" panose="020B0600070205080204" pitchFamily="34" charset="-128"/>
-              </a:defRPr>
-            </a:lvl5pPr>
-            <a:lvl6pPr marL="2514600" indent="-228600" eaLnBrk="0" fontAlgn="base" hangingPunct="0">
-              <a:spcBef>
-                <a:spcPct val="0"/>
-              </a:spcBef>
-              <a:spcAft>
-                <a:spcPct val="0"/>
-              </a:spcAft>
-              <a:tabLst>
-                <a:tab pos="508000" algn="l"/>
-              </a:tabLst>
-              <a:defRPr sz="3200">
-                <a:solidFill>
-                  <a:schemeClr val="tx1"/>
-                </a:solidFill>
-                <a:latin typeface="Helvetica" panose="020B0604020202020204" pitchFamily="34" charset="0"/>
-                <a:ea typeface="MS PGothic" panose="020B0600070205080204" pitchFamily="34" charset="-128"/>
-              </a:defRPr>
-            </a:lvl6pPr>
-            <a:lvl7pPr marL="2971800" indent="-228600" eaLnBrk="0" fontAlgn="base" hangingPunct="0">
-              <a:spcBef>
-                <a:spcPct val="0"/>
-              </a:spcBef>
-              <a:spcAft>
-                <a:spcPct val="0"/>
-              </a:spcAft>
-              <a:tabLst>
-                <a:tab pos="508000" algn="l"/>
-              </a:tabLst>
-              <a:defRPr sz="3200">
-                <a:solidFill>
-                  <a:schemeClr val="tx1"/>
-                </a:solidFill>
-                <a:latin typeface="Helvetica" panose="020B0604020202020204" pitchFamily="34" charset="0"/>
-                <a:ea typeface="MS PGothic" panose="020B0600070205080204" pitchFamily="34" charset="-128"/>
-              </a:defRPr>
-            </a:lvl7pPr>
-            <a:lvl8pPr marL="3429000" indent="-228600" eaLnBrk="0" fontAlgn="base" hangingPunct="0">
-              <a:spcBef>
-                <a:spcPct val="0"/>
-              </a:spcBef>
-              <a:spcAft>
-                <a:spcPct val="0"/>
-              </a:spcAft>
-              <a:tabLst>
-                <a:tab pos="508000" algn="l"/>
-              </a:tabLst>
-              <a:defRPr sz="3200">
-                <a:solidFill>
-                  <a:schemeClr val="tx1"/>
-                </a:solidFill>
-                <a:latin typeface="Helvetica" panose="020B0604020202020204" pitchFamily="34" charset="0"/>
-                <a:ea typeface="MS PGothic" panose="020B0600070205080204" pitchFamily="34" charset="-128"/>
-              </a:defRPr>
-            </a:lvl8pPr>
-            <a:lvl9pPr marL="3886200" indent="-228600" eaLnBrk="0" fontAlgn="base" hangingPunct="0">
-              <a:spcBef>
-                <a:spcPct val="0"/>
-              </a:spcBef>
-              <a:spcAft>
-                <a:spcPct val="0"/>
-              </a:spcAft>
-              <a:tabLst>
-                <a:tab pos="508000" algn="l"/>
-              </a:tabLst>
-              <a:defRPr sz="3200">
-                <a:solidFill>
-                  <a:schemeClr val="tx1"/>
-                </a:solidFill>
-                <a:latin typeface="Helvetica" panose="020B0604020202020204" pitchFamily="34" charset="0"/>
-                <a:ea typeface="MS PGothic" panose="020B0600070205080204" pitchFamily="34" charset="-128"/>
-              </a:defRPr>
-            </a:lvl9pPr>
-          </a:lstStyle>
-          <a:p>
-            <a:pPr algn="just" eaLnBrk="1" hangingPunct="1">
-              <a:spcBef>
-                <a:spcPct val="50000"/>
-              </a:spcBef>
-            </a:pPr>
-            <a:r>
-              <a:rPr lang="en-US" altLang="en-US" sz="4800" b="1" dirty="0">
-                <a:solidFill>
-                  <a:srgbClr val="000000"/>
-                </a:solidFill>
-                <a:latin typeface="Avenir Heavy" pitchFamily="124" charset="0"/>
-              </a:rPr>
-              <a:t>Data Processing</a:t>
-            </a:r>
-            <a:endParaRPr lang="en-US" altLang="en-US" sz="4800" dirty="0">
-              <a:latin typeface="Avenir Book" pitchFamily="124" charset="0"/>
-            </a:endParaRPr>
-          </a:p>
-          <a:p>
-            <a:pPr eaLnBrk="1" hangingPunct="1">
-              <a:spcBef>
-                <a:spcPct val="10000"/>
-              </a:spcBef>
-            </a:pPr>
-            <a:endParaRPr lang="en-US" altLang="en-US" sz="4800" dirty="0">
-              <a:latin typeface="Avenir Book" pitchFamily="124" charset="0"/>
-            </a:endParaRPr>
-          </a:p>
-          <a:p>
-            <a:pPr eaLnBrk="1" hangingPunct="1">
-              <a:spcBef>
-                <a:spcPct val="10000"/>
-              </a:spcBef>
-            </a:pPr>
-            <a:r>
-              <a:rPr lang="en-US" altLang="en-US" sz="4800" dirty="0">
-                <a:latin typeface="Avenir Book" pitchFamily="124" charset="0"/>
-              </a:rPr>
-              <a:t>Four sentences max. </a:t>
-            </a:r>
-          </a:p>
-          <a:p>
-            <a:pPr eaLnBrk="1" hangingPunct="1">
-              <a:spcBef>
-                <a:spcPct val="10000"/>
-              </a:spcBef>
-            </a:pPr>
-            <a:endParaRPr lang="en-US" altLang="en-US" sz="4800" dirty="0">
-              <a:latin typeface="Avenir Book" pitchFamily="124" charset="0"/>
-            </a:endParaRPr>
-          </a:p>
-          <a:p>
-            <a:pPr eaLnBrk="1" hangingPunct="1">
-              <a:spcBef>
-                <a:spcPct val="10000"/>
-              </a:spcBef>
-            </a:pPr>
-            <a:r>
-              <a:rPr lang="en-US" altLang="en-US" sz="4800" dirty="0">
-                <a:latin typeface="Avenir Book" pitchFamily="124" charset="0"/>
-              </a:rPr>
-              <a:t>If viewer truly wants to know gruesome details, they’ll ask or email you. </a:t>
-            </a:r>
-          </a:p>
-          <a:p>
-            <a:pPr eaLnBrk="1" hangingPunct="1">
-              <a:spcBef>
-                <a:spcPct val="10000"/>
-              </a:spcBef>
-            </a:pPr>
-            <a:endParaRPr lang="en-US" altLang="en-US" sz="4800" dirty="0">
-              <a:latin typeface="Avenir Book" pitchFamily="124" charset="0"/>
-            </a:endParaRPr>
-          </a:p>
-          <a:p>
-            <a:pPr eaLnBrk="1" hangingPunct="1">
-              <a:spcBef>
-                <a:spcPct val="10000"/>
-              </a:spcBef>
-            </a:pPr>
-            <a:r>
-              <a:rPr lang="en-US" altLang="en-US" sz="4800" dirty="0">
-                <a:latin typeface="Avenir Book" pitchFamily="124" charset="0"/>
-              </a:rPr>
-              <a:t>Sometimes adding a pic is good. </a:t>
-            </a:r>
-          </a:p>
-          <a:p>
-            <a:pPr eaLnBrk="1" hangingPunct="1">
-              <a:spcBef>
-                <a:spcPct val="10000"/>
-              </a:spcBef>
-            </a:pPr>
-            <a:endParaRPr lang="en-US" altLang="en-US" sz="4800" dirty="0">
-              <a:latin typeface="Avenir Book" pitchFamily="124" charset="0"/>
-            </a:endParaRPr>
-          </a:p>
-        </p:txBody>
-      </p:sp>
-      <p:sp>
-        <p:nvSpPr>
-          <p:cNvPr id="14341" name="Text Box 12">
-            <a:extLst>
-              <a:ext uri="{FF2B5EF4-FFF2-40B4-BE49-F238E27FC236}">
-                <a16:creationId xmlns:a16="http://schemas.microsoft.com/office/drawing/2014/main" id="{1C4C186A-44F2-BD7C-0303-A600CC4471D7}"/>
-              </a:ext>
-            </a:extLst>
-          </p:cNvPr>
-          <p:cNvSpPr txBox="1">
-            <a:spLocks noChangeArrowheads="1"/>
-          </p:cNvSpPr>
-          <p:nvPr/>
-        </p:nvSpPr>
-        <p:spPr bwMode="auto">
-          <a:xfrm>
-            <a:off x="13822363" y="6908800"/>
-            <a:ext cx="23347362" cy="22678571"/>
-          </a:xfrm>
-          <a:prstGeom prst="rect">
-            <a:avLst/>
-          </a:prstGeom>
-          <a:solidFill>
-            <a:schemeClr val="bg1"/>
-          </a:solidFill>
-          <a:ln w="38100">
-            <a:solidFill>
-              <a:srgbClr val="000000"/>
-            </a:solidFill>
-            <a:round/>
-            <a:headEnd/>
-            <a:tailEnd/>
-          </a:ln>
-        </p:spPr>
-        <p:txBody>
-          <a:bodyPr lIns="914400" tIns="457200" rIns="914400" bIns="914400"/>
-          <a:lstStyle>
-            <a:lvl1pPr eaLnBrk="0" hangingPunct="0">
-              <a:tabLst>
-                <a:tab pos="500063" algn="l"/>
-              </a:tabLst>
-              <a:defRPr sz="3200">
-                <a:solidFill>
-                  <a:schemeClr val="tx1"/>
-                </a:solidFill>
-                <a:latin typeface="Helvetica" panose="020B0604020202020204" pitchFamily="34" charset="0"/>
-                <a:ea typeface="MS PGothic" panose="020B0600070205080204" pitchFamily="34" charset="-128"/>
-              </a:defRPr>
-            </a:lvl1pPr>
-            <a:lvl2pPr marL="742950" indent="-285750" eaLnBrk="0" hangingPunct="0">
-              <a:tabLst>
-                <a:tab pos="500063" algn="l"/>
-              </a:tabLst>
-              <a:defRPr sz="3200">
-                <a:solidFill>
-                  <a:schemeClr val="tx1"/>
-                </a:solidFill>
-                <a:latin typeface="Helvetica" panose="020B0604020202020204" pitchFamily="34" charset="0"/>
-                <a:ea typeface="MS PGothic" panose="020B0600070205080204" pitchFamily="34" charset="-128"/>
-              </a:defRPr>
-            </a:lvl2pPr>
-            <a:lvl3pPr marL="1143000" indent="-228600" eaLnBrk="0" hangingPunct="0">
-              <a:tabLst>
-                <a:tab pos="500063" algn="l"/>
-              </a:tabLst>
-              <a:defRPr sz="3200">
-                <a:solidFill>
-                  <a:schemeClr val="tx1"/>
-                </a:solidFill>
-                <a:latin typeface="Helvetica" panose="020B0604020202020204" pitchFamily="34" charset="0"/>
-                <a:ea typeface="MS PGothic" panose="020B0600070205080204" pitchFamily="34" charset="-128"/>
-              </a:defRPr>
-            </a:lvl3pPr>
-            <a:lvl4pPr marL="1600200" indent="-228600" eaLnBrk="0" hangingPunct="0">
-              <a:tabLst>
-                <a:tab pos="500063" algn="l"/>
-              </a:tabLst>
-              <a:defRPr sz="3200">
-                <a:solidFill>
-                  <a:schemeClr val="tx1"/>
-                </a:solidFill>
-                <a:latin typeface="Helvetica" panose="020B0604020202020204" pitchFamily="34" charset="0"/>
-                <a:ea typeface="MS PGothic" panose="020B0600070205080204" pitchFamily="34" charset="-128"/>
-              </a:defRPr>
-            </a:lvl4pPr>
-            <a:lvl5pPr marL="2057400" indent="-228600" eaLnBrk="0" hangingPunct="0">
-              <a:tabLst>
-                <a:tab pos="500063" algn="l"/>
-              </a:tabLst>
-              <a:defRPr sz="3200">
-                <a:solidFill>
-                  <a:schemeClr val="tx1"/>
-                </a:solidFill>
-                <a:latin typeface="Helvetica" panose="020B0604020202020204" pitchFamily="34" charset="0"/>
-                <a:ea typeface="MS PGothic" panose="020B0600070205080204" pitchFamily="34" charset="-128"/>
-              </a:defRPr>
-            </a:lvl5pPr>
-            <a:lvl6pPr marL="2514600" indent="-228600" eaLnBrk="0" fontAlgn="base" hangingPunct="0">
-              <a:spcBef>
-                <a:spcPct val="0"/>
-              </a:spcBef>
-              <a:spcAft>
-                <a:spcPct val="0"/>
-              </a:spcAft>
-              <a:tabLst>
-                <a:tab pos="500063" algn="l"/>
-              </a:tabLst>
-              <a:defRPr sz="3200">
-                <a:solidFill>
-                  <a:schemeClr val="tx1"/>
-                </a:solidFill>
-                <a:latin typeface="Helvetica" panose="020B0604020202020204" pitchFamily="34" charset="0"/>
-                <a:ea typeface="MS PGothic" panose="020B0600070205080204" pitchFamily="34" charset="-128"/>
-              </a:defRPr>
-            </a:lvl6pPr>
-            <a:lvl7pPr marL="2971800" indent="-228600" eaLnBrk="0" fontAlgn="base" hangingPunct="0">
-              <a:spcBef>
-                <a:spcPct val="0"/>
-              </a:spcBef>
-              <a:spcAft>
-                <a:spcPct val="0"/>
-              </a:spcAft>
-              <a:tabLst>
-                <a:tab pos="500063" algn="l"/>
-              </a:tabLst>
-              <a:defRPr sz="3200">
-                <a:solidFill>
-                  <a:schemeClr val="tx1"/>
-                </a:solidFill>
-                <a:latin typeface="Helvetica" panose="020B0604020202020204" pitchFamily="34" charset="0"/>
-                <a:ea typeface="MS PGothic" panose="020B0600070205080204" pitchFamily="34" charset="-128"/>
-              </a:defRPr>
-            </a:lvl7pPr>
-            <a:lvl8pPr marL="3429000" indent="-228600" eaLnBrk="0" fontAlgn="base" hangingPunct="0">
-              <a:spcBef>
-                <a:spcPct val="0"/>
-              </a:spcBef>
-              <a:spcAft>
-                <a:spcPct val="0"/>
-              </a:spcAft>
-              <a:tabLst>
-                <a:tab pos="500063" algn="l"/>
-              </a:tabLst>
-              <a:defRPr sz="3200">
-                <a:solidFill>
-                  <a:schemeClr val="tx1"/>
-                </a:solidFill>
-                <a:latin typeface="Helvetica" panose="020B0604020202020204" pitchFamily="34" charset="0"/>
-                <a:ea typeface="MS PGothic" panose="020B0600070205080204" pitchFamily="34" charset="-128"/>
-              </a:defRPr>
-            </a:lvl8pPr>
-            <a:lvl9pPr marL="3886200" indent="-228600" eaLnBrk="0" fontAlgn="base" hangingPunct="0">
-              <a:spcBef>
-                <a:spcPct val="0"/>
-              </a:spcBef>
-              <a:spcAft>
-                <a:spcPct val="0"/>
-              </a:spcAft>
-              <a:tabLst>
-                <a:tab pos="500063" algn="l"/>
-              </a:tabLst>
-              <a:defRPr sz="3200">
-                <a:solidFill>
-                  <a:schemeClr val="tx1"/>
-                </a:solidFill>
-                <a:latin typeface="Helvetica" panose="020B0604020202020204" pitchFamily="34" charset="0"/>
-                <a:ea typeface="MS PGothic" panose="020B0600070205080204" pitchFamily="34" charset="-128"/>
-              </a:defRPr>
-            </a:lvl9pPr>
-          </a:lstStyle>
-          <a:p>
-            <a:pPr algn="just" eaLnBrk="1" hangingPunct="1"/>
-            <a:r>
-              <a:rPr lang="en-US" altLang="en-US" sz="4800" b="1" dirty="0">
-                <a:solidFill>
-                  <a:srgbClr val="000000"/>
-                </a:solidFill>
-                <a:latin typeface="Avenir Heavy" pitchFamily="124" charset="0"/>
-              </a:rPr>
-              <a:t>Results</a:t>
-            </a:r>
-          </a:p>
-          <a:p>
-            <a:pPr eaLnBrk="1" hangingPunct="1">
-              <a:spcBef>
-                <a:spcPts val="500"/>
-              </a:spcBef>
-            </a:pPr>
-            <a:endParaRPr lang="en-US" altLang="ja-JP" sz="4800" dirty="0">
-              <a:latin typeface="Avenir Book" pitchFamily="124" charset="0"/>
-            </a:endParaRPr>
-          </a:p>
-          <a:p>
-            <a:pPr eaLnBrk="1" hangingPunct="1">
-              <a:spcBef>
-                <a:spcPts val="500"/>
-              </a:spcBef>
-            </a:pPr>
-            <a:r>
-              <a:rPr lang="en-US" altLang="ja-JP" sz="4800" dirty="0">
-                <a:latin typeface="Avenir Book" pitchFamily="124" charset="0"/>
-              </a:rPr>
-              <a:t>Highlight your LARGE photographs, charts, maps, or in this central arena.</a:t>
-            </a:r>
-          </a:p>
-          <a:p>
-            <a:pPr eaLnBrk="1" hangingPunct="1">
-              <a:spcBef>
-                <a:spcPts val="500"/>
-              </a:spcBef>
-            </a:pPr>
-            <a:endParaRPr lang="en-US" altLang="ja-JP" sz="4800" dirty="0">
-              <a:latin typeface="Avenir Book" pitchFamily="124" charset="0"/>
-            </a:endParaRPr>
-          </a:p>
-          <a:p>
-            <a:pPr eaLnBrk="1" hangingPunct="1">
-              <a:spcBef>
-                <a:spcPts val="500"/>
-              </a:spcBef>
-            </a:pPr>
-            <a:r>
-              <a:rPr lang="en-US" altLang="ja-JP" sz="4800" dirty="0">
-                <a:latin typeface="Avenir Book" pitchFamily="124" charset="0"/>
-              </a:rPr>
-              <a:t>Don’t include every graphic you’ve made that relates to project. Choose one. Or two. And separate graphics with plenty of white space. </a:t>
-            </a:r>
-          </a:p>
-          <a:p>
-            <a:pPr eaLnBrk="1" hangingPunct="1">
-              <a:spcBef>
-                <a:spcPts val="500"/>
-              </a:spcBef>
-            </a:pPr>
-            <a:endParaRPr lang="en-US" altLang="ja-JP" sz="4800" dirty="0">
-              <a:latin typeface="Avenir Book" pitchFamily="124" charset="0"/>
-            </a:endParaRPr>
-          </a:p>
-          <a:p>
-            <a:pPr eaLnBrk="1" hangingPunct="1">
-              <a:spcBef>
-                <a:spcPts val="500"/>
-              </a:spcBef>
-            </a:pPr>
-            <a:endParaRPr lang="en-US" altLang="ja-JP" sz="4800" dirty="0">
-              <a:latin typeface="Avenir Book" pitchFamily="124" charset="0"/>
-            </a:endParaRPr>
-          </a:p>
-          <a:p>
-            <a:pPr eaLnBrk="1" hangingPunct="1">
-              <a:spcBef>
-                <a:spcPts val="500"/>
-              </a:spcBef>
-            </a:pPr>
-            <a:endParaRPr lang="en-US" altLang="ja-JP" sz="4800" dirty="0">
-              <a:latin typeface="Avenir Book" pitchFamily="124" charset="0"/>
-            </a:endParaRPr>
-          </a:p>
-          <a:p>
-            <a:pPr eaLnBrk="1" hangingPunct="1">
-              <a:spcBef>
-                <a:spcPts val="500"/>
-              </a:spcBef>
-            </a:pPr>
-            <a:endParaRPr lang="en-US" altLang="ja-JP" sz="4800" dirty="0">
-              <a:latin typeface="Avenir Book" pitchFamily="124" charset="0"/>
-            </a:endParaRPr>
-          </a:p>
-          <a:p>
-            <a:pPr eaLnBrk="1" hangingPunct="1">
-              <a:spcBef>
-                <a:spcPts val="500"/>
-              </a:spcBef>
-            </a:pPr>
-            <a:endParaRPr lang="en-US" altLang="ja-JP" sz="4800" dirty="0">
-              <a:latin typeface="Avenir Book" pitchFamily="124" charset="0"/>
-            </a:endParaRPr>
-          </a:p>
-          <a:p>
-            <a:pPr eaLnBrk="1" hangingPunct="1">
-              <a:spcBef>
-                <a:spcPts val="500"/>
-              </a:spcBef>
-            </a:pPr>
-            <a:endParaRPr lang="en-US" altLang="ja-JP" sz="4800" dirty="0">
-              <a:latin typeface="Avenir Book" pitchFamily="124" charset="0"/>
-            </a:endParaRPr>
-          </a:p>
-          <a:p>
-            <a:pPr eaLnBrk="1" hangingPunct="1">
-              <a:spcBef>
-                <a:spcPts val="500"/>
-              </a:spcBef>
-            </a:pPr>
-            <a:endParaRPr lang="en-US" altLang="ja-JP" sz="4800" dirty="0">
-              <a:latin typeface="Avenir Book" pitchFamily="124" charset="0"/>
-            </a:endParaRPr>
-          </a:p>
-          <a:p>
-            <a:pPr eaLnBrk="1" hangingPunct="1">
-              <a:spcBef>
-                <a:spcPts val="500"/>
-              </a:spcBef>
-            </a:pPr>
-            <a:endParaRPr lang="en-US" altLang="ja-JP" sz="4800" dirty="0">
-              <a:latin typeface="Avenir Book" pitchFamily="124" charset="0"/>
-            </a:endParaRPr>
-          </a:p>
-          <a:p>
-            <a:pPr eaLnBrk="1" hangingPunct="1">
-              <a:spcBef>
-                <a:spcPts val="500"/>
-              </a:spcBef>
-            </a:pPr>
-            <a:endParaRPr lang="en-US" altLang="ja-JP" sz="4800" dirty="0">
-              <a:latin typeface="Avenir Book" pitchFamily="124" charset="0"/>
-            </a:endParaRPr>
-          </a:p>
-          <a:p>
-            <a:pPr eaLnBrk="1" hangingPunct="1">
-              <a:spcBef>
-                <a:spcPts val="500"/>
-              </a:spcBef>
-            </a:pPr>
-            <a:endParaRPr lang="en-US" altLang="ja-JP" sz="4800" dirty="0">
-              <a:latin typeface="Avenir Book" pitchFamily="124" charset="0"/>
-            </a:endParaRPr>
-          </a:p>
-          <a:p>
-            <a:pPr eaLnBrk="1" hangingPunct="1">
-              <a:spcBef>
-                <a:spcPts val="500"/>
-              </a:spcBef>
-            </a:pPr>
-            <a:r>
-              <a:rPr lang="en-US" altLang="ja-JP" sz="4800" dirty="0">
-                <a:latin typeface="Avenir Book" pitchFamily="124" charset="0"/>
-              </a:rPr>
-              <a:t>Annotate graphics with arrows and callout boxes so that viewer is </a:t>
-            </a:r>
-            <a:r>
-              <a:rPr lang="en-US" altLang="ja-JP" sz="4800" b="1" dirty="0">
-                <a:latin typeface="Avenir Heavy" pitchFamily="124" charset="0"/>
-              </a:rPr>
-              <a:t>visually</a:t>
-            </a:r>
-            <a:r>
-              <a:rPr lang="en-US" altLang="ja-JP" sz="4800" b="1" dirty="0">
-                <a:latin typeface="Avenir Book" pitchFamily="124" charset="0"/>
-              </a:rPr>
-              <a:t> led</a:t>
-            </a:r>
-            <a:r>
-              <a:rPr lang="en-US" altLang="ja-JP" sz="4800" dirty="0">
-                <a:latin typeface="Avenir Book" pitchFamily="124" charset="0"/>
-              </a:rPr>
-              <a:t> through how hypothesis is addressed. The goal is to enable viewers to understand the logic behind your conclusions </a:t>
-            </a:r>
-            <a:r>
-              <a:rPr lang="en-US" altLang="ja-JP" sz="4800" i="1" dirty="0">
-                <a:latin typeface="Avenir Book" pitchFamily="124" charset="0"/>
-              </a:rPr>
-              <a:t>without you needing to be there</a:t>
-            </a:r>
-            <a:r>
-              <a:rPr lang="en-US" altLang="ja-JP" sz="4800" dirty="0">
-                <a:latin typeface="Avenir Book" pitchFamily="124" charset="0"/>
-              </a:rPr>
-              <a:t>.</a:t>
-            </a:r>
-          </a:p>
-          <a:p>
-            <a:pPr eaLnBrk="1" hangingPunct="1">
-              <a:spcBef>
-                <a:spcPts val="500"/>
-              </a:spcBef>
-            </a:pPr>
-            <a:endParaRPr lang="en-US" altLang="ja-JP" sz="4800" dirty="0">
-              <a:latin typeface="Avenir Book" pitchFamily="124" charset="0"/>
-            </a:endParaRPr>
-          </a:p>
-          <a:p>
-            <a:pPr eaLnBrk="1" hangingPunct="1">
-              <a:spcBef>
-                <a:spcPts val="500"/>
-              </a:spcBef>
-            </a:pPr>
-            <a:r>
-              <a:rPr lang="en-US" altLang="ja-JP" sz="4800" dirty="0">
-                <a:latin typeface="Avenir Book" pitchFamily="124" charset="0"/>
-              </a:rPr>
-              <a:t>Keep font size of all text (even graph labels) as big or bigger than in rest of poster. </a:t>
-            </a:r>
-          </a:p>
-          <a:p>
-            <a:pPr eaLnBrk="1" hangingPunct="1">
-              <a:spcBef>
-                <a:spcPct val="50000"/>
-              </a:spcBef>
-            </a:pPr>
-            <a:endParaRPr lang="en-US" altLang="en-US" sz="4800" dirty="0">
-              <a:solidFill>
-                <a:schemeClr val="accent2"/>
-              </a:solidFill>
-              <a:latin typeface="Avenir Book" pitchFamily="124" charset="0"/>
-            </a:endParaRPr>
-          </a:p>
-          <a:p>
-            <a:pPr eaLnBrk="1" hangingPunct="1">
-              <a:spcBef>
-                <a:spcPct val="50000"/>
-              </a:spcBef>
-            </a:pPr>
-            <a:endParaRPr lang="en-US" altLang="en-US" sz="2800" i="1" dirty="0">
-              <a:solidFill>
-                <a:schemeClr val="accent2"/>
-              </a:solidFill>
-              <a:latin typeface="Avenir Book" pitchFamily="124" charset="0"/>
-            </a:endParaRPr>
-          </a:p>
-        </p:txBody>
-      </p:sp>
-      <p:sp>
-        <p:nvSpPr>
-          <p:cNvPr id="14342" name="Text Box 13">
-            <a:extLst>
-              <a:ext uri="{FF2B5EF4-FFF2-40B4-BE49-F238E27FC236}">
-                <a16:creationId xmlns:a16="http://schemas.microsoft.com/office/drawing/2014/main" id="{C5BAEFC1-27C5-0A7A-0E2A-EA3B2784CD09}"/>
-              </a:ext>
-            </a:extLst>
-          </p:cNvPr>
-          <p:cNvSpPr txBox="1">
-            <a:spLocks noChangeArrowheads="1"/>
-          </p:cNvSpPr>
-          <p:nvPr/>
-        </p:nvSpPr>
-        <p:spPr bwMode="auto">
-          <a:xfrm>
-            <a:off x="38598475" y="6902450"/>
-            <a:ext cx="10811782" cy="9242425"/>
-          </a:xfrm>
-          <a:prstGeom prst="rect">
-            <a:avLst/>
-          </a:prstGeom>
-          <a:solidFill>
-            <a:schemeClr val="bg1"/>
-          </a:solidFill>
-          <a:ln w="38100">
-            <a:solidFill>
-              <a:srgbClr val="000000"/>
-            </a:solidFill>
-            <a:round/>
-            <a:headEnd/>
-            <a:tailEnd/>
-          </a:ln>
-        </p:spPr>
-        <p:txBody>
-          <a:bodyPr lIns="914400" tIns="457200" rIns="914400" bIns="914400"/>
-          <a:lstStyle>
-            <a:lvl1pPr eaLnBrk="0" hangingPunct="0">
-              <a:tabLst>
-                <a:tab pos="635000" algn="l"/>
-              </a:tabLst>
-              <a:defRPr sz="3200">
-                <a:solidFill>
-                  <a:schemeClr val="tx1"/>
-                </a:solidFill>
-                <a:latin typeface="Helvetica" panose="020B0604020202020204" pitchFamily="34" charset="0"/>
-                <a:ea typeface="MS PGothic" panose="020B0600070205080204" pitchFamily="34" charset="-128"/>
-              </a:defRPr>
-            </a:lvl1pPr>
-            <a:lvl2pPr marL="742950" indent="-285750" eaLnBrk="0" hangingPunct="0">
-              <a:tabLst>
-                <a:tab pos="635000" algn="l"/>
-              </a:tabLst>
-              <a:defRPr sz="3200">
-                <a:solidFill>
-                  <a:schemeClr val="tx1"/>
-                </a:solidFill>
-                <a:latin typeface="Helvetica" panose="020B0604020202020204" pitchFamily="34" charset="0"/>
-                <a:ea typeface="MS PGothic" panose="020B0600070205080204" pitchFamily="34" charset="-128"/>
-              </a:defRPr>
-            </a:lvl2pPr>
-            <a:lvl3pPr marL="1143000" indent="-228600" eaLnBrk="0" hangingPunct="0">
-              <a:tabLst>
-                <a:tab pos="635000" algn="l"/>
-              </a:tabLst>
-              <a:defRPr sz="3200">
-                <a:solidFill>
-                  <a:schemeClr val="tx1"/>
-                </a:solidFill>
-                <a:latin typeface="Helvetica" panose="020B0604020202020204" pitchFamily="34" charset="0"/>
-                <a:ea typeface="MS PGothic" panose="020B0600070205080204" pitchFamily="34" charset="-128"/>
-              </a:defRPr>
-            </a:lvl3pPr>
-            <a:lvl4pPr marL="1600200" indent="-228600" eaLnBrk="0" hangingPunct="0">
-              <a:tabLst>
-                <a:tab pos="635000" algn="l"/>
-              </a:tabLst>
-              <a:defRPr sz="3200">
-                <a:solidFill>
-                  <a:schemeClr val="tx1"/>
-                </a:solidFill>
-                <a:latin typeface="Helvetica" panose="020B0604020202020204" pitchFamily="34" charset="0"/>
-                <a:ea typeface="MS PGothic" panose="020B0600070205080204" pitchFamily="34" charset="-128"/>
-              </a:defRPr>
-            </a:lvl4pPr>
-            <a:lvl5pPr marL="2057400" indent="-228600" eaLnBrk="0" hangingPunct="0">
-              <a:tabLst>
-                <a:tab pos="635000" algn="l"/>
-              </a:tabLst>
-              <a:defRPr sz="3200">
-                <a:solidFill>
-                  <a:schemeClr val="tx1"/>
-                </a:solidFill>
-                <a:latin typeface="Helvetica" panose="020B0604020202020204" pitchFamily="34" charset="0"/>
-                <a:ea typeface="MS PGothic" panose="020B0600070205080204" pitchFamily="34" charset="-128"/>
-              </a:defRPr>
-            </a:lvl5pPr>
-            <a:lvl6pPr marL="2514600" indent="-228600" eaLnBrk="0" fontAlgn="base" hangingPunct="0">
-              <a:spcBef>
-                <a:spcPct val="0"/>
-              </a:spcBef>
-              <a:spcAft>
-                <a:spcPct val="0"/>
-              </a:spcAft>
-              <a:tabLst>
-                <a:tab pos="635000" algn="l"/>
-              </a:tabLst>
-              <a:defRPr sz="3200">
-                <a:solidFill>
-                  <a:schemeClr val="tx1"/>
-                </a:solidFill>
-                <a:latin typeface="Helvetica" panose="020B0604020202020204" pitchFamily="34" charset="0"/>
-                <a:ea typeface="MS PGothic" panose="020B0600070205080204" pitchFamily="34" charset="-128"/>
-              </a:defRPr>
-            </a:lvl6pPr>
-            <a:lvl7pPr marL="2971800" indent="-228600" eaLnBrk="0" fontAlgn="base" hangingPunct="0">
-              <a:spcBef>
-                <a:spcPct val="0"/>
-              </a:spcBef>
-              <a:spcAft>
-                <a:spcPct val="0"/>
-              </a:spcAft>
-              <a:tabLst>
-                <a:tab pos="635000" algn="l"/>
-              </a:tabLst>
-              <a:defRPr sz="3200">
-                <a:solidFill>
-                  <a:schemeClr val="tx1"/>
-                </a:solidFill>
-                <a:latin typeface="Helvetica" panose="020B0604020202020204" pitchFamily="34" charset="0"/>
-                <a:ea typeface="MS PGothic" panose="020B0600070205080204" pitchFamily="34" charset="-128"/>
-              </a:defRPr>
-            </a:lvl7pPr>
-            <a:lvl8pPr marL="3429000" indent="-228600" eaLnBrk="0" fontAlgn="base" hangingPunct="0">
-              <a:spcBef>
-                <a:spcPct val="0"/>
-              </a:spcBef>
-              <a:spcAft>
-                <a:spcPct val="0"/>
-              </a:spcAft>
-              <a:tabLst>
-                <a:tab pos="635000" algn="l"/>
-              </a:tabLst>
-              <a:defRPr sz="3200">
-                <a:solidFill>
-                  <a:schemeClr val="tx1"/>
-                </a:solidFill>
-                <a:latin typeface="Helvetica" panose="020B0604020202020204" pitchFamily="34" charset="0"/>
-                <a:ea typeface="MS PGothic" panose="020B0600070205080204" pitchFamily="34" charset="-128"/>
-              </a:defRPr>
-            </a:lvl8pPr>
-            <a:lvl9pPr marL="3886200" indent="-228600" eaLnBrk="0" fontAlgn="base" hangingPunct="0">
-              <a:spcBef>
-                <a:spcPct val="0"/>
-              </a:spcBef>
-              <a:spcAft>
-                <a:spcPct val="0"/>
-              </a:spcAft>
-              <a:tabLst>
-                <a:tab pos="635000" algn="l"/>
-              </a:tabLst>
-              <a:defRPr sz="3200">
-                <a:solidFill>
-                  <a:schemeClr val="tx1"/>
-                </a:solidFill>
-                <a:latin typeface="Helvetica" panose="020B0604020202020204" pitchFamily="34" charset="0"/>
-                <a:ea typeface="MS PGothic" panose="020B0600070205080204" pitchFamily="34" charset="-128"/>
-              </a:defRPr>
-            </a:lvl9pPr>
-          </a:lstStyle>
-          <a:p>
-            <a:pPr eaLnBrk="1" hangingPunct="1">
-              <a:spcBef>
-                <a:spcPct val="50000"/>
-              </a:spcBef>
-            </a:pPr>
-            <a:r>
-              <a:rPr lang="en-US" altLang="en-US" sz="4800" b="1" dirty="0">
-                <a:solidFill>
-                  <a:srgbClr val="000000"/>
-                </a:solidFill>
-                <a:latin typeface="Avenir Heavy" pitchFamily="124" charset="0"/>
-              </a:rPr>
-              <a:t>Findings</a:t>
-            </a:r>
-          </a:p>
-          <a:p>
-            <a:pPr eaLnBrk="1" hangingPunct="1">
-              <a:spcBef>
-                <a:spcPct val="50000"/>
-              </a:spcBef>
-            </a:pPr>
-            <a:r>
-              <a:rPr lang="en-US" altLang="ja-JP" sz="4800" dirty="0">
-                <a:latin typeface="Avenir Book" pitchFamily="124" charset="0"/>
-              </a:rPr>
-              <a:t>Explain why outcome is interesting. Don’t assume it’s obvious. Three sentences max</a:t>
-            </a:r>
-          </a:p>
-        </p:txBody>
-      </p:sp>
-      <p:sp>
-        <p:nvSpPr>
-          <p:cNvPr id="14345" name="Text Box 16">
-            <a:extLst>
-              <a:ext uri="{FF2B5EF4-FFF2-40B4-BE49-F238E27FC236}">
-                <a16:creationId xmlns:a16="http://schemas.microsoft.com/office/drawing/2014/main" id="{5CB4B1E0-5DC9-C6C0-A4BC-6E6D4442DF4F}"/>
-              </a:ext>
-            </a:extLst>
-          </p:cNvPr>
-          <p:cNvSpPr txBox="1">
-            <a:spLocks noChangeArrowheads="1"/>
-          </p:cNvSpPr>
-          <p:nvPr/>
-        </p:nvSpPr>
-        <p:spPr bwMode="auto">
-          <a:xfrm>
-            <a:off x="38595300" y="21355278"/>
-            <a:ext cx="10811782" cy="4182608"/>
-          </a:xfrm>
-          <a:prstGeom prst="rect">
-            <a:avLst/>
-          </a:prstGeom>
-          <a:solidFill>
-            <a:schemeClr val="bg1"/>
-          </a:solidFill>
-          <a:ln w="38100">
-            <a:solidFill>
-              <a:srgbClr val="000000"/>
-            </a:solidFill>
-            <a:round/>
-            <a:headEnd/>
-            <a:tailEnd/>
-          </a:ln>
-        </p:spPr>
-        <p:txBody>
-          <a:bodyPr lIns="914400" tIns="457200" rIns="914400" bIns="914400"/>
-          <a:lstStyle>
-            <a:lvl1pPr eaLnBrk="0" hangingPunct="0">
-              <a:defRPr sz="3200">
-                <a:solidFill>
-                  <a:schemeClr val="tx1"/>
-                </a:solidFill>
-                <a:latin typeface="Helvetica" panose="020B0604020202020204" pitchFamily="34" charset="0"/>
-                <a:ea typeface="MS PGothic" panose="020B0600070205080204" pitchFamily="34" charset="-128"/>
-              </a:defRPr>
-            </a:lvl1pPr>
-            <a:lvl2pPr marL="742950" indent="-285750" eaLnBrk="0" hangingPunct="0">
-              <a:defRPr sz="3200">
-                <a:solidFill>
-                  <a:schemeClr val="tx1"/>
-                </a:solidFill>
-                <a:latin typeface="Helvetica" panose="020B0604020202020204" pitchFamily="34" charset="0"/>
-                <a:ea typeface="MS PGothic" panose="020B0600070205080204" pitchFamily="34" charset="-128"/>
-              </a:defRPr>
-            </a:lvl2pPr>
-            <a:lvl3pPr marL="1143000" indent="-228600" eaLnBrk="0" hangingPunct="0">
-              <a:defRPr sz="3200">
-                <a:solidFill>
-                  <a:schemeClr val="tx1"/>
-                </a:solidFill>
-                <a:latin typeface="Helvetica" panose="020B0604020202020204" pitchFamily="34" charset="0"/>
-                <a:ea typeface="MS PGothic" panose="020B0600070205080204" pitchFamily="34" charset="-128"/>
-              </a:defRPr>
-            </a:lvl3pPr>
-            <a:lvl4pPr marL="1600200" indent="-228600" eaLnBrk="0" hangingPunct="0">
-              <a:defRPr sz="3200">
-                <a:solidFill>
-                  <a:schemeClr val="tx1"/>
-                </a:solidFill>
-                <a:latin typeface="Helvetica" panose="020B0604020202020204" pitchFamily="34" charset="0"/>
-                <a:ea typeface="MS PGothic" panose="020B0600070205080204" pitchFamily="34" charset="-128"/>
-              </a:defRPr>
-            </a:lvl4pPr>
-            <a:lvl5pPr marL="2057400" indent="-228600" eaLnBrk="0" hangingPunct="0">
-              <a:defRPr sz="3200">
-                <a:solidFill>
-                  <a:schemeClr val="tx1"/>
-                </a:solidFill>
-                <a:latin typeface="Helvetica" panose="020B0604020202020204" pitchFamily="34" charset="0"/>
-                <a:ea typeface="MS PGothic" panose="020B0600070205080204" pitchFamily="34" charset="-128"/>
-              </a:defRPr>
-            </a:lvl5pPr>
-            <a:lvl6pPr marL="2514600" indent="-228600" eaLnBrk="0" fontAlgn="base" hangingPunct="0">
-              <a:spcBef>
-                <a:spcPct val="0"/>
-              </a:spcBef>
-              <a:spcAft>
-                <a:spcPct val="0"/>
-              </a:spcAft>
-              <a:defRPr sz="3200">
-                <a:solidFill>
-                  <a:schemeClr val="tx1"/>
-                </a:solidFill>
-                <a:latin typeface="Helvetica" panose="020B0604020202020204" pitchFamily="34" charset="0"/>
-                <a:ea typeface="MS PGothic" panose="020B0600070205080204" pitchFamily="34" charset="-128"/>
-              </a:defRPr>
-            </a:lvl6pPr>
-            <a:lvl7pPr marL="2971800" indent="-228600" eaLnBrk="0" fontAlgn="base" hangingPunct="0">
-              <a:spcBef>
-                <a:spcPct val="0"/>
-              </a:spcBef>
-              <a:spcAft>
-                <a:spcPct val="0"/>
-              </a:spcAft>
-              <a:defRPr sz="3200">
-                <a:solidFill>
-                  <a:schemeClr val="tx1"/>
-                </a:solidFill>
-                <a:latin typeface="Helvetica" panose="020B0604020202020204" pitchFamily="34" charset="0"/>
-                <a:ea typeface="MS PGothic" panose="020B0600070205080204" pitchFamily="34" charset="-128"/>
-              </a:defRPr>
-            </a:lvl7pPr>
-            <a:lvl8pPr marL="3429000" indent="-228600" eaLnBrk="0" fontAlgn="base" hangingPunct="0">
-              <a:spcBef>
-                <a:spcPct val="0"/>
-              </a:spcBef>
-              <a:spcAft>
-                <a:spcPct val="0"/>
-              </a:spcAft>
-              <a:defRPr sz="3200">
-                <a:solidFill>
-                  <a:schemeClr val="tx1"/>
-                </a:solidFill>
-                <a:latin typeface="Helvetica" panose="020B0604020202020204" pitchFamily="34" charset="0"/>
-                <a:ea typeface="MS PGothic" panose="020B0600070205080204" pitchFamily="34" charset="-128"/>
-              </a:defRPr>
-            </a:lvl8pPr>
-            <a:lvl9pPr marL="3886200" indent="-228600" eaLnBrk="0" fontAlgn="base" hangingPunct="0">
-              <a:spcBef>
-                <a:spcPct val="0"/>
-              </a:spcBef>
-              <a:spcAft>
-                <a:spcPct val="0"/>
-              </a:spcAft>
-              <a:defRPr sz="3200">
-                <a:solidFill>
-                  <a:schemeClr val="tx1"/>
-                </a:solidFill>
-                <a:latin typeface="Helvetica" panose="020B0604020202020204" pitchFamily="34" charset="0"/>
-                <a:ea typeface="MS PGothic" panose="020B0600070205080204" pitchFamily="34" charset="-128"/>
-              </a:defRPr>
-            </a:lvl9pPr>
-          </a:lstStyle>
-          <a:p>
-            <a:pPr eaLnBrk="1" hangingPunct="1">
-              <a:spcBef>
-                <a:spcPct val="50000"/>
-              </a:spcBef>
-            </a:pPr>
-            <a:r>
-              <a:rPr lang="en-US" altLang="en-US" sz="4400" b="1" dirty="0">
-                <a:solidFill>
-                  <a:srgbClr val="000000"/>
-                </a:solidFill>
-                <a:latin typeface="Avenir Heavy" pitchFamily="124" charset="0"/>
-              </a:rPr>
-              <a:t>Next Steps</a:t>
-            </a:r>
-          </a:p>
-          <a:p>
-            <a:pPr marL="571500" indent="-571500" eaLnBrk="1" hangingPunct="1">
-              <a:spcBef>
-                <a:spcPts val="1200"/>
-              </a:spcBef>
-              <a:buFont typeface="Arial" panose="020B0604020202020204" pitchFamily="34" charset="0"/>
-              <a:buChar char="•"/>
-            </a:pPr>
-            <a:r>
-              <a:rPr lang="en-US" altLang="en-US" sz="3600" dirty="0">
-                <a:latin typeface="Avenir Book" pitchFamily="124" charset="0"/>
-              </a:rPr>
-              <a:t>[]</a:t>
-            </a:r>
-          </a:p>
-        </p:txBody>
-      </p:sp>
-      <p:sp>
-        <p:nvSpPr>
-          <p:cNvPr id="14346" name="Text Box 15">
-            <a:extLst>
-              <a:ext uri="{FF2B5EF4-FFF2-40B4-BE49-F238E27FC236}">
-                <a16:creationId xmlns:a16="http://schemas.microsoft.com/office/drawing/2014/main" id="{B69C3B60-0B0B-4842-F1AD-CEDAC86EEF16}"/>
-              </a:ext>
-            </a:extLst>
-          </p:cNvPr>
-          <p:cNvSpPr txBox="1">
-            <a:spLocks noChangeArrowheads="1"/>
-          </p:cNvSpPr>
-          <p:nvPr/>
-        </p:nvSpPr>
-        <p:spPr bwMode="auto">
-          <a:xfrm>
-            <a:off x="38595300" y="17175163"/>
-            <a:ext cx="10811782" cy="4182608"/>
-          </a:xfrm>
-          <a:prstGeom prst="rect">
-            <a:avLst/>
-          </a:prstGeom>
-          <a:solidFill>
-            <a:schemeClr val="bg1"/>
-          </a:solidFill>
-          <a:ln w="38100">
-            <a:solidFill>
-              <a:srgbClr val="000000"/>
-            </a:solidFill>
-            <a:round/>
-            <a:headEnd/>
-            <a:tailEnd/>
-          </a:ln>
-        </p:spPr>
-        <p:txBody>
-          <a:bodyPr lIns="914400" tIns="457200" rIns="914400" bIns="914400"/>
-          <a:lstStyle>
-            <a:lvl1pPr marL="500063" indent="-500063" eaLnBrk="0" hangingPunct="0">
-              <a:defRPr sz="3200">
-                <a:solidFill>
-                  <a:schemeClr val="tx1"/>
-                </a:solidFill>
-                <a:latin typeface="Helvetica" panose="020B0604020202020204" pitchFamily="34" charset="0"/>
-                <a:ea typeface="MS PGothic" panose="020B0600070205080204" pitchFamily="34" charset="-128"/>
-              </a:defRPr>
-            </a:lvl1pPr>
-            <a:lvl2pPr marL="742950" indent="-285750" eaLnBrk="0" hangingPunct="0">
-              <a:defRPr sz="3200">
-                <a:solidFill>
-                  <a:schemeClr val="tx1"/>
-                </a:solidFill>
-                <a:latin typeface="Helvetica" panose="020B0604020202020204" pitchFamily="34" charset="0"/>
-                <a:ea typeface="MS PGothic" panose="020B0600070205080204" pitchFamily="34" charset="-128"/>
-              </a:defRPr>
-            </a:lvl2pPr>
-            <a:lvl3pPr marL="1143000" indent="-228600" eaLnBrk="0" hangingPunct="0">
-              <a:defRPr sz="3200">
-                <a:solidFill>
-                  <a:schemeClr val="tx1"/>
-                </a:solidFill>
-                <a:latin typeface="Helvetica" panose="020B0604020202020204" pitchFamily="34" charset="0"/>
-                <a:ea typeface="MS PGothic" panose="020B0600070205080204" pitchFamily="34" charset="-128"/>
-              </a:defRPr>
-            </a:lvl3pPr>
-            <a:lvl4pPr marL="1600200" indent="-228600" eaLnBrk="0" hangingPunct="0">
-              <a:defRPr sz="3200">
-                <a:solidFill>
-                  <a:schemeClr val="tx1"/>
-                </a:solidFill>
-                <a:latin typeface="Helvetica" panose="020B0604020202020204" pitchFamily="34" charset="0"/>
-                <a:ea typeface="MS PGothic" panose="020B0600070205080204" pitchFamily="34" charset="-128"/>
-              </a:defRPr>
-            </a:lvl4pPr>
-            <a:lvl5pPr marL="2057400" indent="-228600" eaLnBrk="0" hangingPunct="0">
-              <a:defRPr sz="3200">
-                <a:solidFill>
-                  <a:schemeClr val="tx1"/>
-                </a:solidFill>
-                <a:latin typeface="Helvetica" panose="020B0604020202020204" pitchFamily="34" charset="0"/>
-                <a:ea typeface="MS PGothic" panose="020B0600070205080204" pitchFamily="34" charset="-128"/>
-              </a:defRPr>
-            </a:lvl5pPr>
-            <a:lvl6pPr marL="2514600" indent="-228600" eaLnBrk="0" fontAlgn="base" hangingPunct="0">
-              <a:spcBef>
-                <a:spcPct val="0"/>
-              </a:spcBef>
-              <a:spcAft>
-                <a:spcPct val="0"/>
-              </a:spcAft>
-              <a:defRPr sz="3200">
-                <a:solidFill>
-                  <a:schemeClr val="tx1"/>
-                </a:solidFill>
-                <a:latin typeface="Helvetica" panose="020B0604020202020204" pitchFamily="34" charset="0"/>
-                <a:ea typeface="MS PGothic" panose="020B0600070205080204" pitchFamily="34" charset="-128"/>
-              </a:defRPr>
-            </a:lvl6pPr>
-            <a:lvl7pPr marL="2971800" indent="-228600" eaLnBrk="0" fontAlgn="base" hangingPunct="0">
-              <a:spcBef>
-                <a:spcPct val="0"/>
-              </a:spcBef>
-              <a:spcAft>
-                <a:spcPct val="0"/>
-              </a:spcAft>
-              <a:defRPr sz="3200">
-                <a:solidFill>
-                  <a:schemeClr val="tx1"/>
-                </a:solidFill>
-                <a:latin typeface="Helvetica" panose="020B0604020202020204" pitchFamily="34" charset="0"/>
-                <a:ea typeface="MS PGothic" panose="020B0600070205080204" pitchFamily="34" charset="-128"/>
-              </a:defRPr>
-            </a:lvl7pPr>
-            <a:lvl8pPr marL="3429000" indent="-228600" eaLnBrk="0" fontAlgn="base" hangingPunct="0">
-              <a:spcBef>
-                <a:spcPct val="0"/>
-              </a:spcBef>
-              <a:spcAft>
-                <a:spcPct val="0"/>
-              </a:spcAft>
-              <a:defRPr sz="3200">
-                <a:solidFill>
-                  <a:schemeClr val="tx1"/>
-                </a:solidFill>
-                <a:latin typeface="Helvetica" panose="020B0604020202020204" pitchFamily="34" charset="0"/>
-                <a:ea typeface="MS PGothic" panose="020B0600070205080204" pitchFamily="34" charset="-128"/>
-              </a:defRPr>
-            </a:lvl8pPr>
-            <a:lvl9pPr marL="3886200" indent="-228600" eaLnBrk="0" fontAlgn="base" hangingPunct="0">
-              <a:spcBef>
-                <a:spcPct val="0"/>
-              </a:spcBef>
-              <a:spcAft>
-                <a:spcPct val="0"/>
-              </a:spcAft>
-              <a:defRPr sz="3200">
-                <a:solidFill>
-                  <a:schemeClr val="tx1"/>
-                </a:solidFill>
-                <a:latin typeface="Helvetica" panose="020B0604020202020204" pitchFamily="34" charset="0"/>
-                <a:ea typeface="MS PGothic" panose="020B0600070205080204" pitchFamily="34" charset="-128"/>
-              </a:defRPr>
-            </a:lvl9pPr>
-          </a:lstStyle>
-          <a:p>
-            <a:pPr eaLnBrk="1" hangingPunct="1">
-              <a:spcBef>
-                <a:spcPct val="50000"/>
-              </a:spcBef>
-            </a:pPr>
-            <a:r>
-              <a:rPr lang="en-US" altLang="en-US" sz="4400" b="1" dirty="0">
-                <a:solidFill>
-                  <a:srgbClr val="000000"/>
-                </a:solidFill>
-                <a:latin typeface="Avenir Heavy" pitchFamily="124" charset="0"/>
-              </a:rPr>
-              <a:t>Implications</a:t>
-            </a:r>
-          </a:p>
-          <a:p>
-            <a:pPr marL="571500" indent="-571500" eaLnBrk="1" hangingPunct="1">
-              <a:spcBef>
-                <a:spcPts val="1200"/>
-              </a:spcBef>
-              <a:buFont typeface="Arial" panose="020B0604020202020204" pitchFamily="34" charset="0"/>
-              <a:buChar char="•"/>
-            </a:pPr>
-            <a:r>
-              <a:rPr lang="en-US" altLang="en-US" sz="3600" dirty="0">
-                <a:latin typeface="Avenir Book" pitchFamily="124" charset="0"/>
-              </a:rPr>
-              <a:t>[]</a:t>
-            </a:r>
-          </a:p>
-          <a:p>
-            <a:pPr eaLnBrk="1" hangingPunct="1"/>
-            <a:br>
-              <a:rPr lang="en-US" altLang="en-US" sz="2800" dirty="0">
-                <a:latin typeface="Avenir Book" pitchFamily="124" charset="0"/>
-              </a:rPr>
-            </a:br>
-            <a:endParaRPr lang="en-US" altLang="en-US" sz="2800" dirty="0">
-              <a:latin typeface="Avenir Book" pitchFamily="124" charset="0"/>
-            </a:endParaRPr>
-          </a:p>
-          <a:p>
-            <a:pPr eaLnBrk="1" hangingPunct="1">
-              <a:spcBef>
-                <a:spcPct val="10000"/>
-              </a:spcBef>
-            </a:pPr>
-            <a:endParaRPr lang="en-US" altLang="en-US" sz="2800" dirty="0">
-              <a:latin typeface="Avenir Book" pitchFamily="124" charset="0"/>
-            </a:endParaRPr>
-          </a:p>
-        </p:txBody>
-      </p:sp>
-      <p:sp>
-        <p:nvSpPr>
-          <p:cNvPr id="14347" name="Text Box 70">
-            <a:extLst>
-              <a:ext uri="{FF2B5EF4-FFF2-40B4-BE49-F238E27FC236}">
-                <a16:creationId xmlns:a16="http://schemas.microsoft.com/office/drawing/2014/main" id="{BCE6D896-7C32-3496-1DCE-1B1F297F93C3}"/>
-              </a:ext>
-            </a:extLst>
-          </p:cNvPr>
-          <p:cNvSpPr txBox="1">
-            <a:spLocks noChangeArrowheads="1"/>
-          </p:cNvSpPr>
-          <p:nvPr/>
-        </p:nvSpPr>
-        <p:spPr bwMode="auto">
-          <a:xfrm>
-            <a:off x="38595300" y="25537886"/>
-            <a:ext cx="10811782" cy="4049485"/>
-          </a:xfrm>
-          <a:prstGeom prst="rect">
-            <a:avLst/>
-          </a:prstGeom>
-          <a:solidFill>
-            <a:schemeClr val="bg1"/>
-          </a:solidFill>
-          <a:ln w="38100">
-            <a:solidFill>
-              <a:srgbClr val="000000"/>
-            </a:solidFill>
-            <a:round/>
-            <a:headEnd/>
-            <a:tailEnd/>
-          </a:ln>
-        </p:spPr>
-        <p:txBody>
-          <a:bodyPr lIns="914400" tIns="457200" rIns="914400" bIns="914400"/>
-          <a:lstStyle>
-            <a:lvl1pPr eaLnBrk="0" hangingPunct="0">
-              <a:defRPr sz="3200">
-                <a:solidFill>
-                  <a:schemeClr val="tx1"/>
-                </a:solidFill>
-                <a:latin typeface="Helvetica" panose="020B0604020202020204" pitchFamily="34" charset="0"/>
-                <a:ea typeface="MS PGothic" panose="020B0600070205080204" pitchFamily="34" charset="-128"/>
-              </a:defRPr>
-            </a:lvl1pPr>
-            <a:lvl2pPr marL="742950" indent="-285750" eaLnBrk="0" hangingPunct="0">
-              <a:defRPr sz="3200">
-                <a:solidFill>
-                  <a:schemeClr val="tx1"/>
-                </a:solidFill>
-                <a:latin typeface="Helvetica" panose="020B0604020202020204" pitchFamily="34" charset="0"/>
-                <a:ea typeface="MS PGothic" panose="020B0600070205080204" pitchFamily="34" charset="-128"/>
-              </a:defRPr>
-            </a:lvl2pPr>
-            <a:lvl3pPr marL="1143000" indent="-228600" eaLnBrk="0" hangingPunct="0">
-              <a:defRPr sz="3200">
-                <a:solidFill>
-                  <a:schemeClr val="tx1"/>
-                </a:solidFill>
-                <a:latin typeface="Helvetica" panose="020B0604020202020204" pitchFamily="34" charset="0"/>
-                <a:ea typeface="MS PGothic" panose="020B0600070205080204" pitchFamily="34" charset="-128"/>
-              </a:defRPr>
-            </a:lvl3pPr>
-            <a:lvl4pPr marL="1600200" indent="-228600" eaLnBrk="0" hangingPunct="0">
-              <a:defRPr sz="3200">
-                <a:solidFill>
-                  <a:schemeClr val="tx1"/>
-                </a:solidFill>
-                <a:latin typeface="Helvetica" panose="020B0604020202020204" pitchFamily="34" charset="0"/>
-                <a:ea typeface="MS PGothic" panose="020B0600070205080204" pitchFamily="34" charset="-128"/>
-              </a:defRPr>
-            </a:lvl4pPr>
-            <a:lvl5pPr marL="2057400" indent="-228600" eaLnBrk="0" hangingPunct="0">
-              <a:defRPr sz="3200">
-                <a:solidFill>
-                  <a:schemeClr val="tx1"/>
-                </a:solidFill>
-                <a:latin typeface="Helvetica" panose="020B0604020202020204" pitchFamily="34" charset="0"/>
-                <a:ea typeface="MS PGothic" panose="020B0600070205080204" pitchFamily="34" charset="-128"/>
-              </a:defRPr>
-            </a:lvl5pPr>
-            <a:lvl6pPr marL="2514600" indent="-228600" eaLnBrk="0" fontAlgn="base" hangingPunct="0">
-              <a:spcBef>
-                <a:spcPct val="0"/>
-              </a:spcBef>
-              <a:spcAft>
-                <a:spcPct val="0"/>
-              </a:spcAft>
-              <a:defRPr sz="3200">
-                <a:solidFill>
-                  <a:schemeClr val="tx1"/>
-                </a:solidFill>
-                <a:latin typeface="Helvetica" panose="020B0604020202020204" pitchFamily="34" charset="0"/>
-                <a:ea typeface="MS PGothic" panose="020B0600070205080204" pitchFamily="34" charset="-128"/>
-              </a:defRPr>
-            </a:lvl6pPr>
-            <a:lvl7pPr marL="2971800" indent="-228600" eaLnBrk="0" fontAlgn="base" hangingPunct="0">
-              <a:spcBef>
-                <a:spcPct val="0"/>
-              </a:spcBef>
-              <a:spcAft>
-                <a:spcPct val="0"/>
-              </a:spcAft>
-              <a:defRPr sz="3200">
-                <a:solidFill>
-                  <a:schemeClr val="tx1"/>
-                </a:solidFill>
-                <a:latin typeface="Helvetica" panose="020B0604020202020204" pitchFamily="34" charset="0"/>
-                <a:ea typeface="MS PGothic" panose="020B0600070205080204" pitchFamily="34" charset="-128"/>
-              </a:defRPr>
-            </a:lvl7pPr>
-            <a:lvl8pPr marL="3429000" indent="-228600" eaLnBrk="0" fontAlgn="base" hangingPunct="0">
-              <a:spcBef>
-                <a:spcPct val="0"/>
-              </a:spcBef>
-              <a:spcAft>
-                <a:spcPct val="0"/>
-              </a:spcAft>
-              <a:defRPr sz="3200">
-                <a:solidFill>
-                  <a:schemeClr val="tx1"/>
-                </a:solidFill>
-                <a:latin typeface="Helvetica" panose="020B0604020202020204" pitchFamily="34" charset="0"/>
-                <a:ea typeface="MS PGothic" panose="020B0600070205080204" pitchFamily="34" charset="-128"/>
-              </a:defRPr>
-            </a:lvl8pPr>
-            <a:lvl9pPr marL="3886200" indent="-228600" eaLnBrk="0" fontAlgn="base" hangingPunct="0">
-              <a:spcBef>
-                <a:spcPct val="0"/>
-              </a:spcBef>
-              <a:spcAft>
-                <a:spcPct val="0"/>
-              </a:spcAft>
-              <a:defRPr sz="3200">
-                <a:solidFill>
-                  <a:schemeClr val="tx1"/>
-                </a:solidFill>
-                <a:latin typeface="Helvetica" panose="020B0604020202020204" pitchFamily="34" charset="0"/>
-                <a:ea typeface="MS PGothic" panose="020B0600070205080204" pitchFamily="34" charset="-128"/>
-              </a:defRPr>
-            </a:lvl9pPr>
-          </a:lstStyle>
-          <a:p>
-            <a:pPr algn="just" eaLnBrk="1" hangingPunct="1"/>
-            <a:r>
-              <a:rPr lang="en-US" altLang="en-US" sz="4400" b="1" dirty="0">
-                <a:solidFill>
-                  <a:srgbClr val="000000"/>
-                </a:solidFill>
-                <a:latin typeface="Avenir Heavy" pitchFamily="124" charset="0"/>
-              </a:rPr>
-              <a:t>Data Sources</a:t>
-            </a:r>
-          </a:p>
-          <a:p>
-            <a:pPr marL="571500" indent="-571500" eaLnBrk="1" hangingPunct="1">
-              <a:spcBef>
-                <a:spcPct val="10000"/>
-              </a:spcBef>
-              <a:buFont typeface="Arial" panose="020B0604020202020204" pitchFamily="34" charset="0"/>
-              <a:buChar char="•"/>
-            </a:pPr>
-            <a:r>
-              <a:rPr lang="en-US" altLang="en-US" sz="3600" dirty="0" err="1">
-                <a:solidFill>
-                  <a:srgbClr val="000000"/>
-                </a:solidFill>
-                <a:latin typeface="Avenir Book" pitchFamily="124" charset="0"/>
-              </a:rPr>
-              <a:t>NBA.com’s</a:t>
-            </a:r>
-            <a:r>
-              <a:rPr lang="en-US" altLang="en-US" sz="3600" dirty="0">
-                <a:solidFill>
-                  <a:srgbClr val="000000"/>
-                </a:solidFill>
-                <a:latin typeface="Avenir Book" pitchFamily="124" charset="0"/>
-              </a:rPr>
-              <a:t> official stats website</a:t>
-            </a:r>
-          </a:p>
-          <a:p>
-            <a:pPr marL="571500" indent="-571500" eaLnBrk="1" hangingPunct="1">
-              <a:spcBef>
-                <a:spcPct val="10000"/>
-              </a:spcBef>
-              <a:buFont typeface="Arial" panose="020B0604020202020204" pitchFamily="34" charset="0"/>
-              <a:buChar char="•"/>
-            </a:pPr>
-            <a:r>
-              <a:rPr lang="en-US" altLang="en-US" sz="3600" dirty="0">
-                <a:solidFill>
-                  <a:srgbClr val="000000"/>
-                </a:solidFill>
-                <a:latin typeface="Avenir Book" pitchFamily="124" charset="0"/>
-              </a:rPr>
-              <a:t>Used the stats.nba.com API to scrape traditional and advanced box score data</a:t>
-            </a:r>
-            <a:endParaRPr lang="en-US" altLang="en-US" sz="3600" dirty="0">
-              <a:latin typeface="Avenir Book" pitchFamily="124" charset="0"/>
-            </a:endParaRPr>
-          </a:p>
-          <a:p>
-            <a:pPr eaLnBrk="1" hangingPunct="1">
-              <a:spcBef>
-                <a:spcPct val="10000"/>
-              </a:spcBef>
-            </a:pPr>
-            <a:endParaRPr lang="en-US" altLang="en-US" sz="2800" dirty="0">
-              <a:latin typeface="Avenir Book" pitchFamily="124" charset="0"/>
-            </a:endParaRPr>
-          </a:p>
-        </p:txBody>
-      </p:sp>
-      <p:sp>
-        <p:nvSpPr>
-          <p:cNvPr id="14348" name="Text Box 7">
-            <a:extLst>
-              <a:ext uri="{FF2B5EF4-FFF2-40B4-BE49-F238E27FC236}">
-                <a16:creationId xmlns:a16="http://schemas.microsoft.com/office/drawing/2014/main" id="{B0E97086-7DA8-5BE6-2BCF-05782062FB84}"/>
-              </a:ext>
-            </a:extLst>
-          </p:cNvPr>
-          <p:cNvSpPr txBox="1">
-            <a:spLocks noChangeArrowheads="1"/>
-          </p:cNvSpPr>
-          <p:nvPr/>
-        </p:nvSpPr>
-        <p:spPr bwMode="auto">
-          <a:xfrm>
-            <a:off x="17765713" y="13822363"/>
-            <a:ext cx="15678150" cy="4741862"/>
-          </a:xfrm>
-          <a:prstGeom prst="rect">
-            <a:avLst/>
-          </a:prstGeom>
-          <a:solidFill>
-            <a:srgbClr val="FFFE7E"/>
-          </a:solidFill>
-          <a:ln w="38100">
-            <a:solidFill>
-              <a:srgbClr val="000000"/>
-            </a:solidFill>
-            <a:round/>
-            <a:headEnd/>
-            <a:tailEnd/>
-          </a:ln>
-        </p:spPr>
-        <p:txBody>
-          <a:bodyPr lIns="914400" tIns="457200" rIns="914400" bIns="914400"/>
-          <a:lstStyle>
-            <a:lvl1pPr eaLnBrk="0" hangingPunct="0">
-              <a:tabLst>
-                <a:tab pos="500063" algn="l"/>
-              </a:tabLst>
-              <a:defRPr sz="3200">
-                <a:solidFill>
-                  <a:schemeClr val="tx1"/>
-                </a:solidFill>
-                <a:latin typeface="Helvetica" panose="020B0604020202020204" pitchFamily="34" charset="0"/>
-                <a:ea typeface="MS PGothic" panose="020B0600070205080204" pitchFamily="34" charset="-128"/>
-              </a:defRPr>
-            </a:lvl1pPr>
-            <a:lvl2pPr marL="742950" indent="-285750" eaLnBrk="0" hangingPunct="0">
-              <a:tabLst>
-                <a:tab pos="500063" algn="l"/>
-              </a:tabLst>
-              <a:defRPr sz="3200">
-                <a:solidFill>
-                  <a:schemeClr val="tx1"/>
-                </a:solidFill>
-                <a:latin typeface="Helvetica" panose="020B0604020202020204" pitchFamily="34" charset="0"/>
-                <a:ea typeface="MS PGothic" panose="020B0600070205080204" pitchFamily="34" charset="-128"/>
-              </a:defRPr>
-            </a:lvl2pPr>
-            <a:lvl3pPr marL="1143000" indent="-228600" eaLnBrk="0" hangingPunct="0">
-              <a:tabLst>
-                <a:tab pos="500063" algn="l"/>
-              </a:tabLst>
-              <a:defRPr sz="3200">
-                <a:solidFill>
-                  <a:schemeClr val="tx1"/>
-                </a:solidFill>
-                <a:latin typeface="Helvetica" panose="020B0604020202020204" pitchFamily="34" charset="0"/>
-                <a:ea typeface="MS PGothic" panose="020B0600070205080204" pitchFamily="34" charset="-128"/>
-              </a:defRPr>
-            </a:lvl3pPr>
-            <a:lvl4pPr marL="1600200" indent="-228600" eaLnBrk="0" hangingPunct="0">
-              <a:tabLst>
-                <a:tab pos="500063" algn="l"/>
-              </a:tabLst>
-              <a:defRPr sz="3200">
-                <a:solidFill>
-                  <a:schemeClr val="tx1"/>
-                </a:solidFill>
-                <a:latin typeface="Helvetica" panose="020B0604020202020204" pitchFamily="34" charset="0"/>
-                <a:ea typeface="MS PGothic" panose="020B0600070205080204" pitchFamily="34" charset="-128"/>
-              </a:defRPr>
-            </a:lvl4pPr>
-            <a:lvl5pPr marL="2057400" indent="-228600" eaLnBrk="0" hangingPunct="0">
-              <a:tabLst>
-                <a:tab pos="500063" algn="l"/>
-              </a:tabLst>
-              <a:defRPr sz="3200">
-                <a:solidFill>
-                  <a:schemeClr val="tx1"/>
-                </a:solidFill>
-                <a:latin typeface="Helvetica" panose="020B0604020202020204" pitchFamily="34" charset="0"/>
-                <a:ea typeface="MS PGothic" panose="020B0600070205080204" pitchFamily="34" charset="-128"/>
-              </a:defRPr>
-            </a:lvl5pPr>
-            <a:lvl6pPr marL="2514600" indent="-228600" eaLnBrk="0" fontAlgn="base" hangingPunct="0">
-              <a:spcBef>
-                <a:spcPct val="0"/>
-              </a:spcBef>
-              <a:spcAft>
-                <a:spcPct val="0"/>
-              </a:spcAft>
-              <a:tabLst>
-                <a:tab pos="500063" algn="l"/>
-              </a:tabLst>
-              <a:defRPr sz="3200">
-                <a:solidFill>
-                  <a:schemeClr val="tx1"/>
-                </a:solidFill>
-                <a:latin typeface="Helvetica" panose="020B0604020202020204" pitchFamily="34" charset="0"/>
-                <a:ea typeface="MS PGothic" panose="020B0600070205080204" pitchFamily="34" charset="-128"/>
-              </a:defRPr>
-            </a:lvl6pPr>
-            <a:lvl7pPr marL="2971800" indent="-228600" eaLnBrk="0" fontAlgn="base" hangingPunct="0">
-              <a:spcBef>
-                <a:spcPct val="0"/>
-              </a:spcBef>
-              <a:spcAft>
-                <a:spcPct val="0"/>
-              </a:spcAft>
-              <a:tabLst>
-                <a:tab pos="500063" algn="l"/>
-              </a:tabLst>
-              <a:defRPr sz="3200">
-                <a:solidFill>
-                  <a:schemeClr val="tx1"/>
-                </a:solidFill>
-                <a:latin typeface="Helvetica" panose="020B0604020202020204" pitchFamily="34" charset="0"/>
-                <a:ea typeface="MS PGothic" panose="020B0600070205080204" pitchFamily="34" charset="-128"/>
-              </a:defRPr>
-            </a:lvl7pPr>
-            <a:lvl8pPr marL="3429000" indent="-228600" eaLnBrk="0" fontAlgn="base" hangingPunct="0">
-              <a:spcBef>
-                <a:spcPct val="0"/>
-              </a:spcBef>
-              <a:spcAft>
-                <a:spcPct val="0"/>
-              </a:spcAft>
-              <a:tabLst>
-                <a:tab pos="500063" algn="l"/>
-              </a:tabLst>
-              <a:defRPr sz="3200">
-                <a:solidFill>
-                  <a:schemeClr val="tx1"/>
-                </a:solidFill>
-                <a:latin typeface="Helvetica" panose="020B0604020202020204" pitchFamily="34" charset="0"/>
-                <a:ea typeface="MS PGothic" panose="020B0600070205080204" pitchFamily="34" charset="-128"/>
-              </a:defRPr>
-            </a:lvl8pPr>
-            <a:lvl9pPr marL="3886200" indent="-228600" eaLnBrk="0" fontAlgn="base" hangingPunct="0">
-              <a:spcBef>
-                <a:spcPct val="0"/>
-              </a:spcBef>
-              <a:spcAft>
-                <a:spcPct val="0"/>
-              </a:spcAft>
-              <a:tabLst>
-                <a:tab pos="500063" algn="l"/>
-              </a:tabLst>
-              <a:defRPr sz="3200">
-                <a:solidFill>
-                  <a:schemeClr val="tx1"/>
-                </a:solidFill>
-                <a:latin typeface="Helvetica" panose="020B0604020202020204" pitchFamily="34" charset="0"/>
-                <a:ea typeface="MS PGothic" panose="020B0600070205080204" pitchFamily="34" charset="-128"/>
-              </a:defRPr>
-            </a:lvl9pPr>
-          </a:lstStyle>
-          <a:p>
-            <a:pPr eaLnBrk="1" hangingPunct="1">
-              <a:lnSpc>
-                <a:spcPts val="6900"/>
-              </a:lnSpc>
-            </a:pPr>
-            <a:r>
-              <a:rPr lang="en-US" altLang="ja-JP" sz="4800" dirty="0">
-                <a:solidFill>
-                  <a:srgbClr val="FF0000"/>
-                </a:solidFill>
-                <a:latin typeface="Avenir Medium" pitchFamily="124" charset="0"/>
-              </a:rPr>
-              <a:t>If you have just one or two simple graphics, viewers will be drawn to explore them. If you have too many or they are too complicated, visitors will be repelled. </a:t>
-            </a:r>
-            <a:endParaRPr lang="en-US" altLang="en-US" sz="2800" dirty="0">
-              <a:latin typeface="Avenir Medium" pitchFamily="124" charset="0"/>
-            </a:endParaRPr>
-          </a:p>
-        </p:txBody>
-      </p:sp>
-      <p:sp>
-        <p:nvSpPr>
-          <p:cNvPr id="2" name="Rectangle: Rounded Corners 1">
-            <a:extLst>
-              <a:ext uri="{FF2B5EF4-FFF2-40B4-BE49-F238E27FC236}">
-                <a16:creationId xmlns:a16="http://schemas.microsoft.com/office/drawing/2014/main" id="{5BC111B1-8A0E-6CFC-6D24-AB4513D46AEE}"/>
-              </a:ext>
-            </a:extLst>
-          </p:cNvPr>
-          <p:cNvSpPr/>
-          <p:nvPr/>
-        </p:nvSpPr>
-        <p:spPr>
-          <a:xfrm>
-            <a:off x="1763486" y="1077686"/>
-            <a:ext cx="47646771" cy="4794476"/>
-          </a:xfrm>
-          <a:prstGeom prst="roundRect">
-            <a:avLst/>
-          </a:prstGeom>
-          <a:solidFill>
-            <a:schemeClr val="bg1"/>
-          </a:solidFill>
-        </p:spPr>
-        <p:style>
-          <a:lnRef idx="1">
-            <a:schemeClr val="accent1"/>
-          </a:lnRef>
-          <a:fillRef idx="3">
-            <a:schemeClr val="accent1"/>
-          </a:fillRef>
-          <a:effectRef idx="2">
-            <a:schemeClr val="accent1"/>
-          </a:effectRef>
-          <a:fontRef idx="minor">
-            <a:schemeClr val="lt1"/>
-          </a:fontRef>
-        </p:style>
-        <p:txBody>
-          <a:bodyPr rtlCol="0" anchor="ctr"/>
-          <a:lstStyle/>
-          <a:p>
-            <a:pPr algn="ctr">
-              <a:lnSpc>
-                <a:spcPct val="90000"/>
-              </a:lnSpc>
-              <a:defRPr/>
-            </a:pPr>
-            <a:r>
-              <a:rPr lang="en-US" sz="9600" b="0" i="0" u="none" strike="noStrike" dirty="0">
-                <a:solidFill>
-                  <a:srgbClr val="000000"/>
-                </a:solidFill>
-                <a:effectLst/>
-                <a:latin typeface="Avenir Heavy"/>
-              </a:rPr>
-              <a:t>Box Score to Bracket: Evaluating the Predictive Power of NBA Regular Season </a:t>
-            </a:r>
-          </a:p>
-          <a:p>
-            <a:pPr algn="ctr">
-              <a:lnSpc>
-                <a:spcPct val="90000"/>
-              </a:lnSpc>
-              <a:defRPr/>
-            </a:pPr>
-            <a:r>
-              <a:rPr lang="en-US" sz="9600" b="0" i="0" u="none" strike="noStrike" dirty="0">
-                <a:solidFill>
-                  <a:srgbClr val="000000"/>
-                </a:solidFill>
-                <a:effectLst/>
-                <a:latin typeface="Avenir Heavy"/>
-              </a:rPr>
-              <a:t>Performance on Playoff Outcomes</a:t>
-            </a:r>
-          </a:p>
-          <a:p>
-            <a:pPr algn="ctr">
-              <a:lnSpc>
-                <a:spcPct val="90000"/>
-              </a:lnSpc>
-              <a:defRPr/>
-            </a:pPr>
-            <a:endParaRPr lang="en-US" sz="4000" b="0" i="0" u="none" strike="noStrike" dirty="0">
-              <a:solidFill>
-                <a:srgbClr val="000000"/>
-              </a:solidFill>
-              <a:effectLst/>
-              <a:latin typeface="Avenir Heavy"/>
-            </a:endParaRPr>
-          </a:p>
-          <a:p>
-            <a:pPr algn="ctr">
-              <a:lnSpc>
-                <a:spcPct val="90000"/>
-              </a:lnSpc>
-              <a:defRPr/>
-            </a:pPr>
-            <a:r>
-              <a:rPr lang="en-US" altLang="en-US" sz="6000" b="1" dirty="0">
-                <a:solidFill>
-                  <a:schemeClr val="tx1"/>
-                </a:solidFill>
-                <a:latin typeface="Avenir Medium" pitchFamily="124" charset="0"/>
-              </a:rPr>
-              <a:t>Andrew Scheiner ’25, Sid Lamsal ’25,</a:t>
-            </a:r>
-            <a:r>
-              <a:rPr lang="en-US" altLang="en-US" sz="6000" b="1" dirty="0">
-                <a:solidFill>
-                  <a:schemeClr val="tx1"/>
-                </a:solidFill>
-                <a:latin typeface="Avenir Book" pitchFamily="124" charset="0"/>
-              </a:rPr>
-              <a:t> Department of Data Analytics, </a:t>
-            </a:r>
-            <a:r>
-              <a:rPr lang="en-US" altLang="en-US" sz="6000" dirty="0">
-                <a:solidFill>
-                  <a:schemeClr val="tx1"/>
-                </a:solidFill>
-                <a:latin typeface="Avenir Book" pitchFamily="124" charset="0"/>
-              </a:rPr>
-              <a:t>Dickinson College</a:t>
-            </a:r>
-          </a:p>
-        </p:txBody>
-      </p:sp>
-    </p:spTree>
-    <p:extLst>
-      <p:ext uri="{BB962C8B-B14F-4D97-AF65-F5344CB8AC3E}">
-        <p14:creationId xmlns:p14="http://schemas.microsoft.com/office/powerpoint/2010/main" val="2002499930"/>
-      </p:ext>
-    </p:extLst>
-  </p:cSld>
-  <p:clrMapOvr>
-    <a:overrideClrMapping bg1="lt1" tx1="dk1" bg2="lt2" tx2="dk2" accent1="accent1" accent2="accent2" accent3="accent3" accent4="accent4" accent5="accent5" accent6="accent6" hlink="hlink" folHlink="folHlink"/>
-  </p:clrMapOvr>
-</p:sld>
-</file>
-
-<file path=ppt/slides/slide2.xml><?xml version="1.0" encoding="utf-8"?>
-<p:sld xmlns:a="http://schemas.openxmlformats.org/drawingml/2006/main" xmlns:r="http://schemas.openxmlformats.org/officeDocument/2006/relationships" xmlns:p="http://schemas.openxmlformats.org/presentationml/2006/main">
-  <p:cSld>
-    <p:bg>
-      <p:bgPr>
-        <a:solidFill>
-          <a:schemeClr val="bg1"/>
-        </a:solidFill>
-        <a:effectLst/>
-      </p:bgPr>
-    </p:bg>
-    <p:spTree>
-      <p:nvGrpSpPr>
-        <p:cNvPr id="1" name="">
-          <a:extLst>
-            <a:ext uri="{FF2B5EF4-FFF2-40B4-BE49-F238E27FC236}">
               <a16:creationId xmlns:a16="http://schemas.microsoft.com/office/drawing/2014/main" id="{EDCE82C2-DBE0-5FA9-7820-3428C527F362}"/>
             </a:ext>
           </a:extLst>
@@ -7182,13 +4788,13 @@
             </a:lvl9pPr>
           </a:lstStyle>
           <a:p>
-            <a:pPr algn="just" eaLnBrk="1" hangingPunct="1">
+            <a:pPr algn="ctr" eaLnBrk="1" hangingPunct="1">
               <a:spcBef>
                 <a:spcPct val="50000"/>
               </a:spcBef>
             </a:pPr>
             <a:r>
-              <a:rPr lang="en-US" altLang="en-US" sz="4800" b="1" dirty="0">
+              <a:rPr lang="en-US" altLang="en-US" sz="4800" b="1" u="sng" dirty="0">
                 <a:latin typeface="Avenir Heavy" pitchFamily="124" charset="0"/>
               </a:rPr>
               <a:t>Introduction</a:t>
@@ -7393,13 +4999,13 @@
             </a:lvl9pPr>
           </a:lstStyle>
           <a:p>
-            <a:pPr algn="just" eaLnBrk="1" hangingPunct="1">
+            <a:pPr algn="ctr" eaLnBrk="1" hangingPunct="1">
               <a:spcBef>
                 <a:spcPct val="50000"/>
               </a:spcBef>
             </a:pPr>
             <a:r>
-              <a:rPr lang="en-US" altLang="en-US" sz="4800" b="1" dirty="0">
+              <a:rPr lang="en-US" altLang="en-US" sz="4800" b="1" u="sng" dirty="0">
                 <a:solidFill>
                   <a:srgbClr val="000000"/>
                 </a:solidFill>
@@ -7407,7 +5013,7 @@
               </a:rPr>
               <a:t>Data Processing</a:t>
             </a:r>
-            <a:endParaRPr lang="en-US" altLang="en-US" sz="4800" dirty="0">
+            <a:endParaRPr lang="en-US" altLang="en-US" sz="4800" u="sng" dirty="0">
               <a:latin typeface="Avenir Book" pitchFamily="124" charset="0"/>
             </a:endParaRPr>
           </a:p>
@@ -7476,21 +5082,7 @@
                 <a:latin typeface="Avenir Book" pitchFamily="124" charset="0"/>
                 <a:ea typeface="Cambria" panose="02040503050406030204" pitchFamily="18" charset="0"/>
               </a:rPr>
-              <a:t>Visuals were created using </a:t>
-            </a:r>
-            <a:r>
-              <a:rPr lang="en-US" altLang="en-US" sz="4400" i="1" dirty="0">
-                <a:latin typeface="Avenir Book" pitchFamily="124" charset="0"/>
-                <a:ea typeface="Cambria" panose="02040503050406030204" pitchFamily="18" charset="0"/>
-              </a:rPr>
-              <a:t>seaborn</a:t>
-            </a:r>
-            <a:r>
-              <a:rPr lang="en-US" altLang="en-US" sz="4400" dirty="0">
-                <a:latin typeface="Avenir Book" pitchFamily="124" charset="0"/>
-                <a:ea typeface="Cambria" panose="02040503050406030204" pitchFamily="18" charset="0"/>
-              </a:rPr>
-              <a:t> and </a:t>
+              <a:t>The visuals were created using </a:t>
             </a:r>
             <a:r>
               <a:rPr lang="en-US" altLang="en-US" sz="4400" i="1" dirty="0">
@@ -7524,7 +5116,7 @@
                 <a:latin typeface="Avenir Book" pitchFamily="124" charset="0"/>
                 <a:ea typeface="Cambria" panose="02040503050406030204" pitchFamily="18" charset="0"/>
               </a:rPr>
-              <a:t>Neural network was created using the </a:t>
+              <a:t>Our neural network was created using the </a:t>
             </a:r>
             <a:r>
               <a:rPr lang="en-US" altLang="en-US" sz="4400" i="1" dirty="0" err="1">
@@ -7717,9 +5309,9 @@
             </a:lvl9pPr>
           </a:lstStyle>
           <a:p>
-            <a:pPr algn="just" eaLnBrk="1" hangingPunct="1"/>
-            <a:r>
-              <a:rPr lang="en-US" altLang="en-US" sz="4800" b="1" dirty="0">
+            <a:pPr algn="ctr" eaLnBrk="1" hangingPunct="1"/>
+            <a:r>
+              <a:rPr lang="en-US" altLang="en-US" sz="4800" b="1" u="sng" dirty="0">
                 <a:solidFill>
                   <a:srgbClr val="000000"/>
                 </a:solidFill>
@@ -7997,13 +5589,13 @@
             </a:lvl9pPr>
           </a:lstStyle>
           <a:p>
-            <a:pPr eaLnBrk="1" hangingPunct="1">
+            <a:pPr algn="ctr" eaLnBrk="1" hangingPunct="1">
               <a:spcBef>
                 <a:spcPct val="50000"/>
               </a:spcBef>
             </a:pPr>
             <a:r>
-              <a:rPr lang="en-US" altLang="en-US" sz="4800" b="1" dirty="0">
+              <a:rPr lang="en-US" altLang="en-US" sz="4800" b="1" u="sng" dirty="0">
                 <a:solidFill>
                   <a:srgbClr val="000000"/>
                 </a:solidFill>
@@ -8210,19 +5802,19 @@
             </a:lvl9pPr>
           </a:lstStyle>
           <a:p>
-            <a:pPr eaLnBrk="1" hangingPunct="1">
+            <a:pPr algn="ctr" eaLnBrk="1" hangingPunct="1">
               <a:spcBef>
                 <a:spcPct val="50000"/>
               </a:spcBef>
             </a:pPr>
             <a:r>
-              <a:rPr lang="en-US" altLang="en-US" sz="4400" b="1" dirty="0">
+              <a:rPr lang="en-US" altLang="en-US" sz="4400" b="1" u="sng" dirty="0">
                 <a:solidFill>
                   <a:srgbClr val="000000"/>
                 </a:solidFill>
                 <a:latin typeface="Avenir Heavy" pitchFamily="124" charset="0"/>
               </a:rPr>
-              <a:t>Next Steps</a:t>
+              <a:t>Future Work</a:t>
             </a:r>
           </a:p>
           <a:p>
@@ -8401,13 +5993,13 @@
             </a:lvl9pPr>
           </a:lstStyle>
           <a:p>
-            <a:pPr eaLnBrk="1" hangingPunct="1">
+            <a:pPr algn="ctr" eaLnBrk="1" hangingPunct="1">
               <a:spcBef>
                 <a:spcPct val="50000"/>
               </a:spcBef>
             </a:pPr>
             <a:r>
-              <a:rPr lang="en-US" altLang="en-US" sz="4400" b="1" dirty="0">
+              <a:rPr lang="en-US" altLang="en-US" sz="4400" b="1" u="sng" dirty="0">
                 <a:solidFill>
                   <a:srgbClr val="000000"/>
                 </a:solidFill>
@@ -8443,7 +6035,7 @@
               <a:rPr lang="en-US" altLang="en-US" sz="3600" dirty="0">
                 <a:latin typeface="Avenir Book" pitchFamily="124" charset="0"/>
               </a:rPr>
-              <a:t>Our predictive margin of error was around +/- 3 games of playoff result – which is the difference between losing or advancing to the next round</a:t>
+              <a:t>Our predictive margin of error was around +/- 3 games of playoff result – which is the difference between losing or advancing to the next round.</a:t>
             </a:r>
           </a:p>
           <a:p>
@@ -8458,7 +6050,7 @@
               <a:rPr lang="en-US" altLang="en-US" sz="3600" dirty="0">
                 <a:latin typeface="Avenir Book" pitchFamily="124" charset="0"/>
               </a:rPr>
-              <a:t>Rolling average performance over stretches of games will affect prediction ability</a:t>
+              <a:t>Rolling average performance over stretches of games will affect prediction ability.</a:t>
             </a:r>
           </a:p>
           <a:p>
@@ -8640,15 +6232,15 @@
             </a:lvl9pPr>
           </a:lstStyle>
           <a:p>
-            <a:pPr algn="just" eaLnBrk="1" hangingPunct="1"/>
-            <a:r>
-              <a:rPr lang="en-US" altLang="en-US" sz="4400" b="1" dirty="0">
+            <a:pPr algn="ctr" eaLnBrk="1" hangingPunct="1"/>
+            <a:r>
+              <a:rPr lang="en-US" altLang="en-US" sz="4400" b="1" u="sng" dirty="0">
                 <a:solidFill>
                   <a:srgbClr val="000000"/>
                 </a:solidFill>
                 <a:latin typeface="Avenir Heavy" pitchFamily="124" charset="0"/>
               </a:rPr>
-              <a:t>Data Sources</a:t>
+              <a:t>Data Source</a:t>
             </a:r>
           </a:p>
           <a:p>
@@ -8675,7 +6267,7 @@
                 </a:solidFill>
                 <a:latin typeface="Avenir Book" pitchFamily="124" charset="0"/>
               </a:rPr>
-              <a:t> official stats website</a:t>
+              <a:t> official stats website.</a:t>
             </a:r>
           </a:p>
           <a:p>
@@ -8693,7 +6285,7 @@
                 </a:solidFill>
                 <a:latin typeface="Avenir Book" pitchFamily="124" charset="0"/>
               </a:rPr>
-              <a:t>Used the stats.nba.com API to scrape traditional and advanced box score data</a:t>
+              <a:t>Used the stats.nba.com API to scrape traditional and advanced box score data.</a:t>
             </a:r>
             <a:endParaRPr lang="en-US" altLang="en-US" sz="3600" dirty="0">
               <a:latin typeface="Avenir Book" pitchFamily="124" charset="0"/>
@@ -8705,9 +6297,12 @@
                 <a:spcPct val="10000"/>
               </a:spcBef>
             </a:pPr>
-            <a:endParaRPr lang="en-US" altLang="en-US" sz="2800" dirty="0">
-              <a:latin typeface="Avenir Book" pitchFamily="124" charset="0"/>
-            </a:endParaRPr>
+            <a:r>
+              <a:rPr lang="en-US" altLang="en-US" sz="2800" dirty="0">
+                <a:latin typeface="Avenir Book" pitchFamily="124" charset="0"/>
+              </a:rPr>
+              <a:t>.</a:t>
+            </a:r>
           </a:p>
         </p:txBody>
       </p:sp>
@@ -8734,6 +6329,11 @@
           <a:solidFill>
             <a:schemeClr val="bg1"/>
           </a:solidFill>
+          <a:ln w="38100">
+            <a:solidFill>
+              <a:schemeClr val="tx1"/>
+            </a:solidFill>
+          </a:ln>
         </p:spPr>
         <p:style>
           <a:lnRef idx="1">
@@ -8869,7 +6469,7 @@
         </p:blipFill>
         <p:spPr bwMode="auto">
           <a:xfrm>
-            <a:off x="17931381" y="8662383"/>
+            <a:off x="14271400" y="8662382"/>
             <a:ext cx="15129327" cy="9567331"/>
           </a:xfrm>
           <a:prstGeom prst="rect">
@@ -8889,10 +6489,10 @@
       </p:pic>
       <p:pic>
         <p:nvPicPr>
-          <p:cNvPr id="1028" name="Picture 4">
+          <p:cNvPr id="3" name="Picture 2">
             <a:extLst>
               <a:ext uri="{FF2B5EF4-FFF2-40B4-BE49-F238E27FC236}">
-                <a16:creationId xmlns:a16="http://schemas.microsoft.com/office/drawing/2014/main" id="{1A8B254E-9F2C-0AA2-4D4C-BCB73C033E8B}"/>
+                <a16:creationId xmlns:a16="http://schemas.microsoft.com/office/drawing/2014/main" id="{7BA4E215-0913-1724-4C67-1F695AC45B58}"/>
               </a:ext>
             </a:extLst>
           </p:cNvPr>
@@ -8916,8 +6516,8 @@
         </p:blipFill>
         <p:spPr bwMode="auto">
           <a:xfrm>
-            <a:off x="17931381" y="19333028"/>
-            <a:ext cx="15129327" cy="9589503"/>
+            <a:off x="21494074" y="19017442"/>
+            <a:ext cx="15129326" cy="9782200"/>
           </a:xfrm>
           <a:prstGeom prst="rect">
             <a:avLst/>
@@ -8934,6 +6534,386 @@
           </a:extLst>
         </p:spPr>
       </p:pic>
+      <p:sp>
+        <p:nvSpPr>
+          <p:cNvPr id="4" name="TextBox 3">
+            <a:extLst>
+              <a:ext uri="{FF2B5EF4-FFF2-40B4-BE49-F238E27FC236}">
+                <a16:creationId xmlns:a16="http://schemas.microsoft.com/office/drawing/2014/main" id="{D3975416-257D-D100-D313-0FEC04FFCDF6}"/>
+              </a:ext>
+            </a:extLst>
+          </p:cNvPr>
+          <p:cNvSpPr txBox="1"/>
+          <p:nvPr/>
+        </p:nvSpPr>
+        <p:spPr>
+          <a:xfrm>
+            <a:off x="14271400" y="19659600"/>
+            <a:ext cx="6952305" cy="8778346"/>
+          </a:xfrm>
+          <a:prstGeom prst="rect">
+            <a:avLst/>
+          </a:prstGeom>
+          <a:noFill/>
+          <a:ln>
+            <a:solidFill>
+              <a:schemeClr val="tx1"/>
+            </a:solidFill>
+          </a:ln>
+        </p:spPr>
+        <p:txBody>
+          <a:bodyPr wrap="square" lIns="457200" tIns="457200" rIns="457200" bIns="457200" rtlCol="0">
+            <a:spAutoFit/>
+          </a:bodyPr>
+          <a:lstStyle/>
+          <a:p>
+            <a:r>
+              <a:rPr lang="en-US" dirty="0">
+                <a:latin typeface="Avenir Book"/>
+              </a:rPr>
+              <a:t>The graph on the right displays the accuracy of our neural network progressively trained on games using the rolling averages of a team’s stats. For example, looking at </a:t>
+            </a:r>
+            <a:r>
+              <a:rPr lang="en-US" i="1" dirty="0">
+                <a:latin typeface="Avenir Book"/>
+              </a:rPr>
+              <a:t>x</a:t>
+            </a:r>
+            <a:r>
+              <a:rPr lang="en-US" dirty="0">
+                <a:latin typeface="Avenir Book"/>
+              </a:rPr>
+              <a:t> = 10, this represents game 10 in a season. The blue line represents training accuracy, which is how well game 10 predicted a team’s playoff result in the 2022-23 season. The red line at </a:t>
+            </a:r>
+            <a:r>
+              <a:rPr lang="en-US" i="1" dirty="0">
+                <a:latin typeface="Avenir Book"/>
+              </a:rPr>
+              <a:t>x</a:t>
+            </a:r>
+            <a:r>
+              <a:rPr lang="en-US" dirty="0">
+                <a:latin typeface="Avenir Book"/>
+              </a:rPr>
+              <a:t> = 10 represents how well our network predicted playoff result for our team in the next season (2023-24) at the 10</a:t>
+            </a:r>
+            <a:r>
+              <a:rPr lang="en-US" baseline="30000" dirty="0">
+                <a:latin typeface="Avenir Book"/>
+              </a:rPr>
+              <a:t>th</a:t>
+            </a:r>
+            <a:r>
+              <a:rPr lang="en-US" dirty="0">
+                <a:latin typeface="Avenir Book"/>
+              </a:rPr>
+              <a:t> game. Our model performed increasingly more accurate as the season moves along.</a:t>
+            </a:r>
+          </a:p>
+        </p:txBody>
+      </p:sp>
+      <p:sp>
+        <p:nvSpPr>
+          <p:cNvPr id="5" name="Rectangle 4">
+            <a:extLst>
+              <a:ext uri="{FF2B5EF4-FFF2-40B4-BE49-F238E27FC236}">
+                <a16:creationId xmlns:a16="http://schemas.microsoft.com/office/drawing/2014/main" id="{285BA5B7-D378-EC31-9380-2FE6E6C9072F}"/>
+              </a:ext>
+            </a:extLst>
+          </p:cNvPr>
+          <p:cNvSpPr/>
+          <p:nvPr/>
+        </p:nvSpPr>
+        <p:spPr>
+          <a:xfrm>
+            <a:off x="23822529" y="21801221"/>
+            <a:ext cx="1588164" cy="1395664"/>
+          </a:xfrm>
+          <a:prstGeom prst="rect">
+            <a:avLst/>
+          </a:prstGeom>
+          <a:solidFill>
+            <a:srgbClr val="FFFF00">
+              <a:alpha val="32157"/>
+            </a:srgbClr>
+          </a:solidFill>
+          <a:ln>
+            <a:solidFill>
+              <a:schemeClr val="tx1"/>
+            </a:solidFill>
+          </a:ln>
+        </p:spPr>
+        <p:style>
+          <a:lnRef idx="1">
+            <a:schemeClr val="accent1"/>
+          </a:lnRef>
+          <a:fillRef idx="3">
+            <a:schemeClr val="accent1"/>
+          </a:fillRef>
+          <a:effectRef idx="2">
+            <a:schemeClr val="accent1"/>
+          </a:effectRef>
+          <a:fontRef idx="minor">
+            <a:schemeClr val="lt1"/>
+          </a:fontRef>
+        </p:style>
+        <p:txBody>
+          <a:bodyPr rtlCol="0" anchor="ctr"/>
+          <a:lstStyle/>
+          <a:p>
+            <a:pPr algn="ctr"/>
+            <a:endParaRPr lang="en-US"/>
+          </a:p>
+        </p:txBody>
+      </p:sp>
+      <p:cxnSp>
+        <p:nvCxnSpPr>
+          <p:cNvPr id="7" name="Straight Connector 6">
+            <a:extLst>
+              <a:ext uri="{FF2B5EF4-FFF2-40B4-BE49-F238E27FC236}">
+                <a16:creationId xmlns:a16="http://schemas.microsoft.com/office/drawing/2014/main" id="{A9476E2D-B1B0-2811-C07D-3D9B7C227C01}"/>
+              </a:ext>
+            </a:extLst>
+          </p:cNvPr>
+          <p:cNvCxnSpPr>
+            <a:cxnSpLocks/>
+          </p:cNvCxnSpPr>
+          <p:nvPr/>
+        </p:nvCxnSpPr>
+        <p:spPr>
+          <a:xfrm flipV="1">
+            <a:off x="24760989" y="21801221"/>
+            <a:ext cx="0" cy="5994567"/>
+          </a:xfrm>
+          <a:prstGeom prst="line">
+            <a:avLst/>
+          </a:prstGeom>
+          <a:ln>
+            <a:solidFill>
+              <a:schemeClr val="tx1"/>
+            </a:solidFill>
+            <a:prstDash val="sysDash"/>
+          </a:ln>
+        </p:spPr>
+        <p:style>
+          <a:lnRef idx="2">
+            <a:schemeClr val="accent1"/>
+          </a:lnRef>
+          <a:fillRef idx="0">
+            <a:schemeClr val="accent1"/>
+          </a:fillRef>
+          <a:effectRef idx="1">
+            <a:schemeClr val="accent1"/>
+          </a:effectRef>
+          <a:fontRef idx="minor">
+            <a:schemeClr val="tx1"/>
+          </a:fontRef>
+        </p:style>
+      </p:cxnSp>
+      <p:sp>
+        <p:nvSpPr>
+          <p:cNvPr id="10" name="Arrow: Right 9">
+            <a:extLst>
+              <a:ext uri="{FF2B5EF4-FFF2-40B4-BE49-F238E27FC236}">
+                <a16:creationId xmlns:a16="http://schemas.microsoft.com/office/drawing/2014/main" id="{23F01DDE-384E-C5FC-E821-6112759B9BA6}"/>
+              </a:ext>
+            </a:extLst>
+          </p:cNvPr>
+          <p:cNvSpPr/>
+          <p:nvPr/>
+        </p:nvSpPr>
+        <p:spPr>
+          <a:xfrm>
+            <a:off x="20646189" y="21801221"/>
+            <a:ext cx="2905971" cy="586837"/>
+          </a:xfrm>
+          <a:prstGeom prst="rightArrow">
+            <a:avLst/>
+          </a:prstGeom>
+          <a:solidFill>
+            <a:srgbClr val="FFFF00">
+              <a:alpha val="32157"/>
+            </a:srgbClr>
+          </a:solidFill>
+          <a:ln>
+            <a:solidFill>
+              <a:schemeClr val="tx1"/>
+            </a:solidFill>
+          </a:ln>
+        </p:spPr>
+        <p:style>
+          <a:lnRef idx="1">
+            <a:schemeClr val="accent1"/>
+          </a:lnRef>
+          <a:fillRef idx="3">
+            <a:schemeClr val="accent1"/>
+          </a:fillRef>
+          <a:effectRef idx="2">
+            <a:schemeClr val="accent1"/>
+          </a:effectRef>
+          <a:fontRef idx="minor">
+            <a:schemeClr val="lt1"/>
+          </a:fontRef>
+        </p:style>
+        <p:txBody>
+          <a:bodyPr rtlCol="0" anchor="ctr"/>
+          <a:lstStyle/>
+          <a:p>
+            <a:pPr algn="ctr"/>
+            <a:endParaRPr lang="en-US"/>
+          </a:p>
+        </p:txBody>
+      </p:sp>
+      <p:sp>
+        <p:nvSpPr>
+          <p:cNvPr id="11" name="TextBox 10">
+            <a:extLst>
+              <a:ext uri="{FF2B5EF4-FFF2-40B4-BE49-F238E27FC236}">
+                <a16:creationId xmlns:a16="http://schemas.microsoft.com/office/drawing/2014/main" id="{5B17B1BD-B4B9-BA45-8C54-05C6E59D73FE}"/>
+              </a:ext>
+            </a:extLst>
+          </p:cNvPr>
+          <p:cNvSpPr txBox="1"/>
+          <p:nvPr/>
+        </p:nvSpPr>
+        <p:spPr>
+          <a:xfrm>
+            <a:off x="29850027" y="8887326"/>
+            <a:ext cx="6952305" cy="9294852"/>
+          </a:xfrm>
+          <a:prstGeom prst="rect">
+            <a:avLst/>
+          </a:prstGeom>
+          <a:noFill/>
+          <a:ln>
+            <a:solidFill>
+              <a:schemeClr val="tx1"/>
+            </a:solidFill>
+          </a:ln>
+        </p:spPr>
+        <p:txBody>
+          <a:bodyPr wrap="square" lIns="457200" tIns="457200" rIns="457200" bIns="457200" rtlCol="0">
+            <a:spAutoFit/>
+          </a:bodyPr>
+          <a:lstStyle/>
+          <a:p>
+            <a:r>
+              <a:rPr lang="en-US" dirty="0">
+                <a:latin typeface="Avenir Book"/>
+              </a:rPr>
+              <a:t>The graph on the left signifies how accurate our model was at predicting playoff performance for the 2023-24 season trained on the 2022-23 (previous) season. Our x-axis represents batch number, where one (1) batch is a group of five (5) NBA games. We find that around batch 20, our model’s test accuracy, or ability to predict playoff result for the 2023-24 season, is capped out at around 53%. This means that after approximately 100 games played in the 2023-24 season, which is around the start of November, we can tell a team’s correct playoff result at a bit better than a 50/50 rate. </a:t>
+            </a:r>
+          </a:p>
+        </p:txBody>
+      </p:sp>
+      <p:sp>
+        <p:nvSpPr>
+          <p:cNvPr id="12" name="Rectangle 11">
+            <a:extLst>
+              <a:ext uri="{FF2B5EF4-FFF2-40B4-BE49-F238E27FC236}">
+                <a16:creationId xmlns:a16="http://schemas.microsoft.com/office/drawing/2014/main" id="{C1658A82-17AD-0C48-E291-B9B4656C7E15}"/>
+              </a:ext>
+            </a:extLst>
+          </p:cNvPr>
+          <p:cNvSpPr/>
+          <p:nvPr/>
+        </p:nvSpPr>
+        <p:spPr>
+          <a:xfrm>
+            <a:off x="16159387" y="10162674"/>
+            <a:ext cx="2200801" cy="1676400"/>
+          </a:xfrm>
+          <a:prstGeom prst="rect">
+            <a:avLst/>
+          </a:prstGeom>
+          <a:solidFill>
+            <a:srgbClr val="FFFF00">
+              <a:alpha val="32157"/>
+            </a:srgbClr>
+          </a:solidFill>
+          <a:ln>
+            <a:solidFill>
+              <a:schemeClr val="tx1"/>
+            </a:solidFill>
+          </a:ln>
+        </p:spPr>
+        <p:style>
+          <a:lnRef idx="1">
+            <a:schemeClr val="accent1"/>
+          </a:lnRef>
+          <a:fillRef idx="3">
+            <a:schemeClr val="accent1"/>
+          </a:fillRef>
+          <a:effectRef idx="2">
+            <a:schemeClr val="accent1"/>
+          </a:effectRef>
+          <a:fontRef idx="minor">
+            <a:schemeClr val="lt1"/>
+          </a:fontRef>
+        </p:style>
+        <p:txBody>
+          <a:bodyPr rtlCol="0" anchor="ctr"/>
+          <a:lstStyle/>
+          <a:p>
+            <a:pPr algn="ctr"/>
+            <a:endParaRPr lang="en-US"/>
+          </a:p>
+        </p:txBody>
+      </p:sp>
+      <p:sp>
+        <p:nvSpPr>
+          <p:cNvPr id="13" name="Arrow: Right 12">
+            <a:extLst>
+              <a:ext uri="{FF2B5EF4-FFF2-40B4-BE49-F238E27FC236}">
+                <a16:creationId xmlns:a16="http://schemas.microsoft.com/office/drawing/2014/main" id="{954C49DA-C8DE-6901-3D92-A02C94CEDF67}"/>
+              </a:ext>
+            </a:extLst>
+          </p:cNvPr>
+          <p:cNvSpPr/>
+          <p:nvPr/>
+        </p:nvSpPr>
+        <p:spPr>
+          <a:xfrm rot="10800000">
+            <a:off x="18587018" y="9942028"/>
+            <a:ext cx="11082855" cy="586837"/>
+          </a:xfrm>
+          <a:prstGeom prst="rightArrow">
+            <a:avLst/>
+          </a:prstGeom>
+          <a:solidFill>
+            <a:srgbClr val="FFFF00">
+              <a:alpha val="32157"/>
+            </a:srgbClr>
+          </a:solidFill>
+          <a:ln>
+            <a:solidFill>
+              <a:schemeClr val="tx1"/>
+            </a:solidFill>
+          </a:ln>
+        </p:spPr>
+        <p:style>
+          <a:lnRef idx="1">
+            <a:schemeClr val="accent1"/>
+          </a:lnRef>
+          <a:fillRef idx="3">
+            <a:schemeClr val="accent1"/>
+          </a:fillRef>
+          <a:effectRef idx="2">
+            <a:schemeClr val="accent1"/>
+          </a:effectRef>
+          <a:fontRef idx="minor">
+            <a:schemeClr val="lt1"/>
+          </a:fontRef>
+        </p:style>
+        <p:txBody>
+          <a:bodyPr rtlCol="0" anchor="ctr"/>
+          <a:lstStyle/>
+          <a:p>
+            <a:pPr algn="ctr"/>
+            <a:endParaRPr lang="en-US"/>
+          </a:p>
+        </p:txBody>
+      </p:sp>
     </p:spTree>
     <p:extLst>
       <p:ext uri="{BB962C8B-B14F-4D97-AF65-F5344CB8AC3E}">
@@ -9854,47 +7834,4 @@
     </a:folHlink>
   </a:clrScheme>
 </a:themeOverride>
-</file>
-
-<file path=ppt/theme/themeOverride2.xml><?xml version="1.0" encoding="utf-8"?>
-<a:themeOverride xmlns:a="http://schemas.openxmlformats.org/drawingml/2006/main">
-  <a:clrScheme name="Default Design 3">
-    <a:dk1>
-      <a:srgbClr val="000000"/>
-    </a:dk1>
-    <a:lt1>
-      <a:srgbClr val="FFFFFF"/>
-    </a:lt1>
-    <a:dk2>
-      <a:srgbClr val="000000"/>
-    </a:dk2>
-    <a:lt2>
-      <a:srgbClr val="333333"/>
-    </a:lt2>
-    <a:accent1>
-      <a:srgbClr val="DDDDDD"/>
-    </a:accent1>
-    <a:accent2>
-      <a:srgbClr val="808080"/>
-    </a:accent2>
-    <a:accent3>
-      <a:srgbClr val="FFFFFF"/>
-    </a:accent3>
-    <a:accent4>
-      <a:srgbClr val="000000"/>
-    </a:accent4>
-    <a:accent5>
-      <a:srgbClr val="EBEBEB"/>
-    </a:accent5>
-    <a:accent6>
-      <a:srgbClr val="737373"/>
-    </a:accent6>
-    <a:hlink>
-      <a:srgbClr val="4D4D4D"/>
-    </a:hlink>
-    <a:folHlink>
-      <a:srgbClr val="EAEAEA"/>
-    </a:folHlink>
-  </a:clrScheme>
-</a:themeOverride>
 </file>
--- a/Box Score to Bracket- Evaluating the Predictive Power of NBA Regular Season Performance on Playoff Outcomes.pptx
+++ b/Box Score to Bracket- Evaluating the Predictive Power of NBA Regular Season Performance on Playoff Outcomes.pptx
@@ -4652,7 +4652,7 @@
           </a:ln>
         </p:spPr>
         <p:txBody>
-          <a:bodyPr lIns="914400" tIns="457200" rIns="914400" bIns="914400"/>
+          <a:bodyPr lIns="914400" tIns="457200" rIns="914400" bIns="457200"/>
           <a:lstStyle>
             <a:lvl1pPr eaLnBrk="0" hangingPunct="0">
               <a:tabLst>
@@ -4863,7 +4863,7 @@
           </a:ln>
         </p:spPr>
         <p:txBody>
-          <a:bodyPr lIns="914400" tIns="457200" rIns="914400" bIns="914400"/>
+          <a:bodyPr lIns="914400" tIns="457200" rIns="914400" bIns="457200"/>
           <a:lstStyle>
             <a:lvl1pPr eaLnBrk="0" hangingPunct="0">
               <a:tabLst>
@@ -5453,7 +5453,7 @@
           </a:ln>
         </p:spPr>
         <p:txBody>
-          <a:bodyPr lIns="914400" tIns="457200" rIns="914400" bIns="914400"/>
+          <a:bodyPr lIns="914400" tIns="457200" rIns="914400" bIns="457200"/>
           <a:lstStyle>
             <a:lvl1pPr eaLnBrk="0" hangingPunct="0">
               <a:tabLst>
@@ -5693,7 +5693,7 @@
           </a:ln>
         </p:spPr>
         <p:txBody>
-          <a:bodyPr lIns="914400" tIns="457200" rIns="914400" bIns="914400"/>
+          <a:bodyPr lIns="914400" tIns="457200" rIns="914400" bIns="457200"/>
           <a:lstStyle>
             <a:lvl1pPr eaLnBrk="0" hangingPunct="0">
               <a:defRPr sz="3200">
@@ -5884,7 +5884,7 @@
           </a:ln>
         </p:spPr>
         <p:txBody>
-          <a:bodyPr lIns="914400" tIns="457200" rIns="914400" bIns="914400"/>
+          <a:bodyPr lIns="914400" tIns="457200" rIns="914400" bIns="457200"/>
           <a:lstStyle>
             <a:lvl1pPr marL="500063" indent="-500063" eaLnBrk="0" hangingPunct="0">
               <a:defRPr sz="3200">
@@ -6123,7 +6123,7 @@
           </a:ln>
         </p:spPr>
         <p:txBody>
-          <a:bodyPr lIns="914400" tIns="457200" rIns="914400" bIns="914400"/>
+          <a:bodyPr lIns="914400" tIns="457200" rIns="914400" bIns="457200"/>
           <a:lstStyle>
             <a:lvl1pPr eaLnBrk="0" hangingPunct="0">
               <a:defRPr sz="3200">

--- a/Box Score to Bracket- Evaluating the Predictive Power of NBA Regular Season Performance on Playoff Outcomes.pptx
+++ b/Box Score to Bracket- Evaluating the Predictive Power of NBA Regular Season Performance on Playoff Outcomes.pptx
@@ -8,7 +8,7 @@
     <p:notesMasterId r:id="rId3"/>
   </p:notesMasterIdLst>
   <p:sldIdLst>
-    <p:sldId id="259" r:id="rId2"/>
+    <p:sldId id="260" r:id="rId2"/>
   </p:sldIdLst>
   <p:sldSz cx="51206400" cy="32004000"/>
   <p:notesSz cx="32918400" cy="51206400"/>
@@ -734,7 +734,7 @@
         <p:cNvPr id="1" name="">
           <a:extLst>
             <a:ext uri="{FF2B5EF4-FFF2-40B4-BE49-F238E27FC236}">
-              <a16:creationId xmlns:a16="http://schemas.microsoft.com/office/drawing/2014/main" id="{AC92AEC7-EBC3-78EF-76BD-F3E3353ADC0A}"/>
+              <a16:creationId xmlns:a16="http://schemas.microsoft.com/office/drawing/2014/main" id="{8AC8472D-DA47-DE78-81E8-1FE51F92F0D3}"/>
             </a:ext>
           </a:extLst>
         </p:cNvPr>
@@ -754,7 +754,7 @@
           <p:cNvPr id="15361" name="Slide Image Placeholder 1">
             <a:extLst>
               <a:ext uri="{FF2B5EF4-FFF2-40B4-BE49-F238E27FC236}">
-                <a16:creationId xmlns:a16="http://schemas.microsoft.com/office/drawing/2014/main" id="{5161707D-B20F-B951-E638-347EFDF93FDE}"/>
+                <a16:creationId xmlns:a16="http://schemas.microsoft.com/office/drawing/2014/main" id="{DC26E7D6-B0E0-632B-0392-9EDCCD82B1C6}"/>
               </a:ext>
             </a:extLst>
           </p:cNvPr>
@@ -791,7 +791,7 @@
           <p:cNvPr id="15362" name="Notes Placeholder 2">
             <a:extLst>
               <a:ext uri="{FF2B5EF4-FFF2-40B4-BE49-F238E27FC236}">
-                <a16:creationId xmlns:a16="http://schemas.microsoft.com/office/drawing/2014/main" id="{3CB8FDB3-7641-7F2D-2CDE-D1DA4146644B}"/>
+                <a16:creationId xmlns:a16="http://schemas.microsoft.com/office/drawing/2014/main" id="{7E02A4B7-8A44-A816-CEDD-58E71AFA3772}"/>
               </a:ext>
             </a:extLst>
           </p:cNvPr>
@@ -846,7 +846,7 @@
           <p:cNvPr id="15363" name="Slide Number Placeholder 3">
             <a:extLst>
               <a:ext uri="{FF2B5EF4-FFF2-40B4-BE49-F238E27FC236}">
-                <a16:creationId xmlns:a16="http://schemas.microsoft.com/office/drawing/2014/main" id="{BE2589E8-C708-5664-62F2-8FD198694D10}"/>
+                <a16:creationId xmlns:a16="http://schemas.microsoft.com/office/drawing/2014/main" id="{7BC52F0A-6E06-EE25-D169-AC562D73AA24}"/>
               </a:ext>
             </a:extLst>
           </p:cNvPr>
@@ -1006,7 +1006,7 @@
     </p:spTree>
     <p:extLst>
       <p:ext uri="{BB962C8B-B14F-4D97-AF65-F5344CB8AC3E}">
-        <p14:creationId xmlns:p14="http://schemas.microsoft.com/office/powerpoint/2010/main" val="1172449251"/>
+        <p14:creationId xmlns:p14="http://schemas.microsoft.com/office/powerpoint/2010/main" val="1144954102"/>
       </p:ext>
     </p:extLst>
   </p:cSld>
@@ -4555,7 +4555,7 @@
         <p:cNvPr id="1" name="">
           <a:extLst>
             <a:ext uri="{FF2B5EF4-FFF2-40B4-BE49-F238E27FC236}">
-              <a16:creationId xmlns:a16="http://schemas.microsoft.com/office/drawing/2014/main" id="{EDCE82C2-DBE0-5FA9-7820-3428C527F362}"/>
+              <a16:creationId xmlns:a16="http://schemas.microsoft.com/office/drawing/2014/main" id="{FE8EFE8E-74C9-7E6B-E636-7EC903B1983C}"/>
             </a:ext>
           </a:extLst>
         </p:cNvPr>
@@ -4575,7 +4575,7 @@
           <p:cNvPr id="3076" name="Picture 4">
             <a:extLst>
               <a:ext uri="{FF2B5EF4-FFF2-40B4-BE49-F238E27FC236}">
-                <a16:creationId xmlns:a16="http://schemas.microsoft.com/office/drawing/2014/main" id="{29EF5C91-D397-DC08-FAAC-0308A2F817B5}"/>
+                <a16:creationId xmlns:a16="http://schemas.microsoft.com/office/drawing/2014/main" id="{D6FB30E7-60C7-2030-635C-40D948919334}"/>
               </a:ext>
             </a:extLst>
           </p:cNvPr>
@@ -4622,7 +4622,7 @@
           <p:cNvPr id="14339" name="Text Box 7">
             <a:extLst>
               <a:ext uri="{FF2B5EF4-FFF2-40B4-BE49-F238E27FC236}">
-                <a16:creationId xmlns:a16="http://schemas.microsoft.com/office/drawing/2014/main" id="{A817019B-2C78-FAF6-F919-6C121DD1EE35}"/>
+                <a16:creationId xmlns:a16="http://schemas.microsoft.com/office/drawing/2014/main" id="{6C1F524A-9142-6583-EC61-826C86613B59}"/>
               </a:ext>
             </a:extLst>
           </p:cNvPr>
@@ -4650,6 +4650,13 @@
             <a:headEnd/>
             <a:tailEnd/>
           </a:ln>
+          <a:effectLst>
+            <a:outerShdw blurRad="50800" dist="88900" dir="2700000" algn="tl" rotWithShape="0">
+              <a:prstClr val="black">
+                <a:alpha val="40000"/>
+              </a:prstClr>
+            </a:outerShdw>
+          </a:effectLst>
         </p:spPr>
         <p:txBody>
           <a:bodyPr lIns="914400" tIns="457200" rIns="914400" bIns="457200"/>
@@ -4833,7 +4840,7 @@
           <p:cNvPr id="14340" name="Text Box 11">
             <a:extLst>
               <a:ext uri="{FF2B5EF4-FFF2-40B4-BE49-F238E27FC236}">
-                <a16:creationId xmlns:a16="http://schemas.microsoft.com/office/drawing/2014/main" id="{944CAD36-E156-CCD1-8A8F-C4F8011690FD}"/>
+                <a16:creationId xmlns:a16="http://schemas.microsoft.com/office/drawing/2014/main" id="{B98A9C97-DD02-D627-D6B0-1F8269A12BC7}"/>
               </a:ext>
             </a:extLst>
           </p:cNvPr>
@@ -4861,6 +4868,13 @@
             <a:headEnd/>
             <a:tailEnd/>
           </a:ln>
+          <a:effectLst>
+            <a:outerShdw blurRad="50800" dist="88900" dir="2700000" algn="tl" rotWithShape="0">
+              <a:prstClr val="black">
+                <a:alpha val="40000"/>
+              </a:prstClr>
+            </a:outerShdw>
+          </a:effectLst>
         </p:spPr>
         <p:txBody>
           <a:bodyPr lIns="914400" tIns="457200" rIns="914400" bIns="457200"/>
@@ -5143,7 +5157,7 @@
           <p:cNvPr id="14341" name="Text Box 12">
             <a:extLst>
               <a:ext uri="{FF2B5EF4-FFF2-40B4-BE49-F238E27FC236}">
-                <a16:creationId xmlns:a16="http://schemas.microsoft.com/office/drawing/2014/main" id="{E6E35E14-F05B-C28E-2F69-74F3B7D21B6D}"/>
+                <a16:creationId xmlns:a16="http://schemas.microsoft.com/office/drawing/2014/main" id="{8F9D9AB0-5724-A588-6754-D910E75F931D}"/>
               </a:ext>
             </a:extLst>
           </p:cNvPr>
@@ -5171,6 +5185,13 @@
             <a:headEnd/>
             <a:tailEnd/>
           </a:ln>
+          <a:effectLst>
+            <a:outerShdw blurRad="50800" dist="88900" dir="2700000" algn="tl" rotWithShape="0">
+              <a:prstClr val="black">
+                <a:alpha val="40000"/>
+              </a:prstClr>
+            </a:outerShdw>
+          </a:effectLst>
         </p:spPr>
         <p:txBody>
           <a:bodyPr lIns="914400" tIns="457200" rIns="914400" bIns="914400"/>
@@ -5423,7 +5444,7 @@
           <p:cNvPr id="14342" name="Text Box 13">
             <a:extLst>
               <a:ext uri="{FF2B5EF4-FFF2-40B4-BE49-F238E27FC236}">
-                <a16:creationId xmlns:a16="http://schemas.microsoft.com/office/drawing/2014/main" id="{01D8A2AC-A127-078B-ADC0-11106AA2B7A6}"/>
+                <a16:creationId xmlns:a16="http://schemas.microsoft.com/office/drawing/2014/main" id="{33E7C0FB-4FFE-6FAF-26BA-05D68D1D586A}"/>
               </a:ext>
             </a:extLst>
           </p:cNvPr>
@@ -5451,6 +5472,13 @@
             <a:headEnd/>
             <a:tailEnd/>
           </a:ln>
+          <a:effectLst>
+            <a:outerShdw blurRad="50800" dist="88900" dir="2700000" algn="tl" rotWithShape="0">
+              <a:prstClr val="black">
+                <a:alpha val="40000"/>
+              </a:prstClr>
+            </a:outerShdw>
+          </a:effectLst>
         </p:spPr>
         <p:txBody>
           <a:bodyPr lIns="914400" tIns="457200" rIns="914400" bIns="457200"/>
@@ -5660,10 +5688,10 @@
       </p:sp>
       <p:sp>
         <p:nvSpPr>
-          <p:cNvPr id="14345" name="Text Box 16">
+          <p:cNvPr id="14346" name="Text Box 15">
             <a:extLst>
               <a:ext uri="{FF2B5EF4-FFF2-40B4-BE49-F238E27FC236}">
-                <a16:creationId xmlns:a16="http://schemas.microsoft.com/office/drawing/2014/main" id="{BB36A4CC-CE7A-59AA-6200-05ED7D10A390}"/>
+                <a16:creationId xmlns:a16="http://schemas.microsoft.com/office/drawing/2014/main" id="{F280E843-5365-7BC7-7D0A-FD58075FC608}"/>
               </a:ext>
             </a:extLst>
           </p:cNvPr>
@@ -5674,8 +5702,8 @@
         </p:nvSpPr>
         <p:spPr bwMode="auto">
           <a:xfrm>
-            <a:off x="38595300" y="22388059"/>
-            <a:ext cx="10811782" cy="3998911"/>
+            <a:off x="38595300" y="15185571"/>
+            <a:ext cx="10811782" cy="14401799"/>
           </a:xfrm>
           <a:prstGeom prst="rect">
             <a:avLst/>
@@ -5691,11 +5719,18 @@
             <a:headEnd/>
             <a:tailEnd/>
           </a:ln>
+          <a:effectLst>
+            <a:outerShdw blurRad="50800" dist="88900" dir="2700000" algn="tl" rotWithShape="0">
+              <a:prstClr val="black">
+                <a:alpha val="40000"/>
+              </a:prstClr>
+            </a:outerShdw>
+          </a:effectLst>
         </p:spPr>
         <p:txBody>
           <a:bodyPr lIns="914400" tIns="457200" rIns="914400" bIns="457200"/>
           <a:lstStyle>
-            <a:lvl1pPr eaLnBrk="0" hangingPunct="0">
+            <a:lvl1pPr marL="500063" indent="-500063" eaLnBrk="0" hangingPunct="0">
               <a:defRPr sz="3200">
                 <a:solidFill>
                   <a:schemeClr val="tx1"/>
@@ -5814,7 +5849,7 @@
                 </a:solidFill>
                 <a:latin typeface="Avenir Heavy" pitchFamily="124" charset="0"/>
               </a:rPr>
-              <a:t>Future Work</a:t>
+              <a:t>Implications</a:t>
             </a:r>
           </a:p>
           <a:p>
@@ -5829,7 +5864,7 @@
               <a:rPr lang="en-US" altLang="en-US" sz="3600" dirty="0">
                 <a:latin typeface="Avenir Book" pitchFamily="124" charset="0"/>
               </a:rPr>
-              <a:t>Creating specialized models for each team.</a:t>
+              <a:t>Our model could tell early on what level of performance correlated to a particular playoff finish, but it was not entirely accurate.</a:t>
             </a:r>
           </a:p>
           <a:p>
@@ -5844,168 +5879,7 @@
               <a:rPr lang="en-US" altLang="en-US" sz="3600" dirty="0">
                 <a:latin typeface="Avenir Book" pitchFamily="124" charset="0"/>
               </a:rPr>
-              <a:t>Experimenting with different model types other than neural networks, hoping to find more accurate models for predicting.</a:t>
-            </a:r>
-          </a:p>
-        </p:txBody>
-      </p:sp>
-      <p:sp>
-        <p:nvSpPr>
-          <p:cNvPr id="14346" name="Text Box 15">
-            <a:extLst>
-              <a:ext uri="{FF2B5EF4-FFF2-40B4-BE49-F238E27FC236}">
-                <a16:creationId xmlns:a16="http://schemas.microsoft.com/office/drawing/2014/main" id="{FC2885BC-4E9F-834A-DB68-05D36F4A8FEB}"/>
-              </a:ext>
-            </a:extLst>
-          </p:cNvPr>
-          <p:cNvSpPr txBox="1">
-            <a:spLocks noChangeArrowheads="1"/>
-          </p:cNvSpPr>
-          <p:nvPr/>
-        </p:nvSpPr>
-        <p:spPr bwMode="auto">
-          <a:xfrm>
-            <a:off x="38595300" y="15185572"/>
-            <a:ext cx="10811782" cy="7202486"/>
-          </a:xfrm>
-          <a:prstGeom prst="rect">
-            <a:avLst/>
-          </a:prstGeom>
-          <a:solidFill>
-            <a:schemeClr val="bg1"/>
-          </a:solidFill>
-          <a:ln w="38100">
-            <a:solidFill>
-              <a:srgbClr val="000000"/>
-            </a:solidFill>
-            <a:round/>
-            <a:headEnd/>
-            <a:tailEnd/>
-          </a:ln>
-        </p:spPr>
-        <p:txBody>
-          <a:bodyPr lIns="914400" tIns="457200" rIns="914400" bIns="457200"/>
-          <a:lstStyle>
-            <a:lvl1pPr marL="500063" indent="-500063" eaLnBrk="0" hangingPunct="0">
-              <a:defRPr sz="3200">
-                <a:solidFill>
-                  <a:schemeClr val="tx1"/>
-                </a:solidFill>
-                <a:latin typeface="Helvetica" panose="020B0604020202020204" pitchFamily="34" charset="0"/>
-                <a:ea typeface="MS PGothic" panose="020B0600070205080204" pitchFamily="34" charset="-128"/>
-              </a:defRPr>
-            </a:lvl1pPr>
-            <a:lvl2pPr marL="742950" indent="-285750" eaLnBrk="0" hangingPunct="0">
-              <a:defRPr sz="3200">
-                <a:solidFill>
-                  <a:schemeClr val="tx1"/>
-                </a:solidFill>
-                <a:latin typeface="Helvetica" panose="020B0604020202020204" pitchFamily="34" charset="0"/>
-                <a:ea typeface="MS PGothic" panose="020B0600070205080204" pitchFamily="34" charset="-128"/>
-              </a:defRPr>
-            </a:lvl2pPr>
-            <a:lvl3pPr marL="1143000" indent="-228600" eaLnBrk="0" hangingPunct="0">
-              <a:defRPr sz="3200">
-                <a:solidFill>
-                  <a:schemeClr val="tx1"/>
-                </a:solidFill>
-                <a:latin typeface="Helvetica" panose="020B0604020202020204" pitchFamily="34" charset="0"/>
-                <a:ea typeface="MS PGothic" panose="020B0600070205080204" pitchFamily="34" charset="-128"/>
-              </a:defRPr>
-            </a:lvl3pPr>
-            <a:lvl4pPr marL="1600200" indent="-228600" eaLnBrk="0" hangingPunct="0">
-              <a:defRPr sz="3200">
-                <a:solidFill>
-                  <a:schemeClr val="tx1"/>
-                </a:solidFill>
-                <a:latin typeface="Helvetica" panose="020B0604020202020204" pitchFamily="34" charset="0"/>
-                <a:ea typeface="MS PGothic" panose="020B0600070205080204" pitchFamily="34" charset="-128"/>
-              </a:defRPr>
-            </a:lvl4pPr>
-            <a:lvl5pPr marL="2057400" indent="-228600" eaLnBrk="0" hangingPunct="0">
-              <a:defRPr sz="3200">
-                <a:solidFill>
-                  <a:schemeClr val="tx1"/>
-                </a:solidFill>
-                <a:latin typeface="Helvetica" panose="020B0604020202020204" pitchFamily="34" charset="0"/>
-                <a:ea typeface="MS PGothic" panose="020B0600070205080204" pitchFamily="34" charset="-128"/>
-              </a:defRPr>
-            </a:lvl5pPr>
-            <a:lvl6pPr marL="2514600" indent="-228600" eaLnBrk="0" fontAlgn="base" hangingPunct="0">
-              <a:spcBef>
-                <a:spcPct val="0"/>
-              </a:spcBef>
-              <a:spcAft>
-                <a:spcPct val="0"/>
-              </a:spcAft>
-              <a:defRPr sz="3200">
-                <a:solidFill>
-                  <a:schemeClr val="tx1"/>
-                </a:solidFill>
-                <a:latin typeface="Helvetica" panose="020B0604020202020204" pitchFamily="34" charset="0"/>
-                <a:ea typeface="MS PGothic" panose="020B0600070205080204" pitchFamily="34" charset="-128"/>
-              </a:defRPr>
-            </a:lvl6pPr>
-            <a:lvl7pPr marL="2971800" indent="-228600" eaLnBrk="0" fontAlgn="base" hangingPunct="0">
-              <a:spcBef>
-                <a:spcPct val="0"/>
-              </a:spcBef>
-              <a:spcAft>
-                <a:spcPct val="0"/>
-              </a:spcAft>
-              <a:defRPr sz="3200">
-                <a:solidFill>
-                  <a:schemeClr val="tx1"/>
-                </a:solidFill>
-                <a:latin typeface="Helvetica" panose="020B0604020202020204" pitchFamily="34" charset="0"/>
-                <a:ea typeface="MS PGothic" panose="020B0600070205080204" pitchFamily="34" charset="-128"/>
-              </a:defRPr>
-            </a:lvl7pPr>
-            <a:lvl8pPr marL="3429000" indent="-228600" eaLnBrk="0" fontAlgn="base" hangingPunct="0">
-              <a:spcBef>
-                <a:spcPct val="0"/>
-              </a:spcBef>
-              <a:spcAft>
-                <a:spcPct val="0"/>
-              </a:spcAft>
-              <a:defRPr sz="3200">
-                <a:solidFill>
-                  <a:schemeClr val="tx1"/>
-                </a:solidFill>
-                <a:latin typeface="Helvetica" panose="020B0604020202020204" pitchFamily="34" charset="0"/>
-                <a:ea typeface="MS PGothic" panose="020B0600070205080204" pitchFamily="34" charset="-128"/>
-              </a:defRPr>
-            </a:lvl8pPr>
-            <a:lvl9pPr marL="3886200" indent="-228600" eaLnBrk="0" fontAlgn="base" hangingPunct="0">
-              <a:spcBef>
-                <a:spcPct val="0"/>
-              </a:spcBef>
-              <a:spcAft>
-                <a:spcPct val="0"/>
-              </a:spcAft>
-              <a:defRPr sz="3200">
-                <a:solidFill>
-                  <a:schemeClr val="tx1"/>
-                </a:solidFill>
-                <a:latin typeface="Helvetica" panose="020B0604020202020204" pitchFamily="34" charset="0"/>
-                <a:ea typeface="MS PGothic" panose="020B0600070205080204" pitchFamily="34" charset="-128"/>
-              </a:defRPr>
-            </a:lvl9pPr>
-          </a:lstStyle>
-          <a:p>
-            <a:pPr algn="ctr" eaLnBrk="1" hangingPunct="1">
-              <a:spcBef>
-                <a:spcPct val="50000"/>
-              </a:spcBef>
-            </a:pPr>
-            <a:r>
-              <a:rPr lang="en-US" altLang="en-US" sz="4400" b="1" u="sng" dirty="0">
-                <a:solidFill>
-                  <a:srgbClr val="000000"/>
-                </a:solidFill>
-                <a:latin typeface="Avenir Heavy" pitchFamily="124" charset="0"/>
-              </a:rPr>
-              <a:t>Implications</a:t>
+              <a:t>Our predictive margin of error was around +/- 3 games of playoff result – which is the difference between losing or advancing to the next round.</a:t>
             </a:r>
           </a:p>
           <a:p>
@@ -6020,7 +5894,7 @@
               <a:rPr lang="en-US" altLang="en-US" sz="3600" dirty="0">
                 <a:latin typeface="Avenir Book" pitchFamily="124" charset="0"/>
               </a:rPr>
-              <a:t>Our model could tell early on what level of performance correlated to a particular playoff finish, but it was not entirely accurate.</a:t>
+              <a:t>Rolling average performance over stretches of games will affect prediction ability.</a:t>
             </a:r>
           </a:p>
           <a:p>
@@ -6031,11 +5905,24 @@
               <a:buFont typeface="Arial" panose="020B0604020202020204" pitchFamily="34" charset="0"/>
               <a:buChar char="•"/>
             </a:pPr>
-            <a:r>
-              <a:rPr lang="en-US" altLang="en-US" sz="3600" dirty="0">
-                <a:latin typeface="Avenir Book" pitchFamily="124" charset="0"/>
+            <a:endParaRPr lang="en-US" altLang="en-US" sz="2800" dirty="0">
+              <a:latin typeface="Avenir Book" pitchFamily="124" charset="0"/>
+            </a:endParaRPr>
+          </a:p>
+          <a:p>
+            <a:pPr algn="ctr" eaLnBrk="1" hangingPunct="1">
+              <a:spcBef>
+                <a:spcPct val="50000"/>
+              </a:spcBef>
+            </a:pPr>
+            <a:r>
+              <a:rPr lang="en-US" altLang="en-US" sz="4400" b="1" u="sng" dirty="0">
+                <a:solidFill>
+                  <a:srgbClr val="000000"/>
+                </a:solidFill>
+                <a:latin typeface="Avenir Heavy" pitchFamily="124" charset="0"/>
               </a:rPr>
-              <a:t>Our predictive margin of error was around +/- 3 games of playoff result – which is the difference between losing or advancing to the next round.</a:t>
+              <a:t>Future Work</a:t>
             </a:r>
           </a:p>
           <a:p>
@@ -6050,7 +5937,7 @@
               <a:rPr lang="en-US" altLang="en-US" sz="3600" dirty="0">
                 <a:latin typeface="Avenir Book" pitchFamily="124" charset="0"/>
               </a:rPr>
-              <a:t>Rolling average performance over stretches of games will affect prediction ability.</a:t>
+              <a:t>Creating specialized models for each team.</a:t>
             </a:r>
           </a:p>
           <a:p>
@@ -6061,18 +5948,90 @@
               <a:buFont typeface="Arial" panose="020B0604020202020204" pitchFamily="34" charset="0"/>
               <a:buChar char="•"/>
             </a:pPr>
+            <a:r>
+              <a:rPr lang="en-US" altLang="en-US" sz="3600" dirty="0">
+                <a:latin typeface="Avenir Book" pitchFamily="124" charset="0"/>
+              </a:rPr>
+              <a:t>Experimenting with different model types other than neural networks, hoping to find more accurate models for predicting.</a:t>
+            </a:r>
+          </a:p>
+          <a:p>
+            <a:pPr marL="0" indent="0" eaLnBrk="1" hangingPunct="1">
+              <a:spcBef>
+                <a:spcPts val="1200"/>
+              </a:spcBef>
+            </a:pPr>
             <a:endParaRPr lang="en-US" altLang="en-US" sz="3600" dirty="0">
               <a:latin typeface="Avenir Book" pitchFamily="124" charset="0"/>
             </a:endParaRPr>
           </a:p>
           <a:p>
-            <a:pPr eaLnBrk="1" hangingPunct="1"/>
-            <a:br>
-              <a:rPr lang="en-US" altLang="en-US" sz="2800" dirty="0">
+            <a:pPr algn="ctr" eaLnBrk="1" hangingPunct="1"/>
+            <a:r>
+              <a:rPr lang="en-US" altLang="en-US" sz="4400" b="1" u="sng" dirty="0">
+                <a:solidFill>
+                  <a:srgbClr val="000000"/>
+                </a:solidFill>
+                <a:latin typeface="Avenir Heavy" pitchFamily="124" charset="0"/>
+              </a:rPr>
+              <a:t>Data Source</a:t>
+            </a:r>
+          </a:p>
+          <a:p>
+            <a:pPr marL="571500" indent="-571500" eaLnBrk="1" hangingPunct="1">
+              <a:spcBef>
+                <a:spcPct val="10000"/>
+              </a:spcBef>
+              <a:buFont typeface="Arial" panose="020B0604020202020204" pitchFamily="34" charset="0"/>
+              <a:buChar char="•"/>
+            </a:pPr>
+            <a:r>
+              <a:rPr lang="en-US" altLang="en-US" sz="3600" dirty="0" err="1">
+                <a:solidFill>
+                  <a:srgbClr val="000000"/>
+                </a:solidFill>
                 <a:latin typeface="Avenir Book" pitchFamily="124" charset="0"/>
               </a:rPr>
-            </a:br>
-            <a:endParaRPr lang="en-US" altLang="en-US" sz="2800" dirty="0">
+              <a:t>NBA.com’s</a:t>
+            </a:r>
+            <a:r>
+              <a:rPr lang="en-US" altLang="en-US" sz="3600" dirty="0">
+                <a:solidFill>
+                  <a:srgbClr val="000000"/>
+                </a:solidFill>
+                <a:latin typeface="Avenir Book" pitchFamily="124" charset="0"/>
+              </a:rPr>
+              <a:t> official stats website.</a:t>
+            </a:r>
+          </a:p>
+          <a:p>
+            <a:pPr marL="571500" indent="-571500" eaLnBrk="1" hangingPunct="1">
+              <a:spcBef>
+                <a:spcPct val="10000"/>
+              </a:spcBef>
+              <a:buFont typeface="Arial" panose="020B0604020202020204" pitchFamily="34" charset="0"/>
+              <a:buChar char="•"/>
+            </a:pPr>
+            <a:r>
+              <a:rPr lang="en-US" altLang="en-US" sz="3600" dirty="0">
+                <a:solidFill>
+                  <a:srgbClr val="000000"/>
+                </a:solidFill>
+                <a:latin typeface="Avenir Book" pitchFamily="124" charset="0"/>
+              </a:rPr>
+              <a:t>Used the stats.nba.com API to scrape traditional and advanced box score data.</a:t>
+            </a:r>
+            <a:endParaRPr lang="en-US" altLang="en-US" sz="3600" dirty="0">
+              <a:latin typeface="Avenir Book" pitchFamily="124" charset="0"/>
+            </a:endParaRPr>
+          </a:p>
+          <a:p>
+            <a:pPr marL="0" indent="0" eaLnBrk="1" hangingPunct="1">
+              <a:spcBef>
+                <a:spcPts val="1200"/>
+              </a:spcBef>
+            </a:pPr>
+            <a:endParaRPr lang="en-US" altLang="en-US" sz="3600" dirty="0">
               <a:latin typeface="Avenir Book" pitchFamily="124" charset="0"/>
             </a:endParaRPr>
           </a:p>
@@ -6090,228 +6049,10 @@
       </p:sp>
       <p:sp>
         <p:nvSpPr>
-          <p:cNvPr id="14347" name="Text Box 70">
-            <a:extLst>
-              <a:ext uri="{FF2B5EF4-FFF2-40B4-BE49-F238E27FC236}">
-                <a16:creationId xmlns:a16="http://schemas.microsoft.com/office/drawing/2014/main" id="{2EF7BC7D-7B73-2835-E450-6A862F70C561}"/>
-              </a:ext>
-            </a:extLst>
-          </p:cNvPr>
-          <p:cNvSpPr txBox="1">
-            <a:spLocks noChangeArrowheads="1"/>
-          </p:cNvSpPr>
-          <p:nvPr/>
-        </p:nvSpPr>
-        <p:spPr bwMode="auto">
-          <a:xfrm>
-            <a:off x="38595300" y="26386971"/>
-            <a:ext cx="10811782" cy="3200400"/>
-          </a:xfrm>
-          <a:prstGeom prst="rect">
-            <a:avLst/>
-          </a:prstGeom>
-          <a:solidFill>
-            <a:schemeClr val="bg1"/>
-          </a:solidFill>
-          <a:ln w="38100">
-            <a:solidFill>
-              <a:srgbClr val="000000"/>
-            </a:solidFill>
-            <a:round/>
-            <a:headEnd/>
-            <a:tailEnd/>
-          </a:ln>
-        </p:spPr>
-        <p:txBody>
-          <a:bodyPr lIns="914400" tIns="457200" rIns="914400" bIns="457200"/>
-          <a:lstStyle>
-            <a:lvl1pPr eaLnBrk="0" hangingPunct="0">
-              <a:defRPr sz="3200">
-                <a:solidFill>
-                  <a:schemeClr val="tx1"/>
-                </a:solidFill>
-                <a:latin typeface="Helvetica" panose="020B0604020202020204" pitchFamily="34" charset="0"/>
-                <a:ea typeface="MS PGothic" panose="020B0600070205080204" pitchFamily="34" charset="-128"/>
-              </a:defRPr>
-            </a:lvl1pPr>
-            <a:lvl2pPr marL="742950" indent="-285750" eaLnBrk="0" hangingPunct="0">
-              <a:defRPr sz="3200">
-                <a:solidFill>
-                  <a:schemeClr val="tx1"/>
-                </a:solidFill>
-                <a:latin typeface="Helvetica" panose="020B0604020202020204" pitchFamily="34" charset="0"/>
-                <a:ea typeface="MS PGothic" panose="020B0600070205080204" pitchFamily="34" charset="-128"/>
-              </a:defRPr>
-            </a:lvl2pPr>
-            <a:lvl3pPr marL="1143000" indent="-228600" eaLnBrk="0" hangingPunct="0">
-              <a:defRPr sz="3200">
-                <a:solidFill>
-                  <a:schemeClr val="tx1"/>
-                </a:solidFill>
-                <a:latin typeface="Helvetica" panose="020B0604020202020204" pitchFamily="34" charset="0"/>
-                <a:ea typeface="MS PGothic" panose="020B0600070205080204" pitchFamily="34" charset="-128"/>
-              </a:defRPr>
-            </a:lvl3pPr>
-            <a:lvl4pPr marL="1600200" indent="-228600" eaLnBrk="0" hangingPunct="0">
-              <a:defRPr sz="3200">
-                <a:solidFill>
-                  <a:schemeClr val="tx1"/>
-                </a:solidFill>
-                <a:latin typeface="Helvetica" panose="020B0604020202020204" pitchFamily="34" charset="0"/>
-                <a:ea typeface="MS PGothic" panose="020B0600070205080204" pitchFamily="34" charset="-128"/>
-              </a:defRPr>
-            </a:lvl4pPr>
-            <a:lvl5pPr marL="2057400" indent="-228600" eaLnBrk="0" hangingPunct="0">
-              <a:defRPr sz="3200">
-                <a:solidFill>
-                  <a:schemeClr val="tx1"/>
-                </a:solidFill>
-                <a:latin typeface="Helvetica" panose="020B0604020202020204" pitchFamily="34" charset="0"/>
-                <a:ea typeface="MS PGothic" panose="020B0600070205080204" pitchFamily="34" charset="-128"/>
-              </a:defRPr>
-            </a:lvl5pPr>
-            <a:lvl6pPr marL="2514600" indent="-228600" eaLnBrk="0" fontAlgn="base" hangingPunct="0">
-              <a:spcBef>
-                <a:spcPct val="0"/>
-              </a:spcBef>
-              <a:spcAft>
-                <a:spcPct val="0"/>
-              </a:spcAft>
-              <a:defRPr sz="3200">
-                <a:solidFill>
-                  <a:schemeClr val="tx1"/>
-                </a:solidFill>
-                <a:latin typeface="Helvetica" panose="020B0604020202020204" pitchFamily="34" charset="0"/>
-                <a:ea typeface="MS PGothic" panose="020B0600070205080204" pitchFamily="34" charset="-128"/>
-              </a:defRPr>
-            </a:lvl6pPr>
-            <a:lvl7pPr marL="2971800" indent="-228600" eaLnBrk="0" fontAlgn="base" hangingPunct="0">
-              <a:spcBef>
-                <a:spcPct val="0"/>
-              </a:spcBef>
-              <a:spcAft>
-                <a:spcPct val="0"/>
-              </a:spcAft>
-              <a:defRPr sz="3200">
-                <a:solidFill>
-                  <a:schemeClr val="tx1"/>
-                </a:solidFill>
-                <a:latin typeface="Helvetica" panose="020B0604020202020204" pitchFamily="34" charset="0"/>
-                <a:ea typeface="MS PGothic" panose="020B0600070205080204" pitchFamily="34" charset="-128"/>
-              </a:defRPr>
-            </a:lvl7pPr>
-            <a:lvl8pPr marL="3429000" indent="-228600" eaLnBrk="0" fontAlgn="base" hangingPunct="0">
-              <a:spcBef>
-                <a:spcPct val="0"/>
-              </a:spcBef>
-              <a:spcAft>
-                <a:spcPct val="0"/>
-              </a:spcAft>
-              <a:defRPr sz="3200">
-                <a:solidFill>
-                  <a:schemeClr val="tx1"/>
-                </a:solidFill>
-                <a:latin typeface="Helvetica" panose="020B0604020202020204" pitchFamily="34" charset="0"/>
-                <a:ea typeface="MS PGothic" panose="020B0600070205080204" pitchFamily="34" charset="-128"/>
-              </a:defRPr>
-            </a:lvl8pPr>
-            <a:lvl9pPr marL="3886200" indent="-228600" eaLnBrk="0" fontAlgn="base" hangingPunct="0">
-              <a:spcBef>
-                <a:spcPct val="0"/>
-              </a:spcBef>
-              <a:spcAft>
-                <a:spcPct val="0"/>
-              </a:spcAft>
-              <a:defRPr sz="3200">
-                <a:solidFill>
-                  <a:schemeClr val="tx1"/>
-                </a:solidFill>
-                <a:latin typeface="Helvetica" panose="020B0604020202020204" pitchFamily="34" charset="0"/>
-                <a:ea typeface="MS PGothic" panose="020B0600070205080204" pitchFamily="34" charset="-128"/>
-              </a:defRPr>
-            </a:lvl9pPr>
-          </a:lstStyle>
-          <a:p>
-            <a:pPr algn="ctr" eaLnBrk="1" hangingPunct="1"/>
-            <a:r>
-              <a:rPr lang="en-US" altLang="en-US" sz="4400" b="1" u="sng" dirty="0">
-                <a:solidFill>
-                  <a:srgbClr val="000000"/>
-                </a:solidFill>
-                <a:latin typeface="Avenir Heavy" pitchFamily="124" charset="0"/>
-              </a:rPr>
-              <a:t>Data Source</a:t>
-            </a:r>
-          </a:p>
-          <a:p>
-            <a:pPr marL="571500" indent="-571500" eaLnBrk="1" hangingPunct="1">
-              <a:spcBef>
-                <a:spcPct val="10000"/>
-              </a:spcBef>
-              <a:buFont typeface="Arial" panose="020B0604020202020204" pitchFamily="34" charset="0"/>
-              <a:buChar char="•"/>
-            </a:pPr>
-            <a:r>
-              <a:rPr lang="en-US" altLang="en-US" sz="3600" dirty="0" err="1">
-                <a:solidFill>
-                  <a:srgbClr val="000000"/>
-                </a:solidFill>
-                <a:latin typeface="Avenir Book" pitchFamily="124" charset="0"/>
-              </a:rPr>
-              <a:t>NBA.com’s</a:t>
-            </a:r>
-            <a:r>
-              <a:rPr lang="en-US" altLang="en-US" sz="3600" dirty="0">
-                <a:solidFill>
-                  <a:srgbClr val="000000"/>
-                </a:solidFill>
-                <a:latin typeface="Avenir Book" pitchFamily="124" charset="0"/>
-              </a:rPr>
-              <a:t> official stats website.</a:t>
-            </a:r>
-          </a:p>
-          <a:p>
-            <a:pPr marL="571500" indent="-571500" eaLnBrk="1" hangingPunct="1">
-              <a:spcBef>
-                <a:spcPct val="10000"/>
-              </a:spcBef>
-              <a:buFont typeface="Arial" panose="020B0604020202020204" pitchFamily="34" charset="0"/>
-              <a:buChar char="•"/>
-            </a:pPr>
-            <a:r>
-              <a:rPr lang="en-US" altLang="en-US" sz="3600" dirty="0">
-                <a:solidFill>
-                  <a:srgbClr val="000000"/>
-                </a:solidFill>
-                <a:latin typeface="Avenir Book" pitchFamily="124" charset="0"/>
-              </a:rPr>
-              <a:t>Used the stats.nba.com API to scrape traditional and advanced box score data.</a:t>
-            </a:r>
-            <a:endParaRPr lang="en-US" altLang="en-US" sz="3600" dirty="0">
-              <a:latin typeface="Avenir Book" pitchFamily="124" charset="0"/>
-            </a:endParaRPr>
-          </a:p>
-          <a:p>
-            <a:pPr eaLnBrk="1" hangingPunct="1">
-              <a:spcBef>
-                <a:spcPct val="10000"/>
-              </a:spcBef>
-            </a:pPr>
-            <a:r>
-              <a:rPr lang="en-US" altLang="en-US" sz="2800" dirty="0">
-                <a:latin typeface="Avenir Book" pitchFamily="124" charset="0"/>
-              </a:rPr>
-              <a:t>.</a:t>
-            </a:r>
-          </a:p>
-        </p:txBody>
-      </p:sp>
-      <p:sp>
-        <p:nvSpPr>
           <p:cNvPr id="2" name="Rectangle: Rounded Corners 1">
             <a:extLst>
               <a:ext uri="{FF2B5EF4-FFF2-40B4-BE49-F238E27FC236}">
-                <a16:creationId xmlns:a16="http://schemas.microsoft.com/office/drawing/2014/main" id="{B395254E-F338-9AEA-5944-30ACB5B1C57A}"/>
+                <a16:creationId xmlns:a16="http://schemas.microsoft.com/office/drawing/2014/main" id="{6AC4F9AE-FE87-C44B-20B0-88678B90F481}"/>
               </a:ext>
             </a:extLst>
           </p:cNvPr>
@@ -6334,6 +6075,13 @@
               <a:schemeClr val="tx1"/>
             </a:solidFill>
           </a:ln>
+          <a:effectLst>
+            <a:outerShdw blurRad="50800" dist="88900" dir="2700000" algn="tl" rotWithShape="0">
+              <a:prstClr val="black">
+                <a:alpha val="40000"/>
+              </a:prstClr>
+            </a:outerShdw>
+          </a:effectLst>
         </p:spPr>
         <p:style>
           <a:lnRef idx="1">
@@ -6445,7 +6193,7 @@
           <p:cNvPr id="1026" name="Picture 2">
             <a:extLst>
               <a:ext uri="{FF2B5EF4-FFF2-40B4-BE49-F238E27FC236}">
-                <a16:creationId xmlns:a16="http://schemas.microsoft.com/office/drawing/2014/main" id="{A3E5E091-2879-06F1-A031-63BF06DB1FD4}"/>
+                <a16:creationId xmlns:a16="http://schemas.microsoft.com/office/drawing/2014/main" id="{F2918AC8-E1A7-9E67-8B84-0935C27B3FB5}"/>
               </a:ext>
             </a:extLst>
           </p:cNvPr>
@@ -6476,6 +6224,18 @@
             <a:avLst/>
           </a:prstGeom>
           <a:noFill/>
+          <a:ln>
+            <a:solidFill>
+              <a:schemeClr val="tx1"/>
+            </a:solidFill>
+          </a:ln>
+          <a:effectLst>
+            <a:outerShdw blurRad="50800" dist="88900" dir="2700000" algn="tl" rotWithShape="0">
+              <a:prstClr val="black">
+                <a:alpha val="40000"/>
+              </a:prstClr>
+            </a:outerShdw>
+          </a:effectLst>
           <a:extLst>
             <a:ext uri="{909E8E84-426E-40DD-AFC4-6F175D3DCCD1}">
               <a14:hiddenFill xmlns:a14="http://schemas.microsoft.com/office/drawing/2010/main">
@@ -6492,7 +6252,7 @@
           <p:cNvPr id="3" name="Picture 2">
             <a:extLst>
               <a:ext uri="{FF2B5EF4-FFF2-40B4-BE49-F238E27FC236}">
-                <a16:creationId xmlns:a16="http://schemas.microsoft.com/office/drawing/2014/main" id="{7BA4E215-0913-1724-4C67-1F695AC45B58}"/>
+                <a16:creationId xmlns:a16="http://schemas.microsoft.com/office/drawing/2014/main" id="{E63C7CC9-C99A-5C73-0E7F-FCC9CC8B6450}"/>
               </a:ext>
             </a:extLst>
           </p:cNvPr>
@@ -6523,6 +6283,18 @@
             <a:avLst/>
           </a:prstGeom>
           <a:noFill/>
+          <a:ln>
+            <a:solidFill>
+              <a:schemeClr val="tx1"/>
+            </a:solidFill>
+          </a:ln>
+          <a:effectLst>
+            <a:outerShdw blurRad="50800" dist="88900" dir="2700000" algn="tl" rotWithShape="0">
+              <a:prstClr val="black">
+                <a:alpha val="40000"/>
+              </a:prstClr>
+            </a:outerShdw>
+          </a:effectLst>
           <a:extLst>
             <a:ext uri="{909E8E84-426E-40DD-AFC4-6F175D3DCCD1}">
               <a14:hiddenFill xmlns:a14="http://schemas.microsoft.com/office/drawing/2010/main">
@@ -6539,7 +6311,7 @@
           <p:cNvPr id="4" name="TextBox 3">
             <a:extLst>
               <a:ext uri="{FF2B5EF4-FFF2-40B4-BE49-F238E27FC236}">
-                <a16:creationId xmlns:a16="http://schemas.microsoft.com/office/drawing/2014/main" id="{D3975416-257D-D100-D313-0FEC04FFCDF6}"/>
+                <a16:creationId xmlns:a16="http://schemas.microsoft.com/office/drawing/2014/main" id="{15A921B9-3893-EF7F-0078-056596800D1F}"/>
               </a:ext>
             </a:extLst>
           </p:cNvPr>
@@ -6548,18 +6320,27 @@
         </p:nvSpPr>
         <p:spPr>
           <a:xfrm>
-            <a:off x="14271400" y="19659600"/>
+            <a:off x="14140772" y="19659600"/>
             <a:ext cx="6952305" cy="8778346"/>
           </a:xfrm>
           <a:prstGeom prst="rect">
             <a:avLst/>
           </a:prstGeom>
-          <a:noFill/>
+          <a:solidFill>
+            <a:schemeClr val="bg1"/>
+          </a:solidFill>
           <a:ln>
             <a:solidFill>
               <a:schemeClr val="tx1"/>
             </a:solidFill>
           </a:ln>
+          <a:effectLst>
+            <a:outerShdw blurRad="50800" dist="88900" dir="2700000" algn="tl" rotWithShape="0">
+              <a:prstClr val="black">
+                <a:alpha val="40000"/>
+              </a:prstClr>
+            </a:outerShdw>
+          </a:effectLst>
         </p:spPr>
         <p:txBody>
           <a:bodyPr wrap="square" lIns="457200" tIns="457200" rIns="457200" bIns="457200" rtlCol="0">
@@ -6617,7 +6398,7 @@
           <p:cNvPr id="5" name="Rectangle 4">
             <a:extLst>
               <a:ext uri="{FF2B5EF4-FFF2-40B4-BE49-F238E27FC236}">
-                <a16:creationId xmlns:a16="http://schemas.microsoft.com/office/drawing/2014/main" id="{285BA5B7-D378-EC31-9380-2FE6E6C9072F}"/>
+                <a16:creationId xmlns:a16="http://schemas.microsoft.com/office/drawing/2014/main" id="{2E45F88F-CA4A-3990-409B-8324EB671EC1}"/>
               </a:ext>
             </a:extLst>
           </p:cNvPr>
@@ -6671,7 +6452,7 @@
           <p:cNvPr id="7" name="Straight Connector 6">
             <a:extLst>
               <a:ext uri="{FF2B5EF4-FFF2-40B4-BE49-F238E27FC236}">
-                <a16:creationId xmlns:a16="http://schemas.microsoft.com/office/drawing/2014/main" id="{A9476E2D-B1B0-2811-C07D-3D9B7C227C01}"/>
+                <a16:creationId xmlns:a16="http://schemas.microsoft.com/office/drawing/2014/main" id="{B4A40B5B-8A2F-151A-D5DC-A6F29B24D930}"/>
               </a:ext>
             </a:extLst>
           </p:cNvPr>
@@ -6715,7 +6496,7 @@
           <p:cNvPr id="10" name="Arrow: Right 9">
             <a:extLst>
               <a:ext uri="{FF2B5EF4-FFF2-40B4-BE49-F238E27FC236}">
-                <a16:creationId xmlns:a16="http://schemas.microsoft.com/office/drawing/2014/main" id="{23F01DDE-384E-C5FC-E821-6112759B9BA6}"/>
+                <a16:creationId xmlns:a16="http://schemas.microsoft.com/office/drawing/2014/main" id="{2D6EFE53-94DF-00E0-4004-9B9870E46783}"/>
               </a:ext>
             </a:extLst>
           </p:cNvPr>
@@ -6769,7 +6550,7 @@
           <p:cNvPr id="11" name="TextBox 10">
             <a:extLst>
               <a:ext uri="{FF2B5EF4-FFF2-40B4-BE49-F238E27FC236}">
-                <a16:creationId xmlns:a16="http://schemas.microsoft.com/office/drawing/2014/main" id="{5B17B1BD-B4B9-BA45-8C54-05C6E59D73FE}"/>
+                <a16:creationId xmlns:a16="http://schemas.microsoft.com/office/drawing/2014/main" id="{90447E42-3D0A-E735-B295-E1F5BC37E82E}"/>
               </a:ext>
             </a:extLst>
           </p:cNvPr>
@@ -6779,17 +6560,26 @@
         <p:spPr>
           <a:xfrm>
             <a:off x="29850027" y="8887326"/>
-            <a:ext cx="6952305" cy="9294852"/>
+            <a:ext cx="6952305" cy="9787295"/>
           </a:xfrm>
           <a:prstGeom prst="rect">
             <a:avLst/>
           </a:prstGeom>
-          <a:noFill/>
+          <a:solidFill>
+            <a:schemeClr val="bg1"/>
+          </a:solidFill>
           <a:ln>
             <a:solidFill>
               <a:schemeClr val="tx1"/>
             </a:solidFill>
           </a:ln>
+          <a:effectLst>
+            <a:outerShdw blurRad="50800" dist="88900" dir="2700000" algn="tl" rotWithShape="0">
+              <a:prstClr val="black">
+                <a:alpha val="40000"/>
+              </a:prstClr>
+            </a:outerShdw>
+          </a:effectLst>
         </p:spPr>
         <p:txBody>
           <a:bodyPr wrap="square" lIns="457200" tIns="457200" rIns="457200" bIns="457200" rtlCol="0">
@@ -6801,7 +6591,7 @@
               <a:rPr lang="en-US" dirty="0">
                 <a:latin typeface="Avenir Book"/>
               </a:rPr>
-              <a:t>The graph on the left signifies how accurate our model was at predicting playoff performance for the 2023-24 season trained on the 2022-23 (previous) season. Our x-axis represents batch number, where one (1) batch is a group of five (5) NBA games. We find that around batch 20, our model’s test accuracy, or ability to predict playoff result for the 2023-24 season, is capped out at around 53%. This means that after approximately 100 games played in the 2023-24 season, which is around the start of November, we can tell a team’s correct playoff result at a bit better than a 50/50 rate. </a:t>
+              <a:t>The graph on the left signifies how accurate our model was at predicting playoff performance for the 2023-24 season trained on single-game performance in the 2022-23 (previous) season. Our x-axis represents batch number, where one (1) batch is a group of five (5) NBA games. We find that around batch 20, our model’s test accuracy, or ability to predict playoff result for the 2023-24 season, is capped out at around 53%. This means that after approximately 100 games played in the 2023-24 season, which is around the start of November, we can tell a team’s correct playoff result at a bit better than a 50/50 rate. </a:t>
             </a:r>
           </a:p>
         </p:txBody>
@@ -6811,7 +6601,7 @@
           <p:cNvPr id="12" name="Rectangle 11">
             <a:extLst>
               <a:ext uri="{FF2B5EF4-FFF2-40B4-BE49-F238E27FC236}">
-                <a16:creationId xmlns:a16="http://schemas.microsoft.com/office/drawing/2014/main" id="{C1658A82-17AD-0C48-E291-B9B4656C7E15}"/>
+                <a16:creationId xmlns:a16="http://schemas.microsoft.com/office/drawing/2014/main" id="{4FB0146A-ED2F-1348-9D2D-B83CEBD4E782}"/>
               </a:ext>
             </a:extLst>
           </p:cNvPr>
@@ -6865,7 +6655,7 @@
           <p:cNvPr id="13" name="Arrow: Right 12">
             <a:extLst>
               <a:ext uri="{FF2B5EF4-FFF2-40B4-BE49-F238E27FC236}">
-                <a16:creationId xmlns:a16="http://schemas.microsoft.com/office/drawing/2014/main" id="{954C49DA-C8DE-6901-3D92-A02C94CEDF67}"/>
+                <a16:creationId xmlns:a16="http://schemas.microsoft.com/office/drawing/2014/main" id="{B75869AA-1977-9A43-005C-8C591058841E}"/>
               </a:ext>
             </a:extLst>
           </p:cNvPr>
@@ -6914,10 +6704,96 @@
           </a:p>
         </p:txBody>
       </p:sp>
+      <p:cxnSp>
+        <p:nvCxnSpPr>
+          <p:cNvPr id="8" name="Straight Connector 7">
+            <a:extLst>
+              <a:ext uri="{FF2B5EF4-FFF2-40B4-BE49-F238E27FC236}">
+                <a16:creationId xmlns:a16="http://schemas.microsoft.com/office/drawing/2014/main" id="{EC8D7A85-8748-1EAF-CD4F-34AC148ECC92}"/>
+              </a:ext>
+            </a:extLst>
+          </p:cNvPr>
+          <p:cNvCxnSpPr>
+            <a:cxnSpLocks/>
+          </p:cNvCxnSpPr>
+          <p:nvPr/>
+        </p:nvCxnSpPr>
+        <p:spPr>
+          <a:xfrm>
+            <a:off x="38595300" y="22169904"/>
+            <a:ext cx="10811782" cy="0"/>
+          </a:xfrm>
+          <a:prstGeom prst="line">
+            <a:avLst/>
+          </a:prstGeom>
+          <a:ln>
+            <a:solidFill>
+              <a:schemeClr val="tx1"/>
+            </a:solidFill>
+          </a:ln>
+        </p:spPr>
+        <p:style>
+          <a:lnRef idx="2">
+            <a:schemeClr val="accent1"/>
+          </a:lnRef>
+          <a:fillRef idx="0">
+            <a:schemeClr val="accent1"/>
+          </a:fillRef>
+          <a:effectRef idx="1">
+            <a:schemeClr val="accent1"/>
+          </a:effectRef>
+          <a:fontRef idx="minor">
+            <a:schemeClr val="tx1"/>
+          </a:fontRef>
+        </p:style>
+      </p:cxnSp>
+      <p:cxnSp>
+        <p:nvCxnSpPr>
+          <p:cNvPr id="14" name="Straight Connector 13">
+            <a:extLst>
+              <a:ext uri="{FF2B5EF4-FFF2-40B4-BE49-F238E27FC236}">
+                <a16:creationId xmlns:a16="http://schemas.microsoft.com/office/drawing/2014/main" id="{30FC2506-5DCB-4ABE-B570-19A3D3B9C6BF}"/>
+              </a:ext>
+            </a:extLst>
+          </p:cNvPr>
+          <p:cNvCxnSpPr>
+            <a:cxnSpLocks/>
+          </p:cNvCxnSpPr>
+          <p:nvPr/>
+        </p:nvCxnSpPr>
+        <p:spPr>
+          <a:xfrm>
+            <a:off x="38595300" y="26172409"/>
+            <a:ext cx="10811782" cy="0"/>
+          </a:xfrm>
+          <a:prstGeom prst="line">
+            <a:avLst/>
+          </a:prstGeom>
+          <a:ln>
+            <a:solidFill>
+              <a:schemeClr val="tx1"/>
+            </a:solidFill>
+          </a:ln>
+        </p:spPr>
+        <p:style>
+          <a:lnRef idx="2">
+            <a:schemeClr val="accent1"/>
+          </a:lnRef>
+          <a:fillRef idx="0">
+            <a:schemeClr val="accent1"/>
+          </a:fillRef>
+          <a:effectRef idx="1">
+            <a:schemeClr val="accent1"/>
+          </a:effectRef>
+          <a:fontRef idx="minor">
+            <a:schemeClr val="tx1"/>
+          </a:fontRef>
+        </p:style>
+      </p:cxnSp>
     </p:spTree>
     <p:extLst>
       <p:ext uri="{BB962C8B-B14F-4D97-AF65-F5344CB8AC3E}">
-        <p14:creationId xmlns:p14="http://schemas.microsoft.com/office/powerpoint/2010/main" val="3382255649"/>
+        <p14:creationId xmlns:p14="http://schemas.microsoft.com/office/powerpoint/2010/main" val="384948660"/>
       </p:ext>
     </p:extLst>
   </p:cSld>

--- a/Box Score to Bracket- Evaluating the Predictive Power of NBA Regular Season Performance on Playoff Outcomes.pptx
+++ b/Box Score to Bracket- Evaluating the Predictive Power of NBA Regular Season Performance on Playoff Outcomes.pptx
@@ -10,7 +10,7 @@
   <p:sldIdLst>
     <p:sldId id="260" r:id="rId2"/>
   </p:sldIdLst>
-  <p:sldSz cx="51206400" cy="32004000"/>
+  <p:sldSz cx="36576000" cy="27432000"/>
   <p:notesSz cx="32918400" cy="51206400"/>
   <p:defaultTextStyle>
     <a:defPPr>
@@ -23,7 +23,7 @@
       <a:spcAft>
         <a:spcPct val="0"/>
       </a:spcAft>
-      <a:defRPr sz="3200" kern="1200">
+      <a:defRPr sz="2461" kern="1200">
         <a:solidFill>
           <a:schemeClr val="tx1"/>
         </a:solidFill>
@@ -32,14 +32,14 @@
         <a:cs typeface="+mn-cs"/>
       </a:defRPr>
     </a:lvl1pPr>
-    <a:lvl2pPr marL="457200" algn="l" rtl="0" fontAlgn="base">
+    <a:lvl2pPr marL="351678" algn="l" rtl="0" fontAlgn="base">
       <a:spcBef>
         <a:spcPct val="0"/>
       </a:spcBef>
       <a:spcAft>
         <a:spcPct val="0"/>
       </a:spcAft>
-      <a:defRPr sz="3200" kern="1200">
+      <a:defRPr sz="2461" kern="1200">
         <a:solidFill>
           <a:schemeClr val="tx1"/>
         </a:solidFill>
@@ -48,14 +48,14 @@
         <a:cs typeface="+mn-cs"/>
       </a:defRPr>
     </a:lvl2pPr>
-    <a:lvl3pPr marL="914400" algn="l" rtl="0" fontAlgn="base">
+    <a:lvl3pPr marL="703356" algn="l" rtl="0" fontAlgn="base">
       <a:spcBef>
         <a:spcPct val="0"/>
       </a:spcBef>
       <a:spcAft>
         <a:spcPct val="0"/>
       </a:spcAft>
-      <a:defRPr sz="3200" kern="1200">
+      <a:defRPr sz="2461" kern="1200">
         <a:solidFill>
           <a:schemeClr val="tx1"/>
         </a:solidFill>
@@ -64,14 +64,14 @@
         <a:cs typeface="+mn-cs"/>
       </a:defRPr>
     </a:lvl3pPr>
-    <a:lvl4pPr marL="1371600" algn="l" rtl="0" fontAlgn="base">
+    <a:lvl4pPr marL="1055035" algn="l" rtl="0" fontAlgn="base">
       <a:spcBef>
         <a:spcPct val="0"/>
       </a:spcBef>
       <a:spcAft>
         <a:spcPct val="0"/>
       </a:spcAft>
-      <a:defRPr sz="3200" kern="1200">
+      <a:defRPr sz="2461" kern="1200">
         <a:solidFill>
           <a:schemeClr val="tx1"/>
         </a:solidFill>
@@ -80,14 +80,14 @@
         <a:cs typeface="+mn-cs"/>
       </a:defRPr>
     </a:lvl4pPr>
-    <a:lvl5pPr marL="1828800" algn="l" rtl="0" fontAlgn="base">
+    <a:lvl5pPr marL="1406713" algn="l" rtl="0" fontAlgn="base">
       <a:spcBef>
         <a:spcPct val="0"/>
       </a:spcBef>
       <a:spcAft>
         <a:spcPct val="0"/>
       </a:spcAft>
-      <a:defRPr sz="3200" kern="1200">
+      <a:defRPr sz="2461" kern="1200">
         <a:solidFill>
           <a:schemeClr val="tx1"/>
         </a:solidFill>
@@ -96,8 +96,8 @@
         <a:cs typeface="+mn-cs"/>
       </a:defRPr>
     </a:lvl5pPr>
-    <a:lvl6pPr marL="2286000" algn="l" defTabSz="914400" rtl="0" eaLnBrk="1" latinLnBrk="0" hangingPunct="1">
-      <a:defRPr sz="3200" kern="1200">
+    <a:lvl6pPr marL="1758391" algn="l" defTabSz="703356" rtl="0" eaLnBrk="1" latinLnBrk="0" hangingPunct="1">
+      <a:defRPr sz="2461" kern="1200">
         <a:solidFill>
           <a:schemeClr val="tx1"/>
         </a:solidFill>
@@ -106,8 +106,8 @@
         <a:cs typeface="+mn-cs"/>
       </a:defRPr>
     </a:lvl6pPr>
-    <a:lvl7pPr marL="2743200" algn="l" defTabSz="914400" rtl="0" eaLnBrk="1" latinLnBrk="0" hangingPunct="1">
-      <a:defRPr sz="3200" kern="1200">
+    <a:lvl7pPr marL="2110069" algn="l" defTabSz="703356" rtl="0" eaLnBrk="1" latinLnBrk="0" hangingPunct="1">
+      <a:defRPr sz="2461" kern="1200">
         <a:solidFill>
           <a:schemeClr val="tx1"/>
         </a:solidFill>
@@ -116,8 +116,8 @@
         <a:cs typeface="+mn-cs"/>
       </a:defRPr>
     </a:lvl7pPr>
-    <a:lvl8pPr marL="3200400" algn="l" defTabSz="914400" rtl="0" eaLnBrk="1" latinLnBrk="0" hangingPunct="1">
-      <a:defRPr sz="3200" kern="1200">
+    <a:lvl8pPr marL="2461748" algn="l" defTabSz="703356" rtl="0" eaLnBrk="1" latinLnBrk="0" hangingPunct="1">
+      <a:defRPr sz="2461" kern="1200">
         <a:solidFill>
           <a:schemeClr val="tx1"/>
         </a:solidFill>
@@ -126,8 +126,8 @@
         <a:cs typeface="+mn-cs"/>
       </a:defRPr>
     </a:lvl8pPr>
-    <a:lvl9pPr marL="3657600" algn="l" defTabSz="914400" rtl="0" eaLnBrk="1" latinLnBrk="0" hangingPunct="1">
-      <a:defRPr sz="3200" kern="1200">
+    <a:lvl9pPr marL="2813426" algn="l" defTabSz="703356" rtl="0" eaLnBrk="1" latinLnBrk="0" hangingPunct="1">
+      <a:defRPr sz="2461" kern="1200">
         <a:solidFill>
           <a:schemeClr val="tx1"/>
         </a:solidFill>
@@ -140,62 +140,62 @@
   <p:extLst>
     <p:ext uri="{EFAFB233-063F-42B5-8137-9DF3F51BA10A}">
       <p15:sldGuideLst xmlns:p15="http://schemas.microsoft.com/office/powerpoint/2012/main">
-        <p15:guide id="1" orient="horz" pos="697">
+        <p15:guide id="1" orient="horz" pos="597" userDrawn="1">
           <p15:clr>
             <a:srgbClr val="A4A3A4"/>
           </p15:clr>
         </p15:guide>
-        <p15:guide id="2" orient="horz" pos="19087">
+        <p15:guide id="2" orient="horz" pos="16360" userDrawn="1">
           <p15:clr>
             <a:srgbClr val="A4A3A4"/>
           </p15:clr>
         </p15:guide>
-        <p15:guide id="3" orient="horz" pos="3625">
+        <p15:guide id="3" orient="horz" pos="3108" userDrawn="1">
           <p15:clr>
             <a:srgbClr val="A4A3A4"/>
           </p15:clr>
         </p15:guide>
-        <p15:guide id="4" orient="horz" pos="2070">
+        <p15:guide id="4" orient="horz" pos="1774" userDrawn="1">
           <p15:clr>
             <a:srgbClr val="A4A3A4"/>
           </p15:clr>
         </p15:guide>
-        <p15:guide id="5" pos="7439">
+        <p15:guide id="5" pos="5314" userDrawn="1">
           <p15:clr>
             <a:srgbClr val="A4A3A4"/>
           </p15:clr>
         </p15:guide>
-        <p15:guide id="6" pos="8412">
+        <p15:guide id="6" pos="6008" userDrawn="1">
           <p15:clr>
             <a:srgbClr val="A4A3A4"/>
           </p15:clr>
         </p15:guide>
-        <p15:guide id="7" pos="15311">
+        <p15:guide id="7" pos="10936" userDrawn="1">
           <p15:clr>
             <a:srgbClr val="A4A3A4"/>
           </p15:clr>
         </p15:guide>
-        <p15:guide id="8" pos="24535">
+        <p15:guide id="8" pos="17525" userDrawn="1">
           <p15:clr>
             <a:srgbClr val="A4A3A4"/>
           </p15:clr>
         </p15:guide>
-        <p15:guide id="9" pos="1150">
+        <p15:guide id="9" pos="821" userDrawn="1">
           <p15:clr>
             <a:srgbClr val="A4A3A4"/>
           </p15:clr>
         </p15:guide>
-        <p15:guide id="10" pos="16330">
+        <p15:guide id="10" pos="11664" userDrawn="1">
           <p15:clr>
             <a:srgbClr val="A4A3A4"/>
           </p15:clr>
         </p15:guide>
-        <p15:guide id="11" pos="23563">
+        <p15:guide id="11" pos="16831" userDrawn="1">
           <p15:clr>
             <a:srgbClr val="A4A3A4"/>
           </p15:clr>
         </p15:guide>
-        <p15:guide id="12" pos="30871">
+        <p15:guide id="12" pos="22051" userDrawn="1">
           <p15:clr>
             <a:srgbClr val="A4A3A4"/>
           </p15:clr>
@@ -382,7 +382,7 @@
             <a:fld id="{F1893152-81D1-4001-991C-EF26B050CB87}" type="datetime1">
               <a:rPr lang="en-US" altLang="en-US"/>
               <a:pPr/>
-              <a:t>4/11/2025</a:t>
+              <a:t>4/14/2025</a:t>
             </a:fld>
             <a:endParaRPr lang="en-US" altLang="en-US"/>
           </a:p>
@@ -406,8 +406,8 @@
         </p:nvSpPr>
         <p:spPr>
           <a:xfrm>
-            <a:off x="1098550" y="3840163"/>
-            <a:ext cx="30721300" cy="19202400"/>
+            <a:off x="3657600" y="3840163"/>
+            <a:ext cx="25603200" cy="19202400"/>
           </a:xfrm>
           <a:prstGeom prst="rect">
             <a:avLst/>
@@ -602,14 +602,14 @@
   </p:cSld>
   <p:clrMap bg1="lt1" tx1="dk1" bg2="lt2" tx2="dk2" accent1="accent1" accent2="accent2" accent3="accent3" accent4="accent4" accent5="accent5" accent6="accent6" hlink="hlink" folHlink="folHlink"/>
   <p:notesStyle>
-    <a:lvl1pPr algn="l" defTabSz="457200" rtl="0" eaLnBrk="0" fontAlgn="base" hangingPunct="0">
+    <a:lvl1pPr algn="l" defTabSz="351678" rtl="0" eaLnBrk="0" fontAlgn="base" hangingPunct="0">
       <a:spcBef>
         <a:spcPct val="30000"/>
       </a:spcBef>
       <a:spcAft>
         <a:spcPct val="0"/>
       </a:spcAft>
-      <a:defRPr sz="1200" kern="1200">
+      <a:defRPr sz="923" kern="1200">
         <a:solidFill>
           <a:schemeClr val="tx1"/>
         </a:solidFill>
@@ -618,14 +618,14 @@
         <a:cs typeface="ＭＳ Ｐゴシック" pitchFamily="-111" charset="-128"/>
       </a:defRPr>
     </a:lvl1pPr>
-    <a:lvl2pPr marL="457200" algn="l" defTabSz="457200" rtl="0" eaLnBrk="0" fontAlgn="base" hangingPunct="0">
+    <a:lvl2pPr marL="351678" algn="l" defTabSz="351678" rtl="0" eaLnBrk="0" fontAlgn="base" hangingPunct="0">
       <a:spcBef>
         <a:spcPct val="30000"/>
       </a:spcBef>
       <a:spcAft>
         <a:spcPct val="0"/>
       </a:spcAft>
-      <a:defRPr sz="1200" kern="1200">
+      <a:defRPr sz="923" kern="1200">
         <a:solidFill>
           <a:schemeClr val="tx1"/>
         </a:solidFill>
@@ -634,14 +634,14 @@
         <a:cs typeface="ＭＳ Ｐゴシック" charset="0"/>
       </a:defRPr>
     </a:lvl2pPr>
-    <a:lvl3pPr marL="914400" algn="l" defTabSz="457200" rtl="0" eaLnBrk="0" fontAlgn="base" hangingPunct="0">
+    <a:lvl3pPr marL="703356" algn="l" defTabSz="351678" rtl="0" eaLnBrk="0" fontAlgn="base" hangingPunct="0">
       <a:spcBef>
         <a:spcPct val="30000"/>
       </a:spcBef>
       <a:spcAft>
         <a:spcPct val="0"/>
       </a:spcAft>
-      <a:defRPr sz="1200" kern="1200">
+      <a:defRPr sz="923" kern="1200">
         <a:solidFill>
           <a:schemeClr val="tx1"/>
         </a:solidFill>
@@ -650,14 +650,14 @@
         <a:cs typeface="ＭＳ Ｐゴシック" charset="0"/>
       </a:defRPr>
     </a:lvl3pPr>
-    <a:lvl4pPr marL="1371600" algn="l" defTabSz="457200" rtl="0" eaLnBrk="0" fontAlgn="base" hangingPunct="0">
+    <a:lvl4pPr marL="1055035" algn="l" defTabSz="351678" rtl="0" eaLnBrk="0" fontAlgn="base" hangingPunct="0">
       <a:spcBef>
         <a:spcPct val="30000"/>
       </a:spcBef>
       <a:spcAft>
         <a:spcPct val="0"/>
       </a:spcAft>
-      <a:defRPr sz="1200" kern="1200">
+      <a:defRPr sz="923" kern="1200">
         <a:solidFill>
           <a:schemeClr val="tx1"/>
         </a:solidFill>
@@ -666,14 +666,14 @@
         <a:cs typeface="ＭＳ Ｐゴシック" charset="0"/>
       </a:defRPr>
     </a:lvl4pPr>
-    <a:lvl5pPr marL="1828800" algn="l" defTabSz="457200" rtl="0" eaLnBrk="0" fontAlgn="base" hangingPunct="0">
+    <a:lvl5pPr marL="1406713" algn="l" defTabSz="351678" rtl="0" eaLnBrk="0" fontAlgn="base" hangingPunct="0">
       <a:spcBef>
         <a:spcPct val="30000"/>
       </a:spcBef>
       <a:spcAft>
         <a:spcPct val="0"/>
       </a:spcAft>
-      <a:defRPr sz="1200" kern="1200">
+      <a:defRPr sz="923" kern="1200">
         <a:solidFill>
           <a:schemeClr val="tx1"/>
         </a:solidFill>
@@ -682,8 +682,8 @@
         <a:cs typeface="ＭＳ Ｐゴシック" charset="0"/>
       </a:defRPr>
     </a:lvl5pPr>
-    <a:lvl6pPr marL="2286000" algn="l" defTabSz="457200" rtl="0" eaLnBrk="1" latinLnBrk="0" hangingPunct="1">
-      <a:defRPr sz="1200" kern="1200">
+    <a:lvl6pPr marL="1758391" algn="l" defTabSz="351678" rtl="0" eaLnBrk="1" latinLnBrk="0" hangingPunct="1">
+      <a:defRPr sz="923" kern="1200">
         <a:solidFill>
           <a:schemeClr val="tx1"/>
         </a:solidFill>
@@ -692,8 +692,8 @@
         <a:cs typeface="+mn-cs"/>
       </a:defRPr>
     </a:lvl6pPr>
-    <a:lvl7pPr marL="2743200" algn="l" defTabSz="457200" rtl="0" eaLnBrk="1" latinLnBrk="0" hangingPunct="1">
-      <a:defRPr sz="1200" kern="1200">
+    <a:lvl7pPr marL="2110069" algn="l" defTabSz="351678" rtl="0" eaLnBrk="1" latinLnBrk="0" hangingPunct="1">
+      <a:defRPr sz="923" kern="1200">
         <a:solidFill>
           <a:schemeClr val="tx1"/>
         </a:solidFill>
@@ -702,8 +702,8 @@
         <a:cs typeface="+mn-cs"/>
       </a:defRPr>
     </a:lvl7pPr>
-    <a:lvl8pPr marL="3200400" algn="l" defTabSz="457200" rtl="0" eaLnBrk="1" latinLnBrk="0" hangingPunct="1">
-      <a:defRPr sz="1200" kern="1200">
+    <a:lvl8pPr marL="2461748" algn="l" defTabSz="351678" rtl="0" eaLnBrk="1" latinLnBrk="0" hangingPunct="1">
+      <a:defRPr sz="923" kern="1200">
         <a:solidFill>
           <a:schemeClr val="tx1"/>
         </a:solidFill>
@@ -712,8 +712,8 @@
         <a:cs typeface="+mn-cs"/>
       </a:defRPr>
     </a:lvl8pPr>
-    <a:lvl9pPr marL="3657600" algn="l" defTabSz="457200" rtl="0" eaLnBrk="1" latinLnBrk="0" hangingPunct="1">
-      <a:defRPr sz="1200" kern="1200">
+    <a:lvl9pPr marL="2813426" algn="l" defTabSz="351678" rtl="0" eaLnBrk="1" latinLnBrk="0" hangingPunct="1">
+      <a:defRPr sz="923" kern="1200">
         <a:solidFill>
           <a:schemeClr val="tx1"/>
         </a:solidFill>
@@ -766,6 +766,10 @@
           </p:nvPr>
         </p:nvSpPr>
         <p:spPr bwMode="auto">
+          <a:xfrm>
+            <a:off x="3657600" y="3840163"/>
+            <a:ext cx="25603200" cy="19202400"/>
+          </a:xfrm>
           <a:noFill/>
           <a:ln>
             <a:solidFill>
@@ -1045,8 +1049,8 @@
         </p:nvSpPr>
         <p:spPr>
           <a:xfrm>
-            <a:off x="3840164" y="9942601"/>
-            <a:ext cx="43526075" cy="6858882"/>
+            <a:off x="2742976" y="8522230"/>
+            <a:ext cx="31090054" cy="5879042"/>
           </a:xfrm>
         </p:spPr>
         <p:txBody>
@@ -1072,8 +1076,8 @@
         </p:nvSpPr>
         <p:spPr>
           <a:xfrm>
-            <a:off x="7680325" y="18134983"/>
-            <a:ext cx="35845750" cy="8180035"/>
+            <a:off x="5485949" y="15544273"/>
+            <a:ext cx="25604106" cy="7011459"/>
           </a:xfrm>
         </p:spPr>
         <p:txBody>
@@ -1083,35 +1087,35 @@
               <a:buNone/>
               <a:defRPr/>
             </a:lvl1pPr>
-            <a:lvl2pPr marL="457200" indent="0" algn="ctr">
+            <a:lvl2pPr marL="326564" indent="0" algn="ctr">
               <a:buNone/>
               <a:defRPr/>
             </a:lvl2pPr>
-            <a:lvl3pPr marL="914400" indent="0" algn="ctr">
+            <a:lvl3pPr marL="653128" indent="0" algn="ctr">
               <a:buNone/>
               <a:defRPr/>
             </a:lvl3pPr>
-            <a:lvl4pPr marL="1371600" indent="0" algn="ctr">
+            <a:lvl4pPr marL="979691" indent="0" algn="ctr">
               <a:buNone/>
               <a:defRPr/>
             </a:lvl4pPr>
-            <a:lvl5pPr marL="1828800" indent="0" algn="ctr">
+            <a:lvl5pPr marL="1306256" indent="0" algn="ctr">
               <a:buNone/>
               <a:defRPr/>
             </a:lvl5pPr>
-            <a:lvl6pPr marL="2286000" indent="0" algn="ctr">
+            <a:lvl6pPr marL="1632818" indent="0" algn="ctr">
               <a:buNone/>
               <a:defRPr/>
             </a:lvl6pPr>
-            <a:lvl7pPr marL="2743200" indent="0" algn="ctr">
+            <a:lvl7pPr marL="1959382" indent="0" algn="ctr">
               <a:buNone/>
               <a:defRPr/>
             </a:lvl7pPr>
-            <a:lvl8pPr marL="3200400" indent="0" algn="ctr">
+            <a:lvl8pPr marL="2285945" indent="0" algn="ctr">
               <a:buNone/>
               <a:defRPr/>
             </a:lvl8pPr>
-            <a:lvl9pPr marL="3657600" indent="0" algn="ctr">
+            <a:lvl9pPr marL="2612509" indent="0" algn="ctr">
               <a:buNone/>
               <a:defRPr/>
             </a:lvl9pPr>
@@ -1477,8 +1481,8 @@
         </p:nvSpPr>
         <p:spPr>
           <a:xfrm>
-            <a:off x="36485514" y="2844492"/>
-            <a:ext cx="10880725" cy="25603508"/>
+            <a:off x="26061083" y="2438137"/>
+            <a:ext cx="7771946" cy="21945864"/>
           </a:xfrm>
         </p:spPr>
         <p:txBody>
@@ -1504,8 +1508,8 @@
         </p:nvSpPr>
         <p:spPr>
           <a:xfrm>
-            <a:off x="3840163" y="2844492"/>
-            <a:ext cx="32492950" cy="25603508"/>
+            <a:off x="2742977" y="2438137"/>
+            <a:ext cx="23209251" cy="21945864"/>
           </a:xfrm>
         </p:spPr>
         <p:txBody>
@@ -1901,15 +1905,15 @@
         </p:nvSpPr>
         <p:spPr>
           <a:xfrm>
-            <a:off x="4044951" y="20565843"/>
-            <a:ext cx="43526075" cy="6355733"/>
+            <a:off x="2889252" y="17627869"/>
+            <a:ext cx="31090054" cy="5447771"/>
           </a:xfrm>
         </p:spPr>
         <p:txBody>
           <a:bodyPr anchor="t"/>
           <a:lstStyle>
             <a:lvl1pPr algn="l">
-              <a:defRPr sz="4000" b="1" cap="all"/>
+              <a:defRPr sz="2857" b="1" cap="all"/>
             </a:lvl1pPr>
           </a:lstStyle>
           <a:p>
@@ -1932,8 +1936,8 @@
         </p:nvSpPr>
         <p:spPr>
           <a:xfrm>
-            <a:off x="4044951" y="13564968"/>
-            <a:ext cx="43526075" cy="7000875"/>
+            <a:off x="2889252" y="11627116"/>
+            <a:ext cx="31090054" cy="6000751"/>
           </a:xfrm>
         </p:spPr>
         <p:txBody>
@@ -1941,39 +1945,39 @@
           <a:lstStyle>
             <a:lvl1pPr marL="0" indent="0">
               <a:buNone/>
-              <a:defRPr sz="2000"/>
+              <a:defRPr sz="1428"/>
             </a:lvl1pPr>
-            <a:lvl2pPr marL="457200" indent="0">
+            <a:lvl2pPr marL="326564" indent="0">
               <a:buNone/>
-              <a:defRPr sz="1800"/>
+              <a:defRPr sz="1285"/>
             </a:lvl2pPr>
-            <a:lvl3pPr marL="914400" indent="0">
+            <a:lvl3pPr marL="653128" indent="0">
               <a:buNone/>
-              <a:defRPr sz="1600"/>
+              <a:defRPr sz="1143"/>
             </a:lvl3pPr>
-            <a:lvl4pPr marL="1371600" indent="0">
+            <a:lvl4pPr marL="979691" indent="0">
               <a:buNone/>
-              <a:defRPr sz="1400"/>
+              <a:defRPr sz="1000"/>
             </a:lvl4pPr>
-            <a:lvl5pPr marL="1828800" indent="0">
+            <a:lvl5pPr marL="1306256" indent="0">
               <a:buNone/>
-              <a:defRPr sz="1400"/>
+              <a:defRPr sz="1000"/>
             </a:lvl5pPr>
-            <a:lvl6pPr marL="2286000" indent="0">
+            <a:lvl6pPr marL="1632818" indent="0">
               <a:buNone/>
-              <a:defRPr sz="1400"/>
+              <a:defRPr sz="1000"/>
             </a:lvl6pPr>
-            <a:lvl7pPr marL="2743200" indent="0">
+            <a:lvl7pPr marL="1959382" indent="0">
               <a:buNone/>
-              <a:defRPr sz="1400"/>
+              <a:defRPr sz="1000"/>
             </a:lvl7pPr>
-            <a:lvl8pPr marL="3200400" indent="0">
+            <a:lvl8pPr marL="2285945" indent="0">
               <a:buNone/>
-              <a:defRPr sz="1400"/>
+              <a:defRPr sz="1000"/>
             </a:lvl8pPr>
-            <a:lvl9pPr marL="3657600" indent="0">
+            <a:lvl9pPr marL="2612509" indent="0">
               <a:buNone/>
-              <a:defRPr sz="1400"/>
+              <a:defRPr sz="1000"/>
             </a:lvl9pPr>
           </a:lstStyle>
           <a:p>
@@ -2153,39 +2157,39 @@
         </p:nvSpPr>
         <p:spPr>
           <a:xfrm>
-            <a:off x="3840164" y="9246527"/>
-            <a:ext cx="21686837" cy="19201473"/>
+            <a:off x="2742977" y="7925597"/>
+            <a:ext cx="15490597" cy="16458405"/>
           </a:xfrm>
         </p:spPr>
         <p:txBody>
           <a:bodyPr/>
           <a:lstStyle>
             <a:lvl1pPr>
-              <a:defRPr sz="2800"/>
+              <a:defRPr sz="2000"/>
             </a:lvl1pPr>
             <a:lvl2pPr>
-              <a:defRPr sz="2400"/>
+              <a:defRPr sz="1715"/>
             </a:lvl2pPr>
             <a:lvl3pPr>
-              <a:defRPr sz="2000"/>
+              <a:defRPr sz="1428"/>
             </a:lvl3pPr>
             <a:lvl4pPr>
-              <a:defRPr sz="1800"/>
+              <a:defRPr sz="1285"/>
             </a:lvl4pPr>
             <a:lvl5pPr>
-              <a:defRPr sz="1800"/>
+              <a:defRPr sz="1285"/>
             </a:lvl5pPr>
             <a:lvl6pPr>
-              <a:defRPr sz="1800"/>
+              <a:defRPr sz="1285"/>
             </a:lvl6pPr>
             <a:lvl7pPr>
-              <a:defRPr sz="1800"/>
+              <a:defRPr sz="1285"/>
             </a:lvl7pPr>
             <a:lvl8pPr>
-              <a:defRPr sz="1800"/>
+              <a:defRPr sz="1285"/>
             </a:lvl8pPr>
             <a:lvl9pPr>
-              <a:defRPr sz="1800"/>
+              <a:defRPr sz="1285"/>
             </a:lvl9pPr>
           </a:lstStyle>
           <a:p>
@@ -2237,39 +2241,39 @@
         </p:nvSpPr>
         <p:spPr>
           <a:xfrm>
-            <a:off x="25679400" y="9246527"/>
-            <a:ext cx="21686838" cy="19201473"/>
+            <a:off x="18342430" y="7925597"/>
+            <a:ext cx="15490599" cy="16458405"/>
           </a:xfrm>
         </p:spPr>
         <p:txBody>
           <a:bodyPr/>
           <a:lstStyle>
             <a:lvl1pPr>
-              <a:defRPr sz="2800"/>
+              <a:defRPr sz="2000"/>
             </a:lvl1pPr>
             <a:lvl2pPr>
-              <a:defRPr sz="2400"/>
+              <a:defRPr sz="1715"/>
             </a:lvl2pPr>
             <a:lvl3pPr>
-              <a:defRPr sz="2000"/>
+              <a:defRPr sz="1428"/>
             </a:lvl3pPr>
             <a:lvl4pPr>
-              <a:defRPr sz="1800"/>
+              <a:defRPr sz="1285"/>
             </a:lvl4pPr>
             <a:lvl5pPr>
-              <a:defRPr sz="1800"/>
+              <a:defRPr sz="1285"/>
             </a:lvl5pPr>
             <a:lvl6pPr>
-              <a:defRPr sz="1800"/>
+              <a:defRPr sz="1285"/>
             </a:lvl6pPr>
             <a:lvl7pPr>
-              <a:defRPr sz="1800"/>
+              <a:defRPr sz="1285"/>
             </a:lvl7pPr>
             <a:lvl8pPr>
-              <a:defRPr sz="1800"/>
+              <a:defRPr sz="1285"/>
             </a:lvl8pPr>
             <a:lvl9pPr>
-              <a:defRPr sz="1800"/>
+              <a:defRPr sz="1285"/>
             </a:lvl9pPr>
           </a:lstStyle>
           <a:p>
@@ -2455,8 +2459,8 @@
         </p:nvSpPr>
         <p:spPr>
           <a:xfrm>
-            <a:off x="2560639" y="1281024"/>
-            <a:ext cx="46085125" cy="5334000"/>
+            <a:off x="1829030" y="1098021"/>
+            <a:ext cx="32917946" cy="4572000"/>
           </a:xfrm>
         </p:spPr>
         <p:txBody>
@@ -2486,8 +2490,8 @@
         </p:nvSpPr>
         <p:spPr>
           <a:xfrm>
-            <a:off x="2560638" y="7164476"/>
-            <a:ext cx="22625050" cy="2984941"/>
+            <a:off x="1829031" y="6140983"/>
+            <a:ext cx="16160751" cy="2558521"/>
           </a:xfrm>
         </p:spPr>
         <p:txBody>
@@ -2495,39 +2499,39 @@
           <a:lstStyle>
             <a:lvl1pPr marL="0" indent="0">
               <a:buNone/>
-              <a:defRPr sz="2400" b="1"/>
+              <a:defRPr sz="1715" b="1"/>
             </a:lvl1pPr>
-            <a:lvl2pPr marL="457200" indent="0">
+            <a:lvl2pPr marL="326564" indent="0">
               <a:buNone/>
-              <a:defRPr sz="2000" b="1"/>
+              <a:defRPr sz="1428" b="1"/>
             </a:lvl2pPr>
-            <a:lvl3pPr marL="914400" indent="0">
+            <a:lvl3pPr marL="653128" indent="0">
               <a:buNone/>
-              <a:defRPr sz="1800" b="1"/>
+              <a:defRPr sz="1285" b="1"/>
             </a:lvl3pPr>
-            <a:lvl4pPr marL="1371600" indent="0">
+            <a:lvl4pPr marL="979691" indent="0">
               <a:buNone/>
-              <a:defRPr sz="1600" b="1"/>
+              <a:defRPr sz="1143" b="1"/>
             </a:lvl4pPr>
-            <a:lvl5pPr marL="1828800" indent="0">
+            <a:lvl5pPr marL="1306256" indent="0">
               <a:buNone/>
-              <a:defRPr sz="1600" b="1"/>
+              <a:defRPr sz="1143" b="1"/>
             </a:lvl5pPr>
-            <a:lvl6pPr marL="2286000" indent="0">
+            <a:lvl6pPr marL="1632818" indent="0">
               <a:buNone/>
-              <a:defRPr sz="1600" b="1"/>
+              <a:defRPr sz="1143" b="1"/>
             </a:lvl6pPr>
-            <a:lvl7pPr marL="2743200" indent="0">
+            <a:lvl7pPr marL="1959382" indent="0">
               <a:buNone/>
-              <a:defRPr sz="1600" b="1"/>
+              <a:defRPr sz="1143" b="1"/>
             </a:lvl7pPr>
-            <a:lvl8pPr marL="3200400" indent="0">
+            <a:lvl8pPr marL="2285945" indent="0">
               <a:buNone/>
-              <a:defRPr sz="1600" b="1"/>
+              <a:defRPr sz="1143" b="1"/>
             </a:lvl8pPr>
-            <a:lvl9pPr marL="3657600" indent="0">
+            <a:lvl9pPr marL="2612509" indent="0">
               <a:buNone/>
-              <a:defRPr sz="1600" b="1"/>
+              <a:defRPr sz="1143" b="1"/>
             </a:lvl9pPr>
           </a:lstStyle>
           <a:p>
@@ -2551,39 +2555,39 @@
         </p:nvSpPr>
         <p:spPr>
           <a:xfrm>
-            <a:off x="2560638" y="10149417"/>
-            <a:ext cx="22625050" cy="18439033"/>
+            <a:off x="1829031" y="8699504"/>
+            <a:ext cx="16160751" cy="15804885"/>
           </a:xfrm>
         </p:spPr>
         <p:txBody>
           <a:bodyPr/>
           <a:lstStyle>
             <a:lvl1pPr>
-              <a:defRPr sz="2400"/>
+              <a:defRPr sz="1715"/>
             </a:lvl1pPr>
             <a:lvl2pPr>
-              <a:defRPr sz="2000"/>
+              <a:defRPr sz="1428"/>
             </a:lvl2pPr>
             <a:lvl3pPr>
-              <a:defRPr sz="1800"/>
+              <a:defRPr sz="1285"/>
             </a:lvl3pPr>
             <a:lvl4pPr>
-              <a:defRPr sz="1600"/>
+              <a:defRPr sz="1143"/>
             </a:lvl4pPr>
             <a:lvl5pPr>
-              <a:defRPr sz="1600"/>
+              <a:defRPr sz="1143"/>
             </a:lvl5pPr>
             <a:lvl6pPr>
-              <a:defRPr sz="1600"/>
+              <a:defRPr sz="1143"/>
             </a:lvl6pPr>
             <a:lvl7pPr>
-              <a:defRPr sz="1600"/>
+              <a:defRPr sz="1143"/>
             </a:lvl7pPr>
             <a:lvl8pPr>
-              <a:defRPr sz="1600"/>
+              <a:defRPr sz="1143"/>
             </a:lvl8pPr>
             <a:lvl9pPr>
-              <a:defRPr sz="1600"/>
+              <a:defRPr sz="1143"/>
             </a:lvl9pPr>
           </a:lstStyle>
           <a:p>
@@ -2635,8 +2639,8 @@
         </p:nvSpPr>
         <p:spPr>
           <a:xfrm>
-            <a:off x="26012775" y="7164476"/>
-            <a:ext cx="22632988" cy="2984941"/>
+            <a:off x="18580554" y="6140983"/>
+            <a:ext cx="16166420" cy="2558521"/>
           </a:xfrm>
         </p:spPr>
         <p:txBody>
@@ -2644,39 +2648,39 @@
           <a:lstStyle>
             <a:lvl1pPr marL="0" indent="0">
               <a:buNone/>
-              <a:defRPr sz="2400" b="1"/>
+              <a:defRPr sz="1715" b="1"/>
             </a:lvl1pPr>
-            <a:lvl2pPr marL="457200" indent="0">
+            <a:lvl2pPr marL="326564" indent="0">
               <a:buNone/>
-              <a:defRPr sz="2000" b="1"/>
+              <a:defRPr sz="1428" b="1"/>
             </a:lvl2pPr>
-            <a:lvl3pPr marL="914400" indent="0">
+            <a:lvl3pPr marL="653128" indent="0">
               <a:buNone/>
-              <a:defRPr sz="1800" b="1"/>
+              <a:defRPr sz="1285" b="1"/>
             </a:lvl3pPr>
-            <a:lvl4pPr marL="1371600" indent="0">
+            <a:lvl4pPr marL="979691" indent="0">
               <a:buNone/>
-              <a:defRPr sz="1600" b="1"/>
+              <a:defRPr sz="1143" b="1"/>
             </a:lvl4pPr>
-            <a:lvl5pPr marL="1828800" indent="0">
+            <a:lvl5pPr marL="1306256" indent="0">
               <a:buNone/>
-              <a:defRPr sz="1600" b="1"/>
+              <a:defRPr sz="1143" b="1"/>
             </a:lvl5pPr>
-            <a:lvl6pPr marL="2286000" indent="0">
+            <a:lvl6pPr marL="1632818" indent="0">
               <a:buNone/>
-              <a:defRPr sz="1600" b="1"/>
+              <a:defRPr sz="1143" b="1"/>
             </a:lvl6pPr>
-            <a:lvl7pPr marL="2743200" indent="0">
+            <a:lvl7pPr marL="1959382" indent="0">
               <a:buNone/>
-              <a:defRPr sz="1600" b="1"/>
+              <a:defRPr sz="1143" b="1"/>
             </a:lvl7pPr>
-            <a:lvl8pPr marL="3200400" indent="0">
+            <a:lvl8pPr marL="2285945" indent="0">
               <a:buNone/>
-              <a:defRPr sz="1600" b="1"/>
+              <a:defRPr sz="1143" b="1"/>
             </a:lvl8pPr>
-            <a:lvl9pPr marL="3657600" indent="0">
+            <a:lvl9pPr marL="2612509" indent="0">
               <a:buNone/>
-              <a:defRPr sz="1600" b="1"/>
+              <a:defRPr sz="1143" b="1"/>
             </a:lvl9pPr>
           </a:lstStyle>
           <a:p>
@@ -2700,39 +2704,39 @@
         </p:nvSpPr>
         <p:spPr>
           <a:xfrm>
-            <a:off x="26012775" y="10149417"/>
-            <a:ext cx="22632988" cy="18439033"/>
+            <a:off x="18580554" y="8699504"/>
+            <a:ext cx="16166420" cy="15804885"/>
           </a:xfrm>
         </p:spPr>
         <p:txBody>
           <a:bodyPr/>
           <a:lstStyle>
             <a:lvl1pPr>
-              <a:defRPr sz="2400"/>
+              <a:defRPr sz="1715"/>
             </a:lvl1pPr>
             <a:lvl2pPr>
-              <a:defRPr sz="2000"/>
+              <a:defRPr sz="1428"/>
             </a:lvl2pPr>
             <a:lvl3pPr>
-              <a:defRPr sz="1800"/>
+              <a:defRPr sz="1285"/>
             </a:lvl3pPr>
             <a:lvl4pPr>
-              <a:defRPr sz="1600"/>
+              <a:defRPr sz="1143"/>
             </a:lvl4pPr>
             <a:lvl5pPr>
-              <a:defRPr sz="1600"/>
+              <a:defRPr sz="1143"/>
             </a:lvl5pPr>
             <a:lvl6pPr>
-              <a:defRPr sz="1600"/>
+              <a:defRPr sz="1143"/>
             </a:lvl6pPr>
             <a:lvl7pPr>
-              <a:defRPr sz="1600"/>
+              <a:defRPr sz="1143"/>
             </a:lvl7pPr>
             <a:lvl8pPr>
-              <a:defRPr sz="1600"/>
+              <a:defRPr sz="1143"/>
             </a:lvl8pPr>
             <a:lvl9pPr>
-              <a:defRPr sz="1600"/>
+              <a:defRPr sz="1143"/>
             </a:lvl9pPr>
           </a:lstStyle>
           <a:p>
@@ -3208,15 +3212,15 @@
         </p:nvSpPr>
         <p:spPr>
           <a:xfrm>
-            <a:off x="2560638" y="1274851"/>
-            <a:ext cx="16846550" cy="5421974"/>
+            <a:off x="1829029" y="1092731"/>
+            <a:ext cx="12033251" cy="4647406"/>
           </a:xfrm>
         </p:spPr>
         <p:txBody>
           <a:bodyPr anchor="b"/>
           <a:lstStyle>
             <a:lvl1pPr algn="l">
-              <a:defRPr sz="2000" b="1"/>
+              <a:defRPr sz="1428" b="1"/>
             </a:lvl1pPr>
           </a:lstStyle>
           <a:p>
@@ -3239,39 +3243,39 @@
         </p:nvSpPr>
         <p:spPr>
           <a:xfrm>
-            <a:off x="20019963" y="1274851"/>
-            <a:ext cx="28625800" cy="27313599"/>
+            <a:off x="14299974" y="1092732"/>
+            <a:ext cx="20447000" cy="23411656"/>
           </a:xfrm>
         </p:spPr>
         <p:txBody>
           <a:bodyPr/>
           <a:lstStyle>
             <a:lvl1pPr>
-              <a:defRPr sz="3200"/>
+              <a:defRPr sz="2286"/>
             </a:lvl1pPr>
             <a:lvl2pPr>
-              <a:defRPr sz="2800"/>
+              <a:defRPr sz="2000"/>
             </a:lvl2pPr>
             <a:lvl3pPr>
-              <a:defRPr sz="2400"/>
+              <a:defRPr sz="1715"/>
             </a:lvl3pPr>
             <a:lvl4pPr>
-              <a:defRPr sz="2000"/>
+              <a:defRPr sz="1428"/>
             </a:lvl4pPr>
             <a:lvl5pPr>
-              <a:defRPr sz="2000"/>
+              <a:defRPr sz="1428"/>
             </a:lvl5pPr>
             <a:lvl6pPr>
-              <a:defRPr sz="2000"/>
+              <a:defRPr sz="1428"/>
             </a:lvl6pPr>
             <a:lvl7pPr>
-              <a:defRPr sz="2000"/>
+              <a:defRPr sz="1428"/>
             </a:lvl7pPr>
             <a:lvl8pPr>
-              <a:defRPr sz="2000"/>
+              <a:defRPr sz="1428"/>
             </a:lvl8pPr>
             <a:lvl9pPr>
-              <a:defRPr sz="2000"/>
+              <a:defRPr sz="1428"/>
             </a:lvl9pPr>
           </a:lstStyle>
           <a:p>
@@ -3323,8 +3327,8 @@
         </p:nvSpPr>
         <p:spPr>
           <a:xfrm>
-            <a:off x="2560638" y="6696825"/>
-            <a:ext cx="16846550" cy="21891625"/>
+            <a:off x="1829029" y="5740138"/>
+            <a:ext cx="12033251" cy="18764251"/>
           </a:xfrm>
         </p:spPr>
         <p:txBody>
@@ -3332,39 +3336,39 @@
           <a:lstStyle>
             <a:lvl1pPr marL="0" indent="0">
               <a:buNone/>
-              <a:defRPr sz="1400"/>
+              <a:defRPr sz="1000"/>
             </a:lvl1pPr>
-            <a:lvl2pPr marL="457200" indent="0">
+            <a:lvl2pPr marL="326564" indent="0">
               <a:buNone/>
-              <a:defRPr sz="1200"/>
+              <a:defRPr sz="857"/>
             </a:lvl2pPr>
-            <a:lvl3pPr marL="914400" indent="0">
+            <a:lvl3pPr marL="653128" indent="0">
               <a:buNone/>
-              <a:defRPr sz="1000"/>
+              <a:defRPr sz="715"/>
             </a:lvl3pPr>
-            <a:lvl4pPr marL="1371600" indent="0">
+            <a:lvl4pPr marL="979691" indent="0">
               <a:buNone/>
-              <a:defRPr sz="900"/>
+              <a:defRPr sz="643"/>
             </a:lvl4pPr>
-            <a:lvl5pPr marL="1828800" indent="0">
+            <a:lvl5pPr marL="1306256" indent="0">
               <a:buNone/>
-              <a:defRPr sz="900"/>
+              <a:defRPr sz="643"/>
             </a:lvl5pPr>
-            <a:lvl6pPr marL="2286000" indent="0">
+            <a:lvl6pPr marL="1632818" indent="0">
               <a:buNone/>
-              <a:defRPr sz="900"/>
+              <a:defRPr sz="643"/>
             </a:lvl6pPr>
-            <a:lvl7pPr marL="2743200" indent="0">
+            <a:lvl7pPr marL="1959382" indent="0">
               <a:buNone/>
-              <a:defRPr sz="900"/>
+              <a:defRPr sz="643"/>
             </a:lvl7pPr>
-            <a:lvl8pPr marL="3200400" indent="0">
+            <a:lvl8pPr marL="2285945" indent="0">
               <a:buNone/>
-              <a:defRPr sz="900"/>
+              <a:defRPr sz="643"/>
             </a:lvl8pPr>
-            <a:lvl9pPr marL="3657600" indent="0">
+            <a:lvl9pPr marL="2612509" indent="0">
               <a:buNone/>
-              <a:defRPr sz="900"/>
+              <a:defRPr sz="643"/>
             </a:lvl9pPr>
           </a:lstStyle>
           <a:p>
@@ -3522,15 +3526,15 @@
         </p:nvSpPr>
         <p:spPr>
           <a:xfrm>
-            <a:off x="10036176" y="22402492"/>
-            <a:ext cx="30724475" cy="2645392"/>
+            <a:off x="7168699" y="19202138"/>
+            <a:ext cx="21946054" cy="2267479"/>
           </a:xfrm>
         </p:spPr>
         <p:txBody>
           <a:bodyPr anchor="b"/>
           <a:lstStyle>
             <a:lvl1pPr algn="l">
-              <a:defRPr sz="2000" b="1"/>
+              <a:defRPr sz="1428" b="1"/>
             </a:lvl1pPr>
           </a:lstStyle>
           <a:p>
@@ -3553,8 +3557,8 @@
         </p:nvSpPr>
         <p:spPr>
           <a:xfrm>
-            <a:off x="10036176" y="2859927"/>
-            <a:ext cx="30724475" cy="19201473"/>
+            <a:off x="7168699" y="2451368"/>
+            <a:ext cx="21946054" cy="16458405"/>
           </a:xfrm>
         </p:spPr>
         <p:txBody>
@@ -3562,39 +3566,39 @@
           <a:lstStyle>
             <a:lvl1pPr marL="0" indent="0">
               <a:buNone/>
-              <a:defRPr sz="3200"/>
+              <a:defRPr sz="2286"/>
             </a:lvl1pPr>
-            <a:lvl2pPr marL="457200" indent="0">
-              <a:buNone/>
-              <a:defRPr sz="2800"/>
-            </a:lvl2pPr>
-            <a:lvl3pPr marL="914400" indent="0">
-              <a:buNone/>
-              <a:defRPr sz="2400"/>
-            </a:lvl3pPr>
-            <a:lvl4pPr marL="1371600" indent="0">
+            <a:lvl2pPr marL="326564" indent="0">
               <a:buNone/>
               <a:defRPr sz="2000"/>
+            </a:lvl2pPr>
+            <a:lvl3pPr marL="653128" indent="0">
+              <a:buNone/>
+              <a:defRPr sz="1715"/>
+            </a:lvl3pPr>
+            <a:lvl4pPr marL="979691" indent="0">
+              <a:buNone/>
+              <a:defRPr sz="1428"/>
             </a:lvl4pPr>
-            <a:lvl5pPr marL="1828800" indent="0">
+            <a:lvl5pPr marL="1306256" indent="0">
               <a:buNone/>
-              <a:defRPr sz="2000"/>
+              <a:defRPr sz="1428"/>
             </a:lvl5pPr>
-            <a:lvl6pPr marL="2286000" indent="0">
+            <a:lvl6pPr marL="1632818" indent="0">
               <a:buNone/>
-              <a:defRPr sz="2000"/>
+              <a:defRPr sz="1428"/>
             </a:lvl6pPr>
-            <a:lvl7pPr marL="2743200" indent="0">
+            <a:lvl7pPr marL="1959382" indent="0">
               <a:buNone/>
-              <a:defRPr sz="2000"/>
+              <a:defRPr sz="1428"/>
             </a:lvl7pPr>
-            <a:lvl8pPr marL="3200400" indent="0">
+            <a:lvl8pPr marL="2285945" indent="0">
               <a:buNone/>
-              <a:defRPr sz="2000"/>
+              <a:defRPr sz="1428"/>
             </a:lvl8pPr>
-            <a:lvl9pPr marL="3657600" indent="0">
+            <a:lvl9pPr marL="2612509" indent="0">
               <a:buNone/>
-              <a:defRPr sz="2000"/>
+              <a:defRPr sz="1428"/>
             </a:lvl9pPr>
           </a:lstStyle>
           <a:p>
@@ -3615,8 +3619,8 @@
         </p:nvSpPr>
         <p:spPr>
           <a:xfrm>
-            <a:off x="10036176" y="25047885"/>
-            <a:ext cx="30724475" cy="3755098"/>
+            <a:off x="7168699" y="21469616"/>
+            <a:ext cx="21946054" cy="3218655"/>
           </a:xfrm>
         </p:spPr>
         <p:txBody>
@@ -3624,39 +3628,39 @@
           <a:lstStyle>
             <a:lvl1pPr marL="0" indent="0">
               <a:buNone/>
-              <a:defRPr sz="1400"/>
+              <a:defRPr sz="1000"/>
             </a:lvl1pPr>
-            <a:lvl2pPr marL="457200" indent="0">
+            <a:lvl2pPr marL="326564" indent="0">
               <a:buNone/>
-              <a:defRPr sz="1200"/>
+              <a:defRPr sz="857"/>
             </a:lvl2pPr>
-            <a:lvl3pPr marL="914400" indent="0">
+            <a:lvl3pPr marL="653128" indent="0">
               <a:buNone/>
-              <a:defRPr sz="1000"/>
+              <a:defRPr sz="715"/>
             </a:lvl3pPr>
-            <a:lvl4pPr marL="1371600" indent="0">
+            <a:lvl4pPr marL="979691" indent="0">
               <a:buNone/>
-              <a:defRPr sz="900"/>
+              <a:defRPr sz="643"/>
             </a:lvl4pPr>
-            <a:lvl5pPr marL="1828800" indent="0">
+            <a:lvl5pPr marL="1306256" indent="0">
               <a:buNone/>
-              <a:defRPr sz="900"/>
+              <a:defRPr sz="643"/>
             </a:lvl5pPr>
-            <a:lvl6pPr marL="2286000" indent="0">
+            <a:lvl6pPr marL="1632818" indent="0">
               <a:buNone/>
-              <a:defRPr sz="900"/>
+              <a:defRPr sz="643"/>
             </a:lvl6pPr>
-            <a:lvl7pPr marL="2743200" indent="0">
+            <a:lvl7pPr marL="1959382" indent="0">
               <a:buNone/>
-              <a:defRPr sz="900"/>
+              <a:defRPr sz="643"/>
             </a:lvl7pPr>
-            <a:lvl8pPr marL="3200400" indent="0">
+            <a:lvl8pPr marL="2285945" indent="0">
               <a:buNone/>
-              <a:defRPr sz="900"/>
+              <a:defRPr sz="643"/>
             </a:lvl8pPr>
-            <a:lvl9pPr marL="3657600" indent="0">
+            <a:lvl9pPr marL="2612509" indent="0">
               <a:buNone/>
-              <a:defRPr sz="900"/>
+              <a:defRPr sz="643"/>
             </a:lvl9pPr>
           </a:lstStyle>
           <a:p>
@@ -3828,8 +3832,8 @@
         </p:nvSpPr>
         <p:spPr bwMode="auto">
           <a:xfrm>
-            <a:off x="3840163" y="2844800"/>
-            <a:ext cx="43526075" cy="5334000"/>
+            <a:off x="2742976" y="2438400"/>
+            <a:ext cx="31090054" cy="4572000"/>
           </a:xfrm>
           <a:prstGeom prst="rect">
             <a:avLst/>
@@ -3892,8 +3896,8 @@
         </p:nvSpPr>
         <p:spPr bwMode="auto">
           <a:xfrm>
-            <a:off x="3840163" y="9247188"/>
-            <a:ext cx="43526075" cy="19200812"/>
+            <a:off x="2742976" y="7926164"/>
+            <a:ext cx="31090054" cy="16457839"/>
           </a:xfrm>
           <a:prstGeom prst="rect">
             <a:avLst/>
@@ -3984,8 +3988,8 @@
         </p:nvSpPr>
         <p:spPr bwMode="auto">
           <a:xfrm>
-            <a:off x="3840163" y="29159200"/>
-            <a:ext cx="10668000" cy="2133600"/>
+            <a:off x="2742974" y="24993600"/>
+            <a:ext cx="7620000" cy="1828800"/>
           </a:xfrm>
           <a:prstGeom prst="rect">
             <a:avLst/>
@@ -4007,7 +4011,7 @@
           </a:bodyPr>
           <a:lstStyle>
             <a:lvl1pPr>
-              <a:defRPr sz="6200">
+              <a:defRPr sz="4428">
                 <a:latin typeface="Times New Roman" charset="0"/>
                 <a:ea typeface="ＭＳ Ｐゴシック" charset="0"/>
                 <a:cs typeface="ＭＳ Ｐゴシック" charset="0"/>
@@ -4040,8 +4044,8 @@
         </p:nvSpPr>
         <p:spPr bwMode="auto">
           <a:xfrm>
-            <a:off x="17495838" y="29159200"/>
-            <a:ext cx="16214725" cy="2133600"/>
+            <a:off x="12497030" y="24993600"/>
+            <a:ext cx="11581946" cy="1828800"/>
           </a:xfrm>
           <a:prstGeom prst="rect">
             <a:avLst/>
@@ -4063,7 +4067,7 @@
           </a:bodyPr>
           <a:lstStyle>
             <a:lvl1pPr algn="ctr">
-              <a:defRPr sz="6200">
+              <a:defRPr sz="4428">
                 <a:latin typeface="Times New Roman" charset="0"/>
                 <a:ea typeface="ＭＳ Ｐゴシック" charset="0"/>
                 <a:cs typeface="ＭＳ Ｐゴシック" charset="0"/>
@@ -4096,8 +4100,8 @@
         </p:nvSpPr>
         <p:spPr bwMode="auto">
           <a:xfrm>
-            <a:off x="36698238" y="29159200"/>
-            <a:ext cx="10668000" cy="2133600"/>
+            <a:off x="26213026" y="24993600"/>
+            <a:ext cx="7620000" cy="1828800"/>
           </a:xfrm>
           <a:prstGeom prst="rect">
             <a:avLst/>
@@ -4119,7 +4123,7 @@
           </a:bodyPr>
           <a:lstStyle>
             <a:lvl1pPr algn="r">
-              <a:defRPr sz="6200">
+              <a:defRPr sz="4428">
                 <a:latin typeface="Times New Roman" panose="02020603050405020304" pitchFamily="18" charset="0"/>
               </a:defRPr>
             </a:lvl1pPr>
@@ -4152,14 +4156,14 @@
   </p:sldLayoutIdLst>
   <p:txStyles>
     <p:titleStyle>
-      <a:lvl1pPr algn="ctr" defTabSz="4075113" rtl="0" eaLnBrk="0" fontAlgn="base" hangingPunct="0">
+      <a:lvl1pPr algn="ctr" defTabSz="2910725" rtl="0" eaLnBrk="0" fontAlgn="base" hangingPunct="0">
         <a:spcBef>
           <a:spcPct val="0"/>
         </a:spcBef>
         <a:spcAft>
           <a:spcPct val="0"/>
         </a:spcAft>
-        <a:defRPr sz="19600">
+        <a:defRPr sz="14000">
           <a:solidFill>
             <a:schemeClr val="tx2"/>
           </a:solidFill>
@@ -4168,14 +4172,14 @@
           <a:cs typeface="ＭＳ Ｐゴシック" pitchFamily="-65" charset="-128"/>
         </a:defRPr>
       </a:lvl1pPr>
-      <a:lvl2pPr algn="ctr" defTabSz="4075113" rtl="0" eaLnBrk="0" fontAlgn="base" hangingPunct="0">
+      <a:lvl2pPr algn="ctr" defTabSz="2910725" rtl="0" eaLnBrk="0" fontAlgn="base" hangingPunct="0">
         <a:spcBef>
           <a:spcPct val="0"/>
         </a:spcBef>
         <a:spcAft>
           <a:spcPct val="0"/>
         </a:spcAft>
-        <a:defRPr sz="19600">
+        <a:defRPr sz="14000">
           <a:solidFill>
             <a:schemeClr val="tx2"/>
           </a:solidFill>
@@ -4184,14 +4188,14 @@
           <a:cs typeface="ＭＳ Ｐゴシック" pitchFamily="-65" charset="-128"/>
         </a:defRPr>
       </a:lvl2pPr>
-      <a:lvl3pPr algn="ctr" defTabSz="4075113" rtl="0" eaLnBrk="0" fontAlgn="base" hangingPunct="0">
+      <a:lvl3pPr algn="ctr" defTabSz="2910725" rtl="0" eaLnBrk="0" fontAlgn="base" hangingPunct="0">
         <a:spcBef>
           <a:spcPct val="0"/>
         </a:spcBef>
         <a:spcAft>
           <a:spcPct val="0"/>
         </a:spcAft>
-        <a:defRPr sz="19600">
+        <a:defRPr sz="14000">
           <a:solidFill>
             <a:schemeClr val="tx2"/>
           </a:solidFill>
@@ -4200,14 +4204,14 @@
           <a:cs typeface="ＭＳ Ｐゴシック" pitchFamily="-65" charset="-128"/>
         </a:defRPr>
       </a:lvl3pPr>
-      <a:lvl4pPr algn="ctr" defTabSz="4075113" rtl="0" eaLnBrk="0" fontAlgn="base" hangingPunct="0">
+      <a:lvl4pPr algn="ctr" defTabSz="2910725" rtl="0" eaLnBrk="0" fontAlgn="base" hangingPunct="0">
         <a:spcBef>
           <a:spcPct val="0"/>
         </a:spcBef>
         <a:spcAft>
           <a:spcPct val="0"/>
         </a:spcAft>
-        <a:defRPr sz="19600">
+        <a:defRPr sz="14000">
           <a:solidFill>
             <a:schemeClr val="tx2"/>
           </a:solidFill>
@@ -4216,14 +4220,14 @@
           <a:cs typeface="ＭＳ Ｐゴシック" pitchFamily="-65" charset="-128"/>
         </a:defRPr>
       </a:lvl4pPr>
-      <a:lvl5pPr algn="ctr" defTabSz="4075113" rtl="0" eaLnBrk="0" fontAlgn="base" hangingPunct="0">
+      <a:lvl5pPr algn="ctr" defTabSz="2910725" rtl="0" eaLnBrk="0" fontAlgn="base" hangingPunct="0">
         <a:spcBef>
           <a:spcPct val="0"/>
         </a:spcBef>
         <a:spcAft>
           <a:spcPct val="0"/>
         </a:spcAft>
-        <a:defRPr sz="19600">
+        <a:defRPr sz="14000">
           <a:solidFill>
             <a:schemeClr val="tx2"/>
           </a:solidFill>
@@ -4232,56 +4236,56 @@
           <a:cs typeface="ＭＳ Ｐゴシック" pitchFamily="-65" charset="-128"/>
         </a:defRPr>
       </a:lvl5pPr>
-      <a:lvl6pPr marL="457200" algn="ctr" defTabSz="4075113" rtl="0" fontAlgn="base">
+      <a:lvl6pPr marL="326564" algn="ctr" defTabSz="2910725" rtl="0" fontAlgn="base">
         <a:spcBef>
           <a:spcPct val="0"/>
         </a:spcBef>
         <a:spcAft>
           <a:spcPct val="0"/>
         </a:spcAft>
-        <a:defRPr sz="19600">
+        <a:defRPr sz="14000">
           <a:solidFill>
             <a:schemeClr val="tx2"/>
           </a:solidFill>
           <a:latin typeface="Times New Roman" pitchFamily="-65" charset="0"/>
         </a:defRPr>
       </a:lvl6pPr>
-      <a:lvl7pPr marL="914400" algn="ctr" defTabSz="4075113" rtl="0" fontAlgn="base">
+      <a:lvl7pPr marL="653128" algn="ctr" defTabSz="2910725" rtl="0" fontAlgn="base">
         <a:spcBef>
           <a:spcPct val="0"/>
         </a:spcBef>
         <a:spcAft>
           <a:spcPct val="0"/>
         </a:spcAft>
-        <a:defRPr sz="19600">
+        <a:defRPr sz="14000">
           <a:solidFill>
             <a:schemeClr val="tx2"/>
           </a:solidFill>
           <a:latin typeface="Times New Roman" pitchFamily="-65" charset="0"/>
         </a:defRPr>
       </a:lvl7pPr>
-      <a:lvl8pPr marL="1371600" algn="ctr" defTabSz="4075113" rtl="0" fontAlgn="base">
+      <a:lvl8pPr marL="979691" algn="ctr" defTabSz="2910725" rtl="0" fontAlgn="base">
         <a:spcBef>
           <a:spcPct val="0"/>
         </a:spcBef>
         <a:spcAft>
           <a:spcPct val="0"/>
         </a:spcAft>
-        <a:defRPr sz="19600">
+        <a:defRPr sz="14000">
           <a:solidFill>
             <a:schemeClr val="tx2"/>
           </a:solidFill>
           <a:latin typeface="Times New Roman" pitchFamily="-65" charset="0"/>
         </a:defRPr>
       </a:lvl8pPr>
-      <a:lvl9pPr marL="1828800" algn="ctr" defTabSz="4075113" rtl="0" fontAlgn="base">
+      <a:lvl9pPr marL="1306256" algn="ctr" defTabSz="2910725" rtl="0" fontAlgn="base">
         <a:spcBef>
           <a:spcPct val="0"/>
         </a:spcBef>
         <a:spcAft>
           <a:spcPct val="0"/>
         </a:spcAft>
-        <a:defRPr sz="19600">
+        <a:defRPr sz="14000">
           <a:solidFill>
             <a:schemeClr val="tx2"/>
           </a:solidFill>
@@ -4290,7 +4294,7 @@
       </a:lvl9pPr>
     </p:titleStyle>
     <p:bodyStyle>
-      <a:lvl1pPr marL="1528763" indent="-1528763" algn="l" defTabSz="4075113" rtl="0" eaLnBrk="0" fontAlgn="base" hangingPunct="0">
+      <a:lvl1pPr marL="1091948" indent="-1091948" algn="l" defTabSz="2910725" rtl="0" eaLnBrk="0" fontAlgn="base" hangingPunct="0">
         <a:spcBef>
           <a:spcPct val="20000"/>
         </a:spcBef>
@@ -4298,7 +4302,7 @@
           <a:spcPct val="0"/>
         </a:spcAft>
         <a:buChar char="•"/>
-        <a:defRPr sz="14300">
+        <a:defRPr sz="10215">
           <a:solidFill>
             <a:schemeClr val="tx1"/>
           </a:solidFill>
@@ -4307,7 +4311,7 @@
           <a:cs typeface="ＭＳ Ｐゴシック" pitchFamily="-65" charset="-128"/>
         </a:defRPr>
       </a:lvl1pPr>
-      <a:lvl2pPr marL="3311525" indent="-1273175" algn="l" defTabSz="4075113" rtl="0" eaLnBrk="0" fontAlgn="base" hangingPunct="0">
+      <a:lvl2pPr marL="2365318" indent="-909389" algn="l" defTabSz="2910725" rtl="0" eaLnBrk="0" fontAlgn="base" hangingPunct="0">
         <a:spcBef>
           <a:spcPct val="20000"/>
         </a:spcBef>
@@ -4315,7 +4319,7 @@
           <a:spcPct val="0"/>
         </a:spcAft>
         <a:buChar char="–"/>
-        <a:defRPr sz="12500">
+        <a:defRPr sz="8928">
           <a:solidFill>
             <a:schemeClr val="tx1"/>
           </a:solidFill>
@@ -4324,7 +4328,7 @@
           <a:cs typeface="ＭＳ Ｐゴシック" charset="0"/>
         </a:defRPr>
       </a:lvl2pPr>
-      <a:lvl3pPr marL="5094288" indent="-1019175" algn="l" defTabSz="4075113" rtl="0" eaLnBrk="0" fontAlgn="base" hangingPunct="0">
+      <a:lvl3pPr marL="3638690" indent="-727964" algn="l" defTabSz="2910725" rtl="0" eaLnBrk="0" fontAlgn="base" hangingPunct="0">
         <a:spcBef>
           <a:spcPct val="20000"/>
         </a:spcBef>
@@ -4332,7 +4336,7 @@
           <a:spcPct val="0"/>
         </a:spcAft>
         <a:buChar char="•"/>
-        <a:defRPr sz="10700">
+        <a:defRPr sz="7643">
           <a:solidFill>
             <a:schemeClr val="tx1"/>
           </a:solidFill>
@@ -4341,7 +4345,7 @@
           <a:cs typeface="ＭＳ Ｐゴシック" charset="0"/>
         </a:defRPr>
       </a:lvl3pPr>
-      <a:lvl4pPr marL="7132638" indent="-1019175" algn="l" defTabSz="4075113" rtl="0" eaLnBrk="0" fontAlgn="base" hangingPunct="0">
+      <a:lvl4pPr marL="5094621" indent="-727964" algn="l" defTabSz="2910725" rtl="0" eaLnBrk="0" fontAlgn="base" hangingPunct="0">
         <a:spcBef>
           <a:spcPct val="20000"/>
         </a:spcBef>
@@ -4349,7 +4353,7 @@
           <a:spcPct val="0"/>
         </a:spcAft>
         <a:buChar char="–"/>
-        <a:defRPr sz="8900">
+        <a:defRPr sz="6357">
           <a:solidFill>
             <a:schemeClr val="tx1"/>
           </a:solidFill>
@@ -4358,7 +4362,7 @@
           <a:cs typeface="ＭＳ Ｐゴシック" charset="0"/>
         </a:defRPr>
       </a:lvl4pPr>
-      <a:lvl5pPr marL="9169400" indent="-1017588" algn="l" defTabSz="4075113" rtl="0" eaLnBrk="0" fontAlgn="base" hangingPunct="0">
+      <a:lvl5pPr marL="6549416" indent="-726832" algn="l" defTabSz="2910725" rtl="0" eaLnBrk="0" fontAlgn="base" hangingPunct="0">
         <a:spcBef>
           <a:spcPct val="20000"/>
         </a:spcBef>
@@ -4366,7 +4370,7 @@
           <a:spcPct val="0"/>
         </a:spcAft>
         <a:buChar char="»"/>
-        <a:defRPr sz="8900">
+        <a:defRPr sz="6357">
           <a:solidFill>
             <a:schemeClr val="tx1"/>
           </a:solidFill>
@@ -4375,7 +4379,7 @@
           <a:cs typeface="ＭＳ Ｐゴシック" charset="0"/>
         </a:defRPr>
       </a:lvl5pPr>
-      <a:lvl6pPr marL="9626600" indent="-1017588" algn="l" defTabSz="4075113" rtl="0" fontAlgn="base">
+      <a:lvl6pPr marL="6875979" indent="-726832" algn="l" defTabSz="2910725" rtl="0" fontAlgn="base">
         <a:spcBef>
           <a:spcPct val="20000"/>
         </a:spcBef>
@@ -4383,7 +4387,7 @@
           <a:spcPct val="0"/>
         </a:spcAft>
         <a:buChar char="»"/>
-        <a:defRPr sz="8900">
+        <a:defRPr sz="6357">
           <a:solidFill>
             <a:schemeClr val="tx1"/>
           </a:solidFill>
@@ -4391,7 +4395,7 @@
           <a:ea typeface="ＭＳ Ｐゴシック" pitchFamily="-65" charset="-128"/>
         </a:defRPr>
       </a:lvl6pPr>
-      <a:lvl7pPr marL="10083800" indent="-1017588" algn="l" defTabSz="4075113" rtl="0" fontAlgn="base">
+      <a:lvl7pPr marL="7202543" indent="-726832" algn="l" defTabSz="2910725" rtl="0" fontAlgn="base">
         <a:spcBef>
           <a:spcPct val="20000"/>
         </a:spcBef>
@@ -4399,7 +4403,7 @@
           <a:spcPct val="0"/>
         </a:spcAft>
         <a:buChar char="»"/>
-        <a:defRPr sz="8900">
+        <a:defRPr sz="6357">
           <a:solidFill>
             <a:schemeClr val="tx1"/>
           </a:solidFill>
@@ -4407,7 +4411,7 @@
           <a:ea typeface="ＭＳ Ｐゴシック" pitchFamily="-65" charset="-128"/>
         </a:defRPr>
       </a:lvl7pPr>
-      <a:lvl8pPr marL="10541000" indent="-1017588" algn="l" defTabSz="4075113" rtl="0" fontAlgn="base">
+      <a:lvl8pPr marL="7529107" indent="-726832" algn="l" defTabSz="2910725" rtl="0" fontAlgn="base">
         <a:spcBef>
           <a:spcPct val="20000"/>
         </a:spcBef>
@@ -4415,7 +4419,7 @@
           <a:spcPct val="0"/>
         </a:spcAft>
         <a:buChar char="»"/>
-        <a:defRPr sz="8900">
+        <a:defRPr sz="6357">
           <a:solidFill>
             <a:schemeClr val="tx1"/>
           </a:solidFill>
@@ -4423,7 +4427,7 @@
           <a:ea typeface="ＭＳ Ｐゴシック" pitchFamily="-65" charset="-128"/>
         </a:defRPr>
       </a:lvl8pPr>
-      <a:lvl9pPr marL="10998200" indent="-1017588" algn="l" defTabSz="4075113" rtl="0" fontAlgn="base">
+      <a:lvl9pPr marL="7855670" indent="-726832" algn="l" defTabSz="2910725" rtl="0" fontAlgn="base">
         <a:spcBef>
           <a:spcPct val="20000"/>
         </a:spcBef>
@@ -4431,7 +4435,7 @@
           <a:spcPct val="0"/>
         </a:spcAft>
         <a:buChar char="»"/>
-        <a:defRPr sz="8900">
+        <a:defRPr sz="6357">
           <a:solidFill>
             <a:schemeClr val="tx1"/>
           </a:solidFill>
@@ -4444,8 +4448,8 @@
       <a:defPPr>
         <a:defRPr lang="en-US"/>
       </a:defPPr>
-      <a:lvl1pPr marL="0" algn="l" defTabSz="457200" rtl="0" eaLnBrk="1" latinLnBrk="0" hangingPunct="1">
-        <a:defRPr sz="1800" kern="1200">
+      <a:lvl1pPr marL="0" algn="l" defTabSz="326564" rtl="0" eaLnBrk="1" latinLnBrk="0" hangingPunct="1">
+        <a:defRPr sz="1285" kern="1200">
           <a:solidFill>
             <a:schemeClr val="tx1"/>
           </a:solidFill>
@@ -4454,8 +4458,8 @@
           <a:cs typeface="+mn-cs"/>
         </a:defRPr>
       </a:lvl1pPr>
-      <a:lvl2pPr marL="457200" algn="l" defTabSz="457200" rtl="0" eaLnBrk="1" latinLnBrk="0" hangingPunct="1">
-        <a:defRPr sz="1800" kern="1200">
+      <a:lvl2pPr marL="326564" algn="l" defTabSz="326564" rtl="0" eaLnBrk="1" latinLnBrk="0" hangingPunct="1">
+        <a:defRPr sz="1285" kern="1200">
           <a:solidFill>
             <a:schemeClr val="tx1"/>
           </a:solidFill>
@@ -4464,8 +4468,8 @@
           <a:cs typeface="+mn-cs"/>
         </a:defRPr>
       </a:lvl2pPr>
-      <a:lvl3pPr marL="914400" algn="l" defTabSz="457200" rtl="0" eaLnBrk="1" latinLnBrk="0" hangingPunct="1">
-        <a:defRPr sz="1800" kern="1200">
+      <a:lvl3pPr marL="653128" algn="l" defTabSz="326564" rtl="0" eaLnBrk="1" latinLnBrk="0" hangingPunct="1">
+        <a:defRPr sz="1285" kern="1200">
           <a:solidFill>
             <a:schemeClr val="tx1"/>
           </a:solidFill>
@@ -4474,8 +4478,8 @@
           <a:cs typeface="+mn-cs"/>
         </a:defRPr>
       </a:lvl3pPr>
-      <a:lvl4pPr marL="1371600" algn="l" defTabSz="457200" rtl="0" eaLnBrk="1" latinLnBrk="0" hangingPunct="1">
-        <a:defRPr sz="1800" kern="1200">
+      <a:lvl4pPr marL="979691" algn="l" defTabSz="326564" rtl="0" eaLnBrk="1" latinLnBrk="0" hangingPunct="1">
+        <a:defRPr sz="1285" kern="1200">
           <a:solidFill>
             <a:schemeClr val="tx1"/>
           </a:solidFill>
@@ -4484,8 +4488,8 @@
           <a:cs typeface="+mn-cs"/>
         </a:defRPr>
       </a:lvl4pPr>
-      <a:lvl5pPr marL="1828800" algn="l" defTabSz="457200" rtl="0" eaLnBrk="1" latinLnBrk="0" hangingPunct="1">
-        <a:defRPr sz="1800" kern="1200">
+      <a:lvl5pPr marL="1306256" algn="l" defTabSz="326564" rtl="0" eaLnBrk="1" latinLnBrk="0" hangingPunct="1">
+        <a:defRPr sz="1285" kern="1200">
           <a:solidFill>
             <a:schemeClr val="tx1"/>
           </a:solidFill>
@@ -4494,8 +4498,8 @@
           <a:cs typeface="+mn-cs"/>
         </a:defRPr>
       </a:lvl5pPr>
-      <a:lvl6pPr marL="2286000" algn="l" defTabSz="457200" rtl="0" eaLnBrk="1" latinLnBrk="0" hangingPunct="1">
-        <a:defRPr sz="1800" kern="1200">
+      <a:lvl6pPr marL="1632818" algn="l" defTabSz="326564" rtl="0" eaLnBrk="1" latinLnBrk="0" hangingPunct="1">
+        <a:defRPr sz="1285" kern="1200">
           <a:solidFill>
             <a:schemeClr val="tx1"/>
           </a:solidFill>
@@ -4504,8 +4508,8 @@
           <a:cs typeface="+mn-cs"/>
         </a:defRPr>
       </a:lvl6pPr>
-      <a:lvl7pPr marL="2743200" algn="l" defTabSz="457200" rtl="0" eaLnBrk="1" latinLnBrk="0" hangingPunct="1">
-        <a:defRPr sz="1800" kern="1200">
+      <a:lvl7pPr marL="1959382" algn="l" defTabSz="326564" rtl="0" eaLnBrk="1" latinLnBrk="0" hangingPunct="1">
+        <a:defRPr sz="1285" kern="1200">
           <a:solidFill>
             <a:schemeClr val="tx1"/>
           </a:solidFill>
@@ -4514,8 +4518,8 @@
           <a:cs typeface="+mn-cs"/>
         </a:defRPr>
       </a:lvl7pPr>
-      <a:lvl8pPr marL="3200400" algn="l" defTabSz="457200" rtl="0" eaLnBrk="1" latinLnBrk="0" hangingPunct="1">
-        <a:defRPr sz="1800" kern="1200">
+      <a:lvl8pPr marL="2285945" algn="l" defTabSz="326564" rtl="0" eaLnBrk="1" latinLnBrk="0" hangingPunct="1">
+        <a:defRPr sz="1285" kern="1200">
           <a:solidFill>
             <a:schemeClr val="tx1"/>
           </a:solidFill>
@@ -4524,8 +4528,8 @@
           <a:cs typeface="+mn-cs"/>
         </a:defRPr>
       </a:lvl8pPr>
-      <a:lvl9pPr marL="3657600" algn="l" defTabSz="457200" rtl="0" eaLnBrk="1" latinLnBrk="0" hangingPunct="1">
-        <a:defRPr sz="1800" kern="1200">
+      <a:lvl9pPr marL="2612509" algn="l" defTabSz="326564" rtl="0" eaLnBrk="1" latinLnBrk="0" hangingPunct="1">
+        <a:defRPr sz="1285" kern="1200">
           <a:solidFill>
             <a:schemeClr val="tx1"/>
           </a:solidFill>
@@ -4599,8 +4603,8 @@
         </p:blipFill>
         <p:spPr bwMode="auto">
           <a:xfrm>
-            <a:off x="-1" y="-15766"/>
-            <a:ext cx="51206401" cy="32028013"/>
+            <a:off x="-1" y="2274740"/>
+            <a:ext cx="36576001" cy="22877152"/>
           </a:xfrm>
           <a:prstGeom prst="rect">
             <a:avLst/>
@@ -4633,8 +4637,8 @@
         </p:nvSpPr>
         <p:spPr bwMode="auto">
           <a:xfrm>
-            <a:off x="1763486" y="6929437"/>
-            <a:ext cx="10744427" cy="11300277"/>
+            <a:off x="1259636" y="7235600"/>
+            <a:ext cx="7674591" cy="8071626"/>
           </a:xfrm>
           <a:prstGeom prst="rect">
             <a:avLst/>
@@ -4659,7 +4663,7 @@
           </a:effectLst>
         </p:spPr>
         <p:txBody>
-          <a:bodyPr lIns="914400" tIns="457200" rIns="914400" bIns="457200"/>
+          <a:bodyPr lIns="653143" tIns="326572" rIns="653143" bIns="326572"/>
           <a:lstStyle>
             <a:lvl1pPr eaLnBrk="0" hangingPunct="0">
               <a:tabLst>
@@ -4801,7 +4805,7 @@
               </a:spcBef>
             </a:pPr>
             <a:r>
-              <a:rPr lang="en-US" altLang="en-US" sz="4800" b="1" u="sng" dirty="0">
+              <a:rPr lang="en-US" altLang="en-US" sz="3428" b="1" u="sng" dirty="0">
                 <a:latin typeface="Avenir Heavy" pitchFamily="124" charset="0"/>
               </a:rPr>
               <a:t>Introduction</a:t>
@@ -4813,7 +4817,7 @@
                 <a:spcPct val="10000"/>
               </a:spcBef>
             </a:pPr>
-            <a:endParaRPr lang="en-US" altLang="ja-JP" sz="4800" dirty="0">
+            <a:endParaRPr lang="en-US" altLang="ja-JP" sz="3428" dirty="0">
               <a:latin typeface="Avenir Book" pitchFamily="124" charset="0"/>
             </a:endParaRPr>
           </a:p>
@@ -4824,12 +4828,12 @@
               </a:spcBef>
             </a:pPr>
             <a:r>
-              <a:rPr lang="en-US" sz="4000" dirty="0">
+              <a:rPr lang="en-US" sz="2857" dirty="0">
                 <a:latin typeface="Avenir Book"/>
               </a:rPr>
               <a:t>This project explores how accurately NBA regular season data can predict playoff outcomes using neural networks trained on game-by-game statistics. The goal is to identify patterns in predictive accuracy as the season progresses, uncovering whether certain segments of games better indicate postseason success. By addressing doubts about the regular season’s value, this study offers potential insights to enhance sports analytics, inform league policies, and showcase the dynamic applications of machine learning in real-world scenarios.</a:t>
             </a:r>
-            <a:endParaRPr lang="en-US" altLang="en-US" sz="4000" dirty="0">
+            <a:endParaRPr lang="en-US" altLang="en-US" sz="2857" dirty="0">
               <a:latin typeface="Avenir Book"/>
             </a:endParaRPr>
           </a:p>
@@ -4851,8 +4855,8 @@
         </p:nvSpPr>
         <p:spPr bwMode="auto">
           <a:xfrm>
-            <a:off x="1763486" y="19333028"/>
-            <a:ext cx="10744427" cy="10254343"/>
+            <a:off x="1259636" y="16095308"/>
+            <a:ext cx="7674591" cy="7324531"/>
           </a:xfrm>
           <a:prstGeom prst="rect">
             <a:avLst/>
@@ -4877,7 +4881,7 @@
           </a:effectLst>
         </p:spPr>
         <p:txBody>
-          <a:bodyPr lIns="914400" tIns="457200" rIns="914400" bIns="457200"/>
+          <a:bodyPr lIns="653143" tIns="326572" rIns="653143" bIns="326572"/>
           <a:lstStyle>
             <a:lvl1pPr eaLnBrk="0" hangingPunct="0">
               <a:tabLst>
@@ -5019,7 +5023,7 @@
               </a:spcBef>
             </a:pPr>
             <a:r>
-              <a:rPr lang="en-US" altLang="en-US" sz="4800" b="1" u="sng" dirty="0">
+              <a:rPr lang="en-US" altLang="en-US" sz="3428" b="1" u="sng" dirty="0">
                 <a:solidFill>
                   <a:srgbClr val="000000"/>
                 </a:solidFill>
@@ -5027,7 +5031,7 @@
               </a:rPr>
               <a:t>Data Processing</a:t>
             </a:r>
-            <a:endParaRPr lang="en-US" altLang="en-US" sz="4800" u="sng" dirty="0">
+            <a:endParaRPr lang="en-US" altLang="en-US" sz="3428" u="sng" dirty="0">
               <a:latin typeface="Avenir Book" pitchFamily="124" charset="0"/>
             </a:endParaRPr>
           </a:p>
@@ -5037,12 +5041,12 @@
                 <a:spcPct val="10000"/>
               </a:spcBef>
             </a:pPr>
-            <a:endParaRPr lang="en-US" altLang="en-US" sz="1000" dirty="0">
+            <a:endParaRPr lang="en-US" altLang="en-US" sz="715" dirty="0">
               <a:latin typeface="Avenir Book" pitchFamily="124" charset="0"/>
             </a:endParaRPr>
           </a:p>
           <a:p>
-            <a:pPr marL="685800" indent="-685800" eaLnBrk="1" hangingPunct="1">
+            <a:pPr marL="489846" indent="-489846" eaLnBrk="1" hangingPunct="1">
               <a:spcBef>
                 <a:spcPct val="10000"/>
               </a:spcBef>
@@ -5050,14 +5054,14 @@
               <a:buChar char="•"/>
             </a:pPr>
             <a:r>
-              <a:rPr lang="en-US" altLang="en-US" sz="4400" dirty="0">
+              <a:rPr lang="en-US" altLang="en-US" sz="3143" dirty="0">
                 <a:latin typeface="Avenir Book" pitchFamily="124" charset="0"/>
               </a:rPr>
               <a:t>We first scraped and collected our data using the requests library in Python (see data sources section).</a:t>
             </a:r>
           </a:p>
           <a:p>
-            <a:pPr marL="685800" indent="-685800" eaLnBrk="1" hangingPunct="1">
+            <a:pPr marL="489846" indent="-489846" eaLnBrk="1" hangingPunct="1">
               <a:spcBef>
                 <a:spcPct val="10000"/>
               </a:spcBef>
@@ -5065,26 +5069,26 @@
               <a:buChar char="•"/>
             </a:pPr>
             <a:r>
-              <a:rPr lang="en-US" altLang="en-US" sz="4400" dirty="0">
+              <a:rPr lang="en-US" altLang="en-US" sz="3143" dirty="0">
                 <a:latin typeface="Avenir Book" pitchFamily="124" charset="0"/>
               </a:rPr>
               <a:t>Using the </a:t>
             </a:r>
             <a:r>
-              <a:rPr lang="en-US" altLang="en-US" sz="4400" i="1" dirty="0">
+              <a:rPr lang="en-US" altLang="en-US" sz="3143" i="1" dirty="0">
                 <a:latin typeface="Avenir Book" pitchFamily="124" charset="0"/>
               </a:rPr>
               <a:t>pandas</a:t>
             </a:r>
             <a:r>
-              <a:rPr lang="en-US" altLang="en-US" sz="4400" dirty="0">
+              <a:rPr lang="en-US" altLang="en-US" sz="3143" dirty="0">
                 <a:latin typeface="Avenir Book" pitchFamily="124" charset="0"/>
               </a:rPr>
               <a:t> library in Python, we were able to process scraped box score data for each NBA team (using global and team identifiers) and merge it together by season.</a:t>
             </a:r>
           </a:p>
           <a:p>
-            <a:pPr marL="685800" indent="-685800" eaLnBrk="1" hangingPunct="1">
+            <a:pPr marL="489846" indent="-489846" eaLnBrk="1" hangingPunct="1">
               <a:spcBef>
                 <a:spcPct val="10000"/>
               </a:spcBef>
@@ -5092,33 +5096,33 @@
               <a:buChar char="•"/>
             </a:pPr>
             <a:r>
-              <a:rPr lang="en-US" altLang="en-US" sz="4400" dirty="0">
+              <a:rPr lang="en-US" altLang="en-US" sz="3143" dirty="0">
                 <a:latin typeface="Avenir Book" pitchFamily="124" charset="0"/>
                 <a:ea typeface="Cambria" panose="02040503050406030204" pitchFamily="18" charset="0"/>
               </a:rPr>
               <a:t>The visuals were created using </a:t>
             </a:r>
             <a:r>
-              <a:rPr lang="en-US" altLang="en-US" sz="4400" i="1" dirty="0">
+              <a:rPr lang="en-US" altLang="en-US" sz="3143" i="1" dirty="0">
                 <a:latin typeface="Avenir Book" pitchFamily="124" charset="0"/>
                 <a:ea typeface="Cambria" panose="02040503050406030204" pitchFamily="18" charset="0"/>
               </a:rPr>
               <a:t>matplotlib</a:t>
             </a:r>
             <a:r>
-              <a:rPr lang="en-US" altLang="en-US" sz="4400" dirty="0">
+              <a:rPr lang="en-US" altLang="en-US" sz="3143" dirty="0">
                 <a:latin typeface="Avenir Book" pitchFamily="124" charset="0"/>
                 <a:ea typeface="Cambria" panose="02040503050406030204" pitchFamily="18" charset="0"/>
               </a:rPr>
               <a:t>.</a:t>
             </a:r>
-            <a:endParaRPr lang="en-US" altLang="en-US" sz="4400" i="1" dirty="0">
+            <a:endParaRPr lang="en-US" altLang="en-US" sz="3143" i="1" dirty="0">
               <a:latin typeface="Avenir Book" pitchFamily="124" charset="0"/>
               <a:ea typeface="Cambria" panose="02040503050406030204" pitchFamily="18" charset="0"/>
             </a:endParaRPr>
           </a:p>
           <a:p>
-            <a:pPr marL="685800" indent="-685800" eaLnBrk="1" hangingPunct="1">
+            <a:pPr marL="489846" indent="-489846" eaLnBrk="1" hangingPunct="1">
               <a:spcBef>
                 <a:spcPct val="10000"/>
               </a:spcBef>
@@ -5126,27 +5130,27 @@
               <a:buChar char="•"/>
             </a:pPr>
             <a:r>
-              <a:rPr lang="en-US" altLang="en-US" sz="4400" dirty="0">
+              <a:rPr lang="en-US" altLang="en-US" sz="3143" dirty="0">
                 <a:latin typeface="Avenir Book" pitchFamily="124" charset="0"/>
                 <a:ea typeface="Cambria" panose="02040503050406030204" pitchFamily="18" charset="0"/>
               </a:rPr>
               <a:t>Our neural network was created using the </a:t>
             </a:r>
             <a:r>
-              <a:rPr lang="en-US" altLang="en-US" sz="4400" i="1" dirty="0" err="1">
+              <a:rPr lang="en-US" altLang="en-US" sz="3143" i="1" dirty="0" err="1">
                 <a:latin typeface="Avenir Book" pitchFamily="124" charset="0"/>
                 <a:ea typeface="Cambria" panose="02040503050406030204" pitchFamily="18" charset="0"/>
               </a:rPr>
               <a:t>keras</a:t>
             </a:r>
             <a:r>
-              <a:rPr lang="en-US" altLang="en-US" sz="4400" dirty="0">
+              <a:rPr lang="en-US" altLang="en-US" sz="3143" dirty="0">
                 <a:latin typeface="Avenir Book" pitchFamily="124" charset="0"/>
                 <a:ea typeface="Cambria" panose="02040503050406030204" pitchFamily="18" charset="0"/>
               </a:rPr>
               <a:t> library in Python.</a:t>
             </a:r>
-            <a:endParaRPr lang="en-US" altLang="en-US" sz="4400" dirty="0">
+            <a:endParaRPr lang="en-US" altLang="en-US" sz="3143" dirty="0">
               <a:latin typeface="Avenir Book" pitchFamily="124" charset="0"/>
             </a:endParaRPr>
           </a:p>
@@ -5168,8 +5172,8 @@
         </p:nvSpPr>
         <p:spPr bwMode="auto">
           <a:xfrm>
-            <a:off x="13822363" y="6908800"/>
-            <a:ext cx="23347362" cy="22678571"/>
+            <a:off x="9873120" y="7220859"/>
+            <a:ext cx="16676686" cy="16198979"/>
           </a:xfrm>
           <a:prstGeom prst="rect">
             <a:avLst/>
@@ -5194,7 +5198,7 @@
           </a:effectLst>
         </p:spPr>
         <p:txBody>
-          <a:bodyPr lIns="914400" tIns="457200" rIns="914400" bIns="914400"/>
+          <a:bodyPr lIns="653143" tIns="326572" rIns="653143" bIns="653143"/>
           <a:lstStyle>
             <a:lvl1pPr eaLnBrk="0" hangingPunct="0">
               <a:tabLst>
@@ -5332,7 +5336,7 @@
           <a:p>
             <a:pPr algn="ctr" eaLnBrk="1" hangingPunct="1"/>
             <a:r>
-              <a:rPr lang="en-US" altLang="en-US" sz="4800" b="1" u="sng" dirty="0">
+              <a:rPr lang="en-US" altLang="en-US" sz="3428" b="1" u="sng" dirty="0">
                 <a:solidFill>
                   <a:srgbClr val="000000"/>
                 </a:solidFill>
@@ -5344,70 +5348,70 @@
           <a:p>
             <a:pPr eaLnBrk="1" hangingPunct="1">
               <a:spcBef>
-                <a:spcPts val="500"/>
+                <a:spcPts val="357"/>
               </a:spcBef>
             </a:pPr>
-            <a:endParaRPr lang="en-US" altLang="ja-JP" sz="4800" dirty="0">
+            <a:endParaRPr lang="en-US" altLang="ja-JP" sz="3428" dirty="0">
               <a:latin typeface="Avenir Book" pitchFamily="124" charset="0"/>
             </a:endParaRPr>
           </a:p>
           <a:p>
             <a:pPr eaLnBrk="1" hangingPunct="1">
               <a:spcBef>
-                <a:spcPts val="500"/>
+                <a:spcPts val="357"/>
               </a:spcBef>
             </a:pPr>
-            <a:endParaRPr lang="en-US" altLang="ja-JP" sz="4800" dirty="0">
+            <a:endParaRPr lang="en-US" altLang="ja-JP" sz="3428" dirty="0">
               <a:latin typeface="Avenir Book" pitchFamily="124" charset="0"/>
             </a:endParaRPr>
           </a:p>
           <a:p>
             <a:pPr eaLnBrk="1" hangingPunct="1">
               <a:spcBef>
-                <a:spcPts val="500"/>
+                <a:spcPts val="357"/>
               </a:spcBef>
             </a:pPr>
-            <a:endParaRPr lang="en-US" altLang="ja-JP" sz="4800" dirty="0">
+            <a:endParaRPr lang="en-US" altLang="ja-JP" sz="3428" dirty="0">
               <a:latin typeface="Avenir Book" pitchFamily="124" charset="0"/>
             </a:endParaRPr>
           </a:p>
           <a:p>
             <a:pPr eaLnBrk="1" hangingPunct="1">
               <a:spcBef>
-                <a:spcPts val="500"/>
+                <a:spcPts val="357"/>
               </a:spcBef>
             </a:pPr>
-            <a:endParaRPr lang="en-US" altLang="ja-JP" sz="4800" dirty="0">
+            <a:endParaRPr lang="en-US" altLang="ja-JP" sz="3428" dirty="0">
               <a:latin typeface="Avenir Book" pitchFamily="124" charset="0"/>
             </a:endParaRPr>
           </a:p>
           <a:p>
             <a:pPr eaLnBrk="1" hangingPunct="1">
               <a:spcBef>
-                <a:spcPts val="500"/>
+                <a:spcPts val="357"/>
               </a:spcBef>
             </a:pPr>
-            <a:endParaRPr lang="en-US" altLang="ja-JP" sz="4800" dirty="0">
+            <a:endParaRPr lang="en-US" altLang="ja-JP" sz="3428" dirty="0">
               <a:latin typeface="Avenir Book" pitchFamily="124" charset="0"/>
             </a:endParaRPr>
           </a:p>
           <a:p>
             <a:pPr eaLnBrk="1" hangingPunct="1">
               <a:spcBef>
-                <a:spcPts val="500"/>
+                <a:spcPts val="357"/>
               </a:spcBef>
             </a:pPr>
-            <a:endParaRPr lang="en-US" altLang="ja-JP" sz="4800" dirty="0">
+            <a:endParaRPr lang="en-US" altLang="ja-JP" sz="3428" dirty="0">
               <a:latin typeface="Avenir Book" pitchFamily="124" charset="0"/>
             </a:endParaRPr>
           </a:p>
           <a:p>
             <a:pPr eaLnBrk="1" hangingPunct="1">
               <a:spcBef>
-                <a:spcPts val="500"/>
+                <a:spcPts val="357"/>
               </a:spcBef>
             </a:pPr>
-            <a:endParaRPr lang="en-US" altLang="ja-JP" sz="4800" dirty="0">
+            <a:endParaRPr lang="en-US" altLang="ja-JP" sz="3428" dirty="0">
               <a:latin typeface="Avenir Book" pitchFamily="124" charset="0"/>
             </a:endParaRPr>
           </a:p>
@@ -5417,7 +5421,7 @@
                 <a:spcPct val="50000"/>
               </a:spcBef>
             </a:pPr>
-            <a:endParaRPr lang="en-US" altLang="en-US" sz="4800" dirty="0">
+            <a:endParaRPr lang="en-US" altLang="en-US" sz="3428" dirty="0">
               <a:solidFill>
                 <a:schemeClr val="accent2"/>
               </a:solidFill>
@@ -5430,7 +5434,7 @@
                 <a:spcPct val="50000"/>
               </a:spcBef>
             </a:pPr>
-            <a:endParaRPr lang="en-US" altLang="en-US" sz="2800" i="1" dirty="0">
+            <a:endParaRPr lang="en-US" altLang="en-US" sz="2000" i="1" dirty="0">
               <a:solidFill>
                 <a:schemeClr val="accent2"/>
               </a:solidFill>
@@ -5455,8 +5459,8 @@
         </p:nvSpPr>
         <p:spPr bwMode="auto">
           <a:xfrm>
-            <a:off x="38598475" y="6902451"/>
-            <a:ext cx="10811782" cy="7564664"/>
+            <a:off x="27570341" y="7216322"/>
+            <a:ext cx="7722701" cy="5403333"/>
           </a:xfrm>
           <a:prstGeom prst="rect">
             <a:avLst/>
@@ -5481,7 +5485,7 @@
           </a:effectLst>
         </p:spPr>
         <p:txBody>
-          <a:bodyPr lIns="914400" tIns="457200" rIns="914400" bIns="457200"/>
+          <a:bodyPr lIns="653143" tIns="326572" rIns="653143" bIns="326572"/>
           <a:lstStyle>
             <a:lvl1pPr eaLnBrk="0" hangingPunct="0">
               <a:tabLst>
@@ -5623,7 +5627,7 @@
               </a:spcBef>
             </a:pPr>
             <a:r>
-              <a:rPr lang="en-US" altLang="en-US" sz="4800" b="1" u="sng" dirty="0">
+              <a:rPr lang="en-US" altLang="en-US" sz="3428" b="1" u="sng" dirty="0">
                 <a:solidFill>
                   <a:srgbClr val="000000"/>
                 </a:solidFill>
@@ -5638,7 +5642,7 @@
                 <a:spcPct val="50000"/>
               </a:spcBef>
             </a:pPr>
-            <a:endParaRPr lang="en-US" altLang="en-US" sz="1000" b="1" dirty="0">
+            <a:endParaRPr lang="en-US" altLang="en-US" sz="715" b="1" dirty="0">
               <a:solidFill>
                 <a:srgbClr val="000000"/>
               </a:solidFill>
@@ -5646,43 +5650,43 @@
             </a:endParaRPr>
           </a:p>
           <a:p>
-            <a:pPr marL="457200" indent="-457200">
+            <a:pPr marL="326564" indent="-326564">
               <a:buFont typeface="Arial" panose="020B0604020202020204" pitchFamily="34" charset="0"/>
               <a:buChar char="•"/>
             </a:pPr>
             <a:r>
-              <a:rPr lang="en-US" sz="4000" dirty="0">
+              <a:rPr lang="en-US" sz="2857" dirty="0">
                 <a:latin typeface="Avenir Book"/>
               </a:rPr>
               <a:t>Our neural network predicted NBA playoff outcomes with an average accuracy of 50%, peaking at 55%.</a:t>
             </a:r>
           </a:p>
           <a:p>
-            <a:pPr marL="457200" indent="-457200">
+            <a:pPr marL="326564" indent="-326564">
               <a:buFont typeface="Arial" panose="020B0604020202020204" pitchFamily="34" charset="0"/>
               <a:buChar char="•"/>
             </a:pPr>
             <a:r>
-              <a:rPr lang="en-US" sz="4000" dirty="0">
+              <a:rPr lang="en-US" sz="2857" dirty="0">
                 <a:latin typeface="Avenir Book"/>
               </a:rPr>
               <a:t>Game-by-game training enhances predictive accuracy, following a semi-logarithmic trend.</a:t>
             </a:r>
           </a:p>
           <a:p>
-            <a:pPr marL="457200" indent="-457200">
+            <a:pPr marL="326564" indent="-326564">
               <a:buFont typeface="Arial" panose="020B0604020202020204" pitchFamily="34" charset="0"/>
               <a:buChar char="•"/>
             </a:pPr>
             <a:r>
-              <a:rPr lang="en-US" sz="4000" dirty="0">
+              <a:rPr lang="en-US" sz="2857" dirty="0">
                 <a:latin typeface="Avenir Book"/>
               </a:rPr>
               <a:t>Predictive performance improves sharply at first, then plateaus, with accuracy declining slowly after the initial surge.</a:t>
             </a:r>
           </a:p>
           <a:p>
-            <a:endParaRPr lang="en-US" sz="1400" dirty="0"/>
+            <a:endParaRPr lang="en-US" sz="1000" dirty="0"/>
           </a:p>
         </p:txBody>
       </p:sp>
@@ -5702,8 +5706,8 @@
         </p:nvSpPr>
         <p:spPr bwMode="auto">
           <a:xfrm>
-            <a:off x="38595300" y="15185571"/>
-            <a:ext cx="10811782" cy="14401799"/>
+            <a:off x="27568073" y="13132839"/>
+            <a:ext cx="7722701" cy="10286999"/>
           </a:xfrm>
           <a:prstGeom prst="rect">
             <a:avLst/>
@@ -5728,7 +5732,7 @@
           </a:effectLst>
         </p:spPr>
         <p:txBody>
-          <a:bodyPr lIns="914400" tIns="457200" rIns="914400" bIns="457200"/>
+          <a:bodyPr lIns="653143" tIns="326572" rIns="653143" bIns="326572"/>
           <a:lstStyle>
             <a:lvl1pPr marL="500063" indent="-500063" eaLnBrk="0" hangingPunct="0">
               <a:defRPr sz="3200">
@@ -5843,7 +5847,7 @@
               </a:spcBef>
             </a:pPr>
             <a:r>
-              <a:rPr lang="en-US" altLang="en-US" sz="4400" b="1" u="sng" dirty="0">
+              <a:rPr lang="en-US" altLang="en-US" sz="3143" b="1" u="sng" dirty="0">
                 <a:solidFill>
                   <a:srgbClr val="000000"/>
                 </a:solidFill>
@@ -5853,59 +5857,59 @@
             </a:r>
           </a:p>
           <a:p>
-            <a:pPr marL="571500" indent="-571500" eaLnBrk="1" hangingPunct="1">
+            <a:pPr marL="408205" indent="-408205" eaLnBrk="1" hangingPunct="1">
               <a:spcBef>
-                <a:spcPts val="1200"/>
+                <a:spcPts val="857"/>
               </a:spcBef>
               <a:buFont typeface="Arial" panose="020B0604020202020204" pitchFamily="34" charset="0"/>
               <a:buChar char="•"/>
             </a:pPr>
             <a:r>
-              <a:rPr lang="en-US" altLang="en-US" sz="3600" dirty="0">
+              <a:rPr lang="en-US" altLang="en-US" sz="2572" dirty="0">
                 <a:latin typeface="Avenir Book" pitchFamily="124" charset="0"/>
               </a:rPr>
               <a:t>Our model could tell early on what level of performance correlated to a particular playoff finish, but it was not entirely accurate.</a:t>
             </a:r>
           </a:p>
           <a:p>
-            <a:pPr marL="571500" indent="-571500" eaLnBrk="1" hangingPunct="1">
+            <a:pPr marL="408205" indent="-408205" eaLnBrk="1" hangingPunct="1">
               <a:spcBef>
-                <a:spcPts val="1200"/>
+                <a:spcPts val="857"/>
               </a:spcBef>
               <a:buFont typeface="Arial" panose="020B0604020202020204" pitchFamily="34" charset="0"/>
               <a:buChar char="•"/>
             </a:pPr>
             <a:r>
-              <a:rPr lang="en-US" altLang="en-US" sz="3600" dirty="0">
+              <a:rPr lang="en-US" altLang="en-US" sz="2572" dirty="0">
                 <a:latin typeface="Avenir Book" pitchFamily="124" charset="0"/>
               </a:rPr>
               <a:t>Our predictive margin of error was around +/- 3 games of playoff result – which is the difference between losing or advancing to the next round.</a:t>
             </a:r>
           </a:p>
           <a:p>
-            <a:pPr marL="571500" indent="-571500" eaLnBrk="1" hangingPunct="1">
+            <a:pPr marL="408205" indent="-408205" eaLnBrk="1" hangingPunct="1">
               <a:spcBef>
-                <a:spcPts val="1200"/>
+                <a:spcPts val="857"/>
               </a:spcBef>
               <a:buFont typeface="Arial" panose="020B0604020202020204" pitchFamily="34" charset="0"/>
               <a:buChar char="•"/>
             </a:pPr>
             <a:r>
-              <a:rPr lang="en-US" altLang="en-US" sz="3600" dirty="0">
+              <a:rPr lang="en-US" altLang="en-US" sz="2572" dirty="0">
                 <a:latin typeface="Avenir Book" pitchFamily="124" charset="0"/>
               </a:rPr>
               <a:t>Rolling average performance over stretches of games will affect prediction ability.</a:t>
             </a:r>
           </a:p>
           <a:p>
-            <a:pPr marL="571500" indent="-571500" eaLnBrk="1" hangingPunct="1">
+            <a:pPr marL="408205" indent="-408205" eaLnBrk="1" hangingPunct="1">
               <a:spcBef>
-                <a:spcPts val="1200"/>
+                <a:spcPts val="857"/>
               </a:spcBef>
               <a:buFont typeface="Arial" panose="020B0604020202020204" pitchFamily="34" charset="0"/>
               <a:buChar char="•"/>
             </a:pPr>
-            <a:endParaRPr lang="en-US" altLang="en-US" sz="2800" dirty="0">
+            <a:endParaRPr lang="en-US" altLang="en-US" sz="2000" dirty="0">
               <a:latin typeface="Avenir Book" pitchFamily="124" charset="0"/>
             </a:endParaRPr>
           </a:p>
@@ -5916,7 +5920,7 @@
               </a:spcBef>
             </a:pPr>
             <a:r>
-              <a:rPr lang="en-US" altLang="en-US" sz="4400" b="1" u="sng" dirty="0">
+              <a:rPr lang="en-US" altLang="en-US" sz="3143" b="1" u="sng" dirty="0">
                 <a:solidFill>
                   <a:srgbClr val="000000"/>
                 </a:solidFill>
@@ -5926,30 +5930,30 @@
             </a:r>
           </a:p>
           <a:p>
-            <a:pPr marL="571500" indent="-571500" eaLnBrk="1" hangingPunct="1">
+            <a:pPr marL="408205" indent="-408205" eaLnBrk="1" hangingPunct="1">
               <a:spcBef>
-                <a:spcPts val="1200"/>
+                <a:spcPts val="857"/>
               </a:spcBef>
               <a:buFont typeface="Arial" panose="020B0604020202020204" pitchFamily="34" charset="0"/>
               <a:buChar char="•"/>
             </a:pPr>
             <a:r>
-              <a:rPr lang="en-US" altLang="en-US" sz="3600" dirty="0">
+              <a:rPr lang="en-US" altLang="en-US" sz="2572" dirty="0">
                 <a:latin typeface="Avenir Book" pitchFamily="124" charset="0"/>
               </a:rPr>
               <a:t>Creating specialized models for each team.</a:t>
             </a:r>
           </a:p>
           <a:p>
-            <a:pPr marL="571500" indent="-571500" eaLnBrk="1" hangingPunct="1">
+            <a:pPr marL="408205" indent="-408205" eaLnBrk="1" hangingPunct="1">
               <a:spcBef>
-                <a:spcPts val="1200"/>
+                <a:spcPts val="857"/>
               </a:spcBef>
               <a:buFont typeface="Arial" panose="020B0604020202020204" pitchFamily="34" charset="0"/>
               <a:buChar char="•"/>
             </a:pPr>
             <a:r>
-              <a:rPr lang="en-US" altLang="en-US" sz="3600" dirty="0">
+              <a:rPr lang="en-US" altLang="en-US" sz="2572" dirty="0">
                 <a:latin typeface="Avenir Book" pitchFamily="124" charset="0"/>
               </a:rPr>
               <a:t>Experimenting with different model types other than neural networks, hoping to find more accurate models for predicting.</a:t>
@@ -5958,17 +5962,17 @@
           <a:p>
             <a:pPr marL="0" indent="0" eaLnBrk="1" hangingPunct="1">
               <a:spcBef>
-                <a:spcPts val="1200"/>
+                <a:spcPts val="857"/>
               </a:spcBef>
             </a:pPr>
-            <a:endParaRPr lang="en-US" altLang="en-US" sz="3600" dirty="0">
+            <a:endParaRPr lang="en-US" altLang="en-US" sz="2572" dirty="0">
               <a:latin typeface="Avenir Book" pitchFamily="124" charset="0"/>
             </a:endParaRPr>
           </a:p>
           <a:p>
             <a:pPr algn="ctr" eaLnBrk="1" hangingPunct="1"/>
             <a:r>
-              <a:rPr lang="en-US" altLang="en-US" sz="4400" b="1" u="sng" dirty="0">
+              <a:rPr lang="en-US" altLang="en-US" sz="3143" b="1" u="sng" dirty="0">
                 <a:solidFill>
                   <a:srgbClr val="000000"/>
                 </a:solidFill>
@@ -5978,7 +5982,7 @@
             </a:r>
           </a:p>
           <a:p>
-            <a:pPr marL="571500" indent="-571500" eaLnBrk="1" hangingPunct="1">
+            <a:pPr marL="408205" indent="-408205" eaLnBrk="1" hangingPunct="1">
               <a:spcBef>
                 <a:spcPct val="10000"/>
               </a:spcBef>
@@ -5986,7 +5990,7 @@
               <a:buChar char="•"/>
             </a:pPr>
             <a:r>
-              <a:rPr lang="en-US" altLang="en-US" sz="3600" dirty="0" err="1">
+              <a:rPr lang="en-US" altLang="en-US" sz="2572" dirty="0" err="1">
                 <a:solidFill>
                   <a:srgbClr val="000000"/>
                 </a:solidFill>
@@ -5995,7 +5999,7 @@
               <a:t>NBA.com’s</a:t>
             </a:r>
             <a:r>
-              <a:rPr lang="en-US" altLang="en-US" sz="3600" dirty="0">
+              <a:rPr lang="en-US" altLang="en-US" sz="2572" dirty="0">
                 <a:solidFill>
                   <a:srgbClr val="000000"/>
                 </a:solidFill>
@@ -6005,7 +6009,7 @@
             </a:r>
           </a:p>
           <a:p>
-            <a:pPr marL="571500" indent="-571500" eaLnBrk="1" hangingPunct="1">
+            <a:pPr marL="408205" indent="-408205" eaLnBrk="1" hangingPunct="1">
               <a:spcBef>
                 <a:spcPct val="10000"/>
               </a:spcBef>
@@ -6013,7 +6017,7 @@
               <a:buChar char="•"/>
             </a:pPr>
             <a:r>
-              <a:rPr lang="en-US" altLang="en-US" sz="3600" dirty="0">
+              <a:rPr lang="en-US" altLang="en-US" sz="2572" dirty="0">
                 <a:solidFill>
                   <a:srgbClr val="000000"/>
                 </a:solidFill>
@@ -6021,17 +6025,17 @@
               </a:rPr>
               <a:t>Used the stats.nba.com API to scrape traditional and advanced box score data.</a:t>
             </a:r>
-            <a:endParaRPr lang="en-US" altLang="en-US" sz="3600" dirty="0">
+            <a:endParaRPr lang="en-US" altLang="en-US" sz="2572" dirty="0">
               <a:latin typeface="Avenir Book" pitchFamily="124" charset="0"/>
             </a:endParaRPr>
           </a:p>
           <a:p>
             <a:pPr marL="0" indent="0" eaLnBrk="1" hangingPunct="1">
               <a:spcBef>
-                <a:spcPts val="1200"/>
+                <a:spcPts val="857"/>
               </a:spcBef>
             </a:pPr>
-            <a:endParaRPr lang="en-US" altLang="en-US" sz="3600" dirty="0">
+            <a:endParaRPr lang="en-US" altLang="en-US" sz="2572" dirty="0">
               <a:latin typeface="Avenir Book" pitchFamily="124" charset="0"/>
             </a:endParaRPr>
           </a:p>
@@ -6041,7 +6045,7 @@
                 <a:spcPct val="10000"/>
               </a:spcBef>
             </a:pPr>
-            <a:endParaRPr lang="en-US" altLang="en-US" sz="2800" dirty="0">
+            <a:endParaRPr lang="en-US" altLang="en-US" sz="2000" dirty="0">
               <a:latin typeface="Avenir Book" pitchFamily="124" charset="0"/>
             </a:endParaRPr>
           </a:p>
@@ -6061,8 +6065,8 @@
         </p:nvSpPr>
         <p:spPr>
           <a:xfrm>
-            <a:off x="1763486" y="1077686"/>
-            <a:ext cx="47646771" cy="4794476"/>
+            <a:off x="1259635" y="3055777"/>
+            <a:ext cx="34033408" cy="3424626"/>
           </a:xfrm>
           <a:prstGeom prst="roundRect">
             <a:avLst/>
@@ -6108,11 +6112,10 @@
               <a:defRPr/>
             </a:pPr>
             <a:r>
-              <a:rPr lang="en-US" sz="9600" b="0" i="0" u="none" strike="noStrike" dirty="0">
+              <a:rPr lang="en-US" sz="6857" dirty="0">
                 <a:solidFill>
                   <a:srgbClr val="000000"/>
                 </a:solidFill>
-                <a:effectLst/>
                 <a:latin typeface="Avenir Heavy"/>
               </a:rPr>
               <a:t>Box Score to Bracket: Evaluating the Predictive Power of NBA Regular Season </a:t>
@@ -6126,11 +6129,10 @@
               <a:defRPr/>
             </a:pPr>
             <a:r>
-              <a:rPr lang="en-US" sz="9600" b="0" i="0" u="none" strike="noStrike" dirty="0">
+              <a:rPr lang="en-US" sz="6857" dirty="0">
                 <a:solidFill>
                   <a:srgbClr val="000000"/>
                 </a:solidFill>
-                <a:effectLst/>
                 <a:latin typeface="Avenir Heavy"/>
               </a:rPr>
               <a:t>Performance on Playoff Outcomes</a:t>
@@ -6143,11 +6145,10 @@
               </a:lnSpc>
               <a:defRPr/>
             </a:pPr>
-            <a:endParaRPr lang="en-US" sz="4000" b="0" i="0" u="none" strike="noStrike" dirty="0">
+            <a:endParaRPr lang="en-US" sz="2857" dirty="0">
               <a:solidFill>
                 <a:srgbClr val="000000"/>
               </a:solidFill>
-              <a:effectLst/>
               <a:latin typeface="Avenir Heavy"/>
             </a:endParaRPr>
           </a:p>
@@ -6159,7 +6160,7 @@
               <a:defRPr/>
             </a:pPr>
             <a:r>
-              <a:rPr lang="en-US" altLang="en-US" sz="6000" b="1" dirty="0">
+              <a:rPr lang="en-US" altLang="en-US" sz="4286" b="1" dirty="0">
                 <a:solidFill>
                   <a:schemeClr val="tx1"/>
                 </a:solidFill>
@@ -6168,7 +6169,7 @@
               <a:t>Andrew Scheiner ’25, Sid Lamsal ’25,</a:t>
             </a:r>
             <a:r>
-              <a:rPr lang="en-US" altLang="en-US" sz="6000" b="1" dirty="0">
+              <a:rPr lang="en-US" altLang="en-US" sz="4286" b="1" dirty="0">
                 <a:solidFill>
                   <a:schemeClr val="tx1"/>
                 </a:solidFill>
@@ -6177,7 +6178,7 @@
               <a:t> Department of Data Analytics, </a:t>
             </a:r>
             <a:r>
-              <a:rPr lang="en-US" altLang="en-US" sz="6000" dirty="0">
+              <a:rPr lang="en-US" altLang="en-US" sz="4286" dirty="0">
                 <a:solidFill>
                   <a:schemeClr val="tx1"/>
                 </a:solidFill>
@@ -6217,8 +6218,8 @@
         </p:blipFill>
         <p:spPr bwMode="auto">
           <a:xfrm>
-            <a:off x="14271400" y="8662382"/>
-            <a:ext cx="15129327" cy="9567331"/>
+            <a:off x="10193860" y="8473417"/>
+            <a:ext cx="10806663" cy="6833808"/>
           </a:xfrm>
           <a:prstGeom prst="rect">
             <a:avLst/>
@@ -6276,8 +6277,8 @@
         </p:blipFill>
         <p:spPr bwMode="auto">
           <a:xfrm>
-            <a:off x="21494074" y="19017442"/>
-            <a:ext cx="15129326" cy="9782200"/>
+            <a:off x="15352913" y="15869890"/>
+            <a:ext cx="10806661" cy="6987285"/>
           </a:xfrm>
           <a:prstGeom prst="rect">
             <a:avLst/>
@@ -6320,8 +6321,8 @@
         </p:nvSpPr>
         <p:spPr>
           <a:xfrm>
-            <a:off x="14140772" y="19659600"/>
-            <a:ext cx="6952305" cy="8778346"/>
+            <a:off x="10100555" y="16328572"/>
+            <a:ext cx="4965933" cy="4176319"/>
           </a:xfrm>
           <a:prstGeom prst="rect">
             <a:avLst/>
@@ -6343,49 +6344,49 @@
           </a:effectLst>
         </p:spPr>
         <p:txBody>
-          <a:bodyPr wrap="square" lIns="457200" tIns="457200" rIns="457200" bIns="457200" rtlCol="0">
+          <a:bodyPr wrap="square" lIns="326572" tIns="326572" rIns="326572" bIns="326572" rtlCol="0">
             <a:spAutoFit/>
           </a:bodyPr>
           <a:lstStyle/>
           <a:p>
             <a:r>
-              <a:rPr lang="en-US" dirty="0">
+              <a:rPr lang="en-US" sz="1758" dirty="0">
                 <a:latin typeface="Avenir Book"/>
               </a:rPr>
               <a:t>The graph on the right displays the accuracy of our neural network progressively trained on games using the rolling averages of a team’s stats. For example, looking at </a:t>
             </a:r>
             <a:r>
-              <a:rPr lang="en-US" i="1" dirty="0">
+              <a:rPr lang="en-US" sz="1758" i="1" dirty="0">
                 <a:latin typeface="Avenir Book"/>
               </a:rPr>
               <a:t>x</a:t>
             </a:r>
             <a:r>
-              <a:rPr lang="en-US" dirty="0">
+              <a:rPr lang="en-US" sz="1758" dirty="0">
                 <a:latin typeface="Avenir Book"/>
               </a:rPr>
               <a:t> = 10, this represents game 10 in a season. The blue line represents training accuracy, which is how well game 10 predicted a team’s playoff result in the 2022-23 season. The red line at </a:t>
             </a:r>
             <a:r>
-              <a:rPr lang="en-US" i="1" dirty="0">
+              <a:rPr lang="en-US" sz="1758" i="1" dirty="0">
                 <a:latin typeface="Avenir Book"/>
               </a:rPr>
               <a:t>x</a:t>
             </a:r>
             <a:r>
-              <a:rPr lang="en-US" dirty="0">
+              <a:rPr lang="en-US" sz="1758" dirty="0">
                 <a:latin typeface="Avenir Book"/>
               </a:rPr>
               <a:t> = 10 represents how well our network predicted playoff result for our team in the next season (2023-24) at the 10</a:t>
             </a:r>
             <a:r>
-              <a:rPr lang="en-US" baseline="30000" dirty="0">
+              <a:rPr lang="en-US" sz="1758" baseline="30000" dirty="0">
                 <a:latin typeface="Avenir Book"/>
               </a:rPr>
               <a:t>th</a:t>
             </a:r>
             <a:r>
-              <a:rPr lang="en-US" dirty="0">
+              <a:rPr lang="en-US" sz="1758" dirty="0">
                 <a:latin typeface="Avenir Book"/>
               </a:rPr>
               <a:t> game. Our model performed increasingly more accurate as the season moves along.</a:t>
@@ -6407,8 +6408,8 @@
         </p:nvSpPr>
         <p:spPr>
           <a:xfrm>
-            <a:off x="23822529" y="21801221"/>
-            <a:ext cx="1588164" cy="1395664"/>
+            <a:off x="17016093" y="17858303"/>
+            <a:ext cx="1134403" cy="996903"/>
           </a:xfrm>
           <a:prstGeom prst="rect">
             <a:avLst/>
@@ -6443,7 +6444,7 @@
           <a:lstStyle/>
           <a:p>
             <a:pPr algn="ctr"/>
-            <a:endParaRPr lang="en-US"/>
+            <a:endParaRPr lang="en-US" sz="1758"/>
           </a:p>
         </p:txBody>
       </p:sp>
@@ -6463,8 +6464,8 @@
         </p:nvCxnSpPr>
         <p:spPr>
           <a:xfrm flipV="1">
-            <a:off x="24760989" y="21801221"/>
-            <a:ext cx="0" cy="5994567"/>
+            <a:off x="17686421" y="17858302"/>
+            <a:ext cx="0" cy="4281834"/>
           </a:xfrm>
           <a:prstGeom prst="line">
             <a:avLst/>
@@ -6505,8 +6506,8 @@
         </p:nvSpPr>
         <p:spPr>
           <a:xfrm>
-            <a:off x="20646189" y="21801221"/>
-            <a:ext cx="2905971" cy="586837"/>
+            <a:off x="14747279" y="17858303"/>
+            <a:ext cx="2075694" cy="419169"/>
           </a:xfrm>
           <a:prstGeom prst="rightArrow">
             <a:avLst/>
@@ -6541,7 +6542,7 @@
           <a:lstStyle/>
           <a:p>
             <a:pPr algn="ctr"/>
-            <a:endParaRPr lang="en-US"/>
+            <a:endParaRPr lang="en-US" sz="1758"/>
           </a:p>
         </p:txBody>
       </p:sp>
@@ -6559,8 +6560,8 @@
         </p:nvSpPr>
         <p:spPr>
           <a:xfrm>
-            <a:off x="29850027" y="8887326"/>
-            <a:ext cx="6952305" cy="9787295"/>
+            <a:off x="21321449" y="8634091"/>
+            <a:ext cx="4965933" cy="4446841"/>
           </a:xfrm>
           <a:prstGeom prst="rect">
             <a:avLst/>
@@ -6582,13 +6583,13 @@
           </a:effectLst>
         </p:spPr>
         <p:txBody>
-          <a:bodyPr wrap="square" lIns="457200" tIns="457200" rIns="457200" bIns="457200" rtlCol="0">
+          <a:bodyPr wrap="square" lIns="326572" tIns="326572" rIns="326572" bIns="326572" rtlCol="0">
             <a:spAutoFit/>
           </a:bodyPr>
           <a:lstStyle/>
           <a:p>
             <a:r>
-              <a:rPr lang="en-US" dirty="0">
+              <a:rPr lang="en-US" sz="1758" dirty="0">
                 <a:latin typeface="Avenir Book"/>
               </a:rPr>
               <a:t>The graph on the left signifies how accurate our model was at predicting playoff performance for the 2023-24 season trained on single-game performance in the 2022-23 (previous) season. Our x-axis represents batch number, where one (1) batch is a group of five (5) NBA games. We find that around batch 20, our model’s test accuracy, or ability to predict playoff result for the 2023-24 season, is capped out at around 53%. This means that after approximately 100 games played in the 2023-24 season, which is around the start of November, we can tell a team’s correct playoff result at a bit better than a 50/50 rate. </a:t>
@@ -6610,8 +6611,8 @@
         </p:nvSpPr>
         <p:spPr>
           <a:xfrm>
-            <a:off x="16159387" y="10162674"/>
-            <a:ext cx="2200801" cy="1676400"/>
+            <a:off x="11542422" y="9545056"/>
+            <a:ext cx="1572001" cy="1197428"/>
           </a:xfrm>
           <a:prstGeom prst="rect">
             <a:avLst/>
@@ -6646,7 +6647,7 @@
           <a:lstStyle/>
           <a:p>
             <a:pPr algn="ctr"/>
-            <a:endParaRPr lang="en-US"/>
+            <a:endParaRPr lang="en-US" sz="1758"/>
           </a:p>
         </p:txBody>
       </p:sp>
@@ -6664,8 +6665,8 @@
         </p:nvSpPr>
         <p:spPr>
           <a:xfrm rot="10800000">
-            <a:off x="18587018" y="9942028"/>
-            <a:ext cx="11082855" cy="586837"/>
+            <a:off x="13276442" y="9387452"/>
+            <a:ext cx="7916326" cy="419169"/>
           </a:xfrm>
           <a:prstGeom prst="rightArrow">
             <a:avLst/>
@@ -6700,7 +6701,7 @@
           <a:lstStyle/>
           <a:p>
             <a:pPr algn="ctr"/>
-            <a:endParaRPr lang="en-US"/>
+            <a:endParaRPr lang="en-US" sz="1758"/>
           </a:p>
         </p:txBody>
       </p:sp>
@@ -6720,8 +6721,8 @@
         </p:nvCxnSpPr>
         <p:spPr>
           <a:xfrm>
-            <a:off x="38595300" y="22169904"/>
-            <a:ext cx="10811782" cy="0"/>
+            <a:off x="27568073" y="18121645"/>
+            <a:ext cx="7722701" cy="0"/>
           </a:xfrm>
           <a:prstGeom prst="line">
             <a:avLst/>
@@ -6763,8 +6764,8 @@
         </p:nvCxnSpPr>
         <p:spPr>
           <a:xfrm>
-            <a:off x="38595300" y="26172409"/>
-            <a:ext cx="10811782" cy="0"/>
+            <a:off x="27568073" y="20980577"/>
+            <a:ext cx="7722701" cy="0"/>
           </a:xfrm>
           <a:prstGeom prst="line">
             <a:avLst/>
